--- a/doc/开题报告.pptx
+++ b/doc/开题报告.pptx
@@ -5,18 +5,22 @@
     <p:sldMasterId id="2147483858" r:id="rId1"/>
   </p:sldMasterIdLst>
   <p:notesMasterIdLst>
-    <p:notesMasterId r:id="rId11"/>
+    <p:notesMasterId r:id="rId15"/>
   </p:notesMasterIdLst>
   <p:sldIdLst>
     <p:sldId id="270" r:id="rId2"/>
     <p:sldId id="288" r:id="rId3"/>
     <p:sldId id="287" r:id="rId4"/>
     <p:sldId id="277" r:id="rId5"/>
-    <p:sldId id="291" r:id="rId6"/>
-    <p:sldId id="289" r:id="rId7"/>
-    <p:sldId id="290" r:id="rId8"/>
-    <p:sldId id="292" r:id="rId9"/>
-    <p:sldId id="282" r:id="rId10"/>
+    <p:sldId id="293" r:id="rId6"/>
+    <p:sldId id="294" r:id="rId7"/>
+    <p:sldId id="289" r:id="rId8"/>
+    <p:sldId id="295" r:id="rId9"/>
+    <p:sldId id="296" r:id="rId10"/>
+    <p:sldId id="297" r:id="rId11"/>
+    <p:sldId id="290" r:id="rId12"/>
+    <p:sldId id="292" r:id="rId13"/>
+    <p:sldId id="282" r:id="rId14"/>
   </p:sldIdLst>
   <p:sldSz cx="12192000" cy="6858000"/>
   <p:notesSz cx="6858000" cy="9144000"/>
@@ -205,7 +209,7 @@
           <a:p>
             <a:fld id="{BDA51940-DB52-3B48-AABB-9C7938529E4E}" type="datetimeFigureOut">
               <a:rPr kumimoji="1" lang="zh-CN" altLang="en-US" smtClean="0"/>
-              <a:t>2022/11/30</a:t>
+              <a:t>2023/1/5</a:t>
             </a:fld>
             <a:endParaRPr kumimoji="1" lang="zh-CN" altLang="en-US"/>
           </a:p>
@@ -914,7 +918,7 @@
           <a:p>
             <a:fld id="{E4551058-E5DB-324A-A8E9-6D3BEF243C3B}" type="datetimeFigureOut">
               <a:rPr kumimoji="1" lang="zh-CN" altLang="en-US" smtClean="0"/>
-              <a:t>2022/11/30</a:t>
+              <a:t>2023/1/5</a:t>
             </a:fld>
             <a:endParaRPr kumimoji="1" lang="zh-CN" altLang="en-US"/>
           </a:p>
@@ -1196,7 +1200,7 @@
           <a:p>
             <a:fld id="{E4551058-E5DB-324A-A8E9-6D3BEF243C3B}" type="datetimeFigureOut">
               <a:rPr kumimoji="1" lang="zh-CN" altLang="en-US" smtClean="0"/>
-              <a:t>2022/11/30</a:t>
+              <a:t>2023/1/5</a:t>
             </a:fld>
             <a:endParaRPr kumimoji="1" lang="zh-CN" altLang="en-US"/>
           </a:p>
@@ -1418,7 +1422,7 @@
           <a:p>
             <a:fld id="{E4551058-E5DB-324A-A8E9-6D3BEF243C3B}" type="datetimeFigureOut">
               <a:rPr kumimoji="1" lang="zh-CN" altLang="en-US" smtClean="0"/>
-              <a:t>2022/11/30</a:t>
+              <a:t>2023/1/5</a:t>
             </a:fld>
             <a:endParaRPr kumimoji="1" lang="zh-CN" altLang="en-US"/>
           </a:p>
@@ -1692,7 +1696,7 @@
           <a:p>
             <a:fld id="{E4551058-E5DB-324A-A8E9-6D3BEF243C3B}" type="datetimeFigureOut">
               <a:rPr kumimoji="1" lang="zh-CN" altLang="en-US" smtClean="0"/>
-              <a:t>2022/11/30</a:t>
+              <a:t>2023/1/5</a:t>
             </a:fld>
             <a:endParaRPr kumimoji="1" lang="zh-CN" altLang="en-US"/>
           </a:p>
@@ -1949,7 +1953,7 @@
           <a:p>
             <a:fld id="{E4551058-E5DB-324A-A8E9-6D3BEF243C3B}" type="datetimeFigureOut">
               <a:rPr kumimoji="1" lang="zh-CN" altLang="en-US" smtClean="0"/>
-              <a:t>2022/11/30</a:t>
+              <a:t>2023/1/5</a:t>
             </a:fld>
             <a:endParaRPr kumimoji="1" lang="zh-CN" altLang="en-US"/>
           </a:p>
@@ -2148,7 +2152,7 @@
           <a:p>
             <a:fld id="{E4551058-E5DB-324A-A8E9-6D3BEF243C3B}" type="datetimeFigureOut">
               <a:rPr kumimoji="1" lang="zh-CN" altLang="en-US" smtClean="0"/>
-              <a:t>2022/11/30</a:t>
+              <a:t>2023/1/5</a:t>
             </a:fld>
             <a:endParaRPr kumimoji="1" lang="zh-CN" altLang="en-US"/>
           </a:p>
@@ -2721,7 +2725,7 @@
           <a:p>
             <a:fld id="{E4551058-E5DB-324A-A8E9-6D3BEF243C3B}" type="datetimeFigureOut">
               <a:rPr kumimoji="1" lang="zh-CN" altLang="en-US" smtClean="0"/>
-              <a:t>2022/11/30</a:t>
+              <a:t>2023/1/5</a:t>
             </a:fld>
             <a:endParaRPr kumimoji="1" lang="zh-CN" altLang="en-US"/>
           </a:p>
@@ -3015,7 +3019,7 @@
           <a:p>
             <a:fld id="{E4551058-E5DB-324A-A8E9-6D3BEF243C3B}" type="datetimeFigureOut">
               <a:rPr kumimoji="1" lang="zh-CN" altLang="en-US" smtClean="0"/>
-              <a:t>2022/11/30</a:t>
+              <a:t>2023/1/5</a:t>
             </a:fld>
             <a:endParaRPr kumimoji="1" lang="zh-CN" altLang="en-US"/>
           </a:p>
@@ -3398,7 +3402,7 @@
           <a:p>
             <a:fld id="{E4551058-E5DB-324A-A8E9-6D3BEF243C3B}" type="datetimeFigureOut">
               <a:rPr kumimoji="1" lang="zh-CN" altLang="en-US" smtClean="0"/>
-              <a:t>2022/11/30</a:t>
+              <a:t>2023/1/5</a:t>
             </a:fld>
             <a:endParaRPr kumimoji="1" lang="zh-CN" altLang="en-US"/>
           </a:p>
@@ -3521,7 +3525,7 @@
           <a:p>
             <a:fld id="{E4551058-E5DB-324A-A8E9-6D3BEF243C3B}" type="datetimeFigureOut">
               <a:rPr kumimoji="1" lang="zh-CN" altLang="en-US" smtClean="0"/>
-              <a:t>2022/11/30</a:t>
+              <a:t>2023/1/5</a:t>
             </a:fld>
             <a:endParaRPr kumimoji="1" lang="zh-CN" altLang="en-US"/>
           </a:p>
@@ -3644,7 +3648,7 @@
           <a:p>
             <a:fld id="{E4551058-E5DB-324A-A8E9-6D3BEF243C3B}" type="datetimeFigureOut">
               <a:rPr kumimoji="1" lang="zh-CN" altLang="en-US" smtClean="0"/>
-              <a:t>2022/11/30</a:t>
+              <a:t>2023/1/5</a:t>
             </a:fld>
             <a:endParaRPr kumimoji="1" lang="zh-CN" altLang="en-US"/>
           </a:p>
@@ -4094,7 +4098,7 @@
           <a:p>
             <a:fld id="{E4551058-E5DB-324A-A8E9-6D3BEF243C3B}" type="datetimeFigureOut">
               <a:rPr kumimoji="1" lang="zh-CN" altLang="en-US" smtClean="0"/>
-              <a:t>2022/11/30</a:t>
+              <a:t>2023/1/5</a:t>
             </a:fld>
             <a:endParaRPr kumimoji="1" lang="zh-CN" altLang="en-US"/>
           </a:p>
@@ -4401,7 +4405,7 @@
           <a:p>
             <a:fld id="{E4551058-E5DB-324A-A8E9-6D3BEF243C3B}" type="datetimeFigureOut">
               <a:rPr kumimoji="1" lang="zh-CN" altLang="en-US" smtClean="0"/>
-              <a:t>2022/11/30</a:t>
+              <a:t>2023/1/5</a:t>
             </a:fld>
             <a:endParaRPr kumimoji="1" lang="zh-CN" altLang="en-US"/>
           </a:p>
@@ -5098,7 +5102,7 @@
             </a:r>
             <a:r>
               <a:rPr kumimoji="1" lang="en-US" altLang="zh-CN" dirty="0"/>
-              <a:t>x</a:t>
+              <a:t>1</a:t>
             </a:r>
             <a:r>
               <a:rPr kumimoji="1" lang="zh-CN" altLang="en-US" dirty="0"/>
@@ -5106,7 +5110,7 @@
             </a:r>
             <a:r>
               <a:rPr kumimoji="1" lang="en-US" altLang="zh-CN" dirty="0"/>
-              <a:t>x</a:t>
+              <a:t>12</a:t>
             </a:r>
             <a:r>
               <a:rPr kumimoji="1" lang="zh-CN" altLang="en-US" dirty="0"/>
@@ -5127,6 +5131,1245 @@
     <p:extLst>
       <p:ext uri="{BB962C8B-B14F-4D97-AF65-F5344CB8AC3E}">
         <p14:creationId xmlns:p14="http://schemas.microsoft.com/office/powerpoint/2010/main" val="987923896"/>
+      </p:ext>
+    </p:extLst>
+  </p:cSld>
+  <p:clrMapOvr>
+    <a:masterClrMapping/>
+  </p:clrMapOvr>
+</p:sld>
+</file>
+
+<file path=ppt/slides/slide10.xml><?xml version="1.0" encoding="utf-8"?>
+<p:sld xmlns:a="http://schemas.openxmlformats.org/drawingml/2006/main" xmlns:r="http://schemas.openxmlformats.org/officeDocument/2006/relationships" xmlns:p="http://schemas.openxmlformats.org/presentationml/2006/main">
+  <p:cSld>
+    <p:spTree>
+      <p:nvGrpSpPr>
+        <p:cNvPr id="1" name=""/>
+        <p:cNvGrpSpPr/>
+        <p:nvPr/>
+      </p:nvGrpSpPr>
+      <p:grpSpPr>
+        <a:xfrm>
+          <a:off x="0" y="0"/>
+          <a:ext cx="0" cy="0"/>
+          <a:chOff x="0" y="0"/>
+          <a:chExt cx="0" cy="0"/>
+        </a:xfrm>
+      </p:grpSpPr>
+      <p:sp>
+        <p:nvSpPr>
+          <p:cNvPr id="3" name="标题 2">
+            <a:extLst>
+              <a:ext uri="{FF2B5EF4-FFF2-40B4-BE49-F238E27FC236}">
+                <a16:creationId xmlns:a16="http://schemas.microsoft.com/office/drawing/2014/main" id="{E5F20C5C-BE5B-F640-B2EF-4F8488015860}"/>
+              </a:ext>
+            </a:extLst>
+          </p:cNvPr>
+          <p:cNvSpPr>
+            <a:spLocks noGrp="1"/>
+          </p:cNvSpPr>
+          <p:nvPr>
+            <p:ph type="title"/>
+          </p:nvPr>
+        </p:nvSpPr>
+        <p:spPr/>
+        <p:txBody>
+          <a:bodyPr/>
+          <a:lstStyle/>
+          <a:p>
+            <a:r>
+              <a:rPr kumimoji="1" lang="zh-CN" altLang="en-US" dirty="0"/>
+              <a:t>进展情况</a:t>
+            </a:r>
+          </a:p>
+        </p:txBody>
+      </p:sp>
+      <p:pic>
+        <p:nvPicPr>
+          <p:cNvPr id="4" name="图片 3">
+            <a:extLst>
+              <a:ext uri="{FF2B5EF4-FFF2-40B4-BE49-F238E27FC236}">
+                <a16:creationId xmlns:a16="http://schemas.microsoft.com/office/drawing/2014/main" id="{A8A7FBF2-C168-C5AF-A4CF-092A9531DDB9}"/>
+              </a:ext>
+            </a:extLst>
+          </p:cNvPr>
+          <p:cNvPicPr>
+            <a:picLocks noChangeAspect="1"/>
+          </p:cNvPicPr>
+          <p:nvPr/>
+        </p:nvPicPr>
+        <p:blipFill>
+          <a:blip r:embed="rId2"/>
+          <a:stretch>
+            <a:fillRect/>
+          </a:stretch>
+        </p:blipFill>
+        <p:spPr>
+          <a:xfrm>
+            <a:off x="0" y="1608624"/>
+            <a:ext cx="12192000" cy="4535665"/>
+          </a:xfrm>
+          <a:prstGeom prst="rect">
+            <a:avLst/>
+          </a:prstGeom>
+        </p:spPr>
+      </p:pic>
+    </p:spTree>
+    <p:extLst>
+      <p:ext uri="{BB962C8B-B14F-4D97-AF65-F5344CB8AC3E}">
+        <p14:creationId xmlns:p14="http://schemas.microsoft.com/office/powerpoint/2010/main" val="3833790688"/>
+      </p:ext>
+    </p:extLst>
+  </p:cSld>
+  <p:clrMapOvr>
+    <a:masterClrMapping/>
+  </p:clrMapOvr>
+</p:sld>
+</file>
+
+<file path=ppt/slides/slide11.xml><?xml version="1.0" encoding="utf-8"?>
+<p:sld xmlns:a="http://schemas.openxmlformats.org/drawingml/2006/main" xmlns:r="http://schemas.openxmlformats.org/officeDocument/2006/relationships" xmlns:p="http://schemas.openxmlformats.org/presentationml/2006/main">
+  <p:cSld>
+    <p:spTree>
+      <p:nvGrpSpPr>
+        <p:cNvPr id="1" name=""/>
+        <p:cNvGrpSpPr/>
+        <p:nvPr/>
+      </p:nvGrpSpPr>
+      <p:grpSpPr>
+        <a:xfrm>
+          <a:off x="0" y="0"/>
+          <a:ext cx="0" cy="0"/>
+          <a:chOff x="0" y="0"/>
+          <a:chExt cx="0" cy="0"/>
+        </a:xfrm>
+      </p:grpSpPr>
+      <p:sp>
+        <p:nvSpPr>
+          <p:cNvPr id="3" name="标题 2">
+            <a:extLst>
+              <a:ext uri="{FF2B5EF4-FFF2-40B4-BE49-F238E27FC236}">
+                <a16:creationId xmlns:a16="http://schemas.microsoft.com/office/drawing/2014/main" id="{E5F20C5C-BE5B-F640-B2EF-4F8488015860}"/>
+              </a:ext>
+            </a:extLst>
+          </p:cNvPr>
+          <p:cNvSpPr>
+            <a:spLocks noGrp="1"/>
+          </p:cNvSpPr>
+          <p:nvPr>
+            <p:ph type="title"/>
+          </p:nvPr>
+        </p:nvSpPr>
+        <p:spPr/>
+        <p:txBody>
+          <a:bodyPr/>
+          <a:lstStyle/>
+          <a:p>
+            <a:r>
+              <a:rPr kumimoji="1" lang="zh-CN" altLang="en-US" dirty="0"/>
+              <a:t>下学期计划</a:t>
+            </a:r>
+          </a:p>
+        </p:txBody>
+      </p:sp>
+      <p:grpSp>
+        <p:nvGrpSpPr>
+          <p:cNvPr id="4" name="组合 3">
+            <a:extLst>
+              <a:ext uri="{FF2B5EF4-FFF2-40B4-BE49-F238E27FC236}">
+                <a16:creationId xmlns:a16="http://schemas.microsoft.com/office/drawing/2014/main" id="{322F3790-850F-B48A-7049-2E26AA75134D}"/>
+              </a:ext>
+            </a:extLst>
+          </p:cNvPr>
+          <p:cNvGrpSpPr/>
+          <p:nvPr/>
+        </p:nvGrpSpPr>
+        <p:grpSpPr>
+          <a:xfrm>
+            <a:off x="2018582" y="3521943"/>
+            <a:ext cx="7926137" cy="99597"/>
+            <a:chOff x="457200" y="3075806"/>
+            <a:chExt cx="8229600" cy="72008"/>
+          </a:xfrm>
+        </p:grpSpPr>
+        <p:cxnSp>
+          <p:nvCxnSpPr>
+            <p:cNvPr id="5" name="直线箭头连接符 38">
+              <a:extLst>
+                <a:ext uri="{FF2B5EF4-FFF2-40B4-BE49-F238E27FC236}">
+                  <a16:creationId xmlns:a16="http://schemas.microsoft.com/office/drawing/2014/main" id="{9AFE74DE-9B8A-44A3-1104-99AE551E756F}"/>
+                </a:ext>
+              </a:extLst>
+            </p:cNvPr>
+            <p:cNvCxnSpPr/>
+            <p:nvPr/>
+          </p:nvCxnSpPr>
+          <p:spPr>
+            <a:xfrm>
+              <a:off x="457200" y="3075806"/>
+              <a:ext cx="8229600" cy="0"/>
+            </a:xfrm>
+            <a:prstGeom prst="straightConnector1">
+              <a:avLst/>
+            </a:prstGeom>
+            <a:ln w="38100">
+              <a:solidFill>
+                <a:srgbClr val="7F0F7E"/>
+              </a:solidFill>
+              <a:tailEnd type="triangle"/>
+            </a:ln>
+          </p:spPr>
+          <p:style>
+            <a:lnRef idx="1">
+              <a:schemeClr val="accent1"/>
+            </a:lnRef>
+            <a:fillRef idx="0">
+              <a:schemeClr val="accent1"/>
+            </a:fillRef>
+            <a:effectRef idx="0">
+              <a:schemeClr val="accent1"/>
+            </a:effectRef>
+            <a:fontRef idx="minor">
+              <a:schemeClr val="tx1"/>
+            </a:fontRef>
+          </p:style>
+        </p:cxnSp>
+        <p:cxnSp>
+          <p:nvCxnSpPr>
+            <p:cNvPr id="6" name="直线连接符 39">
+              <a:extLst>
+                <a:ext uri="{FF2B5EF4-FFF2-40B4-BE49-F238E27FC236}">
+                  <a16:creationId xmlns:a16="http://schemas.microsoft.com/office/drawing/2014/main" id="{38FD559E-7FB1-8B1D-5D47-D03BE8A0F501}"/>
+                </a:ext>
+              </a:extLst>
+            </p:cNvPr>
+            <p:cNvCxnSpPr/>
+            <p:nvPr/>
+          </p:nvCxnSpPr>
+          <p:spPr>
+            <a:xfrm>
+              <a:off x="457200" y="3147814"/>
+              <a:ext cx="8082840" cy="0"/>
+            </a:xfrm>
+            <a:prstGeom prst="line">
+              <a:avLst/>
+            </a:prstGeom>
+            <a:ln w="19050">
+              <a:solidFill>
+                <a:srgbClr val="7F0F7E"/>
+              </a:solidFill>
+            </a:ln>
+          </p:spPr>
+          <p:style>
+            <a:lnRef idx="1">
+              <a:schemeClr val="accent1"/>
+            </a:lnRef>
+            <a:fillRef idx="0">
+              <a:schemeClr val="accent1"/>
+            </a:fillRef>
+            <a:effectRef idx="0">
+              <a:schemeClr val="accent1"/>
+            </a:effectRef>
+            <a:fontRef idx="minor">
+              <a:schemeClr val="tx1"/>
+            </a:fontRef>
+          </p:style>
+        </p:cxnSp>
+      </p:grpSp>
+      <p:sp>
+        <p:nvSpPr>
+          <p:cNvPr id="9" name="文本框 8">
+            <a:extLst>
+              <a:ext uri="{FF2B5EF4-FFF2-40B4-BE49-F238E27FC236}">
+                <a16:creationId xmlns:a16="http://schemas.microsoft.com/office/drawing/2014/main" id="{CB92B890-B6F2-4073-BB90-5EB9FEB93A9E}"/>
+              </a:ext>
+            </a:extLst>
+          </p:cNvPr>
+          <p:cNvSpPr txBox="1"/>
+          <p:nvPr/>
+        </p:nvSpPr>
+        <p:spPr>
+          <a:xfrm>
+            <a:off x="2876591" y="4071777"/>
+            <a:ext cx="3177803" cy="1015663"/>
+          </a:xfrm>
+          <a:prstGeom prst="rect">
+            <a:avLst/>
+          </a:prstGeom>
+          <a:noFill/>
+        </p:spPr>
+        <p:txBody>
+          <a:bodyPr wrap="square" rtlCol="0">
+            <a:spAutoFit/>
+          </a:bodyPr>
+          <a:lstStyle/>
+          <a:p>
+            <a:pPr algn="ctr"/>
+            <a:r>
+              <a:rPr lang="zh-CN" altLang="en-US" sz="2000" dirty="0">
+                <a:latin typeface="黑体" panose="02010609060101010101" pitchFamily="49" charset="-122"/>
+                <a:ea typeface="黑体" panose="02010609060101010101" pitchFamily="49" charset="-122"/>
+              </a:rPr>
+              <a:t>完成 </a:t>
+            </a:r>
+            <a:r>
+              <a:rPr lang="en-US" altLang="zh-CN" sz="2000" dirty="0" err="1">
+                <a:latin typeface="黑体" panose="02010609060101010101" pitchFamily="49" charset="-122"/>
+                <a:ea typeface="黑体" panose="02010609060101010101" pitchFamily="49" charset="-122"/>
+              </a:rPr>
+              <a:t>qemu</a:t>
+            </a:r>
+            <a:r>
+              <a:rPr lang="en-US" altLang="zh-CN" sz="2000" dirty="0">
+                <a:latin typeface="黑体" panose="02010609060101010101" pitchFamily="49" charset="-122"/>
+                <a:ea typeface="黑体" panose="02010609060101010101" pitchFamily="49" charset="-122"/>
+              </a:rPr>
+              <a:t> </a:t>
+            </a:r>
+            <a:r>
+              <a:rPr lang="zh-CN" altLang="en-US" sz="2000" dirty="0">
+                <a:latin typeface="黑体" panose="02010609060101010101" pitchFamily="49" charset="-122"/>
+                <a:ea typeface="黑体" panose="02010609060101010101" pitchFamily="49" charset="-122"/>
+              </a:rPr>
+              <a:t>的修改，初步实现用户态中断的功能并给出设计文档</a:t>
+            </a:r>
+            <a:endParaRPr lang="en-US" altLang="zh-CN" sz="2000" dirty="0">
+              <a:latin typeface="黑体" panose="02010609060101010101" pitchFamily="49" charset="-122"/>
+              <a:ea typeface="黑体" panose="02010609060101010101" pitchFamily="49" charset="-122"/>
+            </a:endParaRPr>
+          </a:p>
+        </p:txBody>
+      </p:sp>
+      <p:cxnSp>
+        <p:nvCxnSpPr>
+          <p:cNvPr id="10" name="直线连接符 40">
+            <a:extLst>
+              <a:ext uri="{FF2B5EF4-FFF2-40B4-BE49-F238E27FC236}">
+                <a16:creationId xmlns:a16="http://schemas.microsoft.com/office/drawing/2014/main" id="{4C224CAD-7774-F6A0-E5B5-62C819B843BD}"/>
+              </a:ext>
+            </a:extLst>
+          </p:cNvPr>
+          <p:cNvCxnSpPr>
+            <a:cxnSpLocks/>
+            <a:endCxn id="11" idx="2"/>
+          </p:cNvCxnSpPr>
+          <p:nvPr/>
+        </p:nvCxnSpPr>
+        <p:spPr>
+          <a:xfrm flipV="1">
+            <a:off x="5919639" y="2791832"/>
+            <a:ext cx="0" cy="730111"/>
+          </a:xfrm>
+          <a:prstGeom prst="line">
+            <a:avLst/>
+          </a:prstGeom>
+          <a:ln w="12700">
+            <a:solidFill>
+              <a:srgbClr val="7F0F7E"/>
+            </a:solidFill>
+          </a:ln>
+        </p:spPr>
+        <p:style>
+          <a:lnRef idx="1">
+            <a:schemeClr val="accent1"/>
+          </a:lnRef>
+          <a:fillRef idx="0">
+            <a:schemeClr val="accent1"/>
+          </a:fillRef>
+          <a:effectRef idx="0">
+            <a:schemeClr val="accent1"/>
+          </a:effectRef>
+          <a:fontRef idx="minor">
+            <a:schemeClr val="tx1"/>
+          </a:fontRef>
+        </p:style>
+      </p:cxnSp>
+      <p:sp>
+        <p:nvSpPr>
+          <p:cNvPr id="11" name="文本框 10">
+            <a:extLst>
+              <a:ext uri="{FF2B5EF4-FFF2-40B4-BE49-F238E27FC236}">
+                <a16:creationId xmlns:a16="http://schemas.microsoft.com/office/drawing/2014/main" id="{C7EB4B85-BCC0-0F43-65B1-53E63E4C9A1F}"/>
+              </a:ext>
+            </a:extLst>
+          </p:cNvPr>
+          <p:cNvSpPr txBox="1"/>
+          <p:nvPr/>
+        </p:nvSpPr>
+        <p:spPr>
+          <a:xfrm>
+            <a:off x="3923571" y="2083946"/>
+            <a:ext cx="3992136" cy="707886"/>
+          </a:xfrm>
+          <a:prstGeom prst="rect">
+            <a:avLst/>
+          </a:prstGeom>
+          <a:noFill/>
+        </p:spPr>
+        <p:txBody>
+          <a:bodyPr wrap="square" rtlCol="0">
+            <a:spAutoFit/>
+          </a:bodyPr>
+          <a:lstStyle/>
+          <a:p>
+            <a:pPr algn="ctr"/>
+            <a:r>
+              <a:rPr lang="en-US" altLang="zh-CN" sz="2000" dirty="0">
+                <a:solidFill>
+                  <a:schemeClr val="tx1">
+                    <a:lumMod val="50000"/>
+                    <a:lumOff val="50000"/>
+                  </a:schemeClr>
+                </a:solidFill>
+              </a:rPr>
+              <a:t>2023</a:t>
+            </a:r>
+            <a:r>
+              <a:rPr lang="zh-CN" altLang="en-US" sz="2000" dirty="0">
+                <a:solidFill>
+                  <a:schemeClr val="tx1">
+                    <a:lumMod val="50000"/>
+                    <a:lumOff val="50000"/>
+                  </a:schemeClr>
+                </a:solidFill>
+              </a:rPr>
+              <a:t>年</a:t>
+            </a:r>
+            <a:r>
+              <a:rPr lang="en-US" altLang="zh-CN" sz="2000" dirty="0">
+                <a:solidFill>
+                  <a:schemeClr val="tx1">
+                    <a:lumMod val="50000"/>
+                    <a:lumOff val="50000"/>
+                  </a:schemeClr>
+                </a:solidFill>
+              </a:rPr>
+              <a:t>4</a:t>
+            </a:r>
+            <a:r>
+              <a:rPr lang="zh-CN" altLang="en-US" sz="2000" dirty="0">
+                <a:solidFill>
+                  <a:schemeClr val="tx1">
+                    <a:lumMod val="50000"/>
+                    <a:lumOff val="50000"/>
+                  </a:schemeClr>
+                </a:solidFill>
+              </a:rPr>
+              <a:t>月</a:t>
+            </a:r>
+            <a:r>
+              <a:rPr lang="en-US" altLang="zh-CN" sz="2000" dirty="0">
+                <a:solidFill>
+                  <a:schemeClr val="tx1">
+                    <a:lumMod val="50000"/>
+                    <a:lumOff val="50000"/>
+                  </a:schemeClr>
+                </a:solidFill>
+              </a:rPr>
+              <a:t>1</a:t>
+            </a:r>
+            <a:r>
+              <a:rPr lang="zh-CN" altLang="en-US" sz="2000" dirty="0">
+                <a:solidFill>
+                  <a:schemeClr val="tx1">
+                    <a:lumMod val="50000"/>
+                    <a:lumOff val="50000"/>
+                  </a:schemeClr>
+                </a:solidFill>
+              </a:rPr>
+              <a:t>日</a:t>
+            </a:r>
+            <a:endParaRPr lang="en-US" altLang="zh-CN" sz="2000" dirty="0">
+              <a:solidFill>
+                <a:schemeClr val="tx1">
+                  <a:lumMod val="50000"/>
+                  <a:lumOff val="50000"/>
+                </a:schemeClr>
+              </a:solidFill>
+            </a:endParaRPr>
+          </a:p>
+          <a:p>
+            <a:pPr algn="ctr"/>
+            <a:r>
+              <a:rPr lang="zh-CN" altLang="en-US" sz="2000" dirty="0">
+                <a:latin typeface="黑体" panose="02010609060101010101" pitchFamily="49" charset="-122"/>
+                <a:ea typeface="黑体" panose="02010609060101010101" pitchFamily="49" charset="-122"/>
+              </a:rPr>
+              <a:t>中期检查</a:t>
+            </a:r>
+          </a:p>
+        </p:txBody>
+      </p:sp>
+      <p:cxnSp>
+        <p:nvCxnSpPr>
+          <p:cNvPr id="12" name="直线连接符 40">
+            <a:extLst>
+              <a:ext uri="{FF2B5EF4-FFF2-40B4-BE49-F238E27FC236}">
+                <a16:creationId xmlns:a16="http://schemas.microsoft.com/office/drawing/2014/main" id="{91C63E33-70C4-88B5-0C50-47A77ED0AF34}"/>
+              </a:ext>
+            </a:extLst>
+          </p:cNvPr>
+          <p:cNvCxnSpPr>
+            <a:cxnSpLocks/>
+            <a:endCxn id="13" idx="2"/>
+          </p:cNvCxnSpPr>
+          <p:nvPr/>
+        </p:nvCxnSpPr>
+        <p:spPr>
+          <a:xfrm flipV="1">
+            <a:off x="8433448" y="2771679"/>
+            <a:ext cx="0" cy="730111"/>
+          </a:xfrm>
+          <a:prstGeom prst="line">
+            <a:avLst/>
+          </a:prstGeom>
+          <a:ln w="12700">
+            <a:solidFill>
+              <a:srgbClr val="7F0F7E"/>
+            </a:solidFill>
+          </a:ln>
+        </p:spPr>
+        <p:style>
+          <a:lnRef idx="1">
+            <a:schemeClr val="accent1"/>
+          </a:lnRef>
+          <a:fillRef idx="0">
+            <a:schemeClr val="accent1"/>
+          </a:fillRef>
+          <a:effectRef idx="0">
+            <a:schemeClr val="accent1"/>
+          </a:effectRef>
+          <a:fontRef idx="minor">
+            <a:schemeClr val="tx1"/>
+          </a:fontRef>
+        </p:style>
+      </p:cxnSp>
+      <p:sp>
+        <p:nvSpPr>
+          <p:cNvPr id="13" name="文本框 12">
+            <a:extLst>
+              <a:ext uri="{FF2B5EF4-FFF2-40B4-BE49-F238E27FC236}">
+                <a16:creationId xmlns:a16="http://schemas.microsoft.com/office/drawing/2014/main" id="{20003027-7902-3D94-E5F5-782264E7B174}"/>
+              </a:ext>
+            </a:extLst>
+          </p:cNvPr>
+          <p:cNvSpPr txBox="1"/>
+          <p:nvPr/>
+        </p:nvSpPr>
+        <p:spPr>
+          <a:xfrm>
+            <a:off x="6437380" y="2063793"/>
+            <a:ext cx="3992136" cy="707886"/>
+          </a:xfrm>
+          <a:prstGeom prst="rect">
+            <a:avLst/>
+          </a:prstGeom>
+          <a:noFill/>
+        </p:spPr>
+        <p:txBody>
+          <a:bodyPr wrap="square" rtlCol="0">
+            <a:spAutoFit/>
+          </a:bodyPr>
+          <a:lstStyle/>
+          <a:p>
+            <a:pPr algn="ctr"/>
+            <a:r>
+              <a:rPr lang="en-US" altLang="zh-CN" sz="2000" dirty="0">
+                <a:solidFill>
+                  <a:schemeClr val="tx1">
+                    <a:lumMod val="50000"/>
+                    <a:lumOff val="50000"/>
+                  </a:schemeClr>
+                </a:solidFill>
+              </a:rPr>
+              <a:t>2023</a:t>
+            </a:r>
+            <a:r>
+              <a:rPr lang="zh-CN" altLang="en-US" sz="2000" dirty="0">
+                <a:solidFill>
+                  <a:schemeClr val="tx1">
+                    <a:lumMod val="50000"/>
+                    <a:lumOff val="50000"/>
+                  </a:schemeClr>
+                </a:solidFill>
+              </a:rPr>
+              <a:t>年</a:t>
+            </a:r>
+            <a:r>
+              <a:rPr lang="en-US" altLang="zh-CN" sz="2000" dirty="0">
+                <a:solidFill>
+                  <a:schemeClr val="tx1">
+                    <a:lumMod val="50000"/>
+                    <a:lumOff val="50000"/>
+                  </a:schemeClr>
+                </a:solidFill>
+              </a:rPr>
+              <a:t>6</a:t>
+            </a:r>
+            <a:r>
+              <a:rPr lang="zh-CN" altLang="en-US" sz="2000" dirty="0">
+                <a:solidFill>
+                  <a:schemeClr val="tx1">
+                    <a:lumMod val="50000"/>
+                    <a:lumOff val="50000"/>
+                  </a:schemeClr>
+                </a:solidFill>
+              </a:rPr>
+              <a:t>月</a:t>
+            </a:r>
+            <a:r>
+              <a:rPr lang="en-US" altLang="zh-CN" sz="2000" dirty="0">
+                <a:solidFill>
+                  <a:schemeClr val="tx1">
+                    <a:lumMod val="50000"/>
+                    <a:lumOff val="50000"/>
+                  </a:schemeClr>
+                </a:solidFill>
+              </a:rPr>
+              <a:t>14</a:t>
+            </a:r>
+            <a:r>
+              <a:rPr lang="zh-CN" altLang="en-US" sz="2000" dirty="0">
+                <a:solidFill>
+                  <a:schemeClr val="tx1">
+                    <a:lumMod val="50000"/>
+                    <a:lumOff val="50000"/>
+                  </a:schemeClr>
+                </a:solidFill>
+              </a:rPr>
+              <a:t>日</a:t>
+            </a:r>
+            <a:endParaRPr lang="en-US" altLang="zh-CN" sz="2000" dirty="0">
+              <a:solidFill>
+                <a:schemeClr val="tx1">
+                  <a:lumMod val="50000"/>
+                  <a:lumOff val="50000"/>
+                </a:schemeClr>
+              </a:solidFill>
+            </a:endParaRPr>
+          </a:p>
+          <a:p>
+            <a:pPr algn="ctr"/>
+            <a:r>
+              <a:rPr lang="zh-CN" altLang="en-US" sz="2000" dirty="0">
+                <a:latin typeface="黑体" panose="02010609060101010101" pitchFamily="49" charset="-122"/>
+                <a:ea typeface="黑体" panose="02010609060101010101" pitchFamily="49" charset="-122"/>
+              </a:rPr>
+              <a:t>最终答辩</a:t>
+            </a:r>
+          </a:p>
+        </p:txBody>
+      </p:sp>
+      <p:cxnSp>
+        <p:nvCxnSpPr>
+          <p:cNvPr id="14" name="直线连接符 40">
+            <a:extLst>
+              <a:ext uri="{FF2B5EF4-FFF2-40B4-BE49-F238E27FC236}">
+                <a16:creationId xmlns:a16="http://schemas.microsoft.com/office/drawing/2014/main" id="{DA3CA500-AC4A-3BDD-8452-098FAC24BF5D}"/>
+              </a:ext>
+            </a:extLst>
+          </p:cNvPr>
+          <p:cNvCxnSpPr>
+            <a:cxnSpLocks/>
+          </p:cNvCxnSpPr>
+          <p:nvPr/>
+        </p:nvCxnSpPr>
+        <p:spPr>
+          <a:xfrm flipV="1">
+            <a:off x="7326869" y="3621142"/>
+            <a:ext cx="7548" cy="450635"/>
+          </a:xfrm>
+          <a:prstGeom prst="line">
+            <a:avLst/>
+          </a:prstGeom>
+          <a:ln w="12700">
+            <a:solidFill>
+              <a:srgbClr val="7F0F7E"/>
+            </a:solidFill>
+          </a:ln>
+        </p:spPr>
+        <p:style>
+          <a:lnRef idx="1">
+            <a:schemeClr val="accent1"/>
+          </a:lnRef>
+          <a:fillRef idx="0">
+            <a:schemeClr val="accent1"/>
+          </a:fillRef>
+          <a:effectRef idx="0">
+            <a:schemeClr val="accent1"/>
+          </a:effectRef>
+          <a:fontRef idx="minor">
+            <a:schemeClr val="tx1"/>
+          </a:fontRef>
+        </p:style>
+      </p:cxnSp>
+      <p:sp>
+        <p:nvSpPr>
+          <p:cNvPr id="15" name="文本框 14">
+            <a:extLst>
+              <a:ext uri="{FF2B5EF4-FFF2-40B4-BE49-F238E27FC236}">
+                <a16:creationId xmlns:a16="http://schemas.microsoft.com/office/drawing/2014/main" id="{0BEAFDF8-06BE-318D-540F-E6300587097A}"/>
+              </a:ext>
+            </a:extLst>
+          </p:cNvPr>
+          <p:cNvSpPr txBox="1"/>
+          <p:nvPr/>
+        </p:nvSpPr>
+        <p:spPr>
+          <a:xfrm>
+            <a:off x="6120188" y="4062410"/>
+            <a:ext cx="2997931" cy="1323439"/>
+          </a:xfrm>
+          <a:prstGeom prst="rect">
+            <a:avLst/>
+          </a:prstGeom>
+          <a:noFill/>
+        </p:spPr>
+        <p:txBody>
+          <a:bodyPr wrap="square" rtlCol="0">
+            <a:spAutoFit/>
+          </a:bodyPr>
+          <a:lstStyle/>
+          <a:p>
+            <a:pPr algn="ctr"/>
+            <a:r>
+              <a:rPr lang="zh-CN" altLang="en-US" sz="2000" dirty="0">
+                <a:latin typeface="黑体" panose="02010609060101010101" pitchFamily="49" charset="-122"/>
+                <a:ea typeface="黑体" panose="02010609060101010101" pitchFamily="49" charset="-122"/>
+              </a:rPr>
+              <a:t>完善 </a:t>
+            </a:r>
+            <a:r>
+              <a:rPr lang="en-US" altLang="zh-CN" sz="2000" dirty="0" err="1">
+                <a:latin typeface="黑体" panose="02010609060101010101" pitchFamily="49" charset="-122"/>
+                <a:ea typeface="黑体" panose="02010609060101010101" pitchFamily="49" charset="-122"/>
+              </a:rPr>
+              <a:t>os</a:t>
+            </a:r>
+            <a:r>
+              <a:rPr lang="en-US" altLang="zh-CN" sz="2000" dirty="0">
+                <a:latin typeface="黑体" panose="02010609060101010101" pitchFamily="49" charset="-122"/>
+                <a:ea typeface="黑体" panose="02010609060101010101" pitchFamily="49" charset="-122"/>
+              </a:rPr>
+              <a:t> </a:t>
+            </a:r>
+            <a:r>
+              <a:rPr lang="zh-CN" altLang="en-US" sz="2000" dirty="0">
+                <a:latin typeface="黑体" panose="02010609060101010101" pitchFamily="49" charset="-122"/>
+                <a:ea typeface="黑体" panose="02010609060101010101" pitchFamily="49" charset="-122"/>
+              </a:rPr>
+              <a:t>中的实现并进行测试，和传统的 </a:t>
+            </a:r>
+            <a:r>
+              <a:rPr lang="en-US" altLang="zh-CN" sz="2000" dirty="0">
+                <a:latin typeface="黑体" panose="02010609060101010101" pitchFamily="49" charset="-122"/>
+                <a:ea typeface="黑体" panose="02010609060101010101" pitchFamily="49" charset="-122"/>
+              </a:rPr>
+              <a:t>IPC </a:t>
+            </a:r>
+            <a:r>
+              <a:rPr lang="zh-CN" altLang="en-US" sz="2000" dirty="0">
+                <a:latin typeface="黑体" panose="02010609060101010101" pitchFamily="49" charset="-122"/>
+                <a:ea typeface="黑体" panose="02010609060101010101" pitchFamily="49" charset="-122"/>
+              </a:rPr>
+              <a:t>进行对比，探索应用场景</a:t>
+            </a:r>
+            <a:endParaRPr lang="en-US" altLang="zh-CN" sz="2000" dirty="0">
+              <a:latin typeface="黑体" panose="02010609060101010101" pitchFamily="49" charset="-122"/>
+              <a:ea typeface="黑体" panose="02010609060101010101" pitchFamily="49" charset="-122"/>
+            </a:endParaRPr>
+          </a:p>
+          <a:p>
+            <a:pPr algn="ctr"/>
+            <a:endParaRPr lang="en-US" altLang="zh-CN" sz="2000" dirty="0">
+              <a:latin typeface="黑体" panose="02010609060101010101" pitchFamily="49" charset="-122"/>
+              <a:ea typeface="黑体" panose="02010609060101010101" pitchFamily="49" charset="-122"/>
+            </a:endParaRPr>
+          </a:p>
+        </p:txBody>
+      </p:sp>
+      <p:cxnSp>
+        <p:nvCxnSpPr>
+          <p:cNvPr id="16" name="直线连接符 40">
+            <a:extLst>
+              <a:ext uri="{FF2B5EF4-FFF2-40B4-BE49-F238E27FC236}">
+                <a16:creationId xmlns:a16="http://schemas.microsoft.com/office/drawing/2014/main" id="{F66100AB-C579-869F-15DC-CA3D06B67940}"/>
+              </a:ext>
+            </a:extLst>
+          </p:cNvPr>
+          <p:cNvCxnSpPr>
+            <a:cxnSpLocks/>
+          </p:cNvCxnSpPr>
+          <p:nvPr/>
+        </p:nvCxnSpPr>
+        <p:spPr>
+          <a:xfrm flipV="1">
+            <a:off x="4497253" y="3611775"/>
+            <a:ext cx="0" cy="450635"/>
+          </a:xfrm>
+          <a:prstGeom prst="line">
+            <a:avLst/>
+          </a:prstGeom>
+          <a:ln w="12700">
+            <a:solidFill>
+              <a:srgbClr val="7F0F7E"/>
+            </a:solidFill>
+          </a:ln>
+        </p:spPr>
+        <p:style>
+          <a:lnRef idx="1">
+            <a:schemeClr val="accent1"/>
+          </a:lnRef>
+          <a:fillRef idx="0">
+            <a:schemeClr val="accent1"/>
+          </a:fillRef>
+          <a:effectRef idx="0">
+            <a:schemeClr val="accent1"/>
+          </a:effectRef>
+          <a:fontRef idx="minor">
+            <a:schemeClr val="tx1"/>
+          </a:fontRef>
+        </p:style>
+      </p:cxnSp>
+      <p:sp>
+        <p:nvSpPr>
+          <p:cNvPr id="38" name="文本框 37">
+            <a:extLst>
+              <a:ext uri="{FF2B5EF4-FFF2-40B4-BE49-F238E27FC236}">
+                <a16:creationId xmlns:a16="http://schemas.microsoft.com/office/drawing/2014/main" id="{8F783C0F-4ACD-C960-BFED-7DDE54B6D885}"/>
+              </a:ext>
+            </a:extLst>
+          </p:cNvPr>
+          <p:cNvSpPr txBox="1"/>
+          <p:nvPr/>
+        </p:nvSpPr>
+        <p:spPr>
+          <a:xfrm>
+            <a:off x="1517448" y="2128862"/>
+            <a:ext cx="3992136" cy="707886"/>
+          </a:xfrm>
+          <a:prstGeom prst="rect">
+            <a:avLst/>
+          </a:prstGeom>
+          <a:noFill/>
+        </p:spPr>
+        <p:txBody>
+          <a:bodyPr wrap="square" rtlCol="0">
+            <a:spAutoFit/>
+          </a:bodyPr>
+          <a:lstStyle/>
+          <a:p>
+            <a:pPr algn="ctr"/>
+            <a:r>
+              <a:rPr lang="en-US" altLang="zh-CN" sz="2000" dirty="0">
+                <a:solidFill>
+                  <a:schemeClr val="tx1">
+                    <a:lumMod val="50000"/>
+                    <a:lumOff val="50000"/>
+                  </a:schemeClr>
+                </a:solidFill>
+              </a:rPr>
+              <a:t>2023</a:t>
+            </a:r>
+            <a:r>
+              <a:rPr lang="zh-CN" altLang="en-US" sz="2000" dirty="0">
+                <a:solidFill>
+                  <a:schemeClr val="tx1">
+                    <a:lumMod val="50000"/>
+                    <a:lumOff val="50000"/>
+                  </a:schemeClr>
+                </a:solidFill>
+              </a:rPr>
+              <a:t>年</a:t>
+            </a:r>
+            <a:r>
+              <a:rPr lang="en-US" altLang="zh-CN" sz="2000" dirty="0">
+                <a:solidFill>
+                  <a:schemeClr val="tx1">
+                    <a:lumMod val="50000"/>
+                    <a:lumOff val="50000"/>
+                  </a:schemeClr>
+                </a:solidFill>
+              </a:rPr>
+              <a:t>1</a:t>
+            </a:r>
+            <a:r>
+              <a:rPr lang="zh-CN" altLang="en-US" sz="2000" dirty="0">
+                <a:solidFill>
+                  <a:schemeClr val="tx1">
+                    <a:lumMod val="50000"/>
+                    <a:lumOff val="50000"/>
+                  </a:schemeClr>
+                </a:solidFill>
+              </a:rPr>
+              <a:t>月</a:t>
+            </a:r>
+            <a:r>
+              <a:rPr lang="en-US" altLang="zh-CN" sz="2000" dirty="0">
+                <a:solidFill>
+                  <a:schemeClr val="tx1">
+                    <a:lumMod val="50000"/>
+                    <a:lumOff val="50000"/>
+                  </a:schemeClr>
+                </a:solidFill>
+              </a:rPr>
+              <a:t>6</a:t>
+            </a:r>
+            <a:r>
+              <a:rPr lang="zh-CN" altLang="en-US" sz="2000" dirty="0">
+                <a:solidFill>
+                  <a:schemeClr val="tx1">
+                    <a:lumMod val="50000"/>
+                    <a:lumOff val="50000"/>
+                  </a:schemeClr>
+                </a:solidFill>
+              </a:rPr>
+              <a:t>日</a:t>
+            </a:r>
+            <a:endParaRPr lang="en-US" altLang="zh-CN" sz="2000" dirty="0">
+              <a:solidFill>
+                <a:schemeClr val="tx1">
+                  <a:lumMod val="50000"/>
+                  <a:lumOff val="50000"/>
+                </a:schemeClr>
+              </a:solidFill>
+            </a:endParaRPr>
+          </a:p>
+          <a:p>
+            <a:pPr algn="ctr"/>
+            <a:r>
+              <a:rPr lang="zh-CN" altLang="en-US" sz="2000" dirty="0">
+                <a:latin typeface="黑体" panose="02010609060101010101" pitchFamily="49" charset="-122"/>
+                <a:ea typeface="黑体" panose="02010609060101010101" pitchFamily="49" charset="-122"/>
+              </a:rPr>
+              <a:t>开题报告</a:t>
+            </a:r>
+          </a:p>
+        </p:txBody>
+      </p:sp>
+      <p:cxnSp>
+        <p:nvCxnSpPr>
+          <p:cNvPr id="39" name="直线连接符 40">
+            <a:extLst>
+              <a:ext uri="{FF2B5EF4-FFF2-40B4-BE49-F238E27FC236}">
+                <a16:creationId xmlns:a16="http://schemas.microsoft.com/office/drawing/2014/main" id="{45549C96-2B9E-ADE7-834C-33ABE0E0D69A}"/>
+              </a:ext>
+            </a:extLst>
+          </p:cNvPr>
+          <p:cNvCxnSpPr>
+            <a:cxnSpLocks/>
+          </p:cNvCxnSpPr>
+          <p:nvPr/>
+        </p:nvCxnSpPr>
+        <p:spPr>
+          <a:xfrm flipV="1">
+            <a:off x="3513516" y="2771678"/>
+            <a:ext cx="0" cy="730111"/>
+          </a:xfrm>
+          <a:prstGeom prst="line">
+            <a:avLst/>
+          </a:prstGeom>
+          <a:ln w="12700">
+            <a:solidFill>
+              <a:srgbClr val="7F0F7E"/>
+            </a:solidFill>
+          </a:ln>
+        </p:spPr>
+        <p:style>
+          <a:lnRef idx="1">
+            <a:schemeClr val="accent1"/>
+          </a:lnRef>
+          <a:fillRef idx="0">
+            <a:schemeClr val="accent1"/>
+          </a:fillRef>
+          <a:effectRef idx="0">
+            <a:schemeClr val="accent1"/>
+          </a:effectRef>
+          <a:fontRef idx="minor">
+            <a:schemeClr val="tx1"/>
+          </a:fontRef>
+        </p:style>
+      </p:cxnSp>
+    </p:spTree>
+    <p:extLst>
+      <p:ext uri="{BB962C8B-B14F-4D97-AF65-F5344CB8AC3E}">
+        <p14:creationId xmlns:p14="http://schemas.microsoft.com/office/powerpoint/2010/main" val="3768671520"/>
+      </p:ext>
+    </p:extLst>
+  </p:cSld>
+  <p:clrMapOvr>
+    <a:masterClrMapping/>
+  </p:clrMapOvr>
+</p:sld>
+</file>
+
+<file path=ppt/slides/slide12.xml><?xml version="1.0" encoding="utf-8"?>
+<p:sld xmlns:a="http://schemas.openxmlformats.org/drawingml/2006/main" xmlns:r="http://schemas.openxmlformats.org/officeDocument/2006/relationships" xmlns:p="http://schemas.openxmlformats.org/presentationml/2006/main">
+  <p:cSld>
+    <p:spTree>
+      <p:nvGrpSpPr>
+        <p:cNvPr id="1" name=""/>
+        <p:cNvGrpSpPr/>
+        <p:nvPr/>
+      </p:nvGrpSpPr>
+      <p:grpSpPr>
+        <a:xfrm>
+          <a:off x="0" y="0"/>
+          <a:ext cx="0" cy="0"/>
+          <a:chOff x="0" y="0"/>
+          <a:chExt cx="0" cy="0"/>
+        </a:xfrm>
+      </p:grpSpPr>
+      <p:sp>
+        <p:nvSpPr>
+          <p:cNvPr id="2" name="内容占位符 1">
+            <a:extLst>
+              <a:ext uri="{FF2B5EF4-FFF2-40B4-BE49-F238E27FC236}">
+                <a16:creationId xmlns:a16="http://schemas.microsoft.com/office/drawing/2014/main" id="{120B5E47-FCCD-9843-B9F4-CECF09D03BB6}"/>
+              </a:ext>
+            </a:extLst>
+          </p:cNvPr>
+          <p:cNvSpPr>
+            <a:spLocks noGrp="1"/>
+          </p:cNvSpPr>
+          <p:nvPr>
+            <p:ph idx="1"/>
+          </p:nvPr>
+        </p:nvSpPr>
+        <p:spPr>
+          <a:xfrm>
+            <a:off x="833377" y="1776800"/>
+            <a:ext cx="10521387" cy="3678303"/>
+          </a:xfrm>
+        </p:spPr>
+        <p:txBody>
+          <a:bodyPr/>
+          <a:lstStyle/>
+          <a:p>
+            <a:pPr marL="666892" lvl="1" indent="-342900">
+              <a:lnSpc>
+                <a:spcPct val="150000"/>
+              </a:lnSpc>
+              <a:buFont typeface="+mj-lt"/>
+              <a:buAutoNum type="arabicPeriod"/>
+            </a:pPr>
+            <a:r>
+              <a:rPr kumimoji="1" lang="en-US" altLang="zh-CN" dirty="0"/>
+              <a:t>User Interrupt in x86</a:t>
+            </a:r>
+          </a:p>
+          <a:p>
+            <a:pPr marL="936886" lvl="2" indent="-342900">
+              <a:lnSpc>
+                <a:spcPct val="150000"/>
+              </a:lnSpc>
+              <a:buFont typeface="+mj-lt"/>
+              <a:buAutoNum type="arabicPeriod"/>
+            </a:pPr>
+            <a:r>
+              <a:rPr kumimoji="1" lang="en-US" altLang="zh-CN" dirty="0">
+                <a:hlinkClick r:id="rId2"/>
+              </a:rPr>
+              <a:t>x86 User Interrupt support</a:t>
+            </a:r>
+            <a:endParaRPr kumimoji="1" lang="en-US" altLang="zh-CN" dirty="0"/>
+          </a:p>
+          <a:p>
+            <a:pPr marL="936886" lvl="2" indent="-342900">
+              <a:lnSpc>
+                <a:spcPct val="150000"/>
+              </a:lnSpc>
+              <a:buFont typeface="+mj-lt"/>
+              <a:buAutoNum type="arabicPeriod"/>
+            </a:pPr>
+            <a:r>
+              <a:rPr kumimoji="1" lang="en-US" altLang="zh-CN" dirty="0">
+                <a:hlinkClick r:id="rId3"/>
+              </a:rPr>
+              <a:t>QEMU </a:t>
+            </a:r>
+            <a:r>
+              <a:rPr kumimoji="1" lang="en-US" altLang="zh-CN" dirty="0" err="1">
+                <a:hlinkClick r:id="rId3"/>
+              </a:rPr>
+              <a:t>uintr</a:t>
+            </a:r>
+            <a:r>
+              <a:rPr kumimoji="1" lang="en-US" altLang="zh-CN" dirty="0">
+                <a:hlinkClick r:id="rId3"/>
+              </a:rPr>
+              <a:t> x86</a:t>
+            </a:r>
+            <a:endParaRPr kumimoji="1" lang="en-US" altLang="zh-CN" dirty="0"/>
+          </a:p>
+          <a:p>
+            <a:pPr marL="666892" lvl="1" indent="-342900">
+              <a:lnSpc>
+                <a:spcPct val="150000"/>
+              </a:lnSpc>
+              <a:buFont typeface="+mj-lt"/>
+              <a:buAutoNum type="arabicPeriod"/>
+            </a:pPr>
+            <a:r>
+              <a:rPr kumimoji="1" lang="en-US" altLang="zh-CN" dirty="0"/>
+              <a:t>User Interrupt in x86</a:t>
+            </a:r>
+          </a:p>
+          <a:p>
+            <a:pPr marL="936886" lvl="2" indent="-342900">
+              <a:lnSpc>
+                <a:spcPct val="150000"/>
+              </a:lnSpc>
+              <a:buFont typeface="+mj-lt"/>
+              <a:buAutoNum type="arabicPeriod"/>
+            </a:pPr>
+            <a:r>
+              <a:rPr kumimoji="1" lang="en-US" altLang="zh-CN" dirty="0">
+                <a:hlinkClick r:id="rId4"/>
+              </a:rPr>
+              <a:t>RISC-V N extension</a:t>
+            </a:r>
+            <a:endParaRPr kumimoji="1" lang="en-US" altLang="zh-CN" dirty="0"/>
+          </a:p>
+          <a:p>
+            <a:pPr marL="666892" lvl="1" indent="-342900">
+              <a:lnSpc>
+                <a:spcPct val="150000"/>
+              </a:lnSpc>
+              <a:buFont typeface="+mj-lt"/>
+              <a:buAutoNum type="arabicPeriod"/>
+            </a:pPr>
+            <a:r>
+              <a:rPr kumimoji="1" lang="en-US" altLang="zh-CN" dirty="0"/>
+              <a:t>IPC papers:</a:t>
+            </a:r>
+          </a:p>
+          <a:p>
+            <a:pPr marL="936886" lvl="2" indent="-342900">
+              <a:lnSpc>
+                <a:spcPct val="150000"/>
+              </a:lnSpc>
+              <a:buFont typeface="+mj-lt"/>
+              <a:buAutoNum type="arabicPeriod"/>
+            </a:pPr>
+            <a:r>
+              <a:rPr kumimoji="1" lang="en-US" altLang="zh-CN" dirty="0" err="1">
+                <a:hlinkClick r:id="rId5"/>
+              </a:rPr>
+              <a:t>SkyBridge</a:t>
+            </a:r>
+            <a:endParaRPr kumimoji="1" lang="en-US" altLang="zh-CN" dirty="0"/>
+          </a:p>
+          <a:p>
+            <a:pPr marL="936886" lvl="2" indent="-342900">
+              <a:lnSpc>
+                <a:spcPct val="150000"/>
+              </a:lnSpc>
+              <a:buFont typeface="+mj-lt"/>
+              <a:buAutoNum type="arabicPeriod"/>
+            </a:pPr>
+            <a:r>
+              <a:rPr kumimoji="1" lang="en-US" altLang="zh-CN" dirty="0">
+                <a:hlinkClick r:id="rId6"/>
+              </a:rPr>
+              <a:t>XPC</a:t>
+            </a:r>
+            <a:endParaRPr kumimoji="1" lang="en-US" altLang="zh-CN" dirty="0"/>
+          </a:p>
+        </p:txBody>
+      </p:sp>
+      <p:sp>
+        <p:nvSpPr>
+          <p:cNvPr id="3" name="标题 2">
+            <a:extLst>
+              <a:ext uri="{FF2B5EF4-FFF2-40B4-BE49-F238E27FC236}">
+                <a16:creationId xmlns:a16="http://schemas.microsoft.com/office/drawing/2014/main" id="{E5F20C5C-BE5B-F640-B2EF-4F8488015860}"/>
+              </a:ext>
+            </a:extLst>
+          </p:cNvPr>
+          <p:cNvSpPr>
+            <a:spLocks noGrp="1"/>
+          </p:cNvSpPr>
+          <p:nvPr>
+            <p:ph type="title"/>
+          </p:nvPr>
+        </p:nvSpPr>
+        <p:spPr/>
+        <p:txBody>
+          <a:bodyPr/>
+          <a:lstStyle/>
+          <a:p>
+            <a:r>
+              <a:rPr kumimoji="1" lang="zh-CN" altLang="en-US" dirty="0"/>
+              <a:t>参考资料</a:t>
+            </a:r>
+          </a:p>
+        </p:txBody>
+      </p:sp>
+    </p:spTree>
+    <p:extLst>
+      <p:ext uri="{BB962C8B-B14F-4D97-AF65-F5344CB8AC3E}">
+        <p14:creationId xmlns:p14="http://schemas.microsoft.com/office/powerpoint/2010/main" val="3786319705"/>
+      </p:ext>
+    </p:extLst>
+  </p:cSld>
+  <p:clrMapOvr>
+    <a:masterClrMapping/>
+  </p:clrMapOvr>
+</p:sld>
+</file>
+
+<file path=ppt/slides/slide13.xml><?xml version="1.0" encoding="utf-8"?>
+<p:sld xmlns:a="http://schemas.openxmlformats.org/drawingml/2006/main" xmlns:r="http://schemas.openxmlformats.org/officeDocument/2006/relationships" xmlns:p="http://schemas.openxmlformats.org/presentationml/2006/main">
+  <p:cSld>
+    <p:spTree>
+      <p:nvGrpSpPr>
+        <p:cNvPr id="1" name=""/>
+        <p:cNvGrpSpPr/>
+        <p:nvPr/>
+      </p:nvGrpSpPr>
+      <p:grpSpPr>
+        <a:xfrm>
+          <a:off x="0" y="0"/>
+          <a:ext cx="0" cy="0"/>
+          <a:chOff x="0" y="0"/>
+          <a:chExt cx="0" cy="0"/>
+        </a:xfrm>
+      </p:grpSpPr>
+      <p:sp>
+        <p:nvSpPr>
+          <p:cNvPr id="4" name="标题 3">
+            <a:extLst>
+              <a:ext uri="{FF2B5EF4-FFF2-40B4-BE49-F238E27FC236}">
+                <a16:creationId xmlns:a16="http://schemas.microsoft.com/office/drawing/2014/main" id="{0D06B8AA-CA7A-8C42-B072-3794DD9BC7B6}"/>
+              </a:ext>
+            </a:extLst>
+          </p:cNvPr>
+          <p:cNvSpPr>
+            <a:spLocks noGrp="1"/>
+          </p:cNvSpPr>
+          <p:nvPr>
+            <p:ph type="ctrTitle"/>
+          </p:nvPr>
+        </p:nvSpPr>
+        <p:spPr/>
+        <p:txBody>
+          <a:bodyPr/>
+          <a:lstStyle/>
+          <a:p>
+            <a:pPr algn="ctr"/>
+            <a:r>
+              <a:rPr kumimoji="1" lang="zh-CN" altLang="en-US" dirty="0"/>
+              <a:t>谢谢！</a:t>
+            </a:r>
+          </a:p>
+        </p:txBody>
+      </p:sp>
+    </p:spTree>
+    <p:extLst>
+      <p:ext uri="{BB962C8B-B14F-4D97-AF65-F5344CB8AC3E}">
+        <p14:creationId xmlns:p14="http://schemas.microsoft.com/office/powerpoint/2010/main" val="1192290247"/>
       </p:ext>
     </p:extLst>
   </p:cSld>
@@ -5186,7 +6429,7 @@
             </a:pPr>
             <a:r>
               <a:rPr kumimoji="1" lang="zh-CN" altLang="en-US" dirty="0"/>
-              <a:t>微内核：</a:t>
+              <a:t>性能问题：</a:t>
             </a:r>
             <a:endParaRPr kumimoji="1" lang="en-US" altLang="zh-CN" dirty="0"/>
           </a:p>
@@ -5198,7 +6441,31 @@
             </a:pPr>
             <a:r>
               <a:rPr kumimoji="1" lang="zh-CN" altLang="en-US" dirty="0"/>
-              <a:t>文件系统等作为服务进程</a:t>
+              <a:t>传统的 </a:t>
+            </a:r>
+            <a:r>
+              <a:rPr kumimoji="1" lang="en-US" altLang="zh-CN" dirty="0"/>
+              <a:t>IPC </a:t>
+            </a:r>
+            <a:r>
+              <a:rPr kumimoji="1" lang="zh-CN" altLang="en-US" dirty="0"/>
+              <a:t>（</a:t>
+            </a:r>
+            <a:r>
+              <a:rPr kumimoji="1" lang="en-US" altLang="zh-CN" dirty="0"/>
+              <a:t>signal</a:t>
+            </a:r>
+            <a:r>
+              <a:rPr kumimoji="1" lang="zh-CN" altLang="en-US" dirty="0"/>
+              <a:t>，</a:t>
+            </a:r>
+            <a:r>
+              <a:rPr kumimoji="1" lang="en-US" altLang="zh-CN" dirty="0"/>
+              <a:t>pipe</a:t>
+            </a:r>
+            <a:r>
+              <a:rPr kumimoji="1" lang="zh-CN" altLang="en-US" dirty="0"/>
+              <a:t>等）需要切换特权级</a:t>
             </a:r>
             <a:endParaRPr kumimoji="1" lang="en-US" altLang="zh-CN" dirty="0"/>
           </a:p>
@@ -5210,84 +6477,24 @@
             </a:pPr>
             <a:r>
               <a:rPr kumimoji="1" lang="zh-CN" altLang="en-US" dirty="0"/>
-              <a:t>安全、容错、模块化、可定制</a:t>
-            </a:r>
-            <a:endParaRPr kumimoji="1" lang="en-US" altLang="zh-CN" dirty="0"/>
-          </a:p>
-          <a:p>
-            <a:pPr lvl="1">
-              <a:lnSpc>
-                <a:spcPct val="150000"/>
-              </a:lnSpc>
-            </a:pPr>
+              <a:t>以 </a:t>
+            </a:r>
+            <a:r>
+              <a:rPr kumimoji="1" lang="zh-CN" altLang="en-US" b="1" dirty="0"/>
+              <a:t>熔断</a:t>
+            </a:r>
             <a:r>
               <a:rPr kumimoji="1" lang="zh-CN" altLang="en-US" dirty="0"/>
-              <a:t>性能问题：</a:t>
-            </a:r>
-            <a:endParaRPr kumimoji="1" lang="en-US" altLang="zh-CN" dirty="0"/>
-          </a:p>
-          <a:p>
-            <a:pPr lvl="2">
-              <a:lnSpc>
-                <a:spcPct val="150000"/>
-              </a:lnSpc>
-            </a:pPr>
+              <a:t> 和 </a:t>
+            </a:r>
+            <a:r>
+              <a:rPr kumimoji="1" lang="zh-CN" altLang="en-US" b="1" dirty="0"/>
+              <a:t>幽灵</a:t>
+            </a:r>
             <a:r>
               <a:rPr kumimoji="1" lang="zh-CN" altLang="en-US" dirty="0"/>
-              <a:t>传统的 </a:t>
-            </a:r>
-            <a:r>
-              <a:rPr kumimoji="1" lang="en-US" altLang="zh-CN" dirty="0"/>
-              <a:t>IPC </a:t>
-            </a:r>
-            <a:r>
-              <a:rPr kumimoji="1" lang="zh-CN" altLang="en-US" dirty="0"/>
-              <a:t>需要切换特权级</a:t>
-            </a:r>
-            <a:endParaRPr kumimoji="1" lang="en-US" altLang="zh-CN" dirty="0"/>
-          </a:p>
-          <a:p>
-            <a:pPr lvl="2">
-              <a:lnSpc>
-                <a:spcPct val="150000"/>
-              </a:lnSpc>
-            </a:pPr>
-            <a:r>
-              <a:rPr kumimoji="1" lang="zh-CN" altLang="en-US" dirty="0"/>
-              <a:t>以 熔断（</a:t>
-            </a:r>
-            <a:r>
-              <a:rPr kumimoji="1" lang="en-US" altLang="zh-CN" dirty="0"/>
-              <a:t>Meltdown</a:t>
-            </a:r>
-            <a:r>
-              <a:rPr kumimoji="1" lang="zh-CN" altLang="en-US" dirty="0"/>
-              <a:t>） 和 幽灵（</a:t>
-            </a:r>
-            <a:r>
-              <a:rPr kumimoji="1" lang="en-US" altLang="zh-CN" dirty="0"/>
-              <a:t>Spectrum</a:t>
-            </a:r>
-            <a:r>
-              <a:rPr kumimoji="1" lang="zh-CN" altLang="en-US" dirty="0"/>
-              <a:t>）为代表的安全漏洞 </a:t>
-            </a:r>
-            <a:r>
-              <a:rPr kumimoji="1" lang="en-US" altLang="zh-CN" dirty="0"/>
-              <a:t>》》》</a:t>
-            </a:r>
-            <a:r>
-              <a:rPr kumimoji="1" lang="zh-CN" altLang="en-US" dirty="0"/>
-              <a:t>页表切换的开销</a:t>
-            </a:r>
-            <a:endParaRPr kumimoji="1" lang="en-US" altLang="zh-CN" dirty="0"/>
-          </a:p>
-          <a:p>
-            <a:pPr lvl="1">
-              <a:lnSpc>
-                <a:spcPct val="150000"/>
-              </a:lnSpc>
-            </a:pPr>
+              <a:t> 为代表的安全漏洞，引入多页表机制</a:t>
+            </a:r>
             <a:endParaRPr kumimoji="1" lang="en-US" altLang="zh-CN" dirty="0"/>
           </a:p>
         </p:txBody>
@@ -5322,10 +6529,10 @@
       </p:sp>
       <p:pic>
         <p:nvPicPr>
-          <p:cNvPr id="4" name="图片 3">
+          <p:cNvPr id="7" name="图片 6">
             <a:extLst>
               <a:ext uri="{FF2B5EF4-FFF2-40B4-BE49-F238E27FC236}">
-                <a16:creationId xmlns:a16="http://schemas.microsoft.com/office/drawing/2014/main" id="{AAB78801-83B1-684D-82BA-202C7133AF9A}"/>
+                <a16:creationId xmlns:a16="http://schemas.microsoft.com/office/drawing/2014/main" id="{CD6C634D-E0D9-96E3-1300-D3559E83C9BB}"/>
               </a:ext>
             </a:extLst>
           </p:cNvPr>
@@ -5342,8 +6549,8 @@
         </p:blipFill>
         <p:spPr>
           <a:xfrm>
-            <a:off x="5036083" y="1878212"/>
-            <a:ext cx="1886368" cy="550679"/>
+            <a:off x="1320068" y="3684045"/>
+            <a:ext cx="5260694" cy="2320279"/>
           </a:xfrm>
           <a:prstGeom prst="rect">
             <a:avLst/>
@@ -5352,10 +6559,10 @@
       </p:pic>
       <p:pic>
         <p:nvPicPr>
-          <p:cNvPr id="5" name="图片 4">
+          <p:cNvPr id="8" name="图片 7">
             <a:extLst>
               <a:ext uri="{FF2B5EF4-FFF2-40B4-BE49-F238E27FC236}">
-                <a16:creationId xmlns:a16="http://schemas.microsoft.com/office/drawing/2014/main" id="{0299D861-11DF-564C-84A4-A54565C563C5}"/>
+                <a16:creationId xmlns:a16="http://schemas.microsoft.com/office/drawing/2014/main" id="{C05E8246-C795-F18B-652F-A33D96631C6A}"/>
               </a:ext>
             </a:extLst>
           </p:cNvPr>
@@ -5372,8 +6579,8 @@
         </p:blipFill>
         <p:spPr>
           <a:xfrm>
-            <a:off x="5096071" y="2547026"/>
-            <a:ext cx="1676400" cy="762000"/>
+            <a:off x="6443932" y="1039752"/>
+            <a:ext cx="4592484" cy="4964572"/>
           </a:xfrm>
           <a:prstGeom prst="rect">
             <a:avLst/>
@@ -5570,141 +6777,65 @@
           <a:lstStyle/>
           <a:p>
             <a:r>
-              <a:rPr kumimoji="1" lang="zh-CN" altLang="en-US" dirty="0"/>
+              <a:rPr kumimoji="1" lang="zh-CN" altLang="en-US" sz="2400" dirty="0"/>
               <a:t>围绕 </a:t>
             </a:r>
             <a:r>
-              <a:rPr kumimoji="1" lang="en-US" altLang="zh-CN" dirty="0"/>
+              <a:rPr kumimoji="1" lang="en-US" altLang="zh-CN" sz="2400" dirty="0"/>
               <a:t>RISC-V N </a:t>
             </a:r>
             <a:r>
-              <a:rPr kumimoji="1" lang="zh-CN" altLang="en-US" dirty="0"/>
-              <a:t>扩展（软硬协同）</a:t>
-            </a:r>
-            <a:endParaRPr kumimoji="1" lang="en-US" altLang="zh-CN" dirty="0"/>
+              <a:rPr kumimoji="1" lang="zh-CN" altLang="en-US" sz="2400" dirty="0"/>
+              <a:t>扩展</a:t>
+            </a:r>
+            <a:endParaRPr kumimoji="1" lang="en-US" altLang="zh-CN" sz="2400" dirty="0"/>
           </a:p>
           <a:p>
             <a:pPr lvl="1"/>
             <a:r>
-              <a:rPr kumimoji="1" lang="zh-CN" altLang="en-US" dirty="0"/>
+              <a:rPr kumimoji="1" lang="zh-CN" altLang="en-US" sz="2000" dirty="0"/>
               <a:t>硬件开发板 </a:t>
             </a:r>
             <a:r>
-              <a:rPr kumimoji="1" lang="en-US" altLang="zh-CN" dirty="0"/>
+              <a:rPr kumimoji="1" lang="en-US" altLang="zh-CN" sz="2000" dirty="0"/>
               <a:t>zcu102</a:t>
             </a:r>
-            <a:r>
-              <a:rPr kumimoji="1" lang="zh-CN" altLang="en-US" dirty="0"/>
-              <a:t>，基于 </a:t>
-            </a:r>
-            <a:r>
-              <a:rPr kumimoji="1" lang="en-US" altLang="zh-CN" dirty="0"/>
-              <a:t>Labeled-RISC-V</a:t>
-            </a:r>
-            <a:r>
-              <a:rPr kumimoji="1" lang="zh-CN" altLang="en-US" dirty="0"/>
-              <a:t>（</a:t>
-            </a:r>
-            <a:r>
-              <a:rPr kumimoji="1" lang="en-US" altLang="zh-CN" dirty="0"/>
-              <a:t>Rocket</a:t>
-            </a:r>
-            <a:r>
-              <a:rPr kumimoji="1" lang="zh-CN" altLang="en-US" dirty="0"/>
-              <a:t>）</a:t>
-            </a:r>
-            <a:endParaRPr kumimoji="1" lang="en-US" altLang="zh-CN" dirty="0"/>
           </a:p>
           <a:p>
             <a:pPr lvl="1"/>
             <a:r>
-              <a:rPr kumimoji="1" lang="zh-CN" altLang="en-US" dirty="0"/>
-              <a:t>基于 </a:t>
-            </a:r>
-            <a:r>
-              <a:rPr kumimoji="1" lang="en-US" altLang="zh-CN" dirty="0"/>
-              <a:t>PLIC </a:t>
-            </a:r>
-            <a:r>
-              <a:rPr kumimoji="1" lang="zh-CN" altLang="en-US" dirty="0"/>
-              <a:t>实现外设到用户的中断</a:t>
-            </a:r>
-            <a:endParaRPr kumimoji="1" lang="en-US" altLang="zh-CN" dirty="0"/>
+              <a:rPr kumimoji="1" lang="zh-CN" altLang="en-US" sz="2000" dirty="0"/>
+              <a:t>外设到用户的中断</a:t>
+            </a:r>
+            <a:endParaRPr kumimoji="1" lang="en-US" altLang="zh-CN" sz="2000" dirty="0"/>
           </a:p>
           <a:p>
             <a:pPr lvl="1"/>
             <a:r>
-              <a:rPr kumimoji="1" lang="en-US" altLang="zh-CN" dirty="0" err="1"/>
+              <a:rPr kumimoji="1" lang="en-US" altLang="zh-CN" sz="2000" dirty="0" err="1"/>
               <a:t>rCore</a:t>
             </a:r>
             <a:r>
-              <a:rPr kumimoji="1" lang="en-US" altLang="zh-CN" dirty="0"/>
+              <a:rPr kumimoji="1" lang="en-US" altLang="zh-CN" sz="2000" dirty="0"/>
               <a:t>-N </a:t>
             </a:r>
             <a:r>
-              <a:rPr kumimoji="1" lang="zh-CN" altLang="en-US" dirty="0"/>
+              <a:rPr kumimoji="1" lang="zh-CN" altLang="en-US" sz="2000" dirty="0"/>
               <a:t>进行验证分析</a:t>
             </a:r>
-            <a:endParaRPr kumimoji="1" lang="en-US" altLang="zh-CN" dirty="0"/>
+            <a:endParaRPr kumimoji="1" lang="en-US" altLang="zh-CN" sz="2000" dirty="0"/>
           </a:p>
           <a:p>
             <a:pPr lvl="1"/>
             <a:r>
-              <a:rPr kumimoji="1" lang="en-US" altLang="zh-CN" dirty="0"/>
+              <a:rPr kumimoji="1" lang="en-US" altLang="zh-CN" sz="2000" dirty="0"/>
               <a:t>UINTR</a:t>
             </a:r>
             <a:r>
-              <a:rPr kumimoji="1" lang="zh-CN" altLang="en-US" dirty="0"/>
+              <a:rPr kumimoji="1" lang="zh-CN" altLang="en-US" sz="2000" dirty="0"/>
               <a:t> 设计草案</a:t>
             </a:r>
-            <a:endParaRPr kumimoji="1" lang="en-US" altLang="zh-CN" dirty="0"/>
-          </a:p>
-          <a:p>
-            <a:r>
-              <a:rPr kumimoji="1" lang="zh-CN" altLang="en-US" dirty="0"/>
-              <a:t>围绕 </a:t>
-            </a:r>
-            <a:r>
-              <a:rPr kumimoji="1" lang="en-US" altLang="zh-CN" dirty="0"/>
-              <a:t>Intel </a:t>
-            </a:r>
-            <a:r>
-              <a:rPr kumimoji="1" lang="zh-CN" altLang="en-US" dirty="0"/>
-              <a:t>用户态中断扩展（</a:t>
-            </a:r>
-            <a:r>
-              <a:rPr kumimoji="1" lang="en-US" altLang="zh-CN" dirty="0"/>
-              <a:t>QEMU</a:t>
-            </a:r>
-            <a:r>
-              <a:rPr kumimoji="1" lang="zh-CN" altLang="en-US" dirty="0"/>
-              <a:t>）</a:t>
-            </a:r>
-            <a:endParaRPr kumimoji="1" lang="en-US" altLang="zh-CN" dirty="0"/>
-          </a:p>
-          <a:p>
-            <a:pPr lvl="1"/>
-            <a:r>
-              <a:rPr kumimoji="1" lang="zh-CN" altLang="en-US" dirty="0"/>
-              <a:t>添加硬件寄存器、指令、中断处理</a:t>
-            </a:r>
-            <a:endParaRPr kumimoji="1" lang="en-US" altLang="zh-CN" dirty="0"/>
-          </a:p>
-          <a:p>
-            <a:pPr lvl="1"/>
-            <a:r>
-              <a:rPr kumimoji="1" lang="zh-CN" altLang="en-US" dirty="0"/>
-              <a:t>用户态中断处理函数处理 </a:t>
-            </a:r>
-            <a:r>
-              <a:rPr kumimoji="1" lang="en-US" altLang="zh-CN" dirty="0"/>
-              <a:t>IO </a:t>
-            </a:r>
-            <a:r>
-              <a:rPr kumimoji="1" lang="zh-CN" altLang="en-US" dirty="0"/>
-              <a:t>的返回</a:t>
-            </a:r>
-            <a:endParaRPr kumimoji="1" lang="en-US" altLang="zh-CN" dirty="0"/>
+            <a:endParaRPr kumimoji="1" lang="en-US" altLang="zh-CN" sz="2000" dirty="0"/>
           </a:p>
           <a:p>
             <a:pPr lvl="1"/>
@@ -5748,6 +6879,36 @@
           </a:p>
         </p:txBody>
       </p:sp>
+      <p:pic>
+        <p:nvPicPr>
+          <p:cNvPr id="5" name="图片 4">
+            <a:extLst>
+              <a:ext uri="{FF2B5EF4-FFF2-40B4-BE49-F238E27FC236}">
+                <a16:creationId xmlns:a16="http://schemas.microsoft.com/office/drawing/2014/main" id="{59553793-DD15-E749-82EF-D32EEC9A9DED}"/>
+              </a:ext>
+            </a:extLst>
+          </p:cNvPr>
+          <p:cNvPicPr>
+            <a:picLocks noChangeAspect="1"/>
+          </p:cNvPicPr>
+          <p:nvPr/>
+        </p:nvPicPr>
+        <p:blipFill>
+          <a:blip r:embed="rId2"/>
+          <a:stretch>
+            <a:fillRect/>
+          </a:stretch>
+        </p:blipFill>
+        <p:spPr>
+          <a:xfrm>
+            <a:off x="4721083" y="1402897"/>
+            <a:ext cx="7470917" cy="3601731"/>
+          </a:xfrm>
+          <a:prstGeom prst="rect">
+            <a:avLst/>
+          </a:prstGeom>
+        </p:spPr>
+      </p:pic>
     </p:spTree>
     <p:extLst>
       <p:ext uri="{BB962C8B-B14F-4D97-AF65-F5344CB8AC3E}">
@@ -5796,127 +6957,108 @@
         </p:nvSpPr>
         <p:spPr>
           <a:xfrm>
-            <a:off x="833377" y="1776800"/>
-            <a:ext cx="10521387" cy="3678303"/>
+            <a:off x="646018" y="1851522"/>
+            <a:ext cx="5449981" cy="1879794"/>
           </a:xfrm>
         </p:spPr>
         <p:txBody>
-          <a:bodyPr/>
+          <a:bodyPr>
+            <a:normAutofit fontScale="55000" lnSpcReduction="20000"/>
+          </a:bodyPr>
           <a:lstStyle/>
           <a:p>
+            <a:r>
+              <a:rPr kumimoji="1" lang="en-US" altLang="zh-CN" sz="2600" dirty="0"/>
+              <a:t>Intel </a:t>
+            </a:r>
+            <a:r>
+              <a:rPr kumimoji="1" lang="zh-CN" altLang="en-US" sz="2600" dirty="0"/>
+              <a:t>用户态中断扩展</a:t>
+            </a:r>
+            <a:endParaRPr kumimoji="1" lang="en-US" altLang="zh-CN" sz="2600" dirty="0"/>
+          </a:p>
+          <a:p>
             <a:pPr lvl="1"/>
             <a:r>
-              <a:rPr kumimoji="1" lang="zh-CN" altLang="en-US" dirty="0"/>
-              <a:t>软件验证表明，用户态中断在性能上显著优于传统的 </a:t>
-            </a:r>
-            <a:r>
-              <a:rPr kumimoji="1" lang="en-US" altLang="zh-CN" dirty="0"/>
-              <a:t>IPC </a:t>
-            </a:r>
-            <a:r>
-              <a:rPr kumimoji="1" lang="zh-CN" altLang="en-US" dirty="0"/>
-              <a:t>机制</a:t>
-            </a:r>
+              <a:rPr kumimoji="1" lang="en-US" altLang="zh-CN" sz="2600" dirty="0"/>
+              <a:t>QEMU</a:t>
+            </a:r>
+            <a:r>
+              <a:rPr kumimoji="1" lang="zh-CN" altLang="en-US" sz="2600" dirty="0"/>
+              <a:t>：添加硬件寄存器、指令、中断处理</a:t>
+            </a:r>
+            <a:endParaRPr kumimoji="1" lang="en-US" altLang="zh-CN" sz="2600" dirty="0"/>
+          </a:p>
+          <a:p>
+            <a:pPr lvl="1"/>
+            <a:r>
+              <a:rPr kumimoji="1" lang="en-US" altLang="zh-CN" sz="2600" dirty="0"/>
+              <a:t>Linux</a:t>
+            </a:r>
+            <a:r>
+              <a:rPr kumimoji="1" lang="zh-CN" altLang="en-US" sz="2600" dirty="0"/>
+              <a:t>：新增系统调用，两种数据结构：</a:t>
+            </a:r>
+            <a:endParaRPr kumimoji="1" lang="en-US" altLang="zh-CN" sz="2600" dirty="0"/>
+          </a:p>
+          <a:p>
+            <a:pPr lvl="2"/>
+            <a:r>
+              <a:rPr kumimoji="1" lang="en-US" altLang="zh-CN" sz="2600" dirty="0"/>
+              <a:t>UPID</a:t>
+            </a:r>
+            <a:r>
+              <a:rPr kumimoji="1" lang="zh-CN" altLang="en-US" sz="2600" dirty="0"/>
+              <a:t>：接收方注册中断处理函数</a:t>
+            </a:r>
+            <a:endParaRPr kumimoji="1" lang="en-US" altLang="zh-CN" sz="2600" dirty="0"/>
+          </a:p>
+          <a:p>
+            <a:pPr lvl="2"/>
+            <a:r>
+              <a:rPr kumimoji="1" lang="en-US" altLang="zh-CN" sz="2600" dirty="0"/>
+              <a:t>UITT</a:t>
+            </a:r>
+            <a:r>
+              <a:rPr kumimoji="1" lang="zh-CN" altLang="en-US" sz="2600" dirty="0"/>
+              <a:t>：发送方注册 </a:t>
+            </a:r>
+            <a:r>
+              <a:rPr kumimoji="1" lang="en-US" altLang="zh-CN" sz="2600" dirty="0"/>
+              <a:t>vector</a:t>
+            </a:r>
+            <a:r>
+              <a:rPr kumimoji="1" lang="zh-CN" altLang="en-US" sz="2600" dirty="0"/>
+              <a:t>，维护 </a:t>
+            </a:r>
+            <a:r>
+              <a:rPr kumimoji="1" lang="en-US" altLang="zh-CN" sz="2600" dirty="0"/>
+              <a:t>UPID </a:t>
+            </a:r>
+            <a:r>
+              <a:rPr kumimoji="1" lang="zh-CN" altLang="en-US" sz="2600" dirty="0"/>
+              <a:t>的地址</a:t>
+            </a:r>
+            <a:endParaRPr kumimoji="1" lang="en-US" altLang="zh-CN" sz="2600" dirty="0"/>
+          </a:p>
+          <a:p>
+            <a:pPr lvl="1"/>
+            <a:r>
+              <a:rPr kumimoji="1" lang="zh-CN" altLang="en-US" sz="2600" dirty="0"/>
+              <a:t>系统调用：</a:t>
+            </a:r>
+            <a:endParaRPr kumimoji="1" lang="en-US" altLang="zh-CN" sz="2600" dirty="0"/>
+          </a:p>
+          <a:p>
+            <a:pPr lvl="2"/>
+            <a:endParaRPr kumimoji="1" lang="en-US" altLang="zh-CN" sz="1900" dirty="0"/>
+          </a:p>
+          <a:p>
+            <a:pPr lvl="1"/>
             <a:endParaRPr kumimoji="1" lang="en-US" altLang="zh-CN" dirty="0"/>
           </a:p>
           <a:p>
             <a:pPr lvl="1"/>
-            <a:r>
-              <a:rPr kumimoji="1" lang="zh-CN" altLang="en-US" dirty="0"/>
-              <a:t>缺少基于 </a:t>
-            </a:r>
-            <a:r>
-              <a:rPr kumimoji="1" lang="en-US" altLang="zh-CN" dirty="0"/>
-              <a:t>RISC-V </a:t>
-            </a:r>
-            <a:r>
-              <a:rPr kumimoji="1" lang="zh-CN" altLang="en-US" dirty="0"/>
-              <a:t>的软件验证：</a:t>
-            </a:r>
-            <a:endParaRPr kumimoji="1" lang="en-US" altLang="zh-CN" dirty="0"/>
-          </a:p>
-          <a:p>
-            <a:pPr lvl="2"/>
-            <a:r>
-              <a:rPr kumimoji="1" lang="en-US" altLang="zh-CN" dirty="0"/>
-              <a:t>RISC-V N </a:t>
-            </a:r>
-            <a:r>
-              <a:rPr kumimoji="1" lang="zh-CN" altLang="en-US" dirty="0"/>
-              <a:t>扩展已被废除，但仍可以作为参考</a:t>
-            </a:r>
-            <a:endParaRPr kumimoji="1" lang="en-US" altLang="zh-CN" dirty="0"/>
-          </a:p>
-          <a:p>
-            <a:pPr lvl="2"/>
-            <a:r>
-              <a:rPr kumimoji="1" lang="zh-CN" altLang="en-US" dirty="0"/>
-              <a:t>提供完整的用户态中断机制，还需要进一步设计</a:t>
-            </a:r>
-            <a:endParaRPr kumimoji="1" lang="en-US" altLang="zh-CN" dirty="0"/>
-          </a:p>
-          <a:p>
-            <a:pPr lvl="1"/>
-            <a:r>
-              <a:rPr kumimoji="1" lang="zh-CN" altLang="en-US" dirty="0"/>
-              <a:t>缺少跨核的硬件验证：</a:t>
-            </a:r>
-            <a:endParaRPr kumimoji="1" lang="en-US" altLang="zh-CN" dirty="0"/>
-          </a:p>
-          <a:p>
-            <a:pPr lvl="2"/>
-            <a:r>
-              <a:rPr kumimoji="1" lang="zh-CN" altLang="en-US" dirty="0"/>
-              <a:t>真实的硬件环境下，用户态中断的优势如何</a:t>
-            </a:r>
-            <a:endParaRPr kumimoji="1" lang="en-US" altLang="zh-CN" dirty="0"/>
-          </a:p>
-          <a:p>
-            <a:pPr lvl="2"/>
-            <a:r>
-              <a:rPr kumimoji="1" lang="zh-CN" altLang="en-US" dirty="0"/>
-              <a:t>硬件设计应该采用 </a:t>
-            </a:r>
-            <a:r>
-              <a:rPr kumimoji="1" lang="en-US" altLang="zh-CN" dirty="0"/>
-              <a:t>Intel </a:t>
-            </a:r>
-            <a:r>
-              <a:rPr kumimoji="1" lang="zh-CN" altLang="en-US" dirty="0"/>
-              <a:t>的内存查询机制，还是 </a:t>
-            </a:r>
-            <a:r>
-              <a:rPr kumimoji="1" lang="en-US" altLang="zh-CN" dirty="0"/>
-              <a:t>UINTR </a:t>
-            </a:r>
-            <a:r>
-              <a:rPr kumimoji="1" lang="zh-CN" altLang="en-US" dirty="0"/>
-              <a:t>的外部控制器</a:t>
-            </a:r>
-            <a:endParaRPr kumimoji="1" lang="en-US" altLang="zh-CN" dirty="0"/>
-          </a:p>
-          <a:p>
-            <a:pPr lvl="1"/>
-            <a:r>
-              <a:rPr kumimoji="1" lang="zh-CN" altLang="en-US" dirty="0"/>
-              <a:t>如何构建一个完整的用户态中断机制：</a:t>
-            </a:r>
-            <a:endParaRPr kumimoji="1" lang="en-US" altLang="zh-CN" dirty="0"/>
-          </a:p>
-          <a:p>
-            <a:pPr lvl="2"/>
-            <a:r>
-              <a:rPr kumimoji="1" lang="zh-CN" altLang="en-US" dirty="0"/>
-              <a:t>外设、内核、用户进程</a:t>
-            </a:r>
-            <a:endParaRPr kumimoji="1" lang="en-US" altLang="zh-CN" dirty="0"/>
-          </a:p>
-          <a:p>
-            <a:pPr lvl="2"/>
-            <a:r>
-              <a:rPr kumimoji="1" lang="zh-CN" altLang="en-US" dirty="0"/>
-              <a:t>编程模型：系统调用、用户库</a:t>
-            </a:r>
             <a:endParaRPr kumimoji="1" lang="en-US" altLang="zh-CN" dirty="0"/>
           </a:p>
         </p:txBody>
@@ -5944,15 +7086,4533 @@
           <a:p>
             <a:r>
               <a:rPr kumimoji="1" lang="zh-CN" altLang="en-US" dirty="0"/>
-              <a:t>问题与思考</a:t>
-            </a:r>
-          </a:p>
-        </p:txBody>
-      </p:sp>
+              <a:t>已有工作</a:t>
+            </a:r>
+          </a:p>
+        </p:txBody>
+      </p:sp>
+      <p:sp>
+        <p:nvSpPr>
+          <p:cNvPr id="7" name="圆角矩形 8">
+            <a:extLst>
+              <a:ext uri="{FF2B5EF4-FFF2-40B4-BE49-F238E27FC236}">
+                <a16:creationId xmlns:a16="http://schemas.microsoft.com/office/drawing/2014/main" id="{030B81EA-8B0E-3848-A47F-5FD58089F2B2}"/>
+              </a:ext>
+            </a:extLst>
+          </p:cNvPr>
+          <p:cNvSpPr/>
+          <p:nvPr/>
+        </p:nvSpPr>
+        <p:spPr>
+          <a:xfrm>
+            <a:off x="7240904" y="3634058"/>
+            <a:ext cx="1176020" cy="2189480"/>
+          </a:xfrm>
+          <a:prstGeom prst="roundRect">
+            <a:avLst/>
+          </a:prstGeom>
+        </p:spPr>
+        <p:style>
+          <a:lnRef idx="2">
+            <a:schemeClr val="dk1"/>
+          </a:lnRef>
+          <a:fillRef idx="1">
+            <a:schemeClr val="lt1"/>
+          </a:fillRef>
+          <a:effectRef idx="0">
+            <a:schemeClr val="dk1"/>
+          </a:effectRef>
+          <a:fontRef idx="minor">
+            <a:schemeClr val="dk1"/>
+          </a:fontRef>
+        </p:style>
+        <p:txBody>
+          <a:bodyPr rtlCol="0" anchor="ctr"/>
+          <a:lstStyle>
+            <a:defPPr>
+              <a:defRPr lang="en-US"/>
+            </a:defPPr>
+            <a:lvl1pPr marL="0" algn="l" defTabSz="914400" rtl="0" eaLnBrk="1" latinLnBrk="0" hangingPunct="1">
+              <a:defRPr sz="1800" kern="1200">
+                <a:solidFill>
+                  <a:schemeClr val="dk1"/>
+                </a:solidFill>
+                <a:latin typeface="+mn-lt"/>
+                <a:ea typeface="+mn-ea"/>
+                <a:cs typeface="+mn-cs"/>
+              </a:defRPr>
+            </a:lvl1pPr>
+            <a:lvl2pPr marL="457200" algn="l" defTabSz="914400" rtl="0" eaLnBrk="1" latinLnBrk="0" hangingPunct="1">
+              <a:defRPr sz="1800" kern="1200">
+                <a:solidFill>
+                  <a:schemeClr val="dk1"/>
+                </a:solidFill>
+                <a:latin typeface="+mn-lt"/>
+                <a:ea typeface="+mn-ea"/>
+                <a:cs typeface="+mn-cs"/>
+              </a:defRPr>
+            </a:lvl2pPr>
+            <a:lvl3pPr marL="914400" algn="l" defTabSz="914400" rtl="0" eaLnBrk="1" latinLnBrk="0" hangingPunct="1">
+              <a:defRPr sz="1800" kern="1200">
+                <a:solidFill>
+                  <a:schemeClr val="dk1"/>
+                </a:solidFill>
+                <a:latin typeface="+mn-lt"/>
+                <a:ea typeface="+mn-ea"/>
+                <a:cs typeface="+mn-cs"/>
+              </a:defRPr>
+            </a:lvl3pPr>
+            <a:lvl4pPr marL="1371600" algn="l" defTabSz="914400" rtl="0" eaLnBrk="1" latinLnBrk="0" hangingPunct="1">
+              <a:defRPr sz="1800" kern="1200">
+                <a:solidFill>
+                  <a:schemeClr val="dk1"/>
+                </a:solidFill>
+                <a:latin typeface="+mn-lt"/>
+                <a:ea typeface="+mn-ea"/>
+                <a:cs typeface="+mn-cs"/>
+              </a:defRPr>
+            </a:lvl4pPr>
+            <a:lvl5pPr marL="1828800" algn="l" defTabSz="914400" rtl="0" eaLnBrk="1" latinLnBrk="0" hangingPunct="1">
+              <a:defRPr sz="1800" kern="1200">
+                <a:solidFill>
+                  <a:schemeClr val="dk1"/>
+                </a:solidFill>
+                <a:latin typeface="+mn-lt"/>
+                <a:ea typeface="+mn-ea"/>
+                <a:cs typeface="+mn-cs"/>
+              </a:defRPr>
+            </a:lvl5pPr>
+            <a:lvl6pPr marL="2286000" algn="l" defTabSz="914400" rtl="0" eaLnBrk="1" latinLnBrk="0" hangingPunct="1">
+              <a:defRPr sz="1800" kern="1200">
+                <a:solidFill>
+                  <a:schemeClr val="dk1"/>
+                </a:solidFill>
+                <a:latin typeface="+mn-lt"/>
+                <a:ea typeface="+mn-ea"/>
+                <a:cs typeface="+mn-cs"/>
+              </a:defRPr>
+            </a:lvl6pPr>
+            <a:lvl7pPr marL="2743200" algn="l" defTabSz="914400" rtl="0" eaLnBrk="1" latinLnBrk="0" hangingPunct="1">
+              <a:defRPr sz="1800" kern="1200">
+                <a:solidFill>
+                  <a:schemeClr val="dk1"/>
+                </a:solidFill>
+                <a:latin typeface="+mn-lt"/>
+                <a:ea typeface="+mn-ea"/>
+                <a:cs typeface="+mn-cs"/>
+              </a:defRPr>
+            </a:lvl7pPr>
+            <a:lvl8pPr marL="3200400" algn="l" defTabSz="914400" rtl="0" eaLnBrk="1" latinLnBrk="0" hangingPunct="1">
+              <a:defRPr sz="1800" kern="1200">
+                <a:solidFill>
+                  <a:schemeClr val="dk1"/>
+                </a:solidFill>
+                <a:latin typeface="+mn-lt"/>
+                <a:ea typeface="+mn-ea"/>
+                <a:cs typeface="+mn-cs"/>
+              </a:defRPr>
+            </a:lvl8pPr>
+            <a:lvl9pPr marL="3657600" algn="l" defTabSz="914400" rtl="0" eaLnBrk="1" latinLnBrk="0" hangingPunct="1">
+              <a:defRPr sz="1800" kern="1200">
+                <a:solidFill>
+                  <a:schemeClr val="dk1"/>
+                </a:solidFill>
+                <a:latin typeface="+mn-lt"/>
+                <a:ea typeface="+mn-ea"/>
+                <a:cs typeface="+mn-cs"/>
+              </a:defRPr>
+            </a:lvl9pPr>
+          </a:lstStyle>
+          <a:p>
+            <a:pPr algn="ctr"/>
+            <a:endParaRPr lang="en-US" altLang="zh-CN"/>
+          </a:p>
+        </p:txBody>
+      </p:sp>
+      <p:sp>
+        <p:nvSpPr>
+          <p:cNvPr id="8" name="文本框 9">
+            <a:extLst>
+              <a:ext uri="{FF2B5EF4-FFF2-40B4-BE49-F238E27FC236}">
+                <a16:creationId xmlns:a16="http://schemas.microsoft.com/office/drawing/2014/main" id="{92F172F9-43CE-6D4A-BCA4-73A140EB461F}"/>
+              </a:ext>
+            </a:extLst>
+          </p:cNvPr>
+          <p:cNvSpPr txBox="1"/>
+          <p:nvPr/>
+        </p:nvSpPr>
+        <p:spPr>
+          <a:xfrm>
+            <a:off x="7471409" y="3701368"/>
+            <a:ext cx="715645" cy="306705"/>
+          </a:xfrm>
+          <a:prstGeom prst="rect">
+            <a:avLst/>
+          </a:prstGeom>
+          <a:noFill/>
+        </p:spPr>
+        <p:txBody>
+          <a:bodyPr wrap="square" rtlCol="0">
+            <a:spAutoFit/>
+          </a:bodyPr>
+          <a:lstStyle>
+            <a:defPPr>
+              <a:defRPr lang="en-US"/>
+            </a:defPPr>
+            <a:lvl1pPr marL="0" algn="l" defTabSz="914400" rtl="0" eaLnBrk="1" latinLnBrk="0" hangingPunct="1">
+              <a:defRPr sz="1800" kern="1200">
+                <a:solidFill>
+                  <a:schemeClr val="tx1"/>
+                </a:solidFill>
+                <a:latin typeface="+mn-lt"/>
+                <a:ea typeface="+mn-ea"/>
+                <a:cs typeface="+mn-cs"/>
+              </a:defRPr>
+            </a:lvl1pPr>
+            <a:lvl2pPr marL="457200" algn="l" defTabSz="914400" rtl="0" eaLnBrk="1" latinLnBrk="0" hangingPunct="1">
+              <a:defRPr sz="1800" kern="1200">
+                <a:solidFill>
+                  <a:schemeClr val="tx1"/>
+                </a:solidFill>
+                <a:latin typeface="+mn-lt"/>
+                <a:ea typeface="+mn-ea"/>
+                <a:cs typeface="+mn-cs"/>
+              </a:defRPr>
+            </a:lvl2pPr>
+            <a:lvl3pPr marL="914400" algn="l" defTabSz="914400" rtl="0" eaLnBrk="1" latinLnBrk="0" hangingPunct="1">
+              <a:defRPr sz="1800" kern="1200">
+                <a:solidFill>
+                  <a:schemeClr val="tx1"/>
+                </a:solidFill>
+                <a:latin typeface="+mn-lt"/>
+                <a:ea typeface="+mn-ea"/>
+                <a:cs typeface="+mn-cs"/>
+              </a:defRPr>
+            </a:lvl3pPr>
+            <a:lvl4pPr marL="1371600" algn="l" defTabSz="914400" rtl="0" eaLnBrk="1" latinLnBrk="0" hangingPunct="1">
+              <a:defRPr sz="1800" kern="1200">
+                <a:solidFill>
+                  <a:schemeClr val="tx1"/>
+                </a:solidFill>
+                <a:latin typeface="+mn-lt"/>
+                <a:ea typeface="+mn-ea"/>
+                <a:cs typeface="+mn-cs"/>
+              </a:defRPr>
+            </a:lvl4pPr>
+            <a:lvl5pPr marL="1828800" algn="l" defTabSz="914400" rtl="0" eaLnBrk="1" latinLnBrk="0" hangingPunct="1">
+              <a:defRPr sz="1800" kern="1200">
+                <a:solidFill>
+                  <a:schemeClr val="tx1"/>
+                </a:solidFill>
+                <a:latin typeface="+mn-lt"/>
+                <a:ea typeface="+mn-ea"/>
+                <a:cs typeface="+mn-cs"/>
+              </a:defRPr>
+            </a:lvl5pPr>
+            <a:lvl6pPr marL="2286000" algn="l" defTabSz="914400" rtl="0" eaLnBrk="1" latinLnBrk="0" hangingPunct="1">
+              <a:defRPr sz="1800" kern="1200">
+                <a:solidFill>
+                  <a:schemeClr val="tx1"/>
+                </a:solidFill>
+                <a:latin typeface="+mn-lt"/>
+                <a:ea typeface="+mn-ea"/>
+                <a:cs typeface="+mn-cs"/>
+              </a:defRPr>
+            </a:lvl6pPr>
+            <a:lvl7pPr marL="2743200" algn="l" defTabSz="914400" rtl="0" eaLnBrk="1" latinLnBrk="0" hangingPunct="1">
+              <a:defRPr sz="1800" kern="1200">
+                <a:solidFill>
+                  <a:schemeClr val="tx1"/>
+                </a:solidFill>
+                <a:latin typeface="+mn-lt"/>
+                <a:ea typeface="+mn-ea"/>
+                <a:cs typeface="+mn-cs"/>
+              </a:defRPr>
+            </a:lvl7pPr>
+            <a:lvl8pPr marL="3200400" algn="l" defTabSz="914400" rtl="0" eaLnBrk="1" latinLnBrk="0" hangingPunct="1">
+              <a:defRPr sz="1800" kern="1200">
+                <a:solidFill>
+                  <a:schemeClr val="tx1"/>
+                </a:solidFill>
+                <a:latin typeface="+mn-lt"/>
+                <a:ea typeface="+mn-ea"/>
+                <a:cs typeface="+mn-cs"/>
+              </a:defRPr>
+            </a:lvl8pPr>
+            <a:lvl9pPr marL="3657600" algn="l" defTabSz="914400" rtl="0" eaLnBrk="1" latinLnBrk="0" hangingPunct="1">
+              <a:defRPr sz="1800" kern="1200">
+                <a:solidFill>
+                  <a:schemeClr val="tx1"/>
+                </a:solidFill>
+                <a:latin typeface="+mn-lt"/>
+                <a:ea typeface="+mn-ea"/>
+                <a:cs typeface="+mn-cs"/>
+              </a:defRPr>
+            </a:lvl9pPr>
+          </a:lstStyle>
+          <a:p>
+            <a:pPr algn="ctr"/>
+            <a:r>
+              <a:rPr lang="en-US" altLang="zh-CN" sz="1400"/>
+              <a:t>UITT</a:t>
+            </a:r>
+          </a:p>
+        </p:txBody>
+      </p:sp>
+      <p:sp>
+        <p:nvSpPr>
+          <p:cNvPr id="9" name="圆角矩形 11">
+            <a:extLst>
+              <a:ext uri="{FF2B5EF4-FFF2-40B4-BE49-F238E27FC236}">
+                <a16:creationId xmlns:a16="http://schemas.microsoft.com/office/drawing/2014/main" id="{FD1950A9-0B90-F74E-8426-D70DABFAB671}"/>
+              </a:ext>
+            </a:extLst>
+          </p:cNvPr>
+          <p:cNvSpPr/>
+          <p:nvPr/>
+        </p:nvSpPr>
+        <p:spPr>
+          <a:xfrm>
+            <a:off x="7361554" y="4077288"/>
+            <a:ext cx="935355" cy="375920"/>
+          </a:xfrm>
+          <a:prstGeom prst="roundRect">
+            <a:avLst/>
+          </a:prstGeom>
+        </p:spPr>
+        <p:style>
+          <a:lnRef idx="2">
+            <a:schemeClr val="accent4">
+              <a:shade val="50000"/>
+            </a:schemeClr>
+          </a:lnRef>
+          <a:fillRef idx="1">
+            <a:schemeClr val="accent4"/>
+          </a:fillRef>
+          <a:effectRef idx="0">
+            <a:schemeClr val="accent4"/>
+          </a:effectRef>
+          <a:fontRef idx="minor">
+            <a:schemeClr val="lt1"/>
+          </a:fontRef>
+        </p:style>
+        <p:txBody>
+          <a:bodyPr rtlCol="0" anchor="ctr"/>
+          <a:lstStyle>
+            <a:defPPr>
+              <a:defRPr lang="en-US"/>
+            </a:defPPr>
+            <a:lvl1pPr marL="0" algn="l" defTabSz="914400" rtl="0" eaLnBrk="1" latinLnBrk="0" hangingPunct="1">
+              <a:defRPr sz="1800" kern="1200">
+                <a:solidFill>
+                  <a:schemeClr val="lt1"/>
+                </a:solidFill>
+                <a:latin typeface="+mn-lt"/>
+                <a:ea typeface="+mn-ea"/>
+                <a:cs typeface="+mn-cs"/>
+              </a:defRPr>
+            </a:lvl1pPr>
+            <a:lvl2pPr marL="457200" algn="l" defTabSz="914400" rtl="0" eaLnBrk="1" latinLnBrk="0" hangingPunct="1">
+              <a:defRPr sz="1800" kern="1200">
+                <a:solidFill>
+                  <a:schemeClr val="lt1"/>
+                </a:solidFill>
+                <a:latin typeface="+mn-lt"/>
+                <a:ea typeface="+mn-ea"/>
+                <a:cs typeface="+mn-cs"/>
+              </a:defRPr>
+            </a:lvl2pPr>
+            <a:lvl3pPr marL="914400" algn="l" defTabSz="914400" rtl="0" eaLnBrk="1" latinLnBrk="0" hangingPunct="1">
+              <a:defRPr sz="1800" kern="1200">
+                <a:solidFill>
+                  <a:schemeClr val="lt1"/>
+                </a:solidFill>
+                <a:latin typeface="+mn-lt"/>
+                <a:ea typeface="+mn-ea"/>
+                <a:cs typeface="+mn-cs"/>
+              </a:defRPr>
+            </a:lvl3pPr>
+            <a:lvl4pPr marL="1371600" algn="l" defTabSz="914400" rtl="0" eaLnBrk="1" latinLnBrk="0" hangingPunct="1">
+              <a:defRPr sz="1800" kern="1200">
+                <a:solidFill>
+                  <a:schemeClr val="lt1"/>
+                </a:solidFill>
+                <a:latin typeface="+mn-lt"/>
+                <a:ea typeface="+mn-ea"/>
+                <a:cs typeface="+mn-cs"/>
+              </a:defRPr>
+            </a:lvl4pPr>
+            <a:lvl5pPr marL="1828800" algn="l" defTabSz="914400" rtl="0" eaLnBrk="1" latinLnBrk="0" hangingPunct="1">
+              <a:defRPr sz="1800" kern="1200">
+                <a:solidFill>
+                  <a:schemeClr val="lt1"/>
+                </a:solidFill>
+                <a:latin typeface="+mn-lt"/>
+                <a:ea typeface="+mn-ea"/>
+                <a:cs typeface="+mn-cs"/>
+              </a:defRPr>
+            </a:lvl5pPr>
+            <a:lvl6pPr marL="2286000" algn="l" defTabSz="914400" rtl="0" eaLnBrk="1" latinLnBrk="0" hangingPunct="1">
+              <a:defRPr sz="1800" kern="1200">
+                <a:solidFill>
+                  <a:schemeClr val="lt1"/>
+                </a:solidFill>
+                <a:latin typeface="+mn-lt"/>
+                <a:ea typeface="+mn-ea"/>
+                <a:cs typeface="+mn-cs"/>
+              </a:defRPr>
+            </a:lvl6pPr>
+            <a:lvl7pPr marL="2743200" algn="l" defTabSz="914400" rtl="0" eaLnBrk="1" latinLnBrk="0" hangingPunct="1">
+              <a:defRPr sz="1800" kern="1200">
+                <a:solidFill>
+                  <a:schemeClr val="lt1"/>
+                </a:solidFill>
+                <a:latin typeface="+mn-lt"/>
+                <a:ea typeface="+mn-ea"/>
+                <a:cs typeface="+mn-cs"/>
+              </a:defRPr>
+            </a:lvl7pPr>
+            <a:lvl8pPr marL="3200400" algn="l" defTabSz="914400" rtl="0" eaLnBrk="1" latinLnBrk="0" hangingPunct="1">
+              <a:defRPr sz="1800" kern="1200">
+                <a:solidFill>
+                  <a:schemeClr val="lt1"/>
+                </a:solidFill>
+                <a:latin typeface="+mn-lt"/>
+                <a:ea typeface="+mn-ea"/>
+                <a:cs typeface="+mn-cs"/>
+              </a:defRPr>
+            </a:lvl8pPr>
+            <a:lvl9pPr marL="3657600" algn="l" defTabSz="914400" rtl="0" eaLnBrk="1" latinLnBrk="0" hangingPunct="1">
+              <a:defRPr sz="1800" kern="1200">
+                <a:solidFill>
+                  <a:schemeClr val="lt1"/>
+                </a:solidFill>
+                <a:latin typeface="+mn-lt"/>
+                <a:ea typeface="+mn-ea"/>
+                <a:cs typeface="+mn-cs"/>
+              </a:defRPr>
+            </a:lvl9pPr>
+          </a:lstStyle>
+          <a:p>
+            <a:pPr algn="ctr"/>
+            <a:r>
+              <a:rPr lang="en-US" altLang="zh-CN" sz="1400" dirty="0"/>
+              <a:t>UITTE 0</a:t>
+            </a:r>
+          </a:p>
+        </p:txBody>
+      </p:sp>
+      <p:sp>
+        <p:nvSpPr>
+          <p:cNvPr id="10" name="圆角矩形 12">
+            <a:extLst>
+              <a:ext uri="{FF2B5EF4-FFF2-40B4-BE49-F238E27FC236}">
+                <a16:creationId xmlns:a16="http://schemas.microsoft.com/office/drawing/2014/main" id="{76C14814-8A4B-494E-9843-6E0F37732A68}"/>
+              </a:ext>
+            </a:extLst>
+          </p:cNvPr>
+          <p:cNvSpPr/>
+          <p:nvPr/>
+        </p:nvSpPr>
+        <p:spPr>
+          <a:xfrm>
+            <a:off x="7361554" y="4578938"/>
+            <a:ext cx="935355" cy="375920"/>
+          </a:xfrm>
+          <a:prstGeom prst="roundRect">
+            <a:avLst/>
+          </a:prstGeom>
+        </p:spPr>
+        <p:style>
+          <a:lnRef idx="2">
+            <a:schemeClr val="accent4">
+              <a:shade val="50000"/>
+            </a:schemeClr>
+          </a:lnRef>
+          <a:fillRef idx="1">
+            <a:schemeClr val="accent4"/>
+          </a:fillRef>
+          <a:effectRef idx="0">
+            <a:schemeClr val="accent4"/>
+          </a:effectRef>
+          <a:fontRef idx="minor">
+            <a:schemeClr val="lt1"/>
+          </a:fontRef>
+        </p:style>
+        <p:txBody>
+          <a:bodyPr rtlCol="0" anchor="ctr"/>
+          <a:lstStyle>
+            <a:defPPr>
+              <a:defRPr lang="en-US"/>
+            </a:defPPr>
+            <a:lvl1pPr marL="0" algn="l" defTabSz="914400" rtl="0" eaLnBrk="1" latinLnBrk="0" hangingPunct="1">
+              <a:defRPr sz="1800" kern="1200">
+                <a:solidFill>
+                  <a:schemeClr val="lt1"/>
+                </a:solidFill>
+                <a:latin typeface="+mn-lt"/>
+                <a:ea typeface="+mn-ea"/>
+                <a:cs typeface="+mn-cs"/>
+              </a:defRPr>
+            </a:lvl1pPr>
+            <a:lvl2pPr marL="457200" algn="l" defTabSz="914400" rtl="0" eaLnBrk="1" latinLnBrk="0" hangingPunct="1">
+              <a:defRPr sz="1800" kern="1200">
+                <a:solidFill>
+                  <a:schemeClr val="lt1"/>
+                </a:solidFill>
+                <a:latin typeface="+mn-lt"/>
+                <a:ea typeface="+mn-ea"/>
+                <a:cs typeface="+mn-cs"/>
+              </a:defRPr>
+            </a:lvl2pPr>
+            <a:lvl3pPr marL="914400" algn="l" defTabSz="914400" rtl="0" eaLnBrk="1" latinLnBrk="0" hangingPunct="1">
+              <a:defRPr sz="1800" kern="1200">
+                <a:solidFill>
+                  <a:schemeClr val="lt1"/>
+                </a:solidFill>
+                <a:latin typeface="+mn-lt"/>
+                <a:ea typeface="+mn-ea"/>
+                <a:cs typeface="+mn-cs"/>
+              </a:defRPr>
+            </a:lvl3pPr>
+            <a:lvl4pPr marL="1371600" algn="l" defTabSz="914400" rtl="0" eaLnBrk="1" latinLnBrk="0" hangingPunct="1">
+              <a:defRPr sz="1800" kern="1200">
+                <a:solidFill>
+                  <a:schemeClr val="lt1"/>
+                </a:solidFill>
+                <a:latin typeface="+mn-lt"/>
+                <a:ea typeface="+mn-ea"/>
+                <a:cs typeface="+mn-cs"/>
+              </a:defRPr>
+            </a:lvl4pPr>
+            <a:lvl5pPr marL="1828800" algn="l" defTabSz="914400" rtl="0" eaLnBrk="1" latinLnBrk="0" hangingPunct="1">
+              <a:defRPr sz="1800" kern="1200">
+                <a:solidFill>
+                  <a:schemeClr val="lt1"/>
+                </a:solidFill>
+                <a:latin typeface="+mn-lt"/>
+                <a:ea typeface="+mn-ea"/>
+                <a:cs typeface="+mn-cs"/>
+              </a:defRPr>
+            </a:lvl5pPr>
+            <a:lvl6pPr marL="2286000" algn="l" defTabSz="914400" rtl="0" eaLnBrk="1" latinLnBrk="0" hangingPunct="1">
+              <a:defRPr sz="1800" kern="1200">
+                <a:solidFill>
+                  <a:schemeClr val="lt1"/>
+                </a:solidFill>
+                <a:latin typeface="+mn-lt"/>
+                <a:ea typeface="+mn-ea"/>
+                <a:cs typeface="+mn-cs"/>
+              </a:defRPr>
+            </a:lvl6pPr>
+            <a:lvl7pPr marL="2743200" algn="l" defTabSz="914400" rtl="0" eaLnBrk="1" latinLnBrk="0" hangingPunct="1">
+              <a:defRPr sz="1800" kern="1200">
+                <a:solidFill>
+                  <a:schemeClr val="lt1"/>
+                </a:solidFill>
+                <a:latin typeface="+mn-lt"/>
+                <a:ea typeface="+mn-ea"/>
+                <a:cs typeface="+mn-cs"/>
+              </a:defRPr>
+            </a:lvl7pPr>
+            <a:lvl8pPr marL="3200400" algn="l" defTabSz="914400" rtl="0" eaLnBrk="1" latinLnBrk="0" hangingPunct="1">
+              <a:defRPr sz="1800" kern="1200">
+                <a:solidFill>
+                  <a:schemeClr val="lt1"/>
+                </a:solidFill>
+                <a:latin typeface="+mn-lt"/>
+                <a:ea typeface="+mn-ea"/>
+                <a:cs typeface="+mn-cs"/>
+              </a:defRPr>
+            </a:lvl8pPr>
+            <a:lvl9pPr marL="3657600" algn="l" defTabSz="914400" rtl="0" eaLnBrk="1" latinLnBrk="0" hangingPunct="1">
+              <a:defRPr sz="1800" kern="1200">
+                <a:solidFill>
+                  <a:schemeClr val="lt1"/>
+                </a:solidFill>
+                <a:latin typeface="+mn-lt"/>
+                <a:ea typeface="+mn-ea"/>
+                <a:cs typeface="+mn-cs"/>
+              </a:defRPr>
+            </a:lvl9pPr>
+          </a:lstStyle>
+          <a:p>
+            <a:pPr algn="ctr"/>
+            <a:r>
+              <a:rPr lang="en-US" altLang="zh-CN" sz="1400"/>
+              <a:t>UITTE 1</a:t>
+            </a:r>
+          </a:p>
+        </p:txBody>
+      </p:sp>
+      <p:sp>
+        <p:nvSpPr>
+          <p:cNvPr id="11" name="圆角矩形 13">
+            <a:extLst>
+              <a:ext uri="{FF2B5EF4-FFF2-40B4-BE49-F238E27FC236}">
+                <a16:creationId xmlns:a16="http://schemas.microsoft.com/office/drawing/2014/main" id="{FE52AA5A-C53C-494F-8212-BA3F4CC1EE6E}"/>
+              </a:ext>
+            </a:extLst>
+          </p:cNvPr>
+          <p:cNvSpPr/>
+          <p:nvPr/>
+        </p:nvSpPr>
+        <p:spPr>
+          <a:xfrm>
+            <a:off x="7360919" y="5297758"/>
+            <a:ext cx="935355" cy="375920"/>
+          </a:xfrm>
+          <a:prstGeom prst="roundRect">
+            <a:avLst/>
+          </a:prstGeom>
+        </p:spPr>
+        <p:style>
+          <a:lnRef idx="2">
+            <a:schemeClr val="accent4">
+              <a:shade val="50000"/>
+            </a:schemeClr>
+          </a:lnRef>
+          <a:fillRef idx="1">
+            <a:schemeClr val="accent4"/>
+          </a:fillRef>
+          <a:effectRef idx="0">
+            <a:schemeClr val="accent4"/>
+          </a:effectRef>
+          <a:fontRef idx="minor">
+            <a:schemeClr val="lt1"/>
+          </a:fontRef>
+        </p:style>
+        <p:txBody>
+          <a:bodyPr rtlCol="0" anchor="ctr"/>
+          <a:lstStyle>
+            <a:defPPr>
+              <a:defRPr lang="en-US"/>
+            </a:defPPr>
+            <a:lvl1pPr marL="0" algn="l" defTabSz="914400" rtl="0" eaLnBrk="1" latinLnBrk="0" hangingPunct="1">
+              <a:defRPr sz="1800" kern="1200">
+                <a:solidFill>
+                  <a:schemeClr val="lt1"/>
+                </a:solidFill>
+                <a:latin typeface="+mn-lt"/>
+                <a:ea typeface="+mn-ea"/>
+                <a:cs typeface="+mn-cs"/>
+              </a:defRPr>
+            </a:lvl1pPr>
+            <a:lvl2pPr marL="457200" algn="l" defTabSz="914400" rtl="0" eaLnBrk="1" latinLnBrk="0" hangingPunct="1">
+              <a:defRPr sz="1800" kern="1200">
+                <a:solidFill>
+                  <a:schemeClr val="lt1"/>
+                </a:solidFill>
+                <a:latin typeface="+mn-lt"/>
+                <a:ea typeface="+mn-ea"/>
+                <a:cs typeface="+mn-cs"/>
+              </a:defRPr>
+            </a:lvl2pPr>
+            <a:lvl3pPr marL="914400" algn="l" defTabSz="914400" rtl="0" eaLnBrk="1" latinLnBrk="0" hangingPunct="1">
+              <a:defRPr sz="1800" kern="1200">
+                <a:solidFill>
+                  <a:schemeClr val="lt1"/>
+                </a:solidFill>
+                <a:latin typeface="+mn-lt"/>
+                <a:ea typeface="+mn-ea"/>
+                <a:cs typeface="+mn-cs"/>
+              </a:defRPr>
+            </a:lvl3pPr>
+            <a:lvl4pPr marL="1371600" algn="l" defTabSz="914400" rtl="0" eaLnBrk="1" latinLnBrk="0" hangingPunct="1">
+              <a:defRPr sz="1800" kern="1200">
+                <a:solidFill>
+                  <a:schemeClr val="lt1"/>
+                </a:solidFill>
+                <a:latin typeface="+mn-lt"/>
+                <a:ea typeface="+mn-ea"/>
+                <a:cs typeface="+mn-cs"/>
+              </a:defRPr>
+            </a:lvl4pPr>
+            <a:lvl5pPr marL="1828800" algn="l" defTabSz="914400" rtl="0" eaLnBrk="1" latinLnBrk="0" hangingPunct="1">
+              <a:defRPr sz="1800" kern="1200">
+                <a:solidFill>
+                  <a:schemeClr val="lt1"/>
+                </a:solidFill>
+                <a:latin typeface="+mn-lt"/>
+                <a:ea typeface="+mn-ea"/>
+                <a:cs typeface="+mn-cs"/>
+              </a:defRPr>
+            </a:lvl5pPr>
+            <a:lvl6pPr marL="2286000" algn="l" defTabSz="914400" rtl="0" eaLnBrk="1" latinLnBrk="0" hangingPunct="1">
+              <a:defRPr sz="1800" kern="1200">
+                <a:solidFill>
+                  <a:schemeClr val="lt1"/>
+                </a:solidFill>
+                <a:latin typeface="+mn-lt"/>
+                <a:ea typeface="+mn-ea"/>
+                <a:cs typeface="+mn-cs"/>
+              </a:defRPr>
+            </a:lvl6pPr>
+            <a:lvl7pPr marL="2743200" algn="l" defTabSz="914400" rtl="0" eaLnBrk="1" latinLnBrk="0" hangingPunct="1">
+              <a:defRPr sz="1800" kern="1200">
+                <a:solidFill>
+                  <a:schemeClr val="lt1"/>
+                </a:solidFill>
+                <a:latin typeface="+mn-lt"/>
+                <a:ea typeface="+mn-ea"/>
+                <a:cs typeface="+mn-cs"/>
+              </a:defRPr>
+            </a:lvl7pPr>
+            <a:lvl8pPr marL="3200400" algn="l" defTabSz="914400" rtl="0" eaLnBrk="1" latinLnBrk="0" hangingPunct="1">
+              <a:defRPr sz="1800" kern="1200">
+                <a:solidFill>
+                  <a:schemeClr val="lt1"/>
+                </a:solidFill>
+                <a:latin typeface="+mn-lt"/>
+                <a:ea typeface="+mn-ea"/>
+                <a:cs typeface="+mn-cs"/>
+              </a:defRPr>
+            </a:lvl8pPr>
+            <a:lvl9pPr marL="3657600" algn="l" defTabSz="914400" rtl="0" eaLnBrk="1" latinLnBrk="0" hangingPunct="1">
+              <a:defRPr sz="1800" kern="1200">
+                <a:solidFill>
+                  <a:schemeClr val="lt1"/>
+                </a:solidFill>
+                <a:latin typeface="+mn-lt"/>
+                <a:ea typeface="+mn-ea"/>
+                <a:cs typeface="+mn-cs"/>
+              </a:defRPr>
+            </a:lvl9pPr>
+          </a:lstStyle>
+          <a:p>
+            <a:pPr algn="ctr"/>
+            <a:r>
+              <a:rPr lang="en-US" altLang="zh-CN" sz="1400"/>
+              <a:t>UITTE N</a:t>
+            </a:r>
+          </a:p>
+        </p:txBody>
+      </p:sp>
+      <p:sp>
+        <p:nvSpPr>
+          <p:cNvPr id="12" name="文本框 14">
+            <a:extLst>
+              <a:ext uri="{FF2B5EF4-FFF2-40B4-BE49-F238E27FC236}">
+                <a16:creationId xmlns:a16="http://schemas.microsoft.com/office/drawing/2014/main" id="{7593BB43-9769-BA46-9BC0-A8DE0473DDC8}"/>
+              </a:ext>
+            </a:extLst>
+          </p:cNvPr>
+          <p:cNvSpPr txBox="1"/>
+          <p:nvPr/>
+        </p:nvSpPr>
+        <p:spPr>
+          <a:xfrm>
+            <a:off x="7571739" y="4929458"/>
+            <a:ext cx="513080" cy="368300"/>
+          </a:xfrm>
+          <a:prstGeom prst="rect">
+            <a:avLst/>
+          </a:prstGeom>
+          <a:noFill/>
+        </p:spPr>
+        <p:txBody>
+          <a:bodyPr wrap="square" rtlCol="0">
+            <a:spAutoFit/>
+          </a:bodyPr>
+          <a:lstStyle>
+            <a:defPPr>
+              <a:defRPr lang="en-US"/>
+            </a:defPPr>
+            <a:lvl1pPr marL="0" algn="l" defTabSz="914400" rtl="0" eaLnBrk="1" latinLnBrk="0" hangingPunct="1">
+              <a:defRPr sz="1800" kern="1200">
+                <a:solidFill>
+                  <a:schemeClr val="tx1"/>
+                </a:solidFill>
+                <a:latin typeface="+mn-lt"/>
+                <a:ea typeface="+mn-ea"/>
+                <a:cs typeface="+mn-cs"/>
+              </a:defRPr>
+            </a:lvl1pPr>
+            <a:lvl2pPr marL="457200" algn="l" defTabSz="914400" rtl="0" eaLnBrk="1" latinLnBrk="0" hangingPunct="1">
+              <a:defRPr sz="1800" kern="1200">
+                <a:solidFill>
+                  <a:schemeClr val="tx1"/>
+                </a:solidFill>
+                <a:latin typeface="+mn-lt"/>
+                <a:ea typeface="+mn-ea"/>
+                <a:cs typeface="+mn-cs"/>
+              </a:defRPr>
+            </a:lvl2pPr>
+            <a:lvl3pPr marL="914400" algn="l" defTabSz="914400" rtl="0" eaLnBrk="1" latinLnBrk="0" hangingPunct="1">
+              <a:defRPr sz="1800" kern="1200">
+                <a:solidFill>
+                  <a:schemeClr val="tx1"/>
+                </a:solidFill>
+                <a:latin typeface="+mn-lt"/>
+                <a:ea typeface="+mn-ea"/>
+                <a:cs typeface="+mn-cs"/>
+              </a:defRPr>
+            </a:lvl3pPr>
+            <a:lvl4pPr marL="1371600" algn="l" defTabSz="914400" rtl="0" eaLnBrk="1" latinLnBrk="0" hangingPunct="1">
+              <a:defRPr sz="1800" kern="1200">
+                <a:solidFill>
+                  <a:schemeClr val="tx1"/>
+                </a:solidFill>
+                <a:latin typeface="+mn-lt"/>
+                <a:ea typeface="+mn-ea"/>
+                <a:cs typeface="+mn-cs"/>
+              </a:defRPr>
+            </a:lvl4pPr>
+            <a:lvl5pPr marL="1828800" algn="l" defTabSz="914400" rtl="0" eaLnBrk="1" latinLnBrk="0" hangingPunct="1">
+              <a:defRPr sz="1800" kern="1200">
+                <a:solidFill>
+                  <a:schemeClr val="tx1"/>
+                </a:solidFill>
+                <a:latin typeface="+mn-lt"/>
+                <a:ea typeface="+mn-ea"/>
+                <a:cs typeface="+mn-cs"/>
+              </a:defRPr>
+            </a:lvl5pPr>
+            <a:lvl6pPr marL="2286000" algn="l" defTabSz="914400" rtl="0" eaLnBrk="1" latinLnBrk="0" hangingPunct="1">
+              <a:defRPr sz="1800" kern="1200">
+                <a:solidFill>
+                  <a:schemeClr val="tx1"/>
+                </a:solidFill>
+                <a:latin typeface="+mn-lt"/>
+                <a:ea typeface="+mn-ea"/>
+                <a:cs typeface="+mn-cs"/>
+              </a:defRPr>
+            </a:lvl6pPr>
+            <a:lvl7pPr marL="2743200" algn="l" defTabSz="914400" rtl="0" eaLnBrk="1" latinLnBrk="0" hangingPunct="1">
+              <a:defRPr sz="1800" kern="1200">
+                <a:solidFill>
+                  <a:schemeClr val="tx1"/>
+                </a:solidFill>
+                <a:latin typeface="+mn-lt"/>
+                <a:ea typeface="+mn-ea"/>
+                <a:cs typeface="+mn-cs"/>
+              </a:defRPr>
+            </a:lvl7pPr>
+            <a:lvl8pPr marL="3200400" algn="l" defTabSz="914400" rtl="0" eaLnBrk="1" latinLnBrk="0" hangingPunct="1">
+              <a:defRPr sz="1800" kern="1200">
+                <a:solidFill>
+                  <a:schemeClr val="tx1"/>
+                </a:solidFill>
+                <a:latin typeface="+mn-lt"/>
+                <a:ea typeface="+mn-ea"/>
+                <a:cs typeface="+mn-cs"/>
+              </a:defRPr>
+            </a:lvl8pPr>
+            <a:lvl9pPr marL="3657600" algn="l" defTabSz="914400" rtl="0" eaLnBrk="1" latinLnBrk="0" hangingPunct="1">
+              <a:defRPr sz="1800" kern="1200">
+                <a:solidFill>
+                  <a:schemeClr val="tx1"/>
+                </a:solidFill>
+                <a:latin typeface="+mn-lt"/>
+                <a:ea typeface="+mn-ea"/>
+                <a:cs typeface="+mn-cs"/>
+              </a:defRPr>
+            </a:lvl9pPr>
+          </a:lstStyle>
+          <a:p>
+            <a:pPr algn="ctr"/>
+            <a:r>
+              <a:rPr lang="en-US" altLang="zh-CN"/>
+              <a:t>...</a:t>
+            </a:r>
+          </a:p>
+        </p:txBody>
+      </p:sp>
+      <p:sp>
+        <p:nvSpPr>
+          <p:cNvPr id="13" name="圆角矩形 15">
+            <a:extLst>
+              <a:ext uri="{FF2B5EF4-FFF2-40B4-BE49-F238E27FC236}">
+                <a16:creationId xmlns:a16="http://schemas.microsoft.com/office/drawing/2014/main" id="{025B4E4A-C749-1C45-A8A6-12701692B7B5}"/>
+              </a:ext>
+            </a:extLst>
+          </p:cNvPr>
+          <p:cNvSpPr/>
+          <p:nvPr/>
+        </p:nvSpPr>
+        <p:spPr>
+          <a:xfrm>
+            <a:off x="7233284" y="298403"/>
+            <a:ext cx="1176020" cy="2871470"/>
+          </a:xfrm>
+          <a:prstGeom prst="roundRect">
+            <a:avLst/>
+          </a:prstGeom>
+        </p:spPr>
+        <p:style>
+          <a:lnRef idx="2">
+            <a:schemeClr val="dk1"/>
+          </a:lnRef>
+          <a:fillRef idx="1">
+            <a:schemeClr val="lt1"/>
+          </a:fillRef>
+          <a:effectRef idx="0">
+            <a:schemeClr val="dk1"/>
+          </a:effectRef>
+          <a:fontRef idx="minor">
+            <a:schemeClr val="dk1"/>
+          </a:fontRef>
+        </p:style>
+        <p:txBody>
+          <a:bodyPr rtlCol="0" anchor="ctr"/>
+          <a:lstStyle>
+            <a:defPPr>
+              <a:defRPr lang="en-US"/>
+            </a:defPPr>
+            <a:lvl1pPr marL="0" algn="l" defTabSz="914400" rtl="0" eaLnBrk="1" latinLnBrk="0" hangingPunct="1">
+              <a:defRPr sz="1800" kern="1200">
+                <a:solidFill>
+                  <a:schemeClr val="dk1"/>
+                </a:solidFill>
+                <a:latin typeface="+mn-lt"/>
+                <a:ea typeface="+mn-ea"/>
+                <a:cs typeface="+mn-cs"/>
+              </a:defRPr>
+            </a:lvl1pPr>
+            <a:lvl2pPr marL="457200" algn="l" defTabSz="914400" rtl="0" eaLnBrk="1" latinLnBrk="0" hangingPunct="1">
+              <a:defRPr sz="1800" kern="1200">
+                <a:solidFill>
+                  <a:schemeClr val="dk1"/>
+                </a:solidFill>
+                <a:latin typeface="+mn-lt"/>
+                <a:ea typeface="+mn-ea"/>
+                <a:cs typeface="+mn-cs"/>
+              </a:defRPr>
+            </a:lvl2pPr>
+            <a:lvl3pPr marL="914400" algn="l" defTabSz="914400" rtl="0" eaLnBrk="1" latinLnBrk="0" hangingPunct="1">
+              <a:defRPr sz="1800" kern="1200">
+                <a:solidFill>
+                  <a:schemeClr val="dk1"/>
+                </a:solidFill>
+                <a:latin typeface="+mn-lt"/>
+                <a:ea typeface="+mn-ea"/>
+                <a:cs typeface="+mn-cs"/>
+              </a:defRPr>
+            </a:lvl3pPr>
+            <a:lvl4pPr marL="1371600" algn="l" defTabSz="914400" rtl="0" eaLnBrk="1" latinLnBrk="0" hangingPunct="1">
+              <a:defRPr sz="1800" kern="1200">
+                <a:solidFill>
+                  <a:schemeClr val="dk1"/>
+                </a:solidFill>
+                <a:latin typeface="+mn-lt"/>
+                <a:ea typeface="+mn-ea"/>
+                <a:cs typeface="+mn-cs"/>
+              </a:defRPr>
+            </a:lvl4pPr>
+            <a:lvl5pPr marL="1828800" algn="l" defTabSz="914400" rtl="0" eaLnBrk="1" latinLnBrk="0" hangingPunct="1">
+              <a:defRPr sz="1800" kern="1200">
+                <a:solidFill>
+                  <a:schemeClr val="dk1"/>
+                </a:solidFill>
+                <a:latin typeface="+mn-lt"/>
+                <a:ea typeface="+mn-ea"/>
+                <a:cs typeface="+mn-cs"/>
+              </a:defRPr>
+            </a:lvl5pPr>
+            <a:lvl6pPr marL="2286000" algn="l" defTabSz="914400" rtl="0" eaLnBrk="1" latinLnBrk="0" hangingPunct="1">
+              <a:defRPr sz="1800" kern="1200">
+                <a:solidFill>
+                  <a:schemeClr val="dk1"/>
+                </a:solidFill>
+                <a:latin typeface="+mn-lt"/>
+                <a:ea typeface="+mn-ea"/>
+                <a:cs typeface="+mn-cs"/>
+              </a:defRPr>
+            </a:lvl6pPr>
+            <a:lvl7pPr marL="2743200" algn="l" defTabSz="914400" rtl="0" eaLnBrk="1" latinLnBrk="0" hangingPunct="1">
+              <a:defRPr sz="1800" kern="1200">
+                <a:solidFill>
+                  <a:schemeClr val="dk1"/>
+                </a:solidFill>
+                <a:latin typeface="+mn-lt"/>
+                <a:ea typeface="+mn-ea"/>
+                <a:cs typeface="+mn-cs"/>
+              </a:defRPr>
+            </a:lvl7pPr>
+            <a:lvl8pPr marL="3200400" algn="l" defTabSz="914400" rtl="0" eaLnBrk="1" latinLnBrk="0" hangingPunct="1">
+              <a:defRPr sz="1800" kern="1200">
+                <a:solidFill>
+                  <a:schemeClr val="dk1"/>
+                </a:solidFill>
+                <a:latin typeface="+mn-lt"/>
+                <a:ea typeface="+mn-ea"/>
+                <a:cs typeface="+mn-cs"/>
+              </a:defRPr>
+            </a:lvl8pPr>
+            <a:lvl9pPr marL="3657600" algn="l" defTabSz="914400" rtl="0" eaLnBrk="1" latinLnBrk="0" hangingPunct="1">
+              <a:defRPr sz="1800" kern="1200">
+                <a:solidFill>
+                  <a:schemeClr val="dk1"/>
+                </a:solidFill>
+                <a:latin typeface="+mn-lt"/>
+                <a:ea typeface="+mn-ea"/>
+                <a:cs typeface="+mn-cs"/>
+              </a:defRPr>
+            </a:lvl9pPr>
+          </a:lstStyle>
+          <a:p>
+            <a:pPr algn="ctr"/>
+            <a:endParaRPr lang="en-US" altLang="zh-CN"/>
+          </a:p>
+        </p:txBody>
+      </p:sp>
+      <p:sp>
+        <p:nvSpPr>
+          <p:cNvPr id="14" name="文本框 16">
+            <a:extLst>
+              <a:ext uri="{FF2B5EF4-FFF2-40B4-BE49-F238E27FC236}">
+                <a16:creationId xmlns:a16="http://schemas.microsoft.com/office/drawing/2014/main" id="{55F634C1-7764-E84C-A120-C65ED7A82E1F}"/>
+              </a:ext>
+            </a:extLst>
+          </p:cNvPr>
+          <p:cNvSpPr txBox="1"/>
+          <p:nvPr/>
+        </p:nvSpPr>
+        <p:spPr>
+          <a:xfrm>
+            <a:off x="7463789" y="365713"/>
+            <a:ext cx="715645" cy="306705"/>
+          </a:xfrm>
+          <a:prstGeom prst="rect">
+            <a:avLst/>
+          </a:prstGeom>
+          <a:noFill/>
+        </p:spPr>
+        <p:txBody>
+          <a:bodyPr wrap="square" rtlCol="0">
+            <a:spAutoFit/>
+          </a:bodyPr>
+          <a:lstStyle>
+            <a:defPPr>
+              <a:defRPr lang="en-US"/>
+            </a:defPPr>
+            <a:lvl1pPr marL="0" algn="l" defTabSz="914400" rtl="0" eaLnBrk="1" latinLnBrk="0" hangingPunct="1">
+              <a:defRPr sz="1800" kern="1200">
+                <a:solidFill>
+                  <a:schemeClr val="tx1"/>
+                </a:solidFill>
+                <a:latin typeface="+mn-lt"/>
+                <a:ea typeface="+mn-ea"/>
+                <a:cs typeface="+mn-cs"/>
+              </a:defRPr>
+            </a:lvl1pPr>
+            <a:lvl2pPr marL="457200" algn="l" defTabSz="914400" rtl="0" eaLnBrk="1" latinLnBrk="0" hangingPunct="1">
+              <a:defRPr sz="1800" kern="1200">
+                <a:solidFill>
+                  <a:schemeClr val="tx1"/>
+                </a:solidFill>
+                <a:latin typeface="+mn-lt"/>
+                <a:ea typeface="+mn-ea"/>
+                <a:cs typeface="+mn-cs"/>
+              </a:defRPr>
+            </a:lvl2pPr>
+            <a:lvl3pPr marL="914400" algn="l" defTabSz="914400" rtl="0" eaLnBrk="1" latinLnBrk="0" hangingPunct="1">
+              <a:defRPr sz="1800" kern="1200">
+                <a:solidFill>
+                  <a:schemeClr val="tx1"/>
+                </a:solidFill>
+                <a:latin typeface="+mn-lt"/>
+                <a:ea typeface="+mn-ea"/>
+                <a:cs typeface="+mn-cs"/>
+              </a:defRPr>
+            </a:lvl3pPr>
+            <a:lvl4pPr marL="1371600" algn="l" defTabSz="914400" rtl="0" eaLnBrk="1" latinLnBrk="0" hangingPunct="1">
+              <a:defRPr sz="1800" kern="1200">
+                <a:solidFill>
+                  <a:schemeClr val="tx1"/>
+                </a:solidFill>
+                <a:latin typeface="+mn-lt"/>
+                <a:ea typeface="+mn-ea"/>
+                <a:cs typeface="+mn-cs"/>
+              </a:defRPr>
+            </a:lvl4pPr>
+            <a:lvl5pPr marL="1828800" algn="l" defTabSz="914400" rtl="0" eaLnBrk="1" latinLnBrk="0" hangingPunct="1">
+              <a:defRPr sz="1800" kern="1200">
+                <a:solidFill>
+                  <a:schemeClr val="tx1"/>
+                </a:solidFill>
+                <a:latin typeface="+mn-lt"/>
+                <a:ea typeface="+mn-ea"/>
+                <a:cs typeface="+mn-cs"/>
+              </a:defRPr>
+            </a:lvl5pPr>
+            <a:lvl6pPr marL="2286000" algn="l" defTabSz="914400" rtl="0" eaLnBrk="1" latinLnBrk="0" hangingPunct="1">
+              <a:defRPr sz="1800" kern="1200">
+                <a:solidFill>
+                  <a:schemeClr val="tx1"/>
+                </a:solidFill>
+                <a:latin typeface="+mn-lt"/>
+                <a:ea typeface="+mn-ea"/>
+                <a:cs typeface="+mn-cs"/>
+              </a:defRPr>
+            </a:lvl6pPr>
+            <a:lvl7pPr marL="2743200" algn="l" defTabSz="914400" rtl="0" eaLnBrk="1" latinLnBrk="0" hangingPunct="1">
+              <a:defRPr sz="1800" kern="1200">
+                <a:solidFill>
+                  <a:schemeClr val="tx1"/>
+                </a:solidFill>
+                <a:latin typeface="+mn-lt"/>
+                <a:ea typeface="+mn-ea"/>
+                <a:cs typeface="+mn-cs"/>
+              </a:defRPr>
+            </a:lvl7pPr>
+            <a:lvl8pPr marL="3200400" algn="l" defTabSz="914400" rtl="0" eaLnBrk="1" latinLnBrk="0" hangingPunct="1">
+              <a:defRPr sz="1800" kern="1200">
+                <a:solidFill>
+                  <a:schemeClr val="tx1"/>
+                </a:solidFill>
+                <a:latin typeface="+mn-lt"/>
+                <a:ea typeface="+mn-ea"/>
+                <a:cs typeface="+mn-cs"/>
+              </a:defRPr>
+            </a:lvl8pPr>
+            <a:lvl9pPr marL="3657600" algn="l" defTabSz="914400" rtl="0" eaLnBrk="1" latinLnBrk="0" hangingPunct="1">
+              <a:defRPr sz="1800" kern="1200">
+                <a:solidFill>
+                  <a:schemeClr val="tx1"/>
+                </a:solidFill>
+                <a:latin typeface="+mn-lt"/>
+                <a:ea typeface="+mn-ea"/>
+                <a:cs typeface="+mn-cs"/>
+              </a:defRPr>
+            </a:lvl9pPr>
+          </a:lstStyle>
+          <a:p>
+            <a:pPr algn="ctr"/>
+            <a:r>
+              <a:rPr lang="en-US" altLang="zh-CN" sz="1400"/>
+              <a:t>UPID</a:t>
+            </a:r>
+          </a:p>
+        </p:txBody>
+      </p:sp>
+      <p:sp>
+        <p:nvSpPr>
+          <p:cNvPr id="15" name="圆角矩形 17">
+            <a:extLst>
+              <a:ext uri="{FF2B5EF4-FFF2-40B4-BE49-F238E27FC236}">
+                <a16:creationId xmlns:a16="http://schemas.microsoft.com/office/drawing/2014/main" id="{9D2E9523-2E4C-C846-9D79-47297EA738B9}"/>
+              </a:ext>
+            </a:extLst>
+          </p:cNvPr>
+          <p:cNvSpPr/>
+          <p:nvPr/>
+        </p:nvSpPr>
+        <p:spPr>
+          <a:xfrm>
+            <a:off x="7353934" y="741633"/>
+            <a:ext cx="935355" cy="375920"/>
+          </a:xfrm>
+          <a:prstGeom prst="roundRect">
+            <a:avLst/>
+          </a:prstGeom>
+        </p:spPr>
+        <p:style>
+          <a:lnRef idx="2">
+            <a:schemeClr val="accent1">
+              <a:shade val="50000"/>
+            </a:schemeClr>
+          </a:lnRef>
+          <a:fillRef idx="1">
+            <a:schemeClr val="accent1"/>
+          </a:fillRef>
+          <a:effectRef idx="0">
+            <a:schemeClr val="accent1"/>
+          </a:effectRef>
+          <a:fontRef idx="minor">
+            <a:schemeClr val="lt1"/>
+          </a:fontRef>
+        </p:style>
+        <p:txBody>
+          <a:bodyPr rtlCol="0" anchor="ctr"/>
+          <a:lstStyle>
+            <a:defPPr>
+              <a:defRPr lang="en-US"/>
+            </a:defPPr>
+            <a:lvl1pPr marL="0" algn="l" defTabSz="914400" rtl="0" eaLnBrk="1" latinLnBrk="0" hangingPunct="1">
+              <a:defRPr sz="1800" kern="1200">
+                <a:solidFill>
+                  <a:schemeClr val="lt1"/>
+                </a:solidFill>
+                <a:latin typeface="+mn-lt"/>
+                <a:ea typeface="+mn-ea"/>
+                <a:cs typeface="+mn-cs"/>
+              </a:defRPr>
+            </a:lvl1pPr>
+            <a:lvl2pPr marL="457200" algn="l" defTabSz="914400" rtl="0" eaLnBrk="1" latinLnBrk="0" hangingPunct="1">
+              <a:defRPr sz="1800" kern="1200">
+                <a:solidFill>
+                  <a:schemeClr val="lt1"/>
+                </a:solidFill>
+                <a:latin typeface="+mn-lt"/>
+                <a:ea typeface="+mn-ea"/>
+                <a:cs typeface="+mn-cs"/>
+              </a:defRPr>
+            </a:lvl2pPr>
+            <a:lvl3pPr marL="914400" algn="l" defTabSz="914400" rtl="0" eaLnBrk="1" latinLnBrk="0" hangingPunct="1">
+              <a:defRPr sz="1800" kern="1200">
+                <a:solidFill>
+                  <a:schemeClr val="lt1"/>
+                </a:solidFill>
+                <a:latin typeface="+mn-lt"/>
+                <a:ea typeface="+mn-ea"/>
+                <a:cs typeface="+mn-cs"/>
+              </a:defRPr>
+            </a:lvl3pPr>
+            <a:lvl4pPr marL="1371600" algn="l" defTabSz="914400" rtl="0" eaLnBrk="1" latinLnBrk="0" hangingPunct="1">
+              <a:defRPr sz="1800" kern="1200">
+                <a:solidFill>
+                  <a:schemeClr val="lt1"/>
+                </a:solidFill>
+                <a:latin typeface="+mn-lt"/>
+                <a:ea typeface="+mn-ea"/>
+                <a:cs typeface="+mn-cs"/>
+              </a:defRPr>
+            </a:lvl4pPr>
+            <a:lvl5pPr marL="1828800" algn="l" defTabSz="914400" rtl="0" eaLnBrk="1" latinLnBrk="0" hangingPunct="1">
+              <a:defRPr sz="1800" kern="1200">
+                <a:solidFill>
+                  <a:schemeClr val="lt1"/>
+                </a:solidFill>
+                <a:latin typeface="+mn-lt"/>
+                <a:ea typeface="+mn-ea"/>
+                <a:cs typeface="+mn-cs"/>
+              </a:defRPr>
+            </a:lvl5pPr>
+            <a:lvl6pPr marL="2286000" algn="l" defTabSz="914400" rtl="0" eaLnBrk="1" latinLnBrk="0" hangingPunct="1">
+              <a:defRPr sz="1800" kern="1200">
+                <a:solidFill>
+                  <a:schemeClr val="lt1"/>
+                </a:solidFill>
+                <a:latin typeface="+mn-lt"/>
+                <a:ea typeface="+mn-ea"/>
+                <a:cs typeface="+mn-cs"/>
+              </a:defRPr>
+            </a:lvl6pPr>
+            <a:lvl7pPr marL="2743200" algn="l" defTabSz="914400" rtl="0" eaLnBrk="1" latinLnBrk="0" hangingPunct="1">
+              <a:defRPr sz="1800" kern="1200">
+                <a:solidFill>
+                  <a:schemeClr val="lt1"/>
+                </a:solidFill>
+                <a:latin typeface="+mn-lt"/>
+                <a:ea typeface="+mn-ea"/>
+                <a:cs typeface="+mn-cs"/>
+              </a:defRPr>
+            </a:lvl7pPr>
+            <a:lvl8pPr marL="3200400" algn="l" defTabSz="914400" rtl="0" eaLnBrk="1" latinLnBrk="0" hangingPunct="1">
+              <a:defRPr sz="1800" kern="1200">
+                <a:solidFill>
+                  <a:schemeClr val="lt1"/>
+                </a:solidFill>
+                <a:latin typeface="+mn-lt"/>
+                <a:ea typeface="+mn-ea"/>
+                <a:cs typeface="+mn-cs"/>
+              </a:defRPr>
+            </a:lvl8pPr>
+            <a:lvl9pPr marL="3657600" algn="l" defTabSz="914400" rtl="0" eaLnBrk="1" latinLnBrk="0" hangingPunct="1">
+              <a:defRPr sz="1800" kern="1200">
+                <a:solidFill>
+                  <a:schemeClr val="lt1"/>
+                </a:solidFill>
+                <a:latin typeface="+mn-lt"/>
+                <a:ea typeface="+mn-ea"/>
+                <a:cs typeface="+mn-cs"/>
+              </a:defRPr>
+            </a:lvl9pPr>
+          </a:lstStyle>
+          <a:p>
+            <a:pPr algn="ctr"/>
+            <a:r>
+              <a:rPr lang="en-US" altLang="zh-CN" sz="1400"/>
+              <a:t>ON</a:t>
+            </a:r>
+          </a:p>
+        </p:txBody>
+      </p:sp>
+      <p:sp>
+        <p:nvSpPr>
+          <p:cNvPr id="16" name="圆角矩形 18">
+            <a:extLst>
+              <a:ext uri="{FF2B5EF4-FFF2-40B4-BE49-F238E27FC236}">
+                <a16:creationId xmlns:a16="http://schemas.microsoft.com/office/drawing/2014/main" id="{8157D42E-2A9E-684A-8C01-B382CD51350A}"/>
+              </a:ext>
+            </a:extLst>
+          </p:cNvPr>
+          <p:cNvSpPr/>
+          <p:nvPr/>
+        </p:nvSpPr>
+        <p:spPr>
+          <a:xfrm>
+            <a:off x="7353934" y="1243283"/>
+            <a:ext cx="935355" cy="375920"/>
+          </a:xfrm>
+          <a:prstGeom prst="roundRect">
+            <a:avLst/>
+          </a:prstGeom>
+        </p:spPr>
+        <p:style>
+          <a:lnRef idx="2">
+            <a:schemeClr val="accent1">
+              <a:shade val="50000"/>
+            </a:schemeClr>
+          </a:lnRef>
+          <a:fillRef idx="1">
+            <a:schemeClr val="accent1"/>
+          </a:fillRef>
+          <a:effectRef idx="0">
+            <a:schemeClr val="accent1"/>
+          </a:effectRef>
+          <a:fontRef idx="minor">
+            <a:schemeClr val="lt1"/>
+          </a:fontRef>
+        </p:style>
+        <p:txBody>
+          <a:bodyPr rtlCol="0" anchor="ctr"/>
+          <a:lstStyle>
+            <a:defPPr>
+              <a:defRPr lang="en-US"/>
+            </a:defPPr>
+            <a:lvl1pPr marL="0" algn="l" defTabSz="914400" rtl="0" eaLnBrk="1" latinLnBrk="0" hangingPunct="1">
+              <a:defRPr sz="1800" kern="1200">
+                <a:solidFill>
+                  <a:schemeClr val="lt1"/>
+                </a:solidFill>
+                <a:latin typeface="+mn-lt"/>
+                <a:ea typeface="+mn-ea"/>
+                <a:cs typeface="+mn-cs"/>
+              </a:defRPr>
+            </a:lvl1pPr>
+            <a:lvl2pPr marL="457200" algn="l" defTabSz="914400" rtl="0" eaLnBrk="1" latinLnBrk="0" hangingPunct="1">
+              <a:defRPr sz="1800" kern="1200">
+                <a:solidFill>
+                  <a:schemeClr val="lt1"/>
+                </a:solidFill>
+                <a:latin typeface="+mn-lt"/>
+                <a:ea typeface="+mn-ea"/>
+                <a:cs typeface="+mn-cs"/>
+              </a:defRPr>
+            </a:lvl2pPr>
+            <a:lvl3pPr marL="914400" algn="l" defTabSz="914400" rtl="0" eaLnBrk="1" latinLnBrk="0" hangingPunct="1">
+              <a:defRPr sz="1800" kern="1200">
+                <a:solidFill>
+                  <a:schemeClr val="lt1"/>
+                </a:solidFill>
+                <a:latin typeface="+mn-lt"/>
+                <a:ea typeface="+mn-ea"/>
+                <a:cs typeface="+mn-cs"/>
+              </a:defRPr>
+            </a:lvl3pPr>
+            <a:lvl4pPr marL="1371600" algn="l" defTabSz="914400" rtl="0" eaLnBrk="1" latinLnBrk="0" hangingPunct="1">
+              <a:defRPr sz="1800" kern="1200">
+                <a:solidFill>
+                  <a:schemeClr val="lt1"/>
+                </a:solidFill>
+                <a:latin typeface="+mn-lt"/>
+                <a:ea typeface="+mn-ea"/>
+                <a:cs typeface="+mn-cs"/>
+              </a:defRPr>
+            </a:lvl4pPr>
+            <a:lvl5pPr marL="1828800" algn="l" defTabSz="914400" rtl="0" eaLnBrk="1" latinLnBrk="0" hangingPunct="1">
+              <a:defRPr sz="1800" kern="1200">
+                <a:solidFill>
+                  <a:schemeClr val="lt1"/>
+                </a:solidFill>
+                <a:latin typeface="+mn-lt"/>
+                <a:ea typeface="+mn-ea"/>
+                <a:cs typeface="+mn-cs"/>
+              </a:defRPr>
+            </a:lvl5pPr>
+            <a:lvl6pPr marL="2286000" algn="l" defTabSz="914400" rtl="0" eaLnBrk="1" latinLnBrk="0" hangingPunct="1">
+              <a:defRPr sz="1800" kern="1200">
+                <a:solidFill>
+                  <a:schemeClr val="lt1"/>
+                </a:solidFill>
+                <a:latin typeface="+mn-lt"/>
+                <a:ea typeface="+mn-ea"/>
+                <a:cs typeface="+mn-cs"/>
+              </a:defRPr>
+            </a:lvl6pPr>
+            <a:lvl7pPr marL="2743200" algn="l" defTabSz="914400" rtl="0" eaLnBrk="1" latinLnBrk="0" hangingPunct="1">
+              <a:defRPr sz="1800" kern="1200">
+                <a:solidFill>
+                  <a:schemeClr val="lt1"/>
+                </a:solidFill>
+                <a:latin typeface="+mn-lt"/>
+                <a:ea typeface="+mn-ea"/>
+                <a:cs typeface="+mn-cs"/>
+              </a:defRPr>
+            </a:lvl7pPr>
+            <a:lvl8pPr marL="3200400" algn="l" defTabSz="914400" rtl="0" eaLnBrk="1" latinLnBrk="0" hangingPunct="1">
+              <a:defRPr sz="1800" kern="1200">
+                <a:solidFill>
+                  <a:schemeClr val="lt1"/>
+                </a:solidFill>
+                <a:latin typeface="+mn-lt"/>
+                <a:ea typeface="+mn-ea"/>
+                <a:cs typeface="+mn-cs"/>
+              </a:defRPr>
+            </a:lvl8pPr>
+            <a:lvl9pPr marL="3657600" algn="l" defTabSz="914400" rtl="0" eaLnBrk="1" latinLnBrk="0" hangingPunct="1">
+              <a:defRPr sz="1800" kern="1200">
+                <a:solidFill>
+                  <a:schemeClr val="lt1"/>
+                </a:solidFill>
+                <a:latin typeface="+mn-lt"/>
+                <a:ea typeface="+mn-ea"/>
+                <a:cs typeface="+mn-cs"/>
+              </a:defRPr>
+            </a:lvl9pPr>
+          </a:lstStyle>
+          <a:p>
+            <a:pPr algn="ctr"/>
+            <a:r>
+              <a:rPr lang="en-US" altLang="zh-CN" sz="1400"/>
+              <a:t>SN</a:t>
+            </a:r>
+          </a:p>
+        </p:txBody>
+      </p:sp>
+      <p:sp>
+        <p:nvSpPr>
+          <p:cNvPr id="17" name="圆角矩形 19">
+            <a:extLst>
+              <a:ext uri="{FF2B5EF4-FFF2-40B4-BE49-F238E27FC236}">
+                <a16:creationId xmlns:a16="http://schemas.microsoft.com/office/drawing/2014/main" id="{9B4D9563-6713-A842-8059-A36562BB6F96}"/>
+              </a:ext>
+            </a:extLst>
+          </p:cNvPr>
+          <p:cNvSpPr/>
+          <p:nvPr/>
+        </p:nvSpPr>
+        <p:spPr>
+          <a:xfrm>
+            <a:off x="7353299" y="1734773"/>
+            <a:ext cx="935355" cy="375920"/>
+          </a:xfrm>
+          <a:prstGeom prst="roundRect">
+            <a:avLst/>
+          </a:prstGeom>
+        </p:spPr>
+        <p:style>
+          <a:lnRef idx="2">
+            <a:schemeClr val="accent1">
+              <a:shade val="50000"/>
+            </a:schemeClr>
+          </a:lnRef>
+          <a:fillRef idx="1">
+            <a:schemeClr val="accent1"/>
+          </a:fillRef>
+          <a:effectRef idx="0">
+            <a:schemeClr val="accent1"/>
+          </a:effectRef>
+          <a:fontRef idx="minor">
+            <a:schemeClr val="lt1"/>
+          </a:fontRef>
+        </p:style>
+        <p:txBody>
+          <a:bodyPr rtlCol="0" anchor="ctr"/>
+          <a:lstStyle>
+            <a:defPPr>
+              <a:defRPr lang="en-US"/>
+            </a:defPPr>
+            <a:lvl1pPr marL="0" algn="l" defTabSz="914400" rtl="0" eaLnBrk="1" latinLnBrk="0" hangingPunct="1">
+              <a:defRPr sz="1800" kern="1200">
+                <a:solidFill>
+                  <a:schemeClr val="lt1"/>
+                </a:solidFill>
+                <a:latin typeface="+mn-lt"/>
+                <a:ea typeface="+mn-ea"/>
+                <a:cs typeface="+mn-cs"/>
+              </a:defRPr>
+            </a:lvl1pPr>
+            <a:lvl2pPr marL="457200" algn="l" defTabSz="914400" rtl="0" eaLnBrk="1" latinLnBrk="0" hangingPunct="1">
+              <a:defRPr sz="1800" kern="1200">
+                <a:solidFill>
+                  <a:schemeClr val="lt1"/>
+                </a:solidFill>
+                <a:latin typeface="+mn-lt"/>
+                <a:ea typeface="+mn-ea"/>
+                <a:cs typeface="+mn-cs"/>
+              </a:defRPr>
+            </a:lvl2pPr>
+            <a:lvl3pPr marL="914400" algn="l" defTabSz="914400" rtl="0" eaLnBrk="1" latinLnBrk="0" hangingPunct="1">
+              <a:defRPr sz="1800" kern="1200">
+                <a:solidFill>
+                  <a:schemeClr val="lt1"/>
+                </a:solidFill>
+                <a:latin typeface="+mn-lt"/>
+                <a:ea typeface="+mn-ea"/>
+                <a:cs typeface="+mn-cs"/>
+              </a:defRPr>
+            </a:lvl3pPr>
+            <a:lvl4pPr marL="1371600" algn="l" defTabSz="914400" rtl="0" eaLnBrk="1" latinLnBrk="0" hangingPunct="1">
+              <a:defRPr sz="1800" kern="1200">
+                <a:solidFill>
+                  <a:schemeClr val="lt1"/>
+                </a:solidFill>
+                <a:latin typeface="+mn-lt"/>
+                <a:ea typeface="+mn-ea"/>
+                <a:cs typeface="+mn-cs"/>
+              </a:defRPr>
+            </a:lvl4pPr>
+            <a:lvl5pPr marL="1828800" algn="l" defTabSz="914400" rtl="0" eaLnBrk="1" latinLnBrk="0" hangingPunct="1">
+              <a:defRPr sz="1800" kern="1200">
+                <a:solidFill>
+                  <a:schemeClr val="lt1"/>
+                </a:solidFill>
+                <a:latin typeface="+mn-lt"/>
+                <a:ea typeface="+mn-ea"/>
+                <a:cs typeface="+mn-cs"/>
+              </a:defRPr>
+            </a:lvl5pPr>
+            <a:lvl6pPr marL="2286000" algn="l" defTabSz="914400" rtl="0" eaLnBrk="1" latinLnBrk="0" hangingPunct="1">
+              <a:defRPr sz="1800" kern="1200">
+                <a:solidFill>
+                  <a:schemeClr val="lt1"/>
+                </a:solidFill>
+                <a:latin typeface="+mn-lt"/>
+                <a:ea typeface="+mn-ea"/>
+                <a:cs typeface="+mn-cs"/>
+              </a:defRPr>
+            </a:lvl6pPr>
+            <a:lvl7pPr marL="2743200" algn="l" defTabSz="914400" rtl="0" eaLnBrk="1" latinLnBrk="0" hangingPunct="1">
+              <a:defRPr sz="1800" kern="1200">
+                <a:solidFill>
+                  <a:schemeClr val="lt1"/>
+                </a:solidFill>
+                <a:latin typeface="+mn-lt"/>
+                <a:ea typeface="+mn-ea"/>
+                <a:cs typeface="+mn-cs"/>
+              </a:defRPr>
+            </a:lvl7pPr>
+            <a:lvl8pPr marL="3200400" algn="l" defTabSz="914400" rtl="0" eaLnBrk="1" latinLnBrk="0" hangingPunct="1">
+              <a:defRPr sz="1800" kern="1200">
+                <a:solidFill>
+                  <a:schemeClr val="lt1"/>
+                </a:solidFill>
+                <a:latin typeface="+mn-lt"/>
+                <a:ea typeface="+mn-ea"/>
+                <a:cs typeface="+mn-cs"/>
+              </a:defRPr>
+            </a:lvl8pPr>
+            <a:lvl9pPr marL="3657600" algn="l" defTabSz="914400" rtl="0" eaLnBrk="1" latinLnBrk="0" hangingPunct="1">
+              <a:defRPr sz="1800" kern="1200">
+                <a:solidFill>
+                  <a:schemeClr val="lt1"/>
+                </a:solidFill>
+                <a:latin typeface="+mn-lt"/>
+                <a:ea typeface="+mn-ea"/>
+                <a:cs typeface="+mn-cs"/>
+              </a:defRPr>
+            </a:lvl9pPr>
+          </a:lstStyle>
+          <a:p>
+            <a:pPr algn="ctr"/>
+            <a:r>
+              <a:rPr lang="en-US" altLang="zh-CN" sz="1400"/>
+              <a:t>NV</a:t>
+            </a:r>
+          </a:p>
+        </p:txBody>
+      </p:sp>
+      <p:sp>
+        <p:nvSpPr>
+          <p:cNvPr id="18" name="圆角矩形 20">
+            <a:extLst>
+              <a:ext uri="{FF2B5EF4-FFF2-40B4-BE49-F238E27FC236}">
+                <a16:creationId xmlns:a16="http://schemas.microsoft.com/office/drawing/2014/main" id="{480312D7-E8F7-A34B-9DF7-C8A6FB5F70B2}"/>
+              </a:ext>
+            </a:extLst>
+          </p:cNvPr>
+          <p:cNvSpPr/>
+          <p:nvPr/>
+        </p:nvSpPr>
+        <p:spPr>
+          <a:xfrm>
+            <a:off x="7353299" y="2228168"/>
+            <a:ext cx="935355" cy="375920"/>
+          </a:xfrm>
+          <a:prstGeom prst="roundRect">
+            <a:avLst/>
+          </a:prstGeom>
+        </p:spPr>
+        <p:style>
+          <a:lnRef idx="2">
+            <a:schemeClr val="accent1">
+              <a:shade val="50000"/>
+            </a:schemeClr>
+          </a:lnRef>
+          <a:fillRef idx="1">
+            <a:schemeClr val="accent1"/>
+          </a:fillRef>
+          <a:effectRef idx="0">
+            <a:schemeClr val="accent1"/>
+          </a:effectRef>
+          <a:fontRef idx="minor">
+            <a:schemeClr val="lt1"/>
+          </a:fontRef>
+        </p:style>
+        <p:txBody>
+          <a:bodyPr rtlCol="0" anchor="ctr"/>
+          <a:lstStyle>
+            <a:defPPr>
+              <a:defRPr lang="en-US"/>
+            </a:defPPr>
+            <a:lvl1pPr marL="0" algn="l" defTabSz="914400" rtl="0" eaLnBrk="1" latinLnBrk="0" hangingPunct="1">
+              <a:defRPr sz="1800" kern="1200">
+                <a:solidFill>
+                  <a:schemeClr val="lt1"/>
+                </a:solidFill>
+                <a:latin typeface="+mn-lt"/>
+                <a:ea typeface="+mn-ea"/>
+                <a:cs typeface="+mn-cs"/>
+              </a:defRPr>
+            </a:lvl1pPr>
+            <a:lvl2pPr marL="457200" algn="l" defTabSz="914400" rtl="0" eaLnBrk="1" latinLnBrk="0" hangingPunct="1">
+              <a:defRPr sz="1800" kern="1200">
+                <a:solidFill>
+                  <a:schemeClr val="lt1"/>
+                </a:solidFill>
+                <a:latin typeface="+mn-lt"/>
+                <a:ea typeface="+mn-ea"/>
+                <a:cs typeface="+mn-cs"/>
+              </a:defRPr>
+            </a:lvl2pPr>
+            <a:lvl3pPr marL="914400" algn="l" defTabSz="914400" rtl="0" eaLnBrk="1" latinLnBrk="0" hangingPunct="1">
+              <a:defRPr sz="1800" kern="1200">
+                <a:solidFill>
+                  <a:schemeClr val="lt1"/>
+                </a:solidFill>
+                <a:latin typeface="+mn-lt"/>
+                <a:ea typeface="+mn-ea"/>
+                <a:cs typeface="+mn-cs"/>
+              </a:defRPr>
+            </a:lvl3pPr>
+            <a:lvl4pPr marL="1371600" algn="l" defTabSz="914400" rtl="0" eaLnBrk="1" latinLnBrk="0" hangingPunct="1">
+              <a:defRPr sz="1800" kern="1200">
+                <a:solidFill>
+                  <a:schemeClr val="lt1"/>
+                </a:solidFill>
+                <a:latin typeface="+mn-lt"/>
+                <a:ea typeface="+mn-ea"/>
+                <a:cs typeface="+mn-cs"/>
+              </a:defRPr>
+            </a:lvl4pPr>
+            <a:lvl5pPr marL="1828800" algn="l" defTabSz="914400" rtl="0" eaLnBrk="1" latinLnBrk="0" hangingPunct="1">
+              <a:defRPr sz="1800" kern="1200">
+                <a:solidFill>
+                  <a:schemeClr val="lt1"/>
+                </a:solidFill>
+                <a:latin typeface="+mn-lt"/>
+                <a:ea typeface="+mn-ea"/>
+                <a:cs typeface="+mn-cs"/>
+              </a:defRPr>
+            </a:lvl5pPr>
+            <a:lvl6pPr marL="2286000" algn="l" defTabSz="914400" rtl="0" eaLnBrk="1" latinLnBrk="0" hangingPunct="1">
+              <a:defRPr sz="1800" kern="1200">
+                <a:solidFill>
+                  <a:schemeClr val="lt1"/>
+                </a:solidFill>
+                <a:latin typeface="+mn-lt"/>
+                <a:ea typeface="+mn-ea"/>
+                <a:cs typeface="+mn-cs"/>
+              </a:defRPr>
+            </a:lvl6pPr>
+            <a:lvl7pPr marL="2743200" algn="l" defTabSz="914400" rtl="0" eaLnBrk="1" latinLnBrk="0" hangingPunct="1">
+              <a:defRPr sz="1800" kern="1200">
+                <a:solidFill>
+                  <a:schemeClr val="lt1"/>
+                </a:solidFill>
+                <a:latin typeface="+mn-lt"/>
+                <a:ea typeface="+mn-ea"/>
+                <a:cs typeface="+mn-cs"/>
+              </a:defRPr>
+            </a:lvl7pPr>
+            <a:lvl8pPr marL="3200400" algn="l" defTabSz="914400" rtl="0" eaLnBrk="1" latinLnBrk="0" hangingPunct="1">
+              <a:defRPr sz="1800" kern="1200">
+                <a:solidFill>
+                  <a:schemeClr val="lt1"/>
+                </a:solidFill>
+                <a:latin typeface="+mn-lt"/>
+                <a:ea typeface="+mn-ea"/>
+                <a:cs typeface="+mn-cs"/>
+              </a:defRPr>
+            </a:lvl8pPr>
+            <a:lvl9pPr marL="3657600" algn="l" defTabSz="914400" rtl="0" eaLnBrk="1" latinLnBrk="0" hangingPunct="1">
+              <a:defRPr sz="1800" kern="1200">
+                <a:solidFill>
+                  <a:schemeClr val="lt1"/>
+                </a:solidFill>
+                <a:latin typeface="+mn-lt"/>
+                <a:ea typeface="+mn-ea"/>
+                <a:cs typeface="+mn-cs"/>
+              </a:defRPr>
+            </a:lvl9pPr>
+          </a:lstStyle>
+          <a:p>
+            <a:pPr algn="ctr"/>
+            <a:r>
+              <a:rPr lang="en-US" altLang="zh-CN" sz="1400"/>
+              <a:t>NDEST</a:t>
+            </a:r>
+          </a:p>
+        </p:txBody>
+      </p:sp>
+      <p:cxnSp>
+        <p:nvCxnSpPr>
+          <p:cNvPr id="19" name="直接连接符 18">
+            <a:extLst>
+              <a:ext uri="{FF2B5EF4-FFF2-40B4-BE49-F238E27FC236}">
+                <a16:creationId xmlns:a16="http://schemas.microsoft.com/office/drawing/2014/main" id="{79787B5A-2CF6-E24C-97FB-817840F00738}"/>
+              </a:ext>
+            </a:extLst>
+          </p:cNvPr>
+          <p:cNvCxnSpPr/>
+          <p:nvPr/>
+        </p:nvCxnSpPr>
+        <p:spPr>
+          <a:xfrm flipH="1">
+            <a:off x="6957694" y="3476578"/>
+            <a:ext cx="3411220" cy="0"/>
+          </a:xfrm>
+          <a:prstGeom prst="line">
+            <a:avLst/>
+          </a:prstGeom>
+        </p:spPr>
+        <p:style>
+          <a:lnRef idx="1">
+            <a:schemeClr val="dk1"/>
+          </a:lnRef>
+          <a:fillRef idx="0">
+            <a:schemeClr val="dk1"/>
+          </a:fillRef>
+          <a:effectRef idx="0">
+            <a:schemeClr val="dk1"/>
+          </a:effectRef>
+          <a:fontRef idx="minor">
+            <a:schemeClr val="tx1"/>
+          </a:fontRef>
+        </p:style>
+      </p:cxnSp>
+      <p:cxnSp>
+        <p:nvCxnSpPr>
+          <p:cNvPr id="20" name="直接连接符 19">
+            <a:extLst>
+              <a:ext uri="{FF2B5EF4-FFF2-40B4-BE49-F238E27FC236}">
+                <a16:creationId xmlns:a16="http://schemas.microsoft.com/office/drawing/2014/main" id="{F1AA361C-1A3A-4244-99DB-55CC80BC8C1D}"/>
+              </a:ext>
+            </a:extLst>
+          </p:cNvPr>
+          <p:cNvCxnSpPr/>
+          <p:nvPr/>
+        </p:nvCxnSpPr>
+        <p:spPr>
+          <a:xfrm flipV="1">
+            <a:off x="6947534" y="1784938"/>
+            <a:ext cx="0" cy="1696720"/>
+          </a:xfrm>
+          <a:prstGeom prst="line">
+            <a:avLst/>
+          </a:prstGeom>
+        </p:spPr>
+        <p:style>
+          <a:lnRef idx="1">
+            <a:schemeClr val="dk1"/>
+          </a:lnRef>
+          <a:fillRef idx="0">
+            <a:schemeClr val="dk1"/>
+          </a:fillRef>
+          <a:effectRef idx="0">
+            <a:schemeClr val="dk1"/>
+          </a:effectRef>
+          <a:fontRef idx="minor">
+            <a:schemeClr val="tx1"/>
+          </a:fontRef>
+        </p:style>
+      </p:cxnSp>
+      <p:cxnSp>
+        <p:nvCxnSpPr>
+          <p:cNvPr id="21" name="直接箭头连接符 20">
+            <a:extLst>
+              <a:ext uri="{FF2B5EF4-FFF2-40B4-BE49-F238E27FC236}">
+                <a16:creationId xmlns:a16="http://schemas.microsoft.com/office/drawing/2014/main" id="{376D22D5-183D-0940-B9AD-CDBDCAA65D85}"/>
+              </a:ext>
+            </a:extLst>
+          </p:cNvPr>
+          <p:cNvCxnSpPr/>
+          <p:nvPr/>
+        </p:nvCxnSpPr>
+        <p:spPr>
+          <a:xfrm>
+            <a:off x="6946899" y="1789383"/>
+            <a:ext cx="286385" cy="0"/>
+          </a:xfrm>
+          <a:prstGeom prst="straightConnector1">
+            <a:avLst/>
+          </a:prstGeom>
+          <a:ln>
+            <a:tailEnd type="triangle" w="med" len="med"/>
+          </a:ln>
+        </p:spPr>
+        <p:style>
+          <a:lnRef idx="1">
+            <a:schemeClr val="dk1"/>
+          </a:lnRef>
+          <a:fillRef idx="0">
+            <a:schemeClr val="dk1"/>
+          </a:fillRef>
+          <a:effectRef idx="0">
+            <a:schemeClr val="dk1"/>
+          </a:effectRef>
+          <a:fontRef idx="minor">
+            <a:schemeClr val="tx1"/>
+          </a:fontRef>
+        </p:style>
+      </p:cxnSp>
+      <p:sp>
+        <p:nvSpPr>
+          <p:cNvPr id="22" name="圆角矩形 24">
+            <a:extLst>
+              <a:ext uri="{FF2B5EF4-FFF2-40B4-BE49-F238E27FC236}">
+                <a16:creationId xmlns:a16="http://schemas.microsoft.com/office/drawing/2014/main" id="{D9B0E3BA-332F-0248-A060-50B39BE6B5E8}"/>
+              </a:ext>
+            </a:extLst>
+          </p:cNvPr>
+          <p:cNvSpPr/>
+          <p:nvPr/>
+        </p:nvSpPr>
+        <p:spPr>
+          <a:xfrm>
+            <a:off x="7361554" y="2689178"/>
+            <a:ext cx="935355" cy="375920"/>
+          </a:xfrm>
+          <a:prstGeom prst="roundRect">
+            <a:avLst/>
+          </a:prstGeom>
+        </p:spPr>
+        <p:style>
+          <a:lnRef idx="2">
+            <a:schemeClr val="accent1">
+              <a:shade val="50000"/>
+            </a:schemeClr>
+          </a:lnRef>
+          <a:fillRef idx="1">
+            <a:schemeClr val="accent1"/>
+          </a:fillRef>
+          <a:effectRef idx="0">
+            <a:schemeClr val="accent1"/>
+          </a:effectRef>
+          <a:fontRef idx="minor">
+            <a:schemeClr val="lt1"/>
+          </a:fontRef>
+        </p:style>
+        <p:txBody>
+          <a:bodyPr rtlCol="0" anchor="ctr"/>
+          <a:lstStyle>
+            <a:defPPr>
+              <a:defRPr lang="en-US"/>
+            </a:defPPr>
+            <a:lvl1pPr marL="0" algn="l" defTabSz="914400" rtl="0" eaLnBrk="1" latinLnBrk="0" hangingPunct="1">
+              <a:defRPr sz="1800" kern="1200">
+                <a:solidFill>
+                  <a:schemeClr val="lt1"/>
+                </a:solidFill>
+                <a:latin typeface="+mn-lt"/>
+                <a:ea typeface="+mn-ea"/>
+                <a:cs typeface="+mn-cs"/>
+              </a:defRPr>
+            </a:lvl1pPr>
+            <a:lvl2pPr marL="457200" algn="l" defTabSz="914400" rtl="0" eaLnBrk="1" latinLnBrk="0" hangingPunct="1">
+              <a:defRPr sz="1800" kern="1200">
+                <a:solidFill>
+                  <a:schemeClr val="lt1"/>
+                </a:solidFill>
+                <a:latin typeface="+mn-lt"/>
+                <a:ea typeface="+mn-ea"/>
+                <a:cs typeface="+mn-cs"/>
+              </a:defRPr>
+            </a:lvl2pPr>
+            <a:lvl3pPr marL="914400" algn="l" defTabSz="914400" rtl="0" eaLnBrk="1" latinLnBrk="0" hangingPunct="1">
+              <a:defRPr sz="1800" kern="1200">
+                <a:solidFill>
+                  <a:schemeClr val="lt1"/>
+                </a:solidFill>
+                <a:latin typeface="+mn-lt"/>
+                <a:ea typeface="+mn-ea"/>
+                <a:cs typeface="+mn-cs"/>
+              </a:defRPr>
+            </a:lvl3pPr>
+            <a:lvl4pPr marL="1371600" algn="l" defTabSz="914400" rtl="0" eaLnBrk="1" latinLnBrk="0" hangingPunct="1">
+              <a:defRPr sz="1800" kern="1200">
+                <a:solidFill>
+                  <a:schemeClr val="lt1"/>
+                </a:solidFill>
+                <a:latin typeface="+mn-lt"/>
+                <a:ea typeface="+mn-ea"/>
+                <a:cs typeface="+mn-cs"/>
+              </a:defRPr>
+            </a:lvl4pPr>
+            <a:lvl5pPr marL="1828800" algn="l" defTabSz="914400" rtl="0" eaLnBrk="1" latinLnBrk="0" hangingPunct="1">
+              <a:defRPr sz="1800" kern="1200">
+                <a:solidFill>
+                  <a:schemeClr val="lt1"/>
+                </a:solidFill>
+                <a:latin typeface="+mn-lt"/>
+                <a:ea typeface="+mn-ea"/>
+                <a:cs typeface="+mn-cs"/>
+              </a:defRPr>
+            </a:lvl5pPr>
+            <a:lvl6pPr marL="2286000" algn="l" defTabSz="914400" rtl="0" eaLnBrk="1" latinLnBrk="0" hangingPunct="1">
+              <a:defRPr sz="1800" kern="1200">
+                <a:solidFill>
+                  <a:schemeClr val="lt1"/>
+                </a:solidFill>
+                <a:latin typeface="+mn-lt"/>
+                <a:ea typeface="+mn-ea"/>
+                <a:cs typeface="+mn-cs"/>
+              </a:defRPr>
+            </a:lvl6pPr>
+            <a:lvl7pPr marL="2743200" algn="l" defTabSz="914400" rtl="0" eaLnBrk="1" latinLnBrk="0" hangingPunct="1">
+              <a:defRPr sz="1800" kern="1200">
+                <a:solidFill>
+                  <a:schemeClr val="lt1"/>
+                </a:solidFill>
+                <a:latin typeface="+mn-lt"/>
+                <a:ea typeface="+mn-ea"/>
+                <a:cs typeface="+mn-cs"/>
+              </a:defRPr>
+            </a:lvl7pPr>
+            <a:lvl8pPr marL="3200400" algn="l" defTabSz="914400" rtl="0" eaLnBrk="1" latinLnBrk="0" hangingPunct="1">
+              <a:defRPr sz="1800" kern="1200">
+                <a:solidFill>
+                  <a:schemeClr val="lt1"/>
+                </a:solidFill>
+                <a:latin typeface="+mn-lt"/>
+                <a:ea typeface="+mn-ea"/>
+                <a:cs typeface="+mn-cs"/>
+              </a:defRPr>
+            </a:lvl8pPr>
+            <a:lvl9pPr marL="3657600" algn="l" defTabSz="914400" rtl="0" eaLnBrk="1" latinLnBrk="0" hangingPunct="1">
+              <a:defRPr sz="1800" kern="1200">
+                <a:solidFill>
+                  <a:schemeClr val="lt1"/>
+                </a:solidFill>
+                <a:latin typeface="+mn-lt"/>
+                <a:ea typeface="+mn-ea"/>
+                <a:cs typeface="+mn-cs"/>
+              </a:defRPr>
+            </a:lvl9pPr>
+          </a:lstStyle>
+          <a:p>
+            <a:pPr algn="ctr"/>
+            <a:r>
+              <a:rPr lang="en-US" altLang="zh-CN" sz="1400"/>
+              <a:t>PIR</a:t>
+            </a:r>
+          </a:p>
+        </p:txBody>
+      </p:sp>
+      <p:sp>
+        <p:nvSpPr>
+          <p:cNvPr id="23" name="文本框 25">
+            <a:extLst>
+              <a:ext uri="{FF2B5EF4-FFF2-40B4-BE49-F238E27FC236}">
+                <a16:creationId xmlns:a16="http://schemas.microsoft.com/office/drawing/2014/main" id="{7F224FF9-0546-7540-AAB8-A1F5FF2FFFFF}"/>
+              </a:ext>
+            </a:extLst>
+          </p:cNvPr>
+          <p:cNvSpPr txBox="1"/>
+          <p:nvPr/>
+        </p:nvSpPr>
+        <p:spPr>
+          <a:xfrm>
+            <a:off x="8515984" y="775923"/>
+            <a:ext cx="1268095" cy="306705"/>
+          </a:xfrm>
+          <a:prstGeom prst="rect">
+            <a:avLst/>
+          </a:prstGeom>
+          <a:noFill/>
+        </p:spPr>
+        <p:txBody>
+          <a:bodyPr wrap="square" rtlCol="0">
+            <a:spAutoFit/>
+          </a:bodyPr>
+          <a:lstStyle>
+            <a:defPPr>
+              <a:defRPr lang="en-US"/>
+            </a:defPPr>
+            <a:lvl1pPr marL="0" algn="l" defTabSz="914400" rtl="0" eaLnBrk="1" latinLnBrk="0" hangingPunct="1">
+              <a:defRPr sz="1800" kern="1200">
+                <a:solidFill>
+                  <a:schemeClr val="tx1"/>
+                </a:solidFill>
+                <a:latin typeface="+mn-lt"/>
+                <a:ea typeface="+mn-ea"/>
+                <a:cs typeface="+mn-cs"/>
+              </a:defRPr>
+            </a:lvl1pPr>
+            <a:lvl2pPr marL="457200" algn="l" defTabSz="914400" rtl="0" eaLnBrk="1" latinLnBrk="0" hangingPunct="1">
+              <a:defRPr sz="1800" kern="1200">
+                <a:solidFill>
+                  <a:schemeClr val="tx1"/>
+                </a:solidFill>
+                <a:latin typeface="+mn-lt"/>
+                <a:ea typeface="+mn-ea"/>
+                <a:cs typeface="+mn-cs"/>
+              </a:defRPr>
+            </a:lvl2pPr>
+            <a:lvl3pPr marL="914400" algn="l" defTabSz="914400" rtl="0" eaLnBrk="1" latinLnBrk="0" hangingPunct="1">
+              <a:defRPr sz="1800" kern="1200">
+                <a:solidFill>
+                  <a:schemeClr val="tx1"/>
+                </a:solidFill>
+                <a:latin typeface="+mn-lt"/>
+                <a:ea typeface="+mn-ea"/>
+                <a:cs typeface="+mn-cs"/>
+              </a:defRPr>
+            </a:lvl3pPr>
+            <a:lvl4pPr marL="1371600" algn="l" defTabSz="914400" rtl="0" eaLnBrk="1" latinLnBrk="0" hangingPunct="1">
+              <a:defRPr sz="1800" kern="1200">
+                <a:solidFill>
+                  <a:schemeClr val="tx1"/>
+                </a:solidFill>
+                <a:latin typeface="+mn-lt"/>
+                <a:ea typeface="+mn-ea"/>
+                <a:cs typeface="+mn-cs"/>
+              </a:defRPr>
+            </a:lvl4pPr>
+            <a:lvl5pPr marL="1828800" algn="l" defTabSz="914400" rtl="0" eaLnBrk="1" latinLnBrk="0" hangingPunct="1">
+              <a:defRPr sz="1800" kern="1200">
+                <a:solidFill>
+                  <a:schemeClr val="tx1"/>
+                </a:solidFill>
+                <a:latin typeface="+mn-lt"/>
+                <a:ea typeface="+mn-ea"/>
+                <a:cs typeface="+mn-cs"/>
+              </a:defRPr>
+            </a:lvl5pPr>
+            <a:lvl6pPr marL="2286000" algn="l" defTabSz="914400" rtl="0" eaLnBrk="1" latinLnBrk="0" hangingPunct="1">
+              <a:defRPr sz="1800" kern="1200">
+                <a:solidFill>
+                  <a:schemeClr val="tx1"/>
+                </a:solidFill>
+                <a:latin typeface="+mn-lt"/>
+                <a:ea typeface="+mn-ea"/>
+                <a:cs typeface="+mn-cs"/>
+              </a:defRPr>
+            </a:lvl6pPr>
+            <a:lvl7pPr marL="2743200" algn="l" defTabSz="914400" rtl="0" eaLnBrk="1" latinLnBrk="0" hangingPunct="1">
+              <a:defRPr sz="1800" kern="1200">
+                <a:solidFill>
+                  <a:schemeClr val="tx1"/>
+                </a:solidFill>
+                <a:latin typeface="+mn-lt"/>
+                <a:ea typeface="+mn-ea"/>
+                <a:cs typeface="+mn-cs"/>
+              </a:defRPr>
+            </a:lvl7pPr>
+            <a:lvl8pPr marL="3200400" algn="l" defTabSz="914400" rtl="0" eaLnBrk="1" latinLnBrk="0" hangingPunct="1">
+              <a:defRPr sz="1800" kern="1200">
+                <a:solidFill>
+                  <a:schemeClr val="tx1"/>
+                </a:solidFill>
+                <a:latin typeface="+mn-lt"/>
+                <a:ea typeface="+mn-ea"/>
+                <a:cs typeface="+mn-cs"/>
+              </a:defRPr>
+            </a:lvl8pPr>
+            <a:lvl9pPr marL="3657600" algn="l" defTabSz="914400" rtl="0" eaLnBrk="1" latinLnBrk="0" hangingPunct="1">
+              <a:defRPr sz="1800" kern="1200">
+                <a:solidFill>
+                  <a:schemeClr val="tx1"/>
+                </a:solidFill>
+                <a:latin typeface="+mn-lt"/>
+                <a:ea typeface="+mn-ea"/>
+                <a:cs typeface="+mn-cs"/>
+              </a:defRPr>
+            </a:lvl9pPr>
+          </a:lstStyle>
+          <a:p>
+            <a:r>
+              <a:rPr lang="en-US" altLang="zh-CN" sz="1400"/>
+              <a:t>0</a:t>
+            </a:r>
+          </a:p>
+        </p:txBody>
+      </p:sp>
+      <p:sp>
+        <p:nvSpPr>
+          <p:cNvPr id="24" name="文本框 26">
+            <a:extLst>
+              <a:ext uri="{FF2B5EF4-FFF2-40B4-BE49-F238E27FC236}">
+                <a16:creationId xmlns:a16="http://schemas.microsoft.com/office/drawing/2014/main" id="{E691EB3F-E575-9F40-9760-0C545AB8AA2F}"/>
+              </a:ext>
+            </a:extLst>
+          </p:cNvPr>
+          <p:cNvSpPr txBox="1"/>
+          <p:nvPr/>
+        </p:nvSpPr>
+        <p:spPr>
+          <a:xfrm>
+            <a:off x="8515984" y="1277573"/>
+            <a:ext cx="1268730" cy="306705"/>
+          </a:xfrm>
+          <a:prstGeom prst="rect">
+            <a:avLst/>
+          </a:prstGeom>
+          <a:noFill/>
+        </p:spPr>
+        <p:txBody>
+          <a:bodyPr wrap="square" rtlCol="0">
+            <a:spAutoFit/>
+          </a:bodyPr>
+          <a:lstStyle>
+            <a:defPPr>
+              <a:defRPr lang="en-US"/>
+            </a:defPPr>
+            <a:lvl1pPr marL="0" algn="l" defTabSz="914400" rtl="0" eaLnBrk="1" latinLnBrk="0" hangingPunct="1">
+              <a:defRPr sz="1800" kern="1200">
+                <a:solidFill>
+                  <a:schemeClr val="tx1"/>
+                </a:solidFill>
+                <a:latin typeface="+mn-lt"/>
+                <a:ea typeface="+mn-ea"/>
+                <a:cs typeface="+mn-cs"/>
+              </a:defRPr>
+            </a:lvl1pPr>
+            <a:lvl2pPr marL="457200" algn="l" defTabSz="914400" rtl="0" eaLnBrk="1" latinLnBrk="0" hangingPunct="1">
+              <a:defRPr sz="1800" kern="1200">
+                <a:solidFill>
+                  <a:schemeClr val="tx1"/>
+                </a:solidFill>
+                <a:latin typeface="+mn-lt"/>
+                <a:ea typeface="+mn-ea"/>
+                <a:cs typeface="+mn-cs"/>
+              </a:defRPr>
+            </a:lvl2pPr>
+            <a:lvl3pPr marL="914400" algn="l" defTabSz="914400" rtl="0" eaLnBrk="1" latinLnBrk="0" hangingPunct="1">
+              <a:defRPr sz="1800" kern="1200">
+                <a:solidFill>
+                  <a:schemeClr val="tx1"/>
+                </a:solidFill>
+                <a:latin typeface="+mn-lt"/>
+                <a:ea typeface="+mn-ea"/>
+                <a:cs typeface="+mn-cs"/>
+              </a:defRPr>
+            </a:lvl3pPr>
+            <a:lvl4pPr marL="1371600" algn="l" defTabSz="914400" rtl="0" eaLnBrk="1" latinLnBrk="0" hangingPunct="1">
+              <a:defRPr sz="1800" kern="1200">
+                <a:solidFill>
+                  <a:schemeClr val="tx1"/>
+                </a:solidFill>
+                <a:latin typeface="+mn-lt"/>
+                <a:ea typeface="+mn-ea"/>
+                <a:cs typeface="+mn-cs"/>
+              </a:defRPr>
+            </a:lvl4pPr>
+            <a:lvl5pPr marL="1828800" algn="l" defTabSz="914400" rtl="0" eaLnBrk="1" latinLnBrk="0" hangingPunct="1">
+              <a:defRPr sz="1800" kern="1200">
+                <a:solidFill>
+                  <a:schemeClr val="tx1"/>
+                </a:solidFill>
+                <a:latin typeface="+mn-lt"/>
+                <a:ea typeface="+mn-ea"/>
+                <a:cs typeface="+mn-cs"/>
+              </a:defRPr>
+            </a:lvl5pPr>
+            <a:lvl6pPr marL="2286000" algn="l" defTabSz="914400" rtl="0" eaLnBrk="1" latinLnBrk="0" hangingPunct="1">
+              <a:defRPr sz="1800" kern="1200">
+                <a:solidFill>
+                  <a:schemeClr val="tx1"/>
+                </a:solidFill>
+                <a:latin typeface="+mn-lt"/>
+                <a:ea typeface="+mn-ea"/>
+                <a:cs typeface="+mn-cs"/>
+              </a:defRPr>
+            </a:lvl6pPr>
+            <a:lvl7pPr marL="2743200" algn="l" defTabSz="914400" rtl="0" eaLnBrk="1" latinLnBrk="0" hangingPunct="1">
+              <a:defRPr sz="1800" kern="1200">
+                <a:solidFill>
+                  <a:schemeClr val="tx1"/>
+                </a:solidFill>
+                <a:latin typeface="+mn-lt"/>
+                <a:ea typeface="+mn-ea"/>
+                <a:cs typeface="+mn-cs"/>
+              </a:defRPr>
+            </a:lvl7pPr>
+            <a:lvl8pPr marL="3200400" algn="l" defTabSz="914400" rtl="0" eaLnBrk="1" latinLnBrk="0" hangingPunct="1">
+              <a:defRPr sz="1800" kern="1200">
+                <a:solidFill>
+                  <a:schemeClr val="tx1"/>
+                </a:solidFill>
+                <a:latin typeface="+mn-lt"/>
+                <a:ea typeface="+mn-ea"/>
+                <a:cs typeface="+mn-cs"/>
+              </a:defRPr>
+            </a:lvl8pPr>
+            <a:lvl9pPr marL="3657600" algn="l" defTabSz="914400" rtl="0" eaLnBrk="1" latinLnBrk="0" hangingPunct="1">
+              <a:defRPr sz="1800" kern="1200">
+                <a:solidFill>
+                  <a:schemeClr val="tx1"/>
+                </a:solidFill>
+                <a:latin typeface="+mn-lt"/>
+                <a:ea typeface="+mn-ea"/>
+                <a:cs typeface="+mn-cs"/>
+              </a:defRPr>
+            </a:lvl9pPr>
+          </a:lstStyle>
+          <a:p>
+            <a:r>
+              <a:rPr lang="en-US" altLang="zh-CN" sz="1400"/>
+              <a:t>1</a:t>
+            </a:r>
+          </a:p>
+        </p:txBody>
+      </p:sp>
+      <p:sp>
+        <p:nvSpPr>
+          <p:cNvPr id="25" name="文本框 27">
+            <a:extLst>
+              <a:ext uri="{FF2B5EF4-FFF2-40B4-BE49-F238E27FC236}">
+                <a16:creationId xmlns:a16="http://schemas.microsoft.com/office/drawing/2014/main" id="{D86FEDC1-91B8-2C4E-9D57-0C0A76AF96ED}"/>
+              </a:ext>
+            </a:extLst>
+          </p:cNvPr>
+          <p:cNvSpPr txBox="1"/>
+          <p:nvPr/>
+        </p:nvSpPr>
+        <p:spPr>
+          <a:xfrm>
+            <a:off x="8515984" y="1769063"/>
+            <a:ext cx="1543685" cy="306705"/>
+          </a:xfrm>
+          <a:prstGeom prst="rect">
+            <a:avLst/>
+          </a:prstGeom>
+          <a:noFill/>
+        </p:spPr>
+        <p:txBody>
+          <a:bodyPr wrap="square" rtlCol="0">
+            <a:spAutoFit/>
+          </a:bodyPr>
+          <a:lstStyle>
+            <a:defPPr>
+              <a:defRPr lang="en-US"/>
+            </a:defPPr>
+            <a:lvl1pPr marL="0" algn="l" defTabSz="914400" rtl="0" eaLnBrk="1" latinLnBrk="0" hangingPunct="1">
+              <a:defRPr sz="1800" kern="1200">
+                <a:solidFill>
+                  <a:schemeClr val="tx1"/>
+                </a:solidFill>
+                <a:latin typeface="+mn-lt"/>
+                <a:ea typeface="+mn-ea"/>
+                <a:cs typeface="+mn-cs"/>
+              </a:defRPr>
+            </a:lvl1pPr>
+            <a:lvl2pPr marL="457200" algn="l" defTabSz="914400" rtl="0" eaLnBrk="1" latinLnBrk="0" hangingPunct="1">
+              <a:defRPr sz="1800" kern="1200">
+                <a:solidFill>
+                  <a:schemeClr val="tx1"/>
+                </a:solidFill>
+                <a:latin typeface="+mn-lt"/>
+                <a:ea typeface="+mn-ea"/>
+                <a:cs typeface="+mn-cs"/>
+              </a:defRPr>
+            </a:lvl2pPr>
+            <a:lvl3pPr marL="914400" algn="l" defTabSz="914400" rtl="0" eaLnBrk="1" latinLnBrk="0" hangingPunct="1">
+              <a:defRPr sz="1800" kern="1200">
+                <a:solidFill>
+                  <a:schemeClr val="tx1"/>
+                </a:solidFill>
+                <a:latin typeface="+mn-lt"/>
+                <a:ea typeface="+mn-ea"/>
+                <a:cs typeface="+mn-cs"/>
+              </a:defRPr>
+            </a:lvl3pPr>
+            <a:lvl4pPr marL="1371600" algn="l" defTabSz="914400" rtl="0" eaLnBrk="1" latinLnBrk="0" hangingPunct="1">
+              <a:defRPr sz="1800" kern="1200">
+                <a:solidFill>
+                  <a:schemeClr val="tx1"/>
+                </a:solidFill>
+                <a:latin typeface="+mn-lt"/>
+                <a:ea typeface="+mn-ea"/>
+                <a:cs typeface="+mn-cs"/>
+              </a:defRPr>
+            </a:lvl4pPr>
+            <a:lvl5pPr marL="1828800" algn="l" defTabSz="914400" rtl="0" eaLnBrk="1" latinLnBrk="0" hangingPunct="1">
+              <a:defRPr sz="1800" kern="1200">
+                <a:solidFill>
+                  <a:schemeClr val="tx1"/>
+                </a:solidFill>
+                <a:latin typeface="+mn-lt"/>
+                <a:ea typeface="+mn-ea"/>
+                <a:cs typeface="+mn-cs"/>
+              </a:defRPr>
+            </a:lvl5pPr>
+            <a:lvl6pPr marL="2286000" algn="l" defTabSz="914400" rtl="0" eaLnBrk="1" latinLnBrk="0" hangingPunct="1">
+              <a:defRPr sz="1800" kern="1200">
+                <a:solidFill>
+                  <a:schemeClr val="tx1"/>
+                </a:solidFill>
+                <a:latin typeface="+mn-lt"/>
+                <a:ea typeface="+mn-ea"/>
+                <a:cs typeface="+mn-cs"/>
+              </a:defRPr>
+            </a:lvl6pPr>
+            <a:lvl7pPr marL="2743200" algn="l" defTabSz="914400" rtl="0" eaLnBrk="1" latinLnBrk="0" hangingPunct="1">
+              <a:defRPr sz="1800" kern="1200">
+                <a:solidFill>
+                  <a:schemeClr val="tx1"/>
+                </a:solidFill>
+                <a:latin typeface="+mn-lt"/>
+                <a:ea typeface="+mn-ea"/>
+                <a:cs typeface="+mn-cs"/>
+              </a:defRPr>
+            </a:lvl7pPr>
+            <a:lvl8pPr marL="3200400" algn="l" defTabSz="914400" rtl="0" eaLnBrk="1" latinLnBrk="0" hangingPunct="1">
+              <a:defRPr sz="1800" kern="1200">
+                <a:solidFill>
+                  <a:schemeClr val="tx1"/>
+                </a:solidFill>
+                <a:latin typeface="+mn-lt"/>
+                <a:ea typeface="+mn-ea"/>
+                <a:cs typeface="+mn-cs"/>
+              </a:defRPr>
+            </a:lvl8pPr>
+            <a:lvl9pPr marL="3657600" algn="l" defTabSz="914400" rtl="0" eaLnBrk="1" latinLnBrk="0" hangingPunct="1">
+              <a:defRPr sz="1800" kern="1200">
+                <a:solidFill>
+                  <a:schemeClr val="tx1"/>
+                </a:solidFill>
+                <a:latin typeface="+mn-lt"/>
+                <a:ea typeface="+mn-ea"/>
+                <a:cs typeface="+mn-cs"/>
+              </a:defRPr>
+            </a:lvl9pPr>
+          </a:lstStyle>
+          <a:p>
+            <a:r>
+              <a:rPr lang="en-US" altLang="zh-CN" sz="1400"/>
+              <a:t>23:16</a:t>
+            </a:r>
+          </a:p>
+        </p:txBody>
+      </p:sp>
+      <p:sp>
+        <p:nvSpPr>
+          <p:cNvPr id="26" name="文本框 28">
+            <a:extLst>
+              <a:ext uri="{FF2B5EF4-FFF2-40B4-BE49-F238E27FC236}">
+                <a16:creationId xmlns:a16="http://schemas.microsoft.com/office/drawing/2014/main" id="{CD2B963E-F31C-FE43-9AAE-86F115CA7472}"/>
+              </a:ext>
+            </a:extLst>
+          </p:cNvPr>
+          <p:cNvSpPr txBox="1"/>
+          <p:nvPr/>
+        </p:nvSpPr>
+        <p:spPr>
+          <a:xfrm>
+            <a:off x="8515984" y="2262458"/>
+            <a:ext cx="1543685" cy="306705"/>
+          </a:xfrm>
+          <a:prstGeom prst="rect">
+            <a:avLst/>
+          </a:prstGeom>
+          <a:noFill/>
+        </p:spPr>
+        <p:txBody>
+          <a:bodyPr wrap="square" rtlCol="0">
+            <a:spAutoFit/>
+          </a:bodyPr>
+          <a:lstStyle>
+            <a:defPPr>
+              <a:defRPr lang="en-US"/>
+            </a:defPPr>
+            <a:lvl1pPr marL="0" algn="l" defTabSz="914400" rtl="0" eaLnBrk="1" latinLnBrk="0" hangingPunct="1">
+              <a:defRPr sz="1800" kern="1200">
+                <a:solidFill>
+                  <a:schemeClr val="tx1"/>
+                </a:solidFill>
+                <a:latin typeface="+mn-lt"/>
+                <a:ea typeface="+mn-ea"/>
+                <a:cs typeface="+mn-cs"/>
+              </a:defRPr>
+            </a:lvl1pPr>
+            <a:lvl2pPr marL="457200" algn="l" defTabSz="914400" rtl="0" eaLnBrk="1" latinLnBrk="0" hangingPunct="1">
+              <a:defRPr sz="1800" kern="1200">
+                <a:solidFill>
+                  <a:schemeClr val="tx1"/>
+                </a:solidFill>
+                <a:latin typeface="+mn-lt"/>
+                <a:ea typeface="+mn-ea"/>
+                <a:cs typeface="+mn-cs"/>
+              </a:defRPr>
+            </a:lvl2pPr>
+            <a:lvl3pPr marL="914400" algn="l" defTabSz="914400" rtl="0" eaLnBrk="1" latinLnBrk="0" hangingPunct="1">
+              <a:defRPr sz="1800" kern="1200">
+                <a:solidFill>
+                  <a:schemeClr val="tx1"/>
+                </a:solidFill>
+                <a:latin typeface="+mn-lt"/>
+                <a:ea typeface="+mn-ea"/>
+                <a:cs typeface="+mn-cs"/>
+              </a:defRPr>
+            </a:lvl3pPr>
+            <a:lvl4pPr marL="1371600" algn="l" defTabSz="914400" rtl="0" eaLnBrk="1" latinLnBrk="0" hangingPunct="1">
+              <a:defRPr sz="1800" kern="1200">
+                <a:solidFill>
+                  <a:schemeClr val="tx1"/>
+                </a:solidFill>
+                <a:latin typeface="+mn-lt"/>
+                <a:ea typeface="+mn-ea"/>
+                <a:cs typeface="+mn-cs"/>
+              </a:defRPr>
+            </a:lvl4pPr>
+            <a:lvl5pPr marL="1828800" algn="l" defTabSz="914400" rtl="0" eaLnBrk="1" latinLnBrk="0" hangingPunct="1">
+              <a:defRPr sz="1800" kern="1200">
+                <a:solidFill>
+                  <a:schemeClr val="tx1"/>
+                </a:solidFill>
+                <a:latin typeface="+mn-lt"/>
+                <a:ea typeface="+mn-ea"/>
+                <a:cs typeface="+mn-cs"/>
+              </a:defRPr>
+            </a:lvl5pPr>
+            <a:lvl6pPr marL="2286000" algn="l" defTabSz="914400" rtl="0" eaLnBrk="1" latinLnBrk="0" hangingPunct="1">
+              <a:defRPr sz="1800" kern="1200">
+                <a:solidFill>
+                  <a:schemeClr val="tx1"/>
+                </a:solidFill>
+                <a:latin typeface="+mn-lt"/>
+                <a:ea typeface="+mn-ea"/>
+                <a:cs typeface="+mn-cs"/>
+              </a:defRPr>
+            </a:lvl6pPr>
+            <a:lvl7pPr marL="2743200" algn="l" defTabSz="914400" rtl="0" eaLnBrk="1" latinLnBrk="0" hangingPunct="1">
+              <a:defRPr sz="1800" kern="1200">
+                <a:solidFill>
+                  <a:schemeClr val="tx1"/>
+                </a:solidFill>
+                <a:latin typeface="+mn-lt"/>
+                <a:ea typeface="+mn-ea"/>
+                <a:cs typeface="+mn-cs"/>
+              </a:defRPr>
+            </a:lvl7pPr>
+            <a:lvl8pPr marL="3200400" algn="l" defTabSz="914400" rtl="0" eaLnBrk="1" latinLnBrk="0" hangingPunct="1">
+              <a:defRPr sz="1800" kern="1200">
+                <a:solidFill>
+                  <a:schemeClr val="tx1"/>
+                </a:solidFill>
+                <a:latin typeface="+mn-lt"/>
+                <a:ea typeface="+mn-ea"/>
+                <a:cs typeface="+mn-cs"/>
+              </a:defRPr>
+            </a:lvl8pPr>
+            <a:lvl9pPr marL="3657600" algn="l" defTabSz="914400" rtl="0" eaLnBrk="1" latinLnBrk="0" hangingPunct="1">
+              <a:defRPr sz="1800" kern="1200">
+                <a:solidFill>
+                  <a:schemeClr val="tx1"/>
+                </a:solidFill>
+                <a:latin typeface="+mn-lt"/>
+                <a:ea typeface="+mn-ea"/>
+                <a:cs typeface="+mn-cs"/>
+              </a:defRPr>
+            </a:lvl9pPr>
+          </a:lstStyle>
+          <a:p>
+            <a:r>
+              <a:rPr lang="en-US" altLang="zh-CN" sz="1400"/>
+              <a:t>63:32</a:t>
+            </a:r>
+          </a:p>
+        </p:txBody>
+      </p:sp>
+      <p:sp>
+        <p:nvSpPr>
+          <p:cNvPr id="27" name="文本框 29">
+            <a:extLst>
+              <a:ext uri="{FF2B5EF4-FFF2-40B4-BE49-F238E27FC236}">
+                <a16:creationId xmlns:a16="http://schemas.microsoft.com/office/drawing/2014/main" id="{B15D4B66-DEF8-3A43-A1E8-1AA110325DDA}"/>
+              </a:ext>
+            </a:extLst>
+          </p:cNvPr>
+          <p:cNvSpPr txBox="1"/>
+          <p:nvPr/>
+        </p:nvSpPr>
+        <p:spPr>
+          <a:xfrm>
+            <a:off x="8515984" y="2713943"/>
+            <a:ext cx="1543685" cy="306705"/>
+          </a:xfrm>
+          <a:prstGeom prst="rect">
+            <a:avLst/>
+          </a:prstGeom>
+          <a:noFill/>
+        </p:spPr>
+        <p:txBody>
+          <a:bodyPr wrap="square" rtlCol="0">
+            <a:spAutoFit/>
+          </a:bodyPr>
+          <a:lstStyle>
+            <a:defPPr>
+              <a:defRPr lang="en-US"/>
+            </a:defPPr>
+            <a:lvl1pPr marL="0" algn="l" defTabSz="914400" rtl="0" eaLnBrk="1" latinLnBrk="0" hangingPunct="1">
+              <a:defRPr sz="1800" kern="1200">
+                <a:solidFill>
+                  <a:schemeClr val="tx1"/>
+                </a:solidFill>
+                <a:latin typeface="+mn-lt"/>
+                <a:ea typeface="+mn-ea"/>
+                <a:cs typeface="+mn-cs"/>
+              </a:defRPr>
+            </a:lvl1pPr>
+            <a:lvl2pPr marL="457200" algn="l" defTabSz="914400" rtl="0" eaLnBrk="1" latinLnBrk="0" hangingPunct="1">
+              <a:defRPr sz="1800" kern="1200">
+                <a:solidFill>
+                  <a:schemeClr val="tx1"/>
+                </a:solidFill>
+                <a:latin typeface="+mn-lt"/>
+                <a:ea typeface="+mn-ea"/>
+                <a:cs typeface="+mn-cs"/>
+              </a:defRPr>
+            </a:lvl2pPr>
+            <a:lvl3pPr marL="914400" algn="l" defTabSz="914400" rtl="0" eaLnBrk="1" latinLnBrk="0" hangingPunct="1">
+              <a:defRPr sz="1800" kern="1200">
+                <a:solidFill>
+                  <a:schemeClr val="tx1"/>
+                </a:solidFill>
+                <a:latin typeface="+mn-lt"/>
+                <a:ea typeface="+mn-ea"/>
+                <a:cs typeface="+mn-cs"/>
+              </a:defRPr>
+            </a:lvl3pPr>
+            <a:lvl4pPr marL="1371600" algn="l" defTabSz="914400" rtl="0" eaLnBrk="1" latinLnBrk="0" hangingPunct="1">
+              <a:defRPr sz="1800" kern="1200">
+                <a:solidFill>
+                  <a:schemeClr val="tx1"/>
+                </a:solidFill>
+                <a:latin typeface="+mn-lt"/>
+                <a:ea typeface="+mn-ea"/>
+                <a:cs typeface="+mn-cs"/>
+              </a:defRPr>
+            </a:lvl4pPr>
+            <a:lvl5pPr marL="1828800" algn="l" defTabSz="914400" rtl="0" eaLnBrk="1" latinLnBrk="0" hangingPunct="1">
+              <a:defRPr sz="1800" kern="1200">
+                <a:solidFill>
+                  <a:schemeClr val="tx1"/>
+                </a:solidFill>
+                <a:latin typeface="+mn-lt"/>
+                <a:ea typeface="+mn-ea"/>
+                <a:cs typeface="+mn-cs"/>
+              </a:defRPr>
+            </a:lvl5pPr>
+            <a:lvl6pPr marL="2286000" algn="l" defTabSz="914400" rtl="0" eaLnBrk="1" latinLnBrk="0" hangingPunct="1">
+              <a:defRPr sz="1800" kern="1200">
+                <a:solidFill>
+                  <a:schemeClr val="tx1"/>
+                </a:solidFill>
+                <a:latin typeface="+mn-lt"/>
+                <a:ea typeface="+mn-ea"/>
+                <a:cs typeface="+mn-cs"/>
+              </a:defRPr>
+            </a:lvl6pPr>
+            <a:lvl7pPr marL="2743200" algn="l" defTabSz="914400" rtl="0" eaLnBrk="1" latinLnBrk="0" hangingPunct="1">
+              <a:defRPr sz="1800" kern="1200">
+                <a:solidFill>
+                  <a:schemeClr val="tx1"/>
+                </a:solidFill>
+                <a:latin typeface="+mn-lt"/>
+                <a:ea typeface="+mn-ea"/>
+                <a:cs typeface="+mn-cs"/>
+              </a:defRPr>
+            </a:lvl7pPr>
+            <a:lvl8pPr marL="3200400" algn="l" defTabSz="914400" rtl="0" eaLnBrk="1" latinLnBrk="0" hangingPunct="1">
+              <a:defRPr sz="1800" kern="1200">
+                <a:solidFill>
+                  <a:schemeClr val="tx1"/>
+                </a:solidFill>
+                <a:latin typeface="+mn-lt"/>
+                <a:ea typeface="+mn-ea"/>
+                <a:cs typeface="+mn-cs"/>
+              </a:defRPr>
+            </a:lvl8pPr>
+            <a:lvl9pPr marL="3657600" algn="l" defTabSz="914400" rtl="0" eaLnBrk="1" latinLnBrk="0" hangingPunct="1">
+              <a:defRPr sz="1800" kern="1200">
+                <a:solidFill>
+                  <a:schemeClr val="tx1"/>
+                </a:solidFill>
+                <a:latin typeface="+mn-lt"/>
+                <a:ea typeface="+mn-ea"/>
+                <a:cs typeface="+mn-cs"/>
+              </a:defRPr>
+            </a:lvl9pPr>
+          </a:lstStyle>
+          <a:p>
+            <a:r>
+              <a:rPr lang="en-US" altLang="zh-CN" sz="1400"/>
+              <a:t>127:64</a:t>
+            </a:r>
+          </a:p>
+        </p:txBody>
+      </p:sp>
+      <p:sp>
+        <p:nvSpPr>
+          <p:cNvPr id="28" name="文本框 30">
+            <a:extLst>
+              <a:ext uri="{FF2B5EF4-FFF2-40B4-BE49-F238E27FC236}">
+                <a16:creationId xmlns:a16="http://schemas.microsoft.com/office/drawing/2014/main" id="{933FE4D9-E603-7349-9E98-E1452E213C1A}"/>
+              </a:ext>
+            </a:extLst>
+          </p:cNvPr>
+          <p:cNvSpPr txBox="1"/>
+          <p:nvPr/>
+        </p:nvSpPr>
+        <p:spPr>
+          <a:xfrm>
+            <a:off x="7233284" y="5823538"/>
+            <a:ext cx="1168400" cy="306705"/>
+          </a:xfrm>
+          <a:prstGeom prst="rect">
+            <a:avLst/>
+          </a:prstGeom>
+          <a:noFill/>
+        </p:spPr>
+        <p:txBody>
+          <a:bodyPr wrap="square" rtlCol="0">
+            <a:spAutoFit/>
+          </a:bodyPr>
+          <a:lstStyle>
+            <a:defPPr>
+              <a:defRPr lang="en-US"/>
+            </a:defPPr>
+            <a:lvl1pPr marL="0" algn="l" defTabSz="914400" rtl="0" eaLnBrk="1" latinLnBrk="0" hangingPunct="1">
+              <a:defRPr sz="1800" kern="1200">
+                <a:solidFill>
+                  <a:schemeClr val="tx1"/>
+                </a:solidFill>
+                <a:latin typeface="+mn-lt"/>
+                <a:ea typeface="+mn-ea"/>
+                <a:cs typeface="+mn-cs"/>
+              </a:defRPr>
+            </a:lvl1pPr>
+            <a:lvl2pPr marL="457200" algn="l" defTabSz="914400" rtl="0" eaLnBrk="1" latinLnBrk="0" hangingPunct="1">
+              <a:defRPr sz="1800" kern="1200">
+                <a:solidFill>
+                  <a:schemeClr val="tx1"/>
+                </a:solidFill>
+                <a:latin typeface="+mn-lt"/>
+                <a:ea typeface="+mn-ea"/>
+                <a:cs typeface="+mn-cs"/>
+              </a:defRPr>
+            </a:lvl2pPr>
+            <a:lvl3pPr marL="914400" algn="l" defTabSz="914400" rtl="0" eaLnBrk="1" latinLnBrk="0" hangingPunct="1">
+              <a:defRPr sz="1800" kern="1200">
+                <a:solidFill>
+                  <a:schemeClr val="tx1"/>
+                </a:solidFill>
+                <a:latin typeface="+mn-lt"/>
+                <a:ea typeface="+mn-ea"/>
+                <a:cs typeface="+mn-cs"/>
+              </a:defRPr>
+            </a:lvl3pPr>
+            <a:lvl4pPr marL="1371600" algn="l" defTabSz="914400" rtl="0" eaLnBrk="1" latinLnBrk="0" hangingPunct="1">
+              <a:defRPr sz="1800" kern="1200">
+                <a:solidFill>
+                  <a:schemeClr val="tx1"/>
+                </a:solidFill>
+                <a:latin typeface="+mn-lt"/>
+                <a:ea typeface="+mn-ea"/>
+                <a:cs typeface="+mn-cs"/>
+              </a:defRPr>
+            </a:lvl4pPr>
+            <a:lvl5pPr marL="1828800" algn="l" defTabSz="914400" rtl="0" eaLnBrk="1" latinLnBrk="0" hangingPunct="1">
+              <a:defRPr sz="1800" kern="1200">
+                <a:solidFill>
+                  <a:schemeClr val="tx1"/>
+                </a:solidFill>
+                <a:latin typeface="+mn-lt"/>
+                <a:ea typeface="+mn-ea"/>
+                <a:cs typeface="+mn-cs"/>
+              </a:defRPr>
+            </a:lvl5pPr>
+            <a:lvl6pPr marL="2286000" algn="l" defTabSz="914400" rtl="0" eaLnBrk="1" latinLnBrk="0" hangingPunct="1">
+              <a:defRPr sz="1800" kern="1200">
+                <a:solidFill>
+                  <a:schemeClr val="tx1"/>
+                </a:solidFill>
+                <a:latin typeface="+mn-lt"/>
+                <a:ea typeface="+mn-ea"/>
+                <a:cs typeface="+mn-cs"/>
+              </a:defRPr>
+            </a:lvl6pPr>
+            <a:lvl7pPr marL="2743200" algn="l" defTabSz="914400" rtl="0" eaLnBrk="1" latinLnBrk="0" hangingPunct="1">
+              <a:defRPr sz="1800" kern="1200">
+                <a:solidFill>
+                  <a:schemeClr val="tx1"/>
+                </a:solidFill>
+                <a:latin typeface="+mn-lt"/>
+                <a:ea typeface="+mn-ea"/>
+                <a:cs typeface="+mn-cs"/>
+              </a:defRPr>
+            </a:lvl7pPr>
+            <a:lvl8pPr marL="3200400" algn="l" defTabSz="914400" rtl="0" eaLnBrk="1" latinLnBrk="0" hangingPunct="1">
+              <a:defRPr sz="1800" kern="1200">
+                <a:solidFill>
+                  <a:schemeClr val="tx1"/>
+                </a:solidFill>
+                <a:latin typeface="+mn-lt"/>
+                <a:ea typeface="+mn-ea"/>
+                <a:cs typeface="+mn-cs"/>
+              </a:defRPr>
+            </a:lvl8pPr>
+            <a:lvl9pPr marL="3657600" algn="l" defTabSz="914400" rtl="0" eaLnBrk="1" latinLnBrk="0" hangingPunct="1">
+              <a:defRPr sz="1800" kern="1200">
+                <a:solidFill>
+                  <a:schemeClr val="tx1"/>
+                </a:solidFill>
+                <a:latin typeface="+mn-lt"/>
+                <a:ea typeface="+mn-ea"/>
+                <a:cs typeface="+mn-cs"/>
+              </a:defRPr>
+            </a:lvl9pPr>
+          </a:lstStyle>
+          <a:p>
+            <a:pPr algn="ctr"/>
+            <a:r>
+              <a:rPr lang="en-US" altLang="zh-CN" sz="1400"/>
+              <a:t>N = UITTSZ</a:t>
+            </a:r>
+          </a:p>
+        </p:txBody>
+      </p:sp>
+      <p:sp>
+        <p:nvSpPr>
+          <p:cNvPr id="29" name="圆角矩形 31">
+            <a:extLst>
+              <a:ext uri="{FF2B5EF4-FFF2-40B4-BE49-F238E27FC236}">
+                <a16:creationId xmlns:a16="http://schemas.microsoft.com/office/drawing/2014/main" id="{695D2716-E480-844A-AA0A-4D1C1795F2F6}"/>
+              </a:ext>
+            </a:extLst>
+          </p:cNvPr>
+          <p:cNvSpPr/>
+          <p:nvPr/>
+        </p:nvSpPr>
+        <p:spPr>
+          <a:xfrm>
+            <a:off x="8797924" y="3634058"/>
+            <a:ext cx="1499235" cy="2189480"/>
+          </a:xfrm>
+          <a:prstGeom prst="roundRect">
+            <a:avLst>
+              <a:gd name="adj" fmla="val 13455"/>
+            </a:avLst>
+          </a:prstGeom>
+        </p:spPr>
+        <p:style>
+          <a:lnRef idx="2">
+            <a:schemeClr val="dk1"/>
+          </a:lnRef>
+          <a:fillRef idx="1">
+            <a:schemeClr val="lt1"/>
+          </a:fillRef>
+          <a:effectRef idx="0">
+            <a:schemeClr val="dk1"/>
+          </a:effectRef>
+          <a:fontRef idx="minor">
+            <a:schemeClr val="dk1"/>
+          </a:fontRef>
+        </p:style>
+        <p:txBody>
+          <a:bodyPr rtlCol="0" anchor="ctr"/>
+          <a:lstStyle>
+            <a:defPPr>
+              <a:defRPr lang="en-US"/>
+            </a:defPPr>
+            <a:lvl1pPr marL="0" algn="l" defTabSz="914400" rtl="0" eaLnBrk="1" latinLnBrk="0" hangingPunct="1">
+              <a:defRPr sz="1800" kern="1200">
+                <a:solidFill>
+                  <a:schemeClr val="dk1"/>
+                </a:solidFill>
+                <a:latin typeface="+mn-lt"/>
+                <a:ea typeface="+mn-ea"/>
+                <a:cs typeface="+mn-cs"/>
+              </a:defRPr>
+            </a:lvl1pPr>
+            <a:lvl2pPr marL="457200" algn="l" defTabSz="914400" rtl="0" eaLnBrk="1" latinLnBrk="0" hangingPunct="1">
+              <a:defRPr sz="1800" kern="1200">
+                <a:solidFill>
+                  <a:schemeClr val="dk1"/>
+                </a:solidFill>
+                <a:latin typeface="+mn-lt"/>
+                <a:ea typeface="+mn-ea"/>
+                <a:cs typeface="+mn-cs"/>
+              </a:defRPr>
+            </a:lvl2pPr>
+            <a:lvl3pPr marL="914400" algn="l" defTabSz="914400" rtl="0" eaLnBrk="1" latinLnBrk="0" hangingPunct="1">
+              <a:defRPr sz="1800" kern="1200">
+                <a:solidFill>
+                  <a:schemeClr val="dk1"/>
+                </a:solidFill>
+                <a:latin typeface="+mn-lt"/>
+                <a:ea typeface="+mn-ea"/>
+                <a:cs typeface="+mn-cs"/>
+              </a:defRPr>
+            </a:lvl3pPr>
+            <a:lvl4pPr marL="1371600" algn="l" defTabSz="914400" rtl="0" eaLnBrk="1" latinLnBrk="0" hangingPunct="1">
+              <a:defRPr sz="1800" kern="1200">
+                <a:solidFill>
+                  <a:schemeClr val="dk1"/>
+                </a:solidFill>
+                <a:latin typeface="+mn-lt"/>
+                <a:ea typeface="+mn-ea"/>
+                <a:cs typeface="+mn-cs"/>
+              </a:defRPr>
+            </a:lvl4pPr>
+            <a:lvl5pPr marL="1828800" algn="l" defTabSz="914400" rtl="0" eaLnBrk="1" latinLnBrk="0" hangingPunct="1">
+              <a:defRPr sz="1800" kern="1200">
+                <a:solidFill>
+                  <a:schemeClr val="dk1"/>
+                </a:solidFill>
+                <a:latin typeface="+mn-lt"/>
+                <a:ea typeface="+mn-ea"/>
+                <a:cs typeface="+mn-cs"/>
+              </a:defRPr>
+            </a:lvl5pPr>
+            <a:lvl6pPr marL="2286000" algn="l" defTabSz="914400" rtl="0" eaLnBrk="1" latinLnBrk="0" hangingPunct="1">
+              <a:defRPr sz="1800" kern="1200">
+                <a:solidFill>
+                  <a:schemeClr val="dk1"/>
+                </a:solidFill>
+                <a:latin typeface="+mn-lt"/>
+                <a:ea typeface="+mn-ea"/>
+                <a:cs typeface="+mn-cs"/>
+              </a:defRPr>
+            </a:lvl6pPr>
+            <a:lvl7pPr marL="2743200" algn="l" defTabSz="914400" rtl="0" eaLnBrk="1" latinLnBrk="0" hangingPunct="1">
+              <a:defRPr sz="1800" kern="1200">
+                <a:solidFill>
+                  <a:schemeClr val="dk1"/>
+                </a:solidFill>
+                <a:latin typeface="+mn-lt"/>
+                <a:ea typeface="+mn-ea"/>
+                <a:cs typeface="+mn-cs"/>
+              </a:defRPr>
+            </a:lvl7pPr>
+            <a:lvl8pPr marL="3200400" algn="l" defTabSz="914400" rtl="0" eaLnBrk="1" latinLnBrk="0" hangingPunct="1">
+              <a:defRPr sz="1800" kern="1200">
+                <a:solidFill>
+                  <a:schemeClr val="dk1"/>
+                </a:solidFill>
+                <a:latin typeface="+mn-lt"/>
+                <a:ea typeface="+mn-ea"/>
+                <a:cs typeface="+mn-cs"/>
+              </a:defRPr>
+            </a:lvl8pPr>
+            <a:lvl9pPr marL="3657600" algn="l" defTabSz="914400" rtl="0" eaLnBrk="1" latinLnBrk="0" hangingPunct="1">
+              <a:defRPr sz="1800" kern="1200">
+                <a:solidFill>
+                  <a:schemeClr val="dk1"/>
+                </a:solidFill>
+                <a:latin typeface="+mn-lt"/>
+                <a:ea typeface="+mn-ea"/>
+                <a:cs typeface="+mn-cs"/>
+              </a:defRPr>
+            </a:lvl9pPr>
+          </a:lstStyle>
+          <a:p>
+            <a:pPr algn="ctr"/>
+            <a:endParaRPr lang="en-US" altLang="zh-CN"/>
+          </a:p>
+        </p:txBody>
+      </p:sp>
+      <p:sp>
+        <p:nvSpPr>
+          <p:cNvPr id="30" name="文本框 32">
+            <a:extLst>
+              <a:ext uri="{FF2B5EF4-FFF2-40B4-BE49-F238E27FC236}">
+                <a16:creationId xmlns:a16="http://schemas.microsoft.com/office/drawing/2014/main" id="{71AFC5CD-D508-6045-A6BC-473C0A8F8EC6}"/>
+              </a:ext>
+            </a:extLst>
+          </p:cNvPr>
+          <p:cNvSpPr txBox="1"/>
+          <p:nvPr/>
+        </p:nvSpPr>
+        <p:spPr>
+          <a:xfrm>
+            <a:off x="9189084" y="3701368"/>
+            <a:ext cx="715645" cy="306705"/>
+          </a:xfrm>
+          <a:prstGeom prst="rect">
+            <a:avLst/>
+          </a:prstGeom>
+          <a:noFill/>
+        </p:spPr>
+        <p:txBody>
+          <a:bodyPr wrap="square" rtlCol="0">
+            <a:spAutoFit/>
+          </a:bodyPr>
+          <a:lstStyle>
+            <a:defPPr>
+              <a:defRPr lang="en-US"/>
+            </a:defPPr>
+            <a:lvl1pPr marL="0" algn="l" defTabSz="914400" rtl="0" eaLnBrk="1" latinLnBrk="0" hangingPunct="1">
+              <a:defRPr sz="1800" kern="1200">
+                <a:solidFill>
+                  <a:schemeClr val="tx1"/>
+                </a:solidFill>
+                <a:latin typeface="+mn-lt"/>
+                <a:ea typeface="+mn-ea"/>
+                <a:cs typeface="+mn-cs"/>
+              </a:defRPr>
+            </a:lvl1pPr>
+            <a:lvl2pPr marL="457200" algn="l" defTabSz="914400" rtl="0" eaLnBrk="1" latinLnBrk="0" hangingPunct="1">
+              <a:defRPr sz="1800" kern="1200">
+                <a:solidFill>
+                  <a:schemeClr val="tx1"/>
+                </a:solidFill>
+                <a:latin typeface="+mn-lt"/>
+                <a:ea typeface="+mn-ea"/>
+                <a:cs typeface="+mn-cs"/>
+              </a:defRPr>
+            </a:lvl2pPr>
+            <a:lvl3pPr marL="914400" algn="l" defTabSz="914400" rtl="0" eaLnBrk="1" latinLnBrk="0" hangingPunct="1">
+              <a:defRPr sz="1800" kern="1200">
+                <a:solidFill>
+                  <a:schemeClr val="tx1"/>
+                </a:solidFill>
+                <a:latin typeface="+mn-lt"/>
+                <a:ea typeface="+mn-ea"/>
+                <a:cs typeface="+mn-cs"/>
+              </a:defRPr>
+            </a:lvl3pPr>
+            <a:lvl4pPr marL="1371600" algn="l" defTabSz="914400" rtl="0" eaLnBrk="1" latinLnBrk="0" hangingPunct="1">
+              <a:defRPr sz="1800" kern="1200">
+                <a:solidFill>
+                  <a:schemeClr val="tx1"/>
+                </a:solidFill>
+                <a:latin typeface="+mn-lt"/>
+                <a:ea typeface="+mn-ea"/>
+                <a:cs typeface="+mn-cs"/>
+              </a:defRPr>
+            </a:lvl4pPr>
+            <a:lvl5pPr marL="1828800" algn="l" defTabSz="914400" rtl="0" eaLnBrk="1" latinLnBrk="0" hangingPunct="1">
+              <a:defRPr sz="1800" kern="1200">
+                <a:solidFill>
+                  <a:schemeClr val="tx1"/>
+                </a:solidFill>
+                <a:latin typeface="+mn-lt"/>
+                <a:ea typeface="+mn-ea"/>
+                <a:cs typeface="+mn-cs"/>
+              </a:defRPr>
+            </a:lvl5pPr>
+            <a:lvl6pPr marL="2286000" algn="l" defTabSz="914400" rtl="0" eaLnBrk="1" latinLnBrk="0" hangingPunct="1">
+              <a:defRPr sz="1800" kern="1200">
+                <a:solidFill>
+                  <a:schemeClr val="tx1"/>
+                </a:solidFill>
+                <a:latin typeface="+mn-lt"/>
+                <a:ea typeface="+mn-ea"/>
+                <a:cs typeface="+mn-cs"/>
+              </a:defRPr>
+            </a:lvl6pPr>
+            <a:lvl7pPr marL="2743200" algn="l" defTabSz="914400" rtl="0" eaLnBrk="1" latinLnBrk="0" hangingPunct="1">
+              <a:defRPr sz="1800" kern="1200">
+                <a:solidFill>
+                  <a:schemeClr val="tx1"/>
+                </a:solidFill>
+                <a:latin typeface="+mn-lt"/>
+                <a:ea typeface="+mn-ea"/>
+                <a:cs typeface="+mn-cs"/>
+              </a:defRPr>
+            </a:lvl7pPr>
+            <a:lvl8pPr marL="3200400" algn="l" defTabSz="914400" rtl="0" eaLnBrk="1" latinLnBrk="0" hangingPunct="1">
+              <a:defRPr sz="1800" kern="1200">
+                <a:solidFill>
+                  <a:schemeClr val="tx1"/>
+                </a:solidFill>
+                <a:latin typeface="+mn-lt"/>
+                <a:ea typeface="+mn-ea"/>
+                <a:cs typeface="+mn-cs"/>
+              </a:defRPr>
+            </a:lvl8pPr>
+            <a:lvl9pPr marL="3657600" algn="l" defTabSz="914400" rtl="0" eaLnBrk="1" latinLnBrk="0" hangingPunct="1">
+              <a:defRPr sz="1800" kern="1200">
+                <a:solidFill>
+                  <a:schemeClr val="tx1"/>
+                </a:solidFill>
+                <a:latin typeface="+mn-lt"/>
+                <a:ea typeface="+mn-ea"/>
+                <a:cs typeface="+mn-cs"/>
+              </a:defRPr>
+            </a:lvl9pPr>
+          </a:lstStyle>
+          <a:p>
+            <a:pPr algn="ctr"/>
+            <a:r>
+              <a:rPr lang="en-US" altLang="zh-CN" sz="1400"/>
+              <a:t>UITTE</a:t>
+            </a:r>
+          </a:p>
+        </p:txBody>
+      </p:sp>
+      <p:sp>
+        <p:nvSpPr>
+          <p:cNvPr id="31" name="圆角矩形 33">
+            <a:extLst>
+              <a:ext uri="{FF2B5EF4-FFF2-40B4-BE49-F238E27FC236}">
+                <a16:creationId xmlns:a16="http://schemas.microsoft.com/office/drawing/2014/main" id="{575ADC06-9193-E248-A4F3-782A68317034}"/>
+              </a:ext>
+            </a:extLst>
+          </p:cNvPr>
+          <p:cNvSpPr/>
+          <p:nvPr/>
+        </p:nvSpPr>
+        <p:spPr>
+          <a:xfrm>
+            <a:off x="8946514" y="4077288"/>
+            <a:ext cx="1201420" cy="375920"/>
+          </a:xfrm>
+          <a:prstGeom prst="roundRect">
+            <a:avLst/>
+          </a:prstGeom>
+        </p:spPr>
+        <p:style>
+          <a:lnRef idx="2">
+            <a:schemeClr val="accent6">
+              <a:shade val="50000"/>
+            </a:schemeClr>
+          </a:lnRef>
+          <a:fillRef idx="1">
+            <a:schemeClr val="accent6"/>
+          </a:fillRef>
+          <a:effectRef idx="0">
+            <a:schemeClr val="accent6"/>
+          </a:effectRef>
+          <a:fontRef idx="minor">
+            <a:schemeClr val="lt1"/>
+          </a:fontRef>
+        </p:style>
+        <p:txBody>
+          <a:bodyPr rtlCol="0" anchor="ctr"/>
+          <a:lstStyle>
+            <a:defPPr>
+              <a:defRPr lang="en-US"/>
+            </a:defPPr>
+            <a:lvl1pPr marL="0" algn="l" defTabSz="914400" rtl="0" eaLnBrk="1" latinLnBrk="0" hangingPunct="1">
+              <a:defRPr sz="1800" kern="1200">
+                <a:solidFill>
+                  <a:schemeClr val="lt1"/>
+                </a:solidFill>
+                <a:latin typeface="+mn-lt"/>
+                <a:ea typeface="+mn-ea"/>
+                <a:cs typeface="+mn-cs"/>
+              </a:defRPr>
+            </a:lvl1pPr>
+            <a:lvl2pPr marL="457200" algn="l" defTabSz="914400" rtl="0" eaLnBrk="1" latinLnBrk="0" hangingPunct="1">
+              <a:defRPr sz="1800" kern="1200">
+                <a:solidFill>
+                  <a:schemeClr val="lt1"/>
+                </a:solidFill>
+                <a:latin typeface="+mn-lt"/>
+                <a:ea typeface="+mn-ea"/>
+                <a:cs typeface="+mn-cs"/>
+              </a:defRPr>
+            </a:lvl2pPr>
+            <a:lvl3pPr marL="914400" algn="l" defTabSz="914400" rtl="0" eaLnBrk="1" latinLnBrk="0" hangingPunct="1">
+              <a:defRPr sz="1800" kern="1200">
+                <a:solidFill>
+                  <a:schemeClr val="lt1"/>
+                </a:solidFill>
+                <a:latin typeface="+mn-lt"/>
+                <a:ea typeface="+mn-ea"/>
+                <a:cs typeface="+mn-cs"/>
+              </a:defRPr>
+            </a:lvl3pPr>
+            <a:lvl4pPr marL="1371600" algn="l" defTabSz="914400" rtl="0" eaLnBrk="1" latinLnBrk="0" hangingPunct="1">
+              <a:defRPr sz="1800" kern="1200">
+                <a:solidFill>
+                  <a:schemeClr val="lt1"/>
+                </a:solidFill>
+                <a:latin typeface="+mn-lt"/>
+                <a:ea typeface="+mn-ea"/>
+                <a:cs typeface="+mn-cs"/>
+              </a:defRPr>
+            </a:lvl4pPr>
+            <a:lvl5pPr marL="1828800" algn="l" defTabSz="914400" rtl="0" eaLnBrk="1" latinLnBrk="0" hangingPunct="1">
+              <a:defRPr sz="1800" kern="1200">
+                <a:solidFill>
+                  <a:schemeClr val="lt1"/>
+                </a:solidFill>
+                <a:latin typeface="+mn-lt"/>
+                <a:ea typeface="+mn-ea"/>
+                <a:cs typeface="+mn-cs"/>
+              </a:defRPr>
+            </a:lvl5pPr>
+            <a:lvl6pPr marL="2286000" algn="l" defTabSz="914400" rtl="0" eaLnBrk="1" latinLnBrk="0" hangingPunct="1">
+              <a:defRPr sz="1800" kern="1200">
+                <a:solidFill>
+                  <a:schemeClr val="lt1"/>
+                </a:solidFill>
+                <a:latin typeface="+mn-lt"/>
+                <a:ea typeface="+mn-ea"/>
+                <a:cs typeface="+mn-cs"/>
+              </a:defRPr>
+            </a:lvl6pPr>
+            <a:lvl7pPr marL="2743200" algn="l" defTabSz="914400" rtl="0" eaLnBrk="1" latinLnBrk="0" hangingPunct="1">
+              <a:defRPr sz="1800" kern="1200">
+                <a:solidFill>
+                  <a:schemeClr val="lt1"/>
+                </a:solidFill>
+                <a:latin typeface="+mn-lt"/>
+                <a:ea typeface="+mn-ea"/>
+                <a:cs typeface="+mn-cs"/>
+              </a:defRPr>
+            </a:lvl7pPr>
+            <a:lvl8pPr marL="3200400" algn="l" defTabSz="914400" rtl="0" eaLnBrk="1" latinLnBrk="0" hangingPunct="1">
+              <a:defRPr sz="1800" kern="1200">
+                <a:solidFill>
+                  <a:schemeClr val="lt1"/>
+                </a:solidFill>
+                <a:latin typeface="+mn-lt"/>
+                <a:ea typeface="+mn-ea"/>
+                <a:cs typeface="+mn-cs"/>
+              </a:defRPr>
+            </a:lvl8pPr>
+            <a:lvl9pPr marL="3657600" algn="l" defTabSz="914400" rtl="0" eaLnBrk="1" latinLnBrk="0" hangingPunct="1">
+              <a:defRPr sz="1800" kern="1200">
+                <a:solidFill>
+                  <a:schemeClr val="lt1"/>
+                </a:solidFill>
+                <a:latin typeface="+mn-lt"/>
+                <a:ea typeface="+mn-ea"/>
+                <a:cs typeface="+mn-cs"/>
+              </a:defRPr>
+            </a:lvl9pPr>
+          </a:lstStyle>
+          <a:p>
+            <a:pPr algn="ctr"/>
+            <a:r>
+              <a:rPr lang="en-US" altLang="zh-CN" sz="1400" dirty="0"/>
+              <a:t>V</a:t>
+            </a:r>
+          </a:p>
+        </p:txBody>
+      </p:sp>
+      <p:sp>
+        <p:nvSpPr>
+          <p:cNvPr id="32" name="圆角矩形 34">
+            <a:extLst>
+              <a:ext uri="{FF2B5EF4-FFF2-40B4-BE49-F238E27FC236}">
+                <a16:creationId xmlns:a16="http://schemas.microsoft.com/office/drawing/2014/main" id="{1AA3A0B3-B65C-EF4C-9041-5F4DE048DE93}"/>
+              </a:ext>
+            </a:extLst>
+          </p:cNvPr>
+          <p:cNvSpPr/>
+          <p:nvPr/>
+        </p:nvSpPr>
+        <p:spPr>
+          <a:xfrm>
+            <a:off x="8947149" y="4687523"/>
+            <a:ext cx="1201420" cy="375920"/>
+          </a:xfrm>
+          <a:prstGeom prst="roundRect">
+            <a:avLst/>
+          </a:prstGeom>
+        </p:spPr>
+        <p:style>
+          <a:lnRef idx="2">
+            <a:schemeClr val="accent6">
+              <a:shade val="50000"/>
+            </a:schemeClr>
+          </a:lnRef>
+          <a:fillRef idx="1">
+            <a:schemeClr val="accent6"/>
+          </a:fillRef>
+          <a:effectRef idx="0">
+            <a:schemeClr val="accent6"/>
+          </a:effectRef>
+          <a:fontRef idx="minor">
+            <a:schemeClr val="lt1"/>
+          </a:fontRef>
+        </p:style>
+        <p:txBody>
+          <a:bodyPr rtlCol="0" anchor="ctr"/>
+          <a:lstStyle>
+            <a:defPPr>
+              <a:defRPr lang="en-US"/>
+            </a:defPPr>
+            <a:lvl1pPr marL="0" algn="l" defTabSz="914400" rtl="0" eaLnBrk="1" latinLnBrk="0" hangingPunct="1">
+              <a:defRPr sz="1800" kern="1200">
+                <a:solidFill>
+                  <a:schemeClr val="lt1"/>
+                </a:solidFill>
+                <a:latin typeface="+mn-lt"/>
+                <a:ea typeface="+mn-ea"/>
+                <a:cs typeface="+mn-cs"/>
+              </a:defRPr>
+            </a:lvl1pPr>
+            <a:lvl2pPr marL="457200" algn="l" defTabSz="914400" rtl="0" eaLnBrk="1" latinLnBrk="0" hangingPunct="1">
+              <a:defRPr sz="1800" kern="1200">
+                <a:solidFill>
+                  <a:schemeClr val="lt1"/>
+                </a:solidFill>
+                <a:latin typeface="+mn-lt"/>
+                <a:ea typeface="+mn-ea"/>
+                <a:cs typeface="+mn-cs"/>
+              </a:defRPr>
+            </a:lvl2pPr>
+            <a:lvl3pPr marL="914400" algn="l" defTabSz="914400" rtl="0" eaLnBrk="1" latinLnBrk="0" hangingPunct="1">
+              <a:defRPr sz="1800" kern="1200">
+                <a:solidFill>
+                  <a:schemeClr val="lt1"/>
+                </a:solidFill>
+                <a:latin typeface="+mn-lt"/>
+                <a:ea typeface="+mn-ea"/>
+                <a:cs typeface="+mn-cs"/>
+              </a:defRPr>
+            </a:lvl3pPr>
+            <a:lvl4pPr marL="1371600" algn="l" defTabSz="914400" rtl="0" eaLnBrk="1" latinLnBrk="0" hangingPunct="1">
+              <a:defRPr sz="1800" kern="1200">
+                <a:solidFill>
+                  <a:schemeClr val="lt1"/>
+                </a:solidFill>
+                <a:latin typeface="+mn-lt"/>
+                <a:ea typeface="+mn-ea"/>
+                <a:cs typeface="+mn-cs"/>
+              </a:defRPr>
+            </a:lvl4pPr>
+            <a:lvl5pPr marL="1828800" algn="l" defTabSz="914400" rtl="0" eaLnBrk="1" latinLnBrk="0" hangingPunct="1">
+              <a:defRPr sz="1800" kern="1200">
+                <a:solidFill>
+                  <a:schemeClr val="lt1"/>
+                </a:solidFill>
+                <a:latin typeface="+mn-lt"/>
+                <a:ea typeface="+mn-ea"/>
+                <a:cs typeface="+mn-cs"/>
+              </a:defRPr>
+            </a:lvl5pPr>
+            <a:lvl6pPr marL="2286000" algn="l" defTabSz="914400" rtl="0" eaLnBrk="1" latinLnBrk="0" hangingPunct="1">
+              <a:defRPr sz="1800" kern="1200">
+                <a:solidFill>
+                  <a:schemeClr val="lt1"/>
+                </a:solidFill>
+                <a:latin typeface="+mn-lt"/>
+                <a:ea typeface="+mn-ea"/>
+                <a:cs typeface="+mn-cs"/>
+              </a:defRPr>
+            </a:lvl6pPr>
+            <a:lvl7pPr marL="2743200" algn="l" defTabSz="914400" rtl="0" eaLnBrk="1" latinLnBrk="0" hangingPunct="1">
+              <a:defRPr sz="1800" kern="1200">
+                <a:solidFill>
+                  <a:schemeClr val="lt1"/>
+                </a:solidFill>
+                <a:latin typeface="+mn-lt"/>
+                <a:ea typeface="+mn-ea"/>
+                <a:cs typeface="+mn-cs"/>
+              </a:defRPr>
+            </a:lvl7pPr>
+            <a:lvl8pPr marL="3200400" algn="l" defTabSz="914400" rtl="0" eaLnBrk="1" latinLnBrk="0" hangingPunct="1">
+              <a:defRPr sz="1800" kern="1200">
+                <a:solidFill>
+                  <a:schemeClr val="lt1"/>
+                </a:solidFill>
+                <a:latin typeface="+mn-lt"/>
+                <a:ea typeface="+mn-ea"/>
+                <a:cs typeface="+mn-cs"/>
+              </a:defRPr>
+            </a:lvl8pPr>
+            <a:lvl9pPr marL="3657600" algn="l" defTabSz="914400" rtl="0" eaLnBrk="1" latinLnBrk="0" hangingPunct="1">
+              <a:defRPr sz="1800" kern="1200">
+                <a:solidFill>
+                  <a:schemeClr val="lt1"/>
+                </a:solidFill>
+                <a:latin typeface="+mn-lt"/>
+                <a:ea typeface="+mn-ea"/>
+                <a:cs typeface="+mn-cs"/>
+              </a:defRPr>
+            </a:lvl9pPr>
+          </a:lstStyle>
+          <a:p>
+            <a:pPr algn="ctr"/>
+            <a:r>
+              <a:rPr lang="en-US" altLang="zh-CN" sz="1400"/>
+              <a:t>UV</a:t>
+            </a:r>
+          </a:p>
+        </p:txBody>
+      </p:sp>
+      <p:sp>
+        <p:nvSpPr>
+          <p:cNvPr id="33" name="圆角矩形 35">
+            <a:extLst>
+              <a:ext uri="{FF2B5EF4-FFF2-40B4-BE49-F238E27FC236}">
+                <a16:creationId xmlns:a16="http://schemas.microsoft.com/office/drawing/2014/main" id="{510E55C4-FC35-FC48-9D71-8AB5521A232B}"/>
+              </a:ext>
+            </a:extLst>
+          </p:cNvPr>
+          <p:cNvSpPr/>
+          <p:nvPr/>
+        </p:nvSpPr>
+        <p:spPr>
+          <a:xfrm>
+            <a:off x="8947149" y="5297758"/>
+            <a:ext cx="1201420" cy="375920"/>
+          </a:xfrm>
+          <a:prstGeom prst="roundRect">
+            <a:avLst/>
+          </a:prstGeom>
+        </p:spPr>
+        <p:style>
+          <a:lnRef idx="2">
+            <a:schemeClr val="accent6">
+              <a:shade val="50000"/>
+            </a:schemeClr>
+          </a:lnRef>
+          <a:fillRef idx="1">
+            <a:schemeClr val="accent6"/>
+          </a:fillRef>
+          <a:effectRef idx="0">
+            <a:schemeClr val="accent6"/>
+          </a:effectRef>
+          <a:fontRef idx="minor">
+            <a:schemeClr val="lt1"/>
+          </a:fontRef>
+        </p:style>
+        <p:txBody>
+          <a:bodyPr rtlCol="0" anchor="ctr"/>
+          <a:lstStyle>
+            <a:defPPr>
+              <a:defRPr lang="en-US"/>
+            </a:defPPr>
+            <a:lvl1pPr marL="0" algn="l" defTabSz="914400" rtl="0" eaLnBrk="1" latinLnBrk="0" hangingPunct="1">
+              <a:defRPr sz="1800" kern="1200">
+                <a:solidFill>
+                  <a:schemeClr val="lt1"/>
+                </a:solidFill>
+                <a:latin typeface="+mn-lt"/>
+                <a:ea typeface="+mn-ea"/>
+                <a:cs typeface="+mn-cs"/>
+              </a:defRPr>
+            </a:lvl1pPr>
+            <a:lvl2pPr marL="457200" algn="l" defTabSz="914400" rtl="0" eaLnBrk="1" latinLnBrk="0" hangingPunct="1">
+              <a:defRPr sz="1800" kern="1200">
+                <a:solidFill>
+                  <a:schemeClr val="lt1"/>
+                </a:solidFill>
+                <a:latin typeface="+mn-lt"/>
+                <a:ea typeface="+mn-ea"/>
+                <a:cs typeface="+mn-cs"/>
+              </a:defRPr>
+            </a:lvl2pPr>
+            <a:lvl3pPr marL="914400" algn="l" defTabSz="914400" rtl="0" eaLnBrk="1" latinLnBrk="0" hangingPunct="1">
+              <a:defRPr sz="1800" kern="1200">
+                <a:solidFill>
+                  <a:schemeClr val="lt1"/>
+                </a:solidFill>
+                <a:latin typeface="+mn-lt"/>
+                <a:ea typeface="+mn-ea"/>
+                <a:cs typeface="+mn-cs"/>
+              </a:defRPr>
+            </a:lvl3pPr>
+            <a:lvl4pPr marL="1371600" algn="l" defTabSz="914400" rtl="0" eaLnBrk="1" latinLnBrk="0" hangingPunct="1">
+              <a:defRPr sz="1800" kern="1200">
+                <a:solidFill>
+                  <a:schemeClr val="lt1"/>
+                </a:solidFill>
+                <a:latin typeface="+mn-lt"/>
+                <a:ea typeface="+mn-ea"/>
+                <a:cs typeface="+mn-cs"/>
+              </a:defRPr>
+            </a:lvl4pPr>
+            <a:lvl5pPr marL="1828800" algn="l" defTabSz="914400" rtl="0" eaLnBrk="1" latinLnBrk="0" hangingPunct="1">
+              <a:defRPr sz="1800" kern="1200">
+                <a:solidFill>
+                  <a:schemeClr val="lt1"/>
+                </a:solidFill>
+                <a:latin typeface="+mn-lt"/>
+                <a:ea typeface="+mn-ea"/>
+                <a:cs typeface="+mn-cs"/>
+              </a:defRPr>
+            </a:lvl5pPr>
+            <a:lvl6pPr marL="2286000" algn="l" defTabSz="914400" rtl="0" eaLnBrk="1" latinLnBrk="0" hangingPunct="1">
+              <a:defRPr sz="1800" kern="1200">
+                <a:solidFill>
+                  <a:schemeClr val="lt1"/>
+                </a:solidFill>
+                <a:latin typeface="+mn-lt"/>
+                <a:ea typeface="+mn-ea"/>
+                <a:cs typeface="+mn-cs"/>
+              </a:defRPr>
+            </a:lvl6pPr>
+            <a:lvl7pPr marL="2743200" algn="l" defTabSz="914400" rtl="0" eaLnBrk="1" latinLnBrk="0" hangingPunct="1">
+              <a:defRPr sz="1800" kern="1200">
+                <a:solidFill>
+                  <a:schemeClr val="lt1"/>
+                </a:solidFill>
+                <a:latin typeface="+mn-lt"/>
+                <a:ea typeface="+mn-ea"/>
+                <a:cs typeface="+mn-cs"/>
+              </a:defRPr>
+            </a:lvl7pPr>
+            <a:lvl8pPr marL="3200400" algn="l" defTabSz="914400" rtl="0" eaLnBrk="1" latinLnBrk="0" hangingPunct="1">
+              <a:defRPr sz="1800" kern="1200">
+                <a:solidFill>
+                  <a:schemeClr val="lt1"/>
+                </a:solidFill>
+                <a:latin typeface="+mn-lt"/>
+                <a:ea typeface="+mn-ea"/>
+                <a:cs typeface="+mn-cs"/>
+              </a:defRPr>
+            </a:lvl8pPr>
+            <a:lvl9pPr marL="3657600" algn="l" defTabSz="914400" rtl="0" eaLnBrk="1" latinLnBrk="0" hangingPunct="1">
+              <a:defRPr sz="1800" kern="1200">
+                <a:solidFill>
+                  <a:schemeClr val="lt1"/>
+                </a:solidFill>
+                <a:latin typeface="+mn-lt"/>
+                <a:ea typeface="+mn-ea"/>
+                <a:cs typeface="+mn-cs"/>
+              </a:defRPr>
+            </a:lvl9pPr>
+          </a:lstStyle>
+          <a:p>
+            <a:pPr algn="ctr"/>
+            <a:r>
+              <a:rPr lang="en-US" altLang="zh-CN" sz="1400" dirty="0"/>
+              <a:t>UPIDADDR</a:t>
+            </a:r>
+          </a:p>
+        </p:txBody>
+      </p:sp>
+      <p:sp>
+        <p:nvSpPr>
+          <p:cNvPr id="34" name="文本框 36">
+            <a:extLst>
+              <a:ext uri="{FF2B5EF4-FFF2-40B4-BE49-F238E27FC236}">
+                <a16:creationId xmlns:a16="http://schemas.microsoft.com/office/drawing/2014/main" id="{398E73D9-8428-CB4B-805B-1306D5CFB66C}"/>
+              </a:ext>
+            </a:extLst>
+          </p:cNvPr>
+          <p:cNvSpPr txBox="1"/>
+          <p:nvPr/>
+        </p:nvSpPr>
+        <p:spPr>
+          <a:xfrm>
+            <a:off x="10428604" y="4111578"/>
+            <a:ext cx="1416685" cy="306705"/>
+          </a:xfrm>
+          <a:prstGeom prst="rect">
+            <a:avLst/>
+          </a:prstGeom>
+          <a:noFill/>
+        </p:spPr>
+        <p:txBody>
+          <a:bodyPr wrap="square" rtlCol="0">
+            <a:spAutoFit/>
+          </a:bodyPr>
+          <a:lstStyle>
+            <a:defPPr>
+              <a:defRPr lang="en-US"/>
+            </a:defPPr>
+            <a:lvl1pPr marL="0" algn="l" defTabSz="914400" rtl="0" eaLnBrk="1" latinLnBrk="0" hangingPunct="1">
+              <a:defRPr sz="1800" kern="1200">
+                <a:solidFill>
+                  <a:schemeClr val="tx1"/>
+                </a:solidFill>
+                <a:latin typeface="+mn-lt"/>
+                <a:ea typeface="+mn-ea"/>
+                <a:cs typeface="+mn-cs"/>
+              </a:defRPr>
+            </a:lvl1pPr>
+            <a:lvl2pPr marL="457200" algn="l" defTabSz="914400" rtl="0" eaLnBrk="1" latinLnBrk="0" hangingPunct="1">
+              <a:defRPr sz="1800" kern="1200">
+                <a:solidFill>
+                  <a:schemeClr val="tx1"/>
+                </a:solidFill>
+                <a:latin typeface="+mn-lt"/>
+                <a:ea typeface="+mn-ea"/>
+                <a:cs typeface="+mn-cs"/>
+              </a:defRPr>
+            </a:lvl2pPr>
+            <a:lvl3pPr marL="914400" algn="l" defTabSz="914400" rtl="0" eaLnBrk="1" latinLnBrk="0" hangingPunct="1">
+              <a:defRPr sz="1800" kern="1200">
+                <a:solidFill>
+                  <a:schemeClr val="tx1"/>
+                </a:solidFill>
+                <a:latin typeface="+mn-lt"/>
+                <a:ea typeface="+mn-ea"/>
+                <a:cs typeface="+mn-cs"/>
+              </a:defRPr>
+            </a:lvl3pPr>
+            <a:lvl4pPr marL="1371600" algn="l" defTabSz="914400" rtl="0" eaLnBrk="1" latinLnBrk="0" hangingPunct="1">
+              <a:defRPr sz="1800" kern="1200">
+                <a:solidFill>
+                  <a:schemeClr val="tx1"/>
+                </a:solidFill>
+                <a:latin typeface="+mn-lt"/>
+                <a:ea typeface="+mn-ea"/>
+                <a:cs typeface="+mn-cs"/>
+              </a:defRPr>
+            </a:lvl4pPr>
+            <a:lvl5pPr marL="1828800" algn="l" defTabSz="914400" rtl="0" eaLnBrk="1" latinLnBrk="0" hangingPunct="1">
+              <a:defRPr sz="1800" kern="1200">
+                <a:solidFill>
+                  <a:schemeClr val="tx1"/>
+                </a:solidFill>
+                <a:latin typeface="+mn-lt"/>
+                <a:ea typeface="+mn-ea"/>
+                <a:cs typeface="+mn-cs"/>
+              </a:defRPr>
+            </a:lvl5pPr>
+            <a:lvl6pPr marL="2286000" algn="l" defTabSz="914400" rtl="0" eaLnBrk="1" latinLnBrk="0" hangingPunct="1">
+              <a:defRPr sz="1800" kern="1200">
+                <a:solidFill>
+                  <a:schemeClr val="tx1"/>
+                </a:solidFill>
+                <a:latin typeface="+mn-lt"/>
+                <a:ea typeface="+mn-ea"/>
+                <a:cs typeface="+mn-cs"/>
+              </a:defRPr>
+            </a:lvl6pPr>
+            <a:lvl7pPr marL="2743200" algn="l" defTabSz="914400" rtl="0" eaLnBrk="1" latinLnBrk="0" hangingPunct="1">
+              <a:defRPr sz="1800" kern="1200">
+                <a:solidFill>
+                  <a:schemeClr val="tx1"/>
+                </a:solidFill>
+                <a:latin typeface="+mn-lt"/>
+                <a:ea typeface="+mn-ea"/>
+                <a:cs typeface="+mn-cs"/>
+              </a:defRPr>
+            </a:lvl7pPr>
+            <a:lvl8pPr marL="3200400" algn="l" defTabSz="914400" rtl="0" eaLnBrk="1" latinLnBrk="0" hangingPunct="1">
+              <a:defRPr sz="1800" kern="1200">
+                <a:solidFill>
+                  <a:schemeClr val="tx1"/>
+                </a:solidFill>
+                <a:latin typeface="+mn-lt"/>
+                <a:ea typeface="+mn-ea"/>
+                <a:cs typeface="+mn-cs"/>
+              </a:defRPr>
+            </a:lvl8pPr>
+            <a:lvl9pPr marL="3657600" algn="l" defTabSz="914400" rtl="0" eaLnBrk="1" latinLnBrk="0" hangingPunct="1">
+              <a:defRPr sz="1800" kern="1200">
+                <a:solidFill>
+                  <a:schemeClr val="tx1"/>
+                </a:solidFill>
+                <a:latin typeface="+mn-lt"/>
+                <a:ea typeface="+mn-ea"/>
+                <a:cs typeface="+mn-cs"/>
+              </a:defRPr>
+            </a:lvl9pPr>
+          </a:lstStyle>
+          <a:p>
+            <a:r>
+              <a:rPr lang="en-US" altLang="zh-CN" sz="1400"/>
+              <a:t>0</a:t>
+            </a:r>
+          </a:p>
+        </p:txBody>
+      </p:sp>
+      <p:sp>
+        <p:nvSpPr>
+          <p:cNvPr id="35" name="文本框 37">
+            <a:extLst>
+              <a:ext uri="{FF2B5EF4-FFF2-40B4-BE49-F238E27FC236}">
+                <a16:creationId xmlns:a16="http://schemas.microsoft.com/office/drawing/2014/main" id="{5A60C12C-53ED-B647-8E5E-A540DCA09A12}"/>
+              </a:ext>
+            </a:extLst>
+          </p:cNvPr>
+          <p:cNvSpPr txBox="1"/>
+          <p:nvPr/>
+        </p:nvSpPr>
+        <p:spPr>
+          <a:xfrm>
+            <a:off x="10428604" y="4722448"/>
+            <a:ext cx="1416050" cy="306705"/>
+          </a:xfrm>
+          <a:prstGeom prst="rect">
+            <a:avLst/>
+          </a:prstGeom>
+          <a:noFill/>
+        </p:spPr>
+        <p:txBody>
+          <a:bodyPr wrap="square" rtlCol="0">
+            <a:spAutoFit/>
+          </a:bodyPr>
+          <a:lstStyle>
+            <a:defPPr>
+              <a:defRPr lang="en-US"/>
+            </a:defPPr>
+            <a:lvl1pPr marL="0" algn="l" defTabSz="914400" rtl="0" eaLnBrk="1" latinLnBrk="0" hangingPunct="1">
+              <a:defRPr sz="1800" kern="1200">
+                <a:solidFill>
+                  <a:schemeClr val="tx1"/>
+                </a:solidFill>
+                <a:latin typeface="+mn-lt"/>
+                <a:ea typeface="+mn-ea"/>
+                <a:cs typeface="+mn-cs"/>
+              </a:defRPr>
+            </a:lvl1pPr>
+            <a:lvl2pPr marL="457200" algn="l" defTabSz="914400" rtl="0" eaLnBrk="1" latinLnBrk="0" hangingPunct="1">
+              <a:defRPr sz="1800" kern="1200">
+                <a:solidFill>
+                  <a:schemeClr val="tx1"/>
+                </a:solidFill>
+                <a:latin typeface="+mn-lt"/>
+                <a:ea typeface="+mn-ea"/>
+                <a:cs typeface="+mn-cs"/>
+              </a:defRPr>
+            </a:lvl2pPr>
+            <a:lvl3pPr marL="914400" algn="l" defTabSz="914400" rtl="0" eaLnBrk="1" latinLnBrk="0" hangingPunct="1">
+              <a:defRPr sz="1800" kern="1200">
+                <a:solidFill>
+                  <a:schemeClr val="tx1"/>
+                </a:solidFill>
+                <a:latin typeface="+mn-lt"/>
+                <a:ea typeface="+mn-ea"/>
+                <a:cs typeface="+mn-cs"/>
+              </a:defRPr>
+            </a:lvl3pPr>
+            <a:lvl4pPr marL="1371600" algn="l" defTabSz="914400" rtl="0" eaLnBrk="1" latinLnBrk="0" hangingPunct="1">
+              <a:defRPr sz="1800" kern="1200">
+                <a:solidFill>
+                  <a:schemeClr val="tx1"/>
+                </a:solidFill>
+                <a:latin typeface="+mn-lt"/>
+                <a:ea typeface="+mn-ea"/>
+                <a:cs typeface="+mn-cs"/>
+              </a:defRPr>
+            </a:lvl4pPr>
+            <a:lvl5pPr marL="1828800" algn="l" defTabSz="914400" rtl="0" eaLnBrk="1" latinLnBrk="0" hangingPunct="1">
+              <a:defRPr sz="1800" kern="1200">
+                <a:solidFill>
+                  <a:schemeClr val="tx1"/>
+                </a:solidFill>
+                <a:latin typeface="+mn-lt"/>
+                <a:ea typeface="+mn-ea"/>
+                <a:cs typeface="+mn-cs"/>
+              </a:defRPr>
+            </a:lvl5pPr>
+            <a:lvl6pPr marL="2286000" algn="l" defTabSz="914400" rtl="0" eaLnBrk="1" latinLnBrk="0" hangingPunct="1">
+              <a:defRPr sz="1800" kern="1200">
+                <a:solidFill>
+                  <a:schemeClr val="tx1"/>
+                </a:solidFill>
+                <a:latin typeface="+mn-lt"/>
+                <a:ea typeface="+mn-ea"/>
+                <a:cs typeface="+mn-cs"/>
+              </a:defRPr>
+            </a:lvl6pPr>
+            <a:lvl7pPr marL="2743200" algn="l" defTabSz="914400" rtl="0" eaLnBrk="1" latinLnBrk="0" hangingPunct="1">
+              <a:defRPr sz="1800" kern="1200">
+                <a:solidFill>
+                  <a:schemeClr val="tx1"/>
+                </a:solidFill>
+                <a:latin typeface="+mn-lt"/>
+                <a:ea typeface="+mn-ea"/>
+                <a:cs typeface="+mn-cs"/>
+              </a:defRPr>
+            </a:lvl7pPr>
+            <a:lvl8pPr marL="3200400" algn="l" defTabSz="914400" rtl="0" eaLnBrk="1" latinLnBrk="0" hangingPunct="1">
+              <a:defRPr sz="1800" kern="1200">
+                <a:solidFill>
+                  <a:schemeClr val="tx1"/>
+                </a:solidFill>
+                <a:latin typeface="+mn-lt"/>
+                <a:ea typeface="+mn-ea"/>
+                <a:cs typeface="+mn-cs"/>
+              </a:defRPr>
+            </a:lvl8pPr>
+            <a:lvl9pPr marL="3657600" algn="l" defTabSz="914400" rtl="0" eaLnBrk="1" latinLnBrk="0" hangingPunct="1">
+              <a:defRPr sz="1800" kern="1200">
+                <a:solidFill>
+                  <a:schemeClr val="tx1"/>
+                </a:solidFill>
+                <a:latin typeface="+mn-lt"/>
+                <a:ea typeface="+mn-ea"/>
+                <a:cs typeface="+mn-cs"/>
+              </a:defRPr>
+            </a:lvl9pPr>
+          </a:lstStyle>
+          <a:p>
+            <a:r>
+              <a:rPr lang="en-US" altLang="zh-CN" sz="1400"/>
+              <a:t>15:8 (15:14 = 0)</a:t>
+            </a:r>
+          </a:p>
+        </p:txBody>
+      </p:sp>
+      <p:sp>
+        <p:nvSpPr>
+          <p:cNvPr id="36" name="文本框 38">
+            <a:extLst>
+              <a:ext uri="{FF2B5EF4-FFF2-40B4-BE49-F238E27FC236}">
+                <a16:creationId xmlns:a16="http://schemas.microsoft.com/office/drawing/2014/main" id="{DB85702F-82AC-1947-82C0-C977FB5C9841}"/>
+              </a:ext>
+            </a:extLst>
+          </p:cNvPr>
+          <p:cNvSpPr txBox="1"/>
+          <p:nvPr/>
+        </p:nvSpPr>
+        <p:spPr>
+          <a:xfrm>
+            <a:off x="10427969" y="5332683"/>
+            <a:ext cx="1416050" cy="306705"/>
+          </a:xfrm>
+          <a:prstGeom prst="rect">
+            <a:avLst/>
+          </a:prstGeom>
+          <a:noFill/>
+        </p:spPr>
+        <p:txBody>
+          <a:bodyPr wrap="square" rtlCol="0">
+            <a:spAutoFit/>
+          </a:bodyPr>
+          <a:lstStyle>
+            <a:defPPr>
+              <a:defRPr lang="en-US"/>
+            </a:defPPr>
+            <a:lvl1pPr marL="0" algn="l" defTabSz="914400" rtl="0" eaLnBrk="1" latinLnBrk="0" hangingPunct="1">
+              <a:defRPr sz="1800" kern="1200">
+                <a:solidFill>
+                  <a:schemeClr val="tx1"/>
+                </a:solidFill>
+                <a:latin typeface="+mn-lt"/>
+                <a:ea typeface="+mn-ea"/>
+                <a:cs typeface="+mn-cs"/>
+              </a:defRPr>
+            </a:lvl1pPr>
+            <a:lvl2pPr marL="457200" algn="l" defTabSz="914400" rtl="0" eaLnBrk="1" latinLnBrk="0" hangingPunct="1">
+              <a:defRPr sz="1800" kern="1200">
+                <a:solidFill>
+                  <a:schemeClr val="tx1"/>
+                </a:solidFill>
+                <a:latin typeface="+mn-lt"/>
+                <a:ea typeface="+mn-ea"/>
+                <a:cs typeface="+mn-cs"/>
+              </a:defRPr>
+            </a:lvl2pPr>
+            <a:lvl3pPr marL="914400" algn="l" defTabSz="914400" rtl="0" eaLnBrk="1" latinLnBrk="0" hangingPunct="1">
+              <a:defRPr sz="1800" kern="1200">
+                <a:solidFill>
+                  <a:schemeClr val="tx1"/>
+                </a:solidFill>
+                <a:latin typeface="+mn-lt"/>
+                <a:ea typeface="+mn-ea"/>
+                <a:cs typeface="+mn-cs"/>
+              </a:defRPr>
+            </a:lvl3pPr>
+            <a:lvl4pPr marL="1371600" algn="l" defTabSz="914400" rtl="0" eaLnBrk="1" latinLnBrk="0" hangingPunct="1">
+              <a:defRPr sz="1800" kern="1200">
+                <a:solidFill>
+                  <a:schemeClr val="tx1"/>
+                </a:solidFill>
+                <a:latin typeface="+mn-lt"/>
+                <a:ea typeface="+mn-ea"/>
+                <a:cs typeface="+mn-cs"/>
+              </a:defRPr>
+            </a:lvl4pPr>
+            <a:lvl5pPr marL="1828800" algn="l" defTabSz="914400" rtl="0" eaLnBrk="1" latinLnBrk="0" hangingPunct="1">
+              <a:defRPr sz="1800" kern="1200">
+                <a:solidFill>
+                  <a:schemeClr val="tx1"/>
+                </a:solidFill>
+                <a:latin typeface="+mn-lt"/>
+                <a:ea typeface="+mn-ea"/>
+                <a:cs typeface="+mn-cs"/>
+              </a:defRPr>
+            </a:lvl5pPr>
+            <a:lvl6pPr marL="2286000" algn="l" defTabSz="914400" rtl="0" eaLnBrk="1" latinLnBrk="0" hangingPunct="1">
+              <a:defRPr sz="1800" kern="1200">
+                <a:solidFill>
+                  <a:schemeClr val="tx1"/>
+                </a:solidFill>
+                <a:latin typeface="+mn-lt"/>
+                <a:ea typeface="+mn-ea"/>
+                <a:cs typeface="+mn-cs"/>
+              </a:defRPr>
+            </a:lvl6pPr>
+            <a:lvl7pPr marL="2743200" algn="l" defTabSz="914400" rtl="0" eaLnBrk="1" latinLnBrk="0" hangingPunct="1">
+              <a:defRPr sz="1800" kern="1200">
+                <a:solidFill>
+                  <a:schemeClr val="tx1"/>
+                </a:solidFill>
+                <a:latin typeface="+mn-lt"/>
+                <a:ea typeface="+mn-ea"/>
+                <a:cs typeface="+mn-cs"/>
+              </a:defRPr>
+            </a:lvl7pPr>
+            <a:lvl8pPr marL="3200400" algn="l" defTabSz="914400" rtl="0" eaLnBrk="1" latinLnBrk="0" hangingPunct="1">
+              <a:defRPr sz="1800" kern="1200">
+                <a:solidFill>
+                  <a:schemeClr val="tx1"/>
+                </a:solidFill>
+                <a:latin typeface="+mn-lt"/>
+                <a:ea typeface="+mn-ea"/>
+                <a:cs typeface="+mn-cs"/>
+              </a:defRPr>
+            </a:lvl8pPr>
+            <a:lvl9pPr marL="3657600" algn="l" defTabSz="914400" rtl="0" eaLnBrk="1" latinLnBrk="0" hangingPunct="1">
+              <a:defRPr sz="1800" kern="1200">
+                <a:solidFill>
+                  <a:schemeClr val="tx1"/>
+                </a:solidFill>
+                <a:latin typeface="+mn-lt"/>
+                <a:ea typeface="+mn-ea"/>
+                <a:cs typeface="+mn-cs"/>
+              </a:defRPr>
+            </a:lvl9pPr>
+          </a:lstStyle>
+          <a:p>
+            <a:r>
+              <a:rPr lang="en-US" altLang="zh-CN" sz="1400"/>
+              <a:t>127:64</a:t>
+            </a:r>
+          </a:p>
+        </p:txBody>
+      </p:sp>
+      <p:cxnSp>
+        <p:nvCxnSpPr>
+          <p:cNvPr id="37" name="直接连接符 36">
+            <a:extLst>
+              <a:ext uri="{FF2B5EF4-FFF2-40B4-BE49-F238E27FC236}">
+                <a16:creationId xmlns:a16="http://schemas.microsoft.com/office/drawing/2014/main" id="{9B724DAC-D1A4-D54B-988B-8A304FBD8139}"/>
+              </a:ext>
+            </a:extLst>
+          </p:cNvPr>
+          <p:cNvCxnSpPr>
+            <a:cxnSpLocks/>
+            <a:stCxn id="9" idx="3"/>
+          </p:cNvCxnSpPr>
+          <p:nvPr/>
+        </p:nvCxnSpPr>
+        <p:spPr>
+          <a:xfrm>
+            <a:off x="8296909" y="4265248"/>
+            <a:ext cx="287655" cy="0"/>
+          </a:xfrm>
+          <a:prstGeom prst="line">
+            <a:avLst/>
+          </a:prstGeom>
+        </p:spPr>
+        <p:style>
+          <a:lnRef idx="1">
+            <a:schemeClr val="dk1"/>
+          </a:lnRef>
+          <a:fillRef idx="0">
+            <a:schemeClr val="dk1"/>
+          </a:fillRef>
+          <a:effectRef idx="0">
+            <a:schemeClr val="dk1"/>
+          </a:effectRef>
+          <a:fontRef idx="minor">
+            <a:schemeClr val="tx1"/>
+          </a:fontRef>
+        </p:style>
+      </p:cxnSp>
+      <p:cxnSp>
+        <p:nvCxnSpPr>
+          <p:cNvPr id="38" name="直接连接符 37">
+            <a:extLst>
+              <a:ext uri="{FF2B5EF4-FFF2-40B4-BE49-F238E27FC236}">
+                <a16:creationId xmlns:a16="http://schemas.microsoft.com/office/drawing/2014/main" id="{7E91F808-C49A-AD46-AD33-D171AE2B5F0F}"/>
+              </a:ext>
+            </a:extLst>
+          </p:cNvPr>
+          <p:cNvCxnSpPr/>
+          <p:nvPr/>
+        </p:nvCxnSpPr>
+        <p:spPr>
+          <a:xfrm>
+            <a:off x="8584564" y="4265248"/>
+            <a:ext cx="0" cy="449580"/>
+          </a:xfrm>
+          <a:prstGeom prst="line">
+            <a:avLst/>
+          </a:prstGeom>
+        </p:spPr>
+        <p:style>
+          <a:lnRef idx="1">
+            <a:schemeClr val="dk1"/>
+          </a:lnRef>
+          <a:fillRef idx="0">
+            <a:schemeClr val="dk1"/>
+          </a:fillRef>
+          <a:effectRef idx="0">
+            <a:schemeClr val="dk1"/>
+          </a:effectRef>
+          <a:fontRef idx="minor">
+            <a:schemeClr val="tx1"/>
+          </a:fontRef>
+        </p:style>
+      </p:cxnSp>
+      <p:cxnSp>
+        <p:nvCxnSpPr>
+          <p:cNvPr id="39" name="直接箭头连接符 38">
+            <a:extLst>
+              <a:ext uri="{FF2B5EF4-FFF2-40B4-BE49-F238E27FC236}">
+                <a16:creationId xmlns:a16="http://schemas.microsoft.com/office/drawing/2014/main" id="{0338D5FE-20DC-BB49-B477-47ED0EF3B8FA}"/>
+              </a:ext>
+            </a:extLst>
+          </p:cNvPr>
+          <p:cNvCxnSpPr/>
+          <p:nvPr/>
+        </p:nvCxnSpPr>
+        <p:spPr>
+          <a:xfrm>
+            <a:off x="8594089" y="4719273"/>
+            <a:ext cx="187325" cy="0"/>
+          </a:xfrm>
+          <a:prstGeom prst="straightConnector1">
+            <a:avLst/>
+          </a:prstGeom>
+          <a:ln>
+            <a:tailEnd type="triangle" w="med" len="med"/>
+          </a:ln>
+        </p:spPr>
+        <p:style>
+          <a:lnRef idx="1">
+            <a:schemeClr val="dk1"/>
+          </a:lnRef>
+          <a:fillRef idx="0">
+            <a:schemeClr val="dk1"/>
+          </a:fillRef>
+          <a:effectRef idx="0">
+            <a:schemeClr val="dk1"/>
+          </a:effectRef>
+          <a:fontRef idx="minor">
+            <a:schemeClr val="tx1"/>
+          </a:fontRef>
+        </p:style>
+      </p:cxnSp>
+      <p:sp>
+        <p:nvSpPr>
+          <p:cNvPr id="40" name="文本框 44">
+            <a:extLst>
+              <a:ext uri="{FF2B5EF4-FFF2-40B4-BE49-F238E27FC236}">
+                <a16:creationId xmlns:a16="http://schemas.microsoft.com/office/drawing/2014/main" id="{54A10EFC-2650-634E-8F5F-4A7CA287DE25}"/>
+              </a:ext>
+            </a:extLst>
+          </p:cNvPr>
+          <p:cNvSpPr txBox="1"/>
+          <p:nvPr/>
+        </p:nvSpPr>
+        <p:spPr>
+          <a:xfrm>
+            <a:off x="7233284" y="3169873"/>
+            <a:ext cx="1168400" cy="306705"/>
+          </a:xfrm>
+          <a:prstGeom prst="rect">
+            <a:avLst/>
+          </a:prstGeom>
+          <a:noFill/>
+        </p:spPr>
+        <p:txBody>
+          <a:bodyPr wrap="square" rtlCol="0">
+            <a:spAutoFit/>
+          </a:bodyPr>
+          <a:lstStyle>
+            <a:defPPr>
+              <a:defRPr lang="en-US"/>
+            </a:defPPr>
+            <a:lvl1pPr marL="0" algn="l" defTabSz="914400" rtl="0" eaLnBrk="1" latinLnBrk="0" hangingPunct="1">
+              <a:defRPr sz="1800" kern="1200">
+                <a:solidFill>
+                  <a:schemeClr val="tx1"/>
+                </a:solidFill>
+                <a:latin typeface="+mn-lt"/>
+                <a:ea typeface="+mn-ea"/>
+                <a:cs typeface="+mn-cs"/>
+              </a:defRPr>
+            </a:lvl1pPr>
+            <a:lvl2pPr marL="457200" algn="l" defTabSz="914400" rtl="0" eaLnBrk="1" latinLnBrk="0" hangingPunct="1">
+              <a:defRPr sz="1800" kern="1200">
+                <a:solidFill>
+                  <a:schemeClr val="tx1"/>
+                </a:solidFill>
+                <a:latin typeface="+mn-lt"/>
+                <a:ea typeface="+mn-ea"/>
+                <a:cs typeface="+mn-cs"/>
+              </a:defRPr>
+            </a:lvl2pPr>
+            <a:lvl3pPr marL="914400" algn="l" defTabSz="914400" rtl="0" eaLnBrk="1" latinLnBrk="0" hangingPunct="1">
+              <a:defRPr sz="1800" kern="1200">
+                <a:solidFill>
+                  <a:schemeClr val="tx1"/>
+                </a:solidFill>
+                <a:latin typeface="+mn-lt"/>
+                <a:ea typeface="+mn-ea"/>
+                <a:cs typeface="+mn-cs"/>
+              </a:defRPr>
+            </a:lvl3pPr>
+            <a:lvl4pPr marL="1371600" algn="l" defTabSz="914400" rtl="0" eaLnBrk="1" latinLnBrk="0" hangingPunct="1">
+              <a:defRPr sz="1800" kern="1200">
+                <a:solidFill>
+                  <a:schemeClr val="tx1"/>
+                </a:solidFill>
+                <a:latin typeface="+mn-lt"/>
+                <a:ea typeface="+mn-ea"/>
+                <a:cs typeface="+mn-cs"/>
+              </a:defRPr>
+            </a:lvl4pPr>
+            <a:lvl5pPr marL="1828800" algn="l" defTabSz="914400" rtl="0" eaLnBrk="1" latinLnBrk="0" hangingPunct="1">
+              <a:defRPr sz="1800" kern="1200">
+                <a:solidFill>
+                  <a:schemeClr val="tx1"/>
+                </a:solidFill>
+                <a:latin typeface="+mn-lt"/>
+                <a:ea typeface="+mn-ea"/>
+                <a:cs typeface="+mn-cs"/>
+              </a:defRPr>
+            </a:lvl5pPr>
+            <a:lvl6pPr marL="2286000" algn="l" defTabSz="914400" rtl="0" eaLnBrk="1" latinLnBrk="0" hangingPunct="1">
+              <a:defRPr sz="1800" kern="1200">
+                <a:solidFill>
+                  <a:schemeClr val="tx1"/>
+                </a:solidFill>
+                <a:latin typeface="+mn-lt"/>
+                <a:ea typeface="+mn-ea"/>
+                <a:cs typeface="+mn-cs"/>
+              </a:defRPr>
+            </a:lvl6pPr>
+            <a:lvl7pPr marL="2743200" algn="l" defTabSz="914400" rtl="0" eaLnBrk="1" latinLnBrk="0" hangingPunct="1">
+              <a:defRPr sz="1800" kern="1200">
+                <a:solidFill>
+                  <a:schemeClr val="tx1"/>
+                </a:solidFill>
+                <a:latin typeface="+mn-lt"/>
+                <a:ea typeface="+mn-ea"/>
+                <a:cs typeface="+mn-cs"/>
+              </a:defRPr>
+            </a:lvl7pPr>
+            <a:lvl8pPr marL="3200400" algn="l" defTabSz="914400" rtl="0" eaLnBrk="1" latinLnBrk="0" hangingPunct="1">
+              <a:defRPr sz="1800" kern="1200">
+                <a:solidFill>
+                  <a:schemeClr val="tx1"/>
+                </a:solidFill>
+                <a:latin typeface="+mn-lt"/>
+                <a:ea typeface="+mn-ea"/>
+                <a:cs typeface="+mn-cs"/>
+              </a:defRPr>
+            </a:lvl8pPr>
+            <a:lvl9pPr marL="3657600" algn="l" defTabSz="914400" rtl="0" eaLnBrk="1" latinLnBrk="0" hangingPunct="1">
+              <a:defRPr sz="1800" kern="1200">
+                <a:solidFill>
+                  <a:schemeClr val="tx1"/>
+                </a:solidFill>
+                <a:latin typeface="+mn-lt"/>
+                <a:ea typeface="+mn-ea"/>
+                <a:cs typeface="+mn-cs"/>
+              </a:defRPr>
+            </a:lvl9pPr>
+          </a:lstStyle>
+          <a:p>
+            <a:pPr algn="ctr"/>
+            <a:r>
+              <a:rPr lang="en-US" altLang="zh-CN" sz="1400"/>
+              <a:t>16 bytes</a:t>
+            </a:r>
+          </a:p>
+        </p:txBody>
+      </p:sp>
+      <p:sp>
+        <p:nvSpPr>
+          <p:cNvPr id="41" name="文本框 45">
+            <a:extLst>
+              <a:ext uri="{FF2B5EF4-FFF2-40B4-BE49-F238E27FC236}">
+                <a16:creationId xmlns:a16="http://schemas.microsoft.com/office/drawing/2014/main" id="{5FD549B2-6BBC-7C41-B1BC-EFCE3F2D764F}"/>
+              </a:ext>
+            </a:extLst>
+          </p:cNvPr>
+          <p:cNvSpPr txBox="1"/>
+          <p:nvPr/>
+        </p:nvSpPr>
+        <p:spPr>
+          <a:xfrm>
+            <a:off x="8797924" y="5823538"/>
+            <a:ext cx="1499235" cy="306705"/>
+          </a:xfrm>
+          <a:prstGeom prst="rect">
+            <a:avLst/>
+          </a:prstGeom>
+          <a:noFill/>
+        </p:spPr>
+        <p:txBody>
+          <a:bodyPr wrap="square" rtlCol="0">
+            <a:spAutoFit/>
+          </a:bodyPr>
+          <a:lstStyle>
+            <a:defPPr>
+              <a:defRPr lang="en-US"/>
+            </a:defPPr>
+            <a:lvl1pPr marL="0" algn="l" defTabSz="914400" rtl="0" eaLnBrk="1" latinLnBrk="0" hangingPunct="1">
+              <a:defRPr sz="1800" kern="1200">
+                <a:solidFill>
+                  <a:schemeClr val="tx1"/>
+                </a:solidFill>
+                <a:latin typeface="+mn-lt"/>
+                <a:ea typeface="+mn-ea"/>
+                <a:cs typeface="+mn-cs"/>
+              </a:defRPr>
+            </a:lvl1pPr>
+            <a:lvl2pPr marL="457200" algn="l" defTabSz="914400" rtl="0" eaLnBrk="1" latinLnBrk="0" hangingPunct="1">
+              <a:defRPr sz="1800" kern="1200">
+                <a:solidFill>
+                  <a:schemeClr val="tx1"/>
+                </a:solidFill>
+                <a:latin typeface="+mn-lt"/>
+                <a:ea typeface="+mn-ea"/>
+                <a:cs typeface="+mn-cs"/>
+              </a:defRPr>
+            </a:lvl2pPr>
+            <a:lvl3pPr marL="914400" algn="l" defTabSz="914400" rtl="0" eaLnBrk="1" latinLnBrk="0" hangingPunct="1">
+              <a:defRPr sz="1800" kern="1200">
+                <a:solidFill>
+                  <a:schemeClr val="tx1"/>
+                </a:solidFill>
+                <a:latin typeface="+mn-lt"/>
+                <a:ea typeface="+mn-ea"/>
+                <a:cs typeface="+mn-cs"/>
+              </a:defRPr>
+            </a:lvl3pPr>
+            <a:lvl4pPr marL="1371600" algn="l" defTabSz="914400" rtl="0" eaLnBrk="1" latinLnBrk="0" hangingPunct="1">
+              <a:defRPr sz="1800" kern="1200">
+                <a:solidFill>
+                  <a:schemeClr val="tx1"/>
+                </a:solidFill>
+                <a:latin typeface="+mn-lt"/>
+                <a:ea typeface="+mn-ea"/>
+                <a:cs typeface="+mn-cs"/>
+              </a:defRPr>
+            </a:lvl4pPr>
+            <a:lvl5pPr marL="1828800" algn="l" defTabSz="914400" rtl="0" eaLnBrk="1" latinLnBrk="0" hangingPunct="1">
+              <a:defRPr sz="1800" kern="1200">
+                <a:solidFill>
+                  <a:schemeClr val="tx1"/>
+                </a:solidFill>
+                <a:latin typeface="+mn-lt"/>
+                <a:ea typeface="+mn-ea"/>
+                <a:cs typeface="+mn-cs"/>
+              </a:defRPr>
+            </a:lvl5pPr>
+            <a:lvl6pPr marL="2286000" algn="l" defTabSz="914400" rtl="0" eaLnBrk="1" latinLnBrk="0" hangingPunct="1">
+              <a:defRPr sz="1800" kern="1200">
+                <a:solidFill>
+                  <a:schemeClr val="tx1"/>
+                </a:solidFill>
+                <a:latin typeface="+mn-lt"/>
+                <a:ea typeface="+mn-ea"/>
+                <a:cs typeface="+mn-cs"/>
+              </a:defRPr>
+            </a:lvl6pPr>
+            <a:lvl7pPr marL="2743200" algn="l" defTabSz="914400" rtl="0" eaLnBrk="1" latinLnBrk="0" hangingPunct="1">
+              <a:defRPr sz="1800" kern="1200">
+                <a:solidFill>
+                  <a:schemeClr val="tx1"/>
+                </a:solidFill>
+                <a:latin typeface="+mn-lt"/>
+                <a:ea typeface="+mn-ea"/>
+                <a:cs typeface="+mn-cs"/>
+              </a:defRPr>
+            </a:lvl7pPr>
+            <a:lvl8pPr marL="3200400" algn="l" defTabSz="914400" rtl="0" eaLnBrk="1" latinLnBrk="0" hangingPunct="1">
+              <a:defRPr sz="1800" kern="1200">
+                <a:solidFill>
+                  <a:schemeClr val="tx1"/>
+                </a:solidFill>
+                <a:latin typeface="+mn-lt"/>
+                <a:ea typeface="+mn-ea"/>
+                <a:cs typeface="+mn-cs"/>
+              </a:defRPr>
+            </a:lvl8pPr>
+            <a:lvl9pPr marL="3657600" algn="l" defTabSz="914400" rtl="0" eaLnBrk="1" latinLnBrk="0" hangingPunct="1">
+              <a:defRPr sz="1800" kern="1200">
+                <a:solidFill>
+                  <a:schemeClr val="tx1"/>
+                </a:solidFill>
+                <a:latin typeface="+mn-lt"/>
+                <a:ea typeface="+mn-ea"/>
+                <a:cs typeface="+mn-cs"/>
+              </a:defRPr>
+            </a:lvl9pPr>
+          </a:lstStyle>
+          <a:p>
+            <a:pPr algn="ctr"/>
+            <a:r>
+              <a:rPr lang="en-US" altLang="zh-CN" sz="1400"/>
+              <a:t>16 bytes</a:t>
+            </a:r>
+          </a:p>
+        </p:txBody>
+      </p:sp>
+      <p:cxnSp>
+        <p:nvCxnSpPr>
+          <p:cNvPr id="42" name="直接连接符 41">
+            <a:extLst>
+              <a:ext uri="{FF2B5EF4-FFF2-40B4-BE49-F238E27FC236}">
+                <a16:creationId xmlns:a16="http://schemas.microsoft.com/office/drawing/2014/main" id="{393A7BEE-99C5-CC40-97EB-ECFCE91A2D15}"/>
+              </a:ext>
+            </a:extLst>
+          </p:cNvPr>
+          <p:cNvCxnSpPr/>
+          <p:nvPr/>
+        </p:nvCxnSpPr>
+        <p:spPr>
+          <a:xfrm>
+            <a:off x="10368914" y="3467053"/>
+            <a:ext cx="0" cy="1992630"/>
+          </a:xfrm>
+          <a:prstGeom prst="line">
+            <a:avLst/>
+          </a:prstGeom>
+        </p:spPr>
+        <p:style>
+          <a:lnRef idx="1">
+            <a:schemeClr val="dk1"/>
+          </a:lnRef>
+          <a:fillRef idx="0">
+            <a:schemeClr val="dk1"/>
+          </a:fillRef>
+          <a:effectRef idx="0">
+            <a:schemeClr val="dk1"/>
+          </a:effectRef>
+          <a:fontRef idx="minor">
+            <a:schemeClr val="tx1"/>
+          </a:fontRef>
+        </p:style>
+      </p:cxnSp>
+      <p:cxnSp>
+        <p:nvCxnSpPr>
+          <p:cNvPr id="43" name="直接连接符 42">
+            <a:extLst>
+              <a:ext uri="{FF2B5EF4-FFF2-40B4-BE49-F238E27FC236}">
+                <a16:creationId xmlns:a16="http://schemas.microsoft.com/office/drawing/2014/main" id="{CBF22688-53FD-0A4F-8DB7-93DA6A20574F}"/>
+              </a:ext>
+            </a:extLst>
+          </p:cNvPr>
+          <p:cNvCxnSpPr/>
+          <p:nvPr/>
+        </p:nvCxnSpPr>
+        <p:spPr>
+          <a:xfrm>
+            <a:off x="10148569" y="5459683"/>
+            <a:ext cx="220345" cy="0"/>
+          </a:xfrm>
+          <a:prstGeom prst="line">
+            <a:avLst/>
+          </a:prstGeom>
+        </p:spPr>
+        <p:style>
+          <a:lnRef idx="1">
+            <a:schemeClr val="dk1"/>
+          </a:lnRef>
+          <a:fillRef idx="0">
+            <a:schemeClr val="dk1"/>
+          </a:fillRef>
+          <a:effectRef idx="0">
+            <a:schemeClr val="dk1"/>
+          </a:effectRef>
+          <a:fontRef idx="minor">
+            <a:schemeClr val="tx1"/>
+          </a:fontRef>
+        </p:style>
+      </p:cxnSp>
+      <p:sp>
+        <p:nvSpPr>
+          <p:cNvPr id="44" name="文本框 48">
+            <a:extLst>
+              <a:ext uri="{FF2B5EF4-FFF2-40B4-BE49-F238E27FC236}">
+                <a16:creationId xmlns:a16="http://schemas.microsoft.com/office/drawing/2014/main" id="{6386C140-A02A-C34B-9D3E-4272710BE8EB}"/>
+              </a:ext>
+            </a:extLst>
+          </p:cNvPr>
+          <p:cNvSpPr txBox="1"/>
+          <p:nvPr/>
+        </p:nvSpPr>
+        <p:spPr>
+          <a:xfrm>
+            <a:off x="8515984" y="366983"/>
+            <a:ext cx="715645" cy="306705"/>
+          </a:xfrm>
+          <a:prstGeom prst="rect">
+            <a:avLst/>
+          </a:prstGeom>
+          <a:noFill/>
+        </p:spPr>
+        <p:txBody>
+          <a:bodyPr wrap="square" rtlCol="0">
+            <a:spAutoFit/>
+          </a:bodyPr>
+          <a:lstStyle>
+            <a:defPPr>
+              <a:defRPr lang="en-US"/>
+            </a:defPPr>
+            <a:lvl1pPr marL="0" algn="l" defTabSz="914400" rtl="0" eaLnBrk="1" latinLnBrk="0" hangingPunct="1">
+              <a:defRPr sz="1800" kern="1200">
+                <a:solidFill>
+                  <a:schemeClr val="tx1"/>
+                </a:solidFill>
+                <a:latin typeface="+mn-lt"/>
+                <a:ea typeface="+mn-ea"/>
+                <a:cs typeface="+mn-cs"/>
+              </a:defRPr>
+            </a:lvl1pPr>
+            <a:lvl2pPr marL="457200" algn="l" defTabSz="914400" rtl="0" eaLnBrk="1" latinLnBrk="0" hangingPunct="1">
+              <a:defRPr sz="1800" kern="1200">
+                <a:solidFill>
+                  <a:schemeClr val="tx1"/>
+                </a:solidFill>
+                <a:latin typeface="+mn-lt"/>
+                <a:ea typeface="+mn-ea"/>
+                <a:cs typeface="+mn-cs"/>
+              </a:defRPr>
+            </a:lvl2pPr>
+            <a:lvl3pPr marL="914400" algn="l" defTabSz="914400" rtl="0" eaLnBrk="1" latinLnBrk="0" hangingPunct="1">
+              <a:defRPr sz="1800" kern="1200">
+                <a:solidFill>
+                  <a:schemeClr val="tx1"/>
+                </a:solidFill>
+                <a:latin typeface="+mn-lt"/>
+                <a:ea typeface="+mn-ea"/>
+                <a:cs typeface="+mn-cs"/>
+              </a:defRPr>
+            </a:lvl3pPr>
+            <a:lvl4pPr marL="1371600" algn="l" defTabSz="914400" rtl="0" eaLnBrk="1" latinLnBrk="0" hangingPunct="1">
+              <a:defRPr sz="1800" kern="1200">
+                <a:solidFill>
+                  <a:schemeClr val="tx1"/>
+                </a:solidFill>
+                <a:latin typeface="+mn-lt"/>
+                <a:ea typeface="+mn-ea"/>
+                <a:cs typeface="+mn-cs"/>
+              </a:defRPr>
+            </a:lvl4pPr>
+            <a:lvl5pPr marL="1828800" algn="l" defTabSz="914400" rtl="0" eaLnBrk="1" latinLnBrk="0" hangingPunct="1">
+              <a:defRPr sz="1800" kern="1200">
+                <a:solidFill>
+                  <a:schemeClr val="tx1"/>
+                </a:solidFill>
+                <a:latin typeface="+mn-lt"/>
+                <a:ea typeface="+mn-ea"/>
+                <a:cs typeface="+mn-cs"/>
+              </a:defRPr>
+            </a:lvl5pPr>
+            <a:lvl6pPr marL="2286000" algn="l" defTabSz="914400" rtl="0" eaLnBrk="1" latinLnBrk="0" hangingPunct="1">
+              <a:defRPr sz="1800" kern="1200">
+                <a:solidFill>
+                  <a:schemeClr val="tx1"/>
+                </a:solidFill>
+                <a:latin typeface="+mn-lt"/>
+                <a:ea typeface="+mn-ea"/>
+                <a:cs typeface="+mn-cs"/>
+              </a:defRPr>
+            </a:lvl6pPr>
+            <a:lvl7pPr marL="2743200" algn="l" defTabSz="914400" rtl="0" eaLnBrk="1" latinLnBrk="0" hangingPunct="1">
+              <a:defRPr sz="1800" kern="1200">
+                <a:solidFill>
+                  <a:schemeClr val="tx1"/>
+                </a:solidFill>
+                <a:latin typeface="+mn-lt"/>
+                <a:ea typeface="+mn-ea"/>
+                <a:cs typeface="+mn-cs"/>
+              </a:defRPr>
+            </a:lvl7pPr>
+            <a:lvl8pPr marL="3200400" algn="l" defTabSz="914400" rtl="0" eaLnBrk="1" latinLnBrk="0" hangingPunct="1">
+              <a:defRPr sz="1800" kern="1200">
+                <a:solidFill>
+                  <a:schemeClr val="tx1"/>
+                </a:solidFill>
+                <a:latin typeface="+mn-lt"/>
+                <a:ea typeface="+mn-ea"/>
+                <a:cs typeface="+mn-cs"/>
+              </a:defRPr>
+            </a:lvl8pPr>
+            <a:lvl9pPr marL="3657600" algn="l" defTabSz="914400" rtl="0" eaLnBrk="1" latinLnBrk="0" hangingPunct="1">
+              <a:defRPr sz="1800" kern="1200">
+                <a:solidFill>
+                  <a:schemeClr val="tx1"/>
+                </a:solidFill>
+                <a:latin typeface="+mn-lt"/>
+                <a:ea typeface="+mn-ea"/>
+                <a:cs typeface="+mn-cs"/>
+              </a:defRPr>
+            </a:lvl9pPr>
+          </a:lstStyle>
+          <a:p>
+            <a:pPr algn="l"/>
+            <a:r>
+              <a:rPr lang="en-US" altLang="zh-CN" sz="1400"/>
+              <a:t>bit</a:t>
+            </a:r>
+          </a:p>
+        </p:txBody>
+      </p:sp>
+      <p:sp>
+        <p:nvSpPr>
+          <p:cNvPr id="45" name="文本框 49">
+            <a:extLst>
+              <a:ext uri="{FF2B5EF4-FFF2-40B4-BE49-F238E27FC236}">
+                <a16:creationId xmlns:a16="http://schemas.microsoft.com/office/drawing/2014/main" id="{624DEE82-D94F-FC4C-B0BC-E4C223784E2E}"/>
+              </a:ext>
+            </a:extLst>
+          </p:cNvPr>
+          <p:cNvSpPr txBox="1"/>
+          <p:nvPr/>
+        </p:nvSpPr>
+        <p:spPr>
+          <a:xfrm>
+            <a:off x="10428604" y="3701368"/>
+            <a:ext cx="715645" cy="306705"/>
+          </a:xfrm>
+          <a:prstGeom prst="rect">
+            <a:avLst/>
+          </a:prstGeom>
+          <a:noFill/>
+        </p:spPr>
+        <p:txBody>
+          <a:bodyPr wrap="square" rtlCol="0">
+            <a:spAutoFit/>
+          </a:bodyPr>
+          <a:lstStyle>
+            <a:defPPr>
+              <a:defRPr lang="en-US"/>
+            </a:defPPr>
+            <a:lvl1pPr marL="0" algn="l" defTabSz="914400" rtl="0" eaLnBrk="1" latinLnBrk="0" hangingPunct="1">
+              <a:defRPr sz="1800" kern="1200">
+                <a:solidFill>
+                  <a:schemeClr val="tx1"/>
+                </a:solidFill>
+                <a:latin typeface="+mn-lt"/>
+                <a:ea typeface="+mn-ea"/>
+                <a:cs typeface="+mn-cs"/>
+              </a:defRPr>
+            </a:lvl1pPr>
+            <a:lvl2pPr marL="457200" algn="l" defTabSz="914400" rtl="0" eaLnBrk="1" latinLnBrk="0" hangingPunct="1">
+              <a:defRPr sz="1800" kern="1200">
+                <a:solidFill>
+                  <a:schemeClr val="tx1"/>
+                </a:solidFill>
+                <a:latin typeface="+mn-lt"/>
+                <a:ea typeface="+mn-ea"/>
+                <a:cs typeface="+mn-cs"/>
+              </a:defRPr>
+            </a:lvl2pPr>
+            <a:lvl3pPr marL="914400" algn="l" defTabSz="914400" rtl="0" eaLnBrk="1" latinLnBrk="0" hangingPunct="1">
+              <a:defRPr sz="1800" kern="1200">
+                <a:solidFill>
+                  <a:schemeClr val="tx1"/>
+                </a:solidFill>
+                <a:latin typeface="+mn-lt"/>
+                <a:ea typeface="+mn-ea"/>
+                <a:cs typeface="+mn-cs"/>
+              </a:defRPr>
+            </a:lvl3pPr>
+            <a:lvl4pPr marL="1371600" algn="l" defTabSz="914400" rtl="0" eaLnBrk="1" latinLnBrk="0" hangingPunct="1">
+              <a:defRPr sz="1800" kern="1200">
+                <a:solidFill>
+                  <a:schemeClr val="tx1"/>
+                </a:solidFill>
+                <a:latin typeface="+mn-lt"/>
+                <a:ea typeface="+mn-ea"/>
+                <a:cs typeface="+mn-cs"/>
+              </a:defRPr>
+            </a:lvl4pPr>
+            <a:lvl5pPr marL="1828800" algn="l" defTabSz="914400" rtl="0" eaLnBrk="1" latinLnBrk="0" hangingPunct="1">
+              <a:defRPr sz="1800" kern="1200">
+                <a:solidFill>
+                  <a:schemeClr val="tx1"/>
+                </a:solidFill>
+                <a:latin typeface="+mn-lt"/>
+                <a:ea typeface="+mn-ea"/>
+                <a:cs typeface="+mn-cs"/>
+              </a:defRPr>
+            </a:lvl5pPr>
+            <a:lvl6pPr marL="2286000" algn="l" defTabSz="914400" rtl="0" eaLnBrk="1" latinLnBrk="0" hangingPunct="1">
+              <a:defRPr sz="1800" kern="1200">
+                <a:solidFill>
+                  <a:schemeClr val="tx1"/>
+                </a:solidFill>
+                <a:latin typeface="+mn-lt"/>
+                <a:ea typeface="+mn-ea"/>
+                <a:cs typeface="+mn-cs"/>
+              </a:defRPr>
+            </a:lvl6pPr>
+            <a:lvl7pPr marL="2743200" algn="l" defTabSz="914400" rtl="0" eaLnBrk="1" latinLnBrk="0" hangingPunct="1">
+              <a:defRPr sz="1800" kern="1200">
+                <a:solidFill>
+                  <a:schemeClr val="tx1"/>
+                </a:solidFill>
+                <a:latin typeface="+mn-lt"/>
+                <a:ea typeface="+mn-ea"/>
+                <a:cs typeface="+mn-cs"/>
+              </a:defRPr>
+            </a:lvl7pPr>
+            <a:lvl8pPr marL="3200400" algn="l" defTabSz="914400" rtl="0" eaLnBrk="1" latinLnBrk="0" hangingPunct="1">
+              <a:defRPr sz="1800" kern="1200">
+                <a:solidFill>
+                  <a:schemeClr val="tx1"/>
+                </a:solidFill>
+                <a:latin typeface="+mn-lt"/>
+                <a:ea typeface="+mn-ea"/>
+                <a:cs typeface="+mn-cs"/>
+              </a:defRPr>
+            </a:lvl8pPr>
+            <a:lvl9pPr marL="3657600" algn="l" defTabSz="914400" rtl="0" eaLnBrk="1" latinLnBrk="0" hangingPunct="1">
+              <a:defRPr sz="1800" kern="1200">
+                <a:solidFill>
+                  <a:schemeClr val="tx1"/>
+                </a:solidFill>
+                <a:latin typeface="+mn-lt"/>
+                <a:ea typeface="+mn-ea"/>
+                <a:cs typeface="+mn-cs"/>
+              </a:defRPr>
+            </a:lvl9pPr>
+          </a:lstStyle>
+          <a:p>
+            <a:pPr algn="l"/>
+            <a:r>
+              <a:rPr lang="en-US" altLang="zh-CN" sz="1400"/>
+              <a:t>bit</a:t>
+            </a:r>
+          </a:p>
+        </p:txBody>
+      </p:sp>
+      <p:pic>
+        <p:nvPicPr>
+          <p:cNvPr id="49" name="图片 48">
+            <a:extLst>
+              <a:ext uri="{FF2B5EF4-FFF2-40B4-BE49-F238E27FC236}">
+                <a16:creationId xmlns:a16="http://schemas.microsoft.com/office/drawing/2014/main" id="{19996B22-96A3-146F-ADE8-FFCE1521FF63}"/>
+              </a:ext>
+            </a:extLst>
+          </p:cNvPr>
+          <p:cNvPicPr>
+            <a:picLocks noChangeAspect="1"/>
+          </p:cNvPicPr>
+          <p:nvPr/>
+        </p:nvPicPr>
+        <p:blipFill>
+          <a:blip r:embed="rId2"/>
+          <a:stretch>
+            <a:fillRect/>
+          </a:stretch>
+        </p:blipFill>
+        <p:spPr>
+          <a:xfrm>
+            <a:off x="1360904" y="3762049"/>
+            <a:ext cx="4354095" cy="1744301"/>
+          </a:xfrm>
+          <a:prstGeom prst="rect">
+            <a:avLst/>
+          </a:prstGeom>
+        </p:spPr>
+      </p:pic>
     </p:spTree>
     <p:extLst>
       <p:ext uri="{BB962C8B-B14F-4D97-AF65-F5344CB8AC3E}">
-        <p14:creationId xmlns:p14="http://schemas.microsoft.com/office/powerpoint/2010/main" val="652124343"/>
+        <p14:creationId xmlns:p14="http://schemas.microsoft.com/office/powerpoint/2010/main" val="245798902"/>
       </p:ext>
     </p:extLst>
   </p:cSld>
@@ -6005,132 +11665,6 @@
           <a:bodyPr/>
           <a:lstStyle/>
           <a:p>
-            <a:pPr>
-              <a:lnSpc>
-                <a:spcPct val="150000"/>
-              </a:lnSpc>
-            </a:pPr>
-            <a:r>
-              <a:rPr kumimoji="1" lang="en-US" altLang="zh-CN" dirty="0"/>
-              <a:t>Labeled RISC-V </a:t>
-            </a:r>
-            <a:r>
-              <a:rPr kumimoji="1" lang="zh-CN" altLang="en-US" dirty="0"/>
-              <a:t>项目未跟进上游更新，故尝试重新搭建 </a:t>
-            </a:r>
-            <a:r>
-              <a:rPr kumimoji="1" lang="en-US" altLang="zh-CN" dirty="0"/>
-              <a:t>SoC</a:t>
-            </a:r>
-            <a:r>
-              <a:rPr kumimoji="1" lang="zh-CN" altLang="en-US" dirty="0"/>
-              <a:t>，移植 </a:t>
-            </a:r>
-            <a:r>
-              <a:rPr kumimoji="1" lang="en-US" altLang="zh-CN" dirty="0"/>
-              <a:t>Rocket </a:t>
-            </a:r>
-            <a:r>
-              <a:rPr kumimoji="1" lang="zh-CN" altLang="en-US" dirty="0"/>
-              <a:t>到 </a:t>
-            </a:r>
-            <a:r>
-              <a:rPr kumimoji="1" lang="en-US" altLang="zh-CN" dirty="0"/>
-              <a:t>zcu102 </a:t>
-            </a:r>
-            <a:r>
-              <a:rPr kumimoji="1" lang="zh-CN" altLang="en-US" dirty="0"/>
-              <a:t>开发板</a:t>
-            </a:r>
-            <a:endParaRPr kumimoji="1" lang="en-US" altLang="zh-CN" dirty="0"/>
-          </a:p>
-          <a:p>
-            <a:pPr>
-              <a:lnSpc>
-                <a:spcPct val="150000"/>
-              </a:lnSpc>
-            </a:pPr>
-            <a:r>
-              <a:rPr kumimoji="1" lang="zh-CN" altLang="en-US" dirty="0"/>
-              <a:t>一段艰难的尝试：版本依赖问题、</a:t>
-            </a:r>
-            <a:r>
-              <a:rPr kumimoji="1" lang="en-US" altLang="zh-CN" dirty="0" err="1"/>
-              <a:t>Vivado</a:t>
-            </a:r>
-            <a:r>
-              <a:rPr kumimoji="1" lang="en-US" altLang="zh-CN" dirty="0"/>
-              <a:t> </a:t>
-            </a:r>
-            <a:r>
-              <a:rPr kumimoji="1" lang="zh-CN" altLang="en-US" dirty="0"/>
-              <a:t>项目不够清晰、</a:t>
-            </a:r>
-            <a:r>
-              <a:rPr kumimoji="1" lang="en-US" altLang="zh-CN" dirty="0"/>
-              <a:t>Rocket </a:t>
-            </a:r>
-            <a:r>
-              <a:rPr kumimoji="1" lang="zh-CN" altLang="en-US" dirty="0"/>
-              <a:t>缺少文档</a:t>
-            </a:r>
-            <a:endParaRPr kumimoji="1" lang="en-US" altLang="zh-CN" dirty="0"/>
-          </a:p>
-          <a:p>
-            <a:pPr>
-              <a:lnSpc>
-                <a:spcPct val="150000"/>
-              </a:lnSpc>
-            </a:pPr>
-            <a:r>
-              <a:rPr kumimoji="1" lang="zh-CN" altLang="en-US" dirty="0"/>
-              <a:t>目前进度：</a:t>
-            </a:r>
-            <a:r>
-              <a:rPr kumimoji="1" lang="en-US" altLang="zh-CN" dirty="0"/>
-              <a:t>SoC </a:t>
-            </a:r>
-            <a:r>
-              <a:rPr kumimoji="1" lang="zh-CN" altLang="en-US" dirty="0"/>
-              <a:t>已经基本搭建完毕，</a:t>
-            </a:r>
-            <a:r>
-              <a:rPr kumimoji="1" lang="en-US" altLang="zh-CN" dirty="0"/>
-              <a:t>Rocket </a:t>
-            </a:r>
-            <a:r>
-              <a:rPr kumimoji="1" lang="zh-CN" altLang="en-US" dirty="0"/>
-              <a:t>可读写外设，但读内存出现未知的问题</a:t>
-            </a:r>
-            <a:endParaRPr kumimoji="1" lang="en-US" altLang="zh-CN" dirty="0"/>
-          </a:p>
-          <a:p>
-            <a:pPr>
-              <a:lnSpc>
-                <a:spcPct val="150000"/>
-              </a:lnSpc>
-            </a:pPr>
-            <a:r>
-              <a:rPr kumimoji="1" lang="en-US" altLang="zh-CN" dirty="0" err="1"/>
-              <a:t>os</a:t>
-            </a:r>
-            <a:r>
-              <a:rPr kumimoji="1" lang="en-US" altLang="zh-CN" dirty="0"/>
-              <a:t>-classroom </a:t>
-            </a:r>
-            <a:r>
-              <a:rPr kumimoji="1" lang="zh-CN" altLang="en-US" dirty="0"/>
-              <a:t>进度</a:t>
-            </a:r>
-            <a:r>
-              <a:rPr kumimoji="1" lang="zh-CN" altLang="en-US" dirty="0">
-                <a:sym typeface="Wingdings" panose="05000000000000000000" pitchFamily="2" charset="2"/>
-              </a:rPr>
-              <a:t>：（最后可能有变化）</a:t>
-            </a:r>
-            <a:endParaRPr kumimoji="1" lang="en-US" altLang="zh-CN" dirty="0"/>
-          </a:p>
-          <a:p>
             <a:pPr lvl="1">
               <a:lnSpc>
                 <a:spcPct val="150000"/>
@@ -6138,19 +11672,183 @@
             </a:pPr>
             <a:r>
               <a:rPr kumimoji="1" lang="zh-CN" altLang="en-US" dirty="0"/>
-              <a:t>内核实现：双页表、多核、模块化</a:t>
+              <a:t>问题一：</a:t>
+            </a:r>
+            <a:r>
+              <a:rPr kumimoji="1" lang="en-US" altLang="zh-CN" b="1" dirty="0"/>
+              <a:t>Intel </a:t>
+            </a:r>
+            <a:r>
+              <a:rPr kumimoji="1" lang="zh-CN" altLang="en-US" b="1" dirty="0"/>
+              <a:t>的内存查询机制</a:t>
+            </a:r>
+            <a:r>
+              <a:rPr kumimoji="1" lang="zh-CN" altLang="en-US" dirty="0"/>
+              <a:t>和 </a:t>
+            </a:r>
+            <a:r>
+              <a:rPr kumimoji="1" lang="en-US" altLang="zh-CN" b="1" dirty="0"/>
+              <a:t>UINTR </a:t>
+            </a:r>
+            <a:r>
+              <a:rPr kumimoji="1" lang="zh-CN" altLang="en-US" b="1" dirty="0"/>
+              <a:t>的外部控制器</a:t>
+            </a:r>
+            <a:r>
+              <a:rPr kumimoji="1" lang="zh-CN" altLang="en-US" dirty="0"/>
+              <a:t>，孰优孰劣？</a:t>
             </a:r>
             <a:endParaRPr kumimoji="1" lang="en-US" altLang="zh-CN" dirty="0"/>
           </a:p>
           <a:p>
-            <a:pPr lvl="1"/>
-            <a:r>
-              <a:rPr kumimoji="1" lang="en-US" altLang="zh-CN" dirty="0" err="1"/>
-              <a:t>Xtask</a:t>
-            </a:r>
+            <a:pPr lvl="1">
+              <a:lnSpc>
+                <a:spcPct val="150000"/>
+              </a:lnSpc>
+            </a:pPr>
             <a:r>
               <a:rPr kumimoji="1" lang="zh-CN" altLang="en-US" dirty="0"/>
-              <a:t>：打包测例、内核编译选项</a:t>
+              <a:t>问题二：如何基于 </a:t>
+            </a:r>
+            <a:r>
+              <a:rPr kumimoji="1" lang="en-US" altLang="zh-CN" b="1" dirty="0"/>
+              <a:t>RISC-V N </a:t>
+            </a:r>
+            <a:r>
+              <a:rPr kumimoji="1" lang="zh-CN" altLang="en-US" b="1" dirty="0"/>
+              <a:t>扩展</a:t>
+            </a:r>
+            <a:r>
+              <a:rPr kumimoji="1" lang="zh-CN" altLang="en-US" dirty="0"/>
+              <a:t>和 </a:t>
+            </a:r>
+            <a:r>
+              <a:rPr kumimoji="1" lang="en-US" altLang="zh-CN" b="1" dirty="0"/>
+              <a:t>intel x86 </a:t>
+            </a:r>
+            <a:r>
+              <a:rPr kumimoji="1" lang="zh-CN" altLang="en-US" b="1" dirty="0"/>
+              <a:t>扩展</a:t>
+            </a:r>
+            <a:r>
+              <a:rPr kumimoji="1" lang="zh-CN" altLang="en-US" dirty="0"/>
+              <a:t>，在 </a:t>
+            </a:r>
+            <a:r>
+              <a:rPr kumimoji="1" lang="en-US" altLang="zh-CN" dirty="0"/>
+              <a:t>RISC-V </a:t>
+            </a:r>
+            <a:r>
+              <a:rPr kumimoji="1" lang="zh-CN" altLang="en-US" dirty="0"/>
+              <a:t>中增添指令，</a:t>
+            </a:r>
+            <a:r>
+              <a:rPr kumimoji="1" lang="en-US" altLang="zh-CN" dirty="0"/>
+              <a:t>CSR </a:t>
+            </a:r>
+            <a:r>
+              <a:rPr kumimoji="1" lang="zh-CN" altLang="en-US" dirty="0"/>
+              <a:t>寄存器等实现</a:t>
+            </a:r>
+            <a:r>
+              <a:rPr kumimoji="1" lang="zh-CN" altLang="en-US" b="1" dirty="0"/>
+              <a:t>跨核中断</a:t>
+            </a:r>
+            <a:r>
+              <a:rPr kumimoji="1" lang="zh-CN" altLang="en-US" dirty="0"/>
+              <a:t>？</a:t>
+            </a:r>
+            <a:endParaRPr kumimoji="1" lang="en-US" altLang="zh-CN" dirty="0"/>
+          </a:p>
+          <a:p>
+            <a:pPr lvl="1">
+              <a:lnSpc>
+                <a:spcPct val="150000"/>
+              </a:lnSpc>
+            </a:pPr>
+            <a:r>
+              <a:rPr kumimoji="1" lang="zh-CN" altLang="en-US" dirty="0"/>
+              <a:t>问题三：用户态中断对比于传统的 </a:t>
+            </a:r>
+            <a:r>
+              <a:rPr kumimoji="1" lang="en-US" altLang="zh-CN" dirty="0"/>
+              <a:t>IPC </a:t>
+            </a:r>
+            <a:r>
+              <a:rPr kumimoji="1" lang="zh-CN" altLang="en-US" dirty="0"/>
+              <a:t>机制，有怎样的</a:t>
+            </a:r>
+            <a:r>
+              <a:rPr kumimoji="1" lang="zh-CN" altLang="en-US" b="1" dirty="0"/>
+              <a:t>性能优势</a:t>
+            </a:r>
+            <a:r>
+              <a:rPr kumimoji="1" lang="zh-CN" altLang="en-US" dirty="0"/>
+              <a:t>和</a:t>
+            </a:r>
+            <a:r>
+              <a:rPr kumimoji="1" lang="zh-CN" altLang="en-US" b="1" dirty="0"/>
+              <a:t>应用前景</a:t>
+            </a:r>
+            <a:r>
+              <a:rPr kumimoji="1" lang="zh-CN" altLang="en-US" dirty="0"/>
+              <a:t>？</a:t>
+            </a:r>
+            <a:endParaRPr kumimoji="1" lang="en-US" altLang="zh-CN" dirty="0"/>
+          </a:p>
+          <a:p>
+            <a:pPr lvl="1">
+              <a:lnSpc>
+                <a:spcPct val="150000"/>
+              </a:lnSpc>
+            </a:pPr>
+            <a:r>
+              <a:rPr kumimoji="1" lang="zh-CN" altLang="en-US" dirty="0"/>
+              <a:t>问题四：如何处理接收方进程（或线程）处于不同</a:t>
+            </a:r>
+            <a:r>
+              <a:rPr kumimoji="1" lang="zh-CN" altLang="en-US" b="1" dirty="0"/>
+              <a:t>状态</a:t>
+            </a:r>
+            <a:r>
+              <a:rPr kumimoji="1" lang="zh-CN" altLang="en-US" dirty="0"/>
+              <a:t>的情况（运行，阻塞等）？</a:t>
+            </a:r>
+            <a:endParaRPr kumimoji="1" lang="en-US" altLang="zh-CN" dirty="0"/>
+          </a:p>
+          <a:p>
+            <a:pPr lvl="1">
+              <a:lnSpc>
+                <a:spcPct val="150000"/>
+              </a:lnSpc>
+            </a:pPr>
+            <a:r>
+              <a:rPr kumimoji="1" lang="zh-CN" altLang="en-US" dirty="0"/>
+              <a:t>问题五：基于内存查询的用户态中断（</a:t>
+            </a:r>
+            <a:r>
+              <a:rPr kumimoji="1" lang="en-US" altLang="zh-CN" dirty="0"/>
+              <a:t>x86</a:t>
+            </a:r>
+            <a:r>
+              <a:rPr kumimoji="1" lang="zh-CN" altLang="en-US" dirty="0"/>
+              <a:t>）中，涉及到内存地址的结构中，什么情况下保存</a:t>
+            </a:r>
+            <a:r>
+              <a:rPr kumimoji="1" lang="zh-CN" altLang="en-US" b="1" dirty="0"/>
+              <a:t>物理地址</a:t>
+            </a:r>
+            <a:r>
+              <a:rPr kumimoji="1" lang="zh-CN" altLang="en-US" dirty="0"/>
+              <a:t>，什么情况下保存</a:t>
+            </a:r>
+            <a:r>
+              <a:rPr kumimoji="1" lang="zh-CN" altLang="en-US" b="1" dirty="0"/>
+              <a:t>虚拟地址</a:t>
+            </a:r>
+            <a:r>
+              <a:rPr kumimoji="1" lang="zh-CN" altLang="en-US" dirty="0"/>
+              <a:t>？</a:t>
             </a:r>
             <a:endParaRPr kumimoji="1" lang="en-US" altLang="zh-CN" dirty="0"/>
           </a:p>
@@ -6179,7 +11877,7 @@
           <a:p>
             <a:r>
               <a:rPr kumimoji="1" lang="zh-CN" altLang="en-US" dirty="0"/>
-              <a:t>当前进展</a:t>
+              <a:t>提出问题</a:t>
             </a:r>
           </a:p>
         </p:txBody>
@@ -6187,7 +11885,7 @@
     </p:spTree>
     <p:extLst>
       <p:ext uri="{BB962C8B-B14F-4D97-AF65-F5344CB8AC3E}">
-        <p14:creationId xmlns:p14="http://schemas.microsoft.com/office/powerpoint/2010/main" val="2000320784"/>
+        <p14:creationId xmlns:p14="http://schemas.microsoft.com/office/powerpoint/2010/main" val="4002148480"/>
       </p:ext>
     </p:extLst>
   </p:cSld>
@@ -6240,84 +11938,143 @@
           <a:bodyPr/>
           <a:lstStyle/>
           <a:p>
-            <a:pPr lvl="1">
+            <a:pPr>
               <a:lnSpc>
                 <a:spcPct val="150000"/>
               </a:lnSpc>
             </a:pPr>
             <a:r>
-              <a:rPr kumimoji="1" lang="en-US" altLang="zh-CN" sz="2400" dirty="0"/>
-              <a:t>QEMU</a:t>
-            </a:r>
-            <a:r>
-              <a:rPr kumimoji="1" lang="zh-CN" altLang="en-US" sz="2400" dirty="0"/>
-              <a:t>：设计并验证基于 </a:t>
-            </a:r>
-            <a:r>
-              <a:rPr kumimoji="1" lang="en-US" altLang="zh-CN" sz="2400" dirty="0"/>
-              <a:t>RISC-V </a:t>
-            </a:r>
-            <a:r>
-              <a:rPr kumimoji="1" lang="zh-CN" altLang="en-US" sz="2400" dirty="0"/>
-              <a:t>的用户态中断扩展</a:t>
-            </a:r>
-            <a:endParaRPr kumimoji="1" lang="en-US" altLang="zh-CN" sz="2400" dirty="0"/>
-          </a:p>
-          <a:p>
-            <a:pPr lvl="1">
+              <a:rPr kumimoji="1" lang="zh-CN" altLang="en-US" dirty="0"/>
+              <a:t>本学期前半段主要在做硬件上实验的准备工作</a:t>
+            </a:r>
+            <a:endParaRPr kumimoji="1" lang="en-US" altLang="zh-CN" dirty="0"/>
+          </a:p>
+          <a:p>
+            <a:pPr>
               <a:lnSpc>
                 <a:spcPct val="150000"/>
               </a:lnSpc>
             </a:pPr>
             <a:r>
-              <a:rPr kumimoji="1" lang="en-US" altLang="zh-CN" sz="2400" dirty="0"/>
-              <a:t>QEMU </a:t>
-            </a:r>
-            <a:r>
-              <a:rPr kumimoji="1" lang="zh-CN" altLang="en-US" sz="2400" dirty="0"/>
-              <a:t>上运行的 </a:t>
-            </a:r>
-            <a:r>
-              <a:rPr kumimoji="1" lang="en-US" altLang="zh-CN" sz="2400" dirty="0"/>
-              <a:t>OS</a:t>
-            </a:r>
-            <a:r>
-              <a:rPr kumimoji="1" lang="zh-CN" altLang="en-US" sz="2400" dirty="0"/>
-              <a:t>：基于 </a:t>
-            </a:r>
-            <a:r>
-              <a:rPr kumimoji="1" lang="en-US" altLang="zh-CN" sz="2400" dirty="0" err="1"/>
-              <a:t>os</a:t>
-            </a:r>
-            <a:r>
-              <a:rPr kumimoji="1" lang="en-US" altLang="zh-CN" sz="2400" dirty="0"/>
-              <a:t>-classroom </a:t>
-            </a:r>
-            <a:r>
-              <a:rPr kumimoji="1" lang="zh-CN" altLang="en-US" sz="2400" dirty="0"/>
-              <a:t>实现的内核进行扩展</a:t>
-            </a:r>
-            <a:endParaRPr kumimoji="1" lang="en-US" altLang="zh-CN" sz="2400" dirty="0"/>
-          </a:p>
-          <a:p>
-            <a:pPr lvl="1">
+              <a:rPr kumimoji="1" lang="en-US" altLang="zh-CN" dirty="0"/>
+              <a:t>Labeled RISC-V </a:t>
+            </a:r>
+            <a:r>
+              <a:rPr kumimoji="1" lang="zh-CN" altLang="en-US" dirty="0"/>
+              <a:t>项目未跟进上游更新，故尝试重新搭建 </a:t>
+            </a:r>
+            <a:r>
+              <a:rPr kumimoji="1" lang="en-US" altLang="zh-CN" dirty="0"/>
+              <a:t>SoC</a:t>
+            </a:r>
+            <a:r>
+              <a:rPr kumimoji="1" lang="zh-CN" altLang="en-US" dirty="0"/>
+              <a:t>，移植 </a:t>
+            </a:r>
+            <a:r>
+              <a:rPr kumimoji="1" lang="en-US" altLang="zh-CN" dirty="0"/>
+              <a:t>Rocket </a:t>
+            </a:r>
+            <a:r>
+              <a:rPr kumimoji="1" lang="zh-CN" altLang="en-US" dirty="0"/>
+              <a:t>到 </a:t>
+            </a:r>
+            <a:r>
+              <a:rPr kumimoji="1" lang="en-US" altLang="zh-CN" dirty="0"/>
+              <a:t>zcu102 </a:t>
+            </a:r>
+            <a:r>
+              <a:rPr kumimoji="1" lang="zh-CN" altLang="en-US" dirty="0"/>
+              <a:t>开发板</a:t>
+            </a:r>
+            <a:endParaRPr kumimoji="1" lang="en-US" altLang="zh-CN" dirty="0"/>
+          </a:p>
+          <a:p>
+            <a:pPr>
               <a:lnSpc>
                 <a:spcPct val="150000"/>
               </a:lnSpc>
             </a:pPr>
             <a:r>
-              <a:rPr kumimoji="1" lang="zh-CN" altLang="en-US" sz="2400" dirty="0"/>
-              <a:t>在反复摸索、实践的过程中，最终能给出一个完整的文档，为之后的硬件实现提供标准</a:t>
-            </a:r>
-            <a:endParaRPr kumimoji="1" lang="en-US" altLang="zh-CN" sz="2400" dirty="0"/>
-          </a:p>
-          <a:p>
-            <a:pPr marL="323992" lvl="1" indent="0">
+              <a:rPr kumimoji="1" lang="zh-CN" altLang="en-US" dirty="0"/>
+              <a:t>一段艰难的尝试：版本依赖问题、</a:t>
+            </a:r>
+            <a:r>
+              <a:rPr kumimoji="1" lang="en-US" altLang="zh-CN" dirty="0" err="1"/>
+              <a:t>Vivado</a:t>
+            </a:r>
+            <a:r>
+              <a:rPr kumimoji="1" lang="en-US" altLang="zh-CN" dirty="0"/>
+              <a:t> </a:t>
+            </a:r>
+            <a:r>
+              <a:rPr kumimoji="1" lang="zh-CN" altLang="en-US" dirty="0"/>
+              <a:t>项目不够清晰、</a:t>
+            </a:r>
+            <a:r>
+              <a:rPr kumimoji="1" lang="en-US" altLang="zh-CN" dirty="0"/>
+              <a:t>Rocket </a:t>
+            </a:r>
+            <a:r>
+              <a:rPr kumimoji="1" lang="zh-CN" altLang="en-US" dirty="0"/>
+              <a:t>缺少文档</a:t>
+            </a:r>
+            <a:endParaRPr kumimoji="1" lang="en-US" altLang="zh-CN" dirty="0"/>
+          </a:p>
+          <a:p>
+            <a:pPr>
               <a:lnSpc>
                 <a:spcPct val="150000"/>
               </a:lnSpc>
-              <a:buNone/>
             </a:pPr>
+            <a:r>
+              <a:rPr kumimoji="1" lang="zh-CN" altLang="en-US" dirty="0"/>
+              <a:t>目前进展为成功搭建 </a:t>
+            </a:r>
+            <a:r>
+              <a:rPr kumimoji="1" lang="en-US" altLang="zh-CN" dirty="0"/>
+              <a:t>SoC</a:t>
+            </a:r>
+            <a:r>
+              <a:rPr kumimoji="1" lang="zh-CN" altLang="en-US" dirty="0"/>
+              <a:t>，但是遇到的 </a:t>
+            </a:r>
+            <a:r>
+              <a:rPr kumimoji="1" lang="en-US" altLang="zh-CN" dirty="0"/>
+              <a:t>DDR </a:t>
+            </a:r>
+            <a:r>
+              <a:rPr kumimoji="1" lang="zh-CN" altLang="en-US" dirty="0"/>
+              <a:t>读写问题还没有解决</a:t>
+            </a:r>
+            <a:endParaRPr kumimoji="1" lang="en-US" altLang="zh-CN" dirty="0"/>
+          </a:p>
+          <a:p>
+            <a:pPr>
+              <a:lnSpc>
+                <a:spcPct val="150000"/>
+              </a:lnSpc>
+            </a:pPr>
+            <a:r>
+              <a:rPr kumimoji="1" lang="zh-CN" altLang="en-US" dirty="0"/>
+              <a:t>尚未形成清晰的 </a:t>
+            </a:r>
+            <a:r>
+              <a:rPr kumimoji="1" lang="en-US" altLang="zh-CN" dirty="0"/>
+              <a:t>RISC-V </a:t>
+            </a:r>
+            <a:r>
+              <a:rPr kumimoji="1" lang="zh-CN" altLang="en-US" dirty="0"/>
+              <a:t>扩展文档，考虑先在 </a:t>
+            </a:r>
+            <a:r>
+              <a:rPr kumimoji="1" lang="en-US" altLang="zh-CN" dirty="0"/>
+              <a:t>QEMU </a:t>
+            </a:r>
+            <a:r>
+              <a:rPr kumimoji="1" lang="zh-CN" altLang="en-US" dirty="0"/>
+              <a:t>模拟器中进行探索</a:t>
+            </a:r>
             <a:endParaRPr kumimoji="1" lang="en-US" altLang="zh-CN" dirty="0"/>
           </a:p>
         </p:txBody>
@@ -6345,7 +12102,7 @@
           <a:p>
             <a:r>
               <a:rPr kumimoji="1" lang="zh-CN" altLang="en-US" dirty="0"/>
-              <a:t>未来计划</a:t>
+              <a:t>进展情况</a:t>
             </a:r>
           </a:p>
         </p:txBody>
@@ -6353,7 +12110,7 @@
     </p:spTree>
     <p:extLst>
       <p:ext uri="{BB962C8B-B14F-4D97-AF65-F5344CB8AC3E}">
-        <p14:creationId xmlns:p14="http://schemas.microsoft.com/office/powerpoint/2010/main" val="3768671520"/>
+        <p14:creationId xmlns:p14="http://schemas.microsoft.com/office/powerpoint/2010/main" val="2000320784"/>
       </p:ext>
     </p:extLst>
   </p:cSld>
@@ -6382,10 +12139,68 @@
       </p:grpSpPr>
       <p:sp>
         <p:nvSpPr>
-          <p:cNvPr id="2" name="内容占位符 1">
+          <p:cNvPr id="3" name="标题 2">
             <a:extLst>
               <a:ext uri="{FF2B5EF4-FFF2-40B4-BE49-F238E27FC236}">
-                <a16:creationId xmlns:a16="http://schemas.microsoft.com/office/drawing/2014/main" id="{120B5E47-FCCD-9843-B9F4-CECF09D03BB6}"/>
+                <a16:creationId xmlns:a16="http://schemas.microsoft.com/office/drawing/2014/main" id="{E5F20C5C-BE5B-F640-B2EF-4F8488015860}"/>
+              </a:ext>
+            </a:extLst>
+          </p:cNvPr>
+          <p:cNvSpPr>
+            <a:spLocks noGrp="1"/>
+          </p:cNvSpPr>
+          <p:nvPr>
+            <p:ph type="title"/>
+          </p:nvPr>
+        </p:nvSpPr>
+        <p:spPr/>
+        <p:txBody>
+          <a:bodyPr/>
+          <a:lstStyle/>
+          <a:p>
+            <a:r>
+              <a:rPr kumimoji="1" lang="zh-CN" altLang="en-US" dirty="0"/>
+              <a:t>进展情况</a:t>
+            </a:r>
+          </a:p>
+        </p:txBody>
+      </p:sp>
+      <p:pic>
+        <p:nvPicPr>
+          <p:cNvPr id="7" name="图片 6">
+            <a:extLst>
+              <a:ext uri="{FF2B5EF4-FFF2-40B4-BE49-F238E27FC236}">
+                <a16:creationId xmlns:a16="http://schemas.microsoft.com/office/drawing/2014/main" id="{8C13B302-43A4-7F5B-E03E-6CC436991615}"/>
+              </a:ext>
+            </a:extLst>
+          </p:cNvPr>
+          <p:cNvPicPr>
+            <a:picLocks noChangeAspect="1"/>
+          </p:cNvPicPr>
+          <p:nvPr/>
+        </p:nvPicPr>
+        <p:blipFill>
+          <a:blip r:embed="rId2"/>
+          <a:stretch>
+            <a:fillRect/>
+          </a:stretch>
+        </p:blipFill>
+        <p:spPr>
+          <a:xfrm>
+            <a:off x="833378" y="3849946"/>
+            <a:ext cx="6268325" cy="1971950"/>
+          </a:xfrm>
+          <a:prstGeom prst="rect">
+            <a:avLst/>
+          </a:prstGeom>
+        </p:spPr>
+      </p:pic>
+      <p:sp>
+        <p:nvSpPr>
+          <p:cNvPr id="9" name="内容占位符 8">
+            <a:extLst>
+              <a:ext uri="{FF2B5EF4-FFF2-40B4-BE49-F238E27FC236}">
+                <a16:creationId xmlns:a16="http://schemas.microsoft.com/office/drawing/2014/main" id="{A2B80BBE-9A3C-36D0-A4B0-6E923C2646FF}"/>
               </a:ext>
             </a:extLst>
           </p:cNvPr>
@@ -6398,56 +12213,129 @@
         </p:nvSpPr>
         <p:spPr>
           <a:xfrm>
-            <a:off x="833377" y="1776800"/>
-            <a:ext cx="10521387" cy="3678303"/>
+            <a:off x="833378" y="1989144"/>
+            <a:ext cx="5343136" cy="1779027"/>
           </a:xfrm>
         </p:spPr>
         <p:txBody>
           <a:bodyPr/>
           <a:lstStyle/>
           <a:p>
-            <a:pPr marL="323992" lvl="1" indent="0">
-              <a:lnSpc>
-                <a:spcPct val="150000"/>
-              </a:lnSpc>
-              <a:buNone/>
-            </a:pPr>
-            <a:endParaRPr kumimoji="1" lang="en-US" altLang="zh-CN" dirty="0"/>
-          </a:p>
-        </p:txBody>
-      </p:sp>
-      <p:sp>
-        <p:nvSpPr>
-          <p:cNvPr id="3" name="标题 2">
+            <a:r>
+              <a:rPr lang="zh-CN" altLang="en-US" dirty="0"/>
+              <a:t>阅读 </a:t>
+            </a:r>
+            <a:r>
+              <a:rPr lang="en-US" altLang="zh-CN" dirty="0"/>
+              <a:t>Linux x86 </a:t>
+            </a:r>
+            <a:r>
+              <a:rPr lang="en-US" altLang="zh-CN" dirty="0" err="1"/>
+              <a:t>uintr</a:t>
+            </a:r>
+            <a:r>
+              <a:rPr lang="en-US" altLang="zh-CN" dirty="0"/>
+              <a:t> </a:t>
+            </a:r>
+            <a:r>
+              <a:rPr lang="zh-CN" altLang="en-US" dirty="0"/>
+              <a:t>相关 </a:t>
+            </a:r>
+            <a:r>
+              <a:rPr lang="en-US" altLang="zh-CN" dirty="0"/>
+              <a:t>patch </a:t>
+            </a:r>
+            <a:r>
+              <a:rPr lang="zh-CN" altLang="en-US" dirty="0"/>
+              <a:t>源码</a:t>
+            </a:r>
+            <a:endParaRPr lang="en-US" altLang="zh-CN" dirty="0"/>
+          </a:p>
+          <a:p>
+            <a:r>
+              <a:rPr lang="zh-CN" altLang="en-US" dirty="0"/>
+              <a:t>针对提出的问题给出代码分析</a:t>
+            </a:r>
+            <a:endParaRPr lang="en-US" altLang="zh-CN" dirty="0"/>
+          </a:p>
+          <a:p>
+            <a:r>
+              <a:rPr lang="zh-CN" altLang="en-US" dirty="0"/>
+              <a:t>在实现了 </a:t>
+            </a:r>
+            <a:r>
+              <a:rPr lang="en-US" altLang="zh-CN" dirty="0" err="1"/>
+              <a:t>uintr</a:t>
+            </a:r>
+            <a:r>
+              <a:rPr lang="en-US" altLang="zh-CN" dirty="0"/>
+              <a:t> </a:t>
+            </a:r>
+            <a:r>
+              <a:rPr lang="zh-CN" altLang="en-US" dirty="0"/>
+              <a:t>的 </a:t>
+            </a:r>
+            <a:r>
+              <a:rPr lang="en-US" altLang="zh-CN" dirty="0"/>
+              <a:t>QEMU x86 </a:t>
+            </a:r>
+            <a:r>
+              <a:rPr lang="zh-CN" altLang="en-US" dirty="0"/>
+              <a:t>中运行 </a:t>
+            </a:r>
+            <a:r>
+              <a:rPr lang="en-US" altLang="zh-CN" dirty="0"/>
+              <a:t>Linux </a:t>
+            </a:r>
+            <a:r>
+              <a:rPr lang="en-US" altLang="zh-CN" dirty="0" err="1"/>
+              <a:t>uintr</a:t>
+            </a:r>
+            <a:r>
+              <a:rPr lang="en-US" altLang="zh-CN" dirty="0"/>
+              <a:t> </a:t>
+            </a:r>
+            <a:r>
+              <a:rPr lang="zh-CN" altLang="en-US" dirty="0"/>
+              <a:t>并复现已有工作</a:t>
+            </a:r>
+          </a:p>
+        </p:txBody>
+      </p:sp>
+      <p:pic>
+        <p:nvPicPr>
+          <p:cNvPr id="4" name="图片 3">
             <a:extLst>
               <a:ext uri="{FF2B5EF4-FFF2-40B4-BE49-F238E27FC236}">
-                <a16:creationId xmlns:a16="http://schemas.microsoft.com/office/drawing/2014/main" id="{E5F20C5C-BE5B-F640-B2EF-4F8488015860}"/>
+                <a16:creationId xmlns:a16="http://schemas.microsoft.com/office/drawing/2014/main" id="{F3FDF443-A313-AAF2-6A1B-1232B92FC549}"/>
               </a:ext>
             </a:extLst>
           </p:cNvPr>
-          <p:cNvSpPr>
-            <a:spLocks noGrp="1"/>
-          </p:cNvSpPr>
-          <p:nvPr>
-            <p:ph type="title"/>
-          </p:nvPr>
-        </p:nvSpPr>
-        <p:spPr/>
-        <p:txBody>
-          <a:bodyPr/>
-          <a:lstStyle/>
-          <a:p>
-            <a:r>
-              <a:rPr kumimoji="1" lang="zh-CN" altLang="en-US" dirty="0"/>
-              <a:t>参考资料</a:t>
-            </a:r>
-          </a:p>
-        </p:txBody>
-      </p:sp>
+          <p:cNvPicPr>
+            <a:picLocks noChangeAspect="1"/>
+          </p:cNvPicPr>
+          <p:nvPr/>
+        </p:nvPicPr>
+        <p:blipFill>
+          <a:blip r:embed="rId3"/>
+          <a:stretch>
+            <a:fillRect/>
+          </a:stretch>
+        </p:blipFill>
+        <p:spPr>
+          <a:xfrm>
+            <a:off x="6176514" y="1690399"/>
+            <a:ext cx="5876930" cy="3060901"/>
+          </a:xfrm>
+          <a:prstGeom prst="rect">
+            <a:avLst/>
+          </a:prstGeom>
+        </p:spPr>
+      </p:pic>
     </p:spTree>
     <p:extLst>
       <p:ext uri="{BB962C8B-B14F-4D97-AF65-F5344CB8AC3E}">
-        <p14:creationId xmlns:p14="http://schemas.microsoft.com/office/powerpoint/2010/main" val="3786319705"/>
+        <p14:creationId xmlns:p14="http://schemas.microsoft.com/office/powerpoint/2010/main" val="793542731"/>
       </p:ext>
     </p:extLst>
   </p:cSld>
@@ -6476,10 +12364,10 @@
       </p:grpSpPr>
       <p:sp>
         <p:nvSpPr>
-          <p:cNvPr id="4" name="标题 3">
+          <p:cNvPr id="3" name="标题 2">
             <a:extLst>
               <a:ext uri="{FF2B5EF4-FFF2-40B4-BE49-F238E27FC236}">
-                <a16:creationId xmlns:a16="http://schemas.microsoft.com/office/drawing/2014/main" id="{0D06B8AA-CA7A-8C42-B072-3794DD9BC7B6}"/>
+                <a16:creationId xmlns:a16="http://schemas.microsoft.com/office/drawing/2014/main" id="{E5F20C5C-BE5B-F640-B2EF-4F8488015860}"/>
               </a:ext>
             </a:extLst>
           </p:cNvPr>
@@ -6487,7 +12375,7 @@
             <a:spLocks noGrp="1"/>
           </p:cNvSpPr>
           <p:nvPr>
-            <p:ph type="ctrTitle"/>
+            <p:ph type="title"/>
           </p:nvPr>
         </p:nvSpPr>
         <p:spPr/>
@@ -6495,18 +12383,221 @@
           <a:bodyPr/>
           <a:lstStyle/>
           <a:p>
-            <a:pPr algn="ctr"/>
             <a:r>
               <a:rPr kumimoji="1" lang="zh-CN" altLang="en-US" dirty="0"/>
-              <a:t>谢谢！</a:t>
-            </a:r>
-          </a:p>
-        </p:txBody>
-      </p:sp>
+              <a:t>进展情况</a:t>
+            </a:r>
+          </a:p>
+        </p:txBody>
+      </p:sp>
+      <p:sp>
+        <p:nvSpPr>
+          <p:cNvPr id="9" name="内容占位符 8">
+            <a:extLst>
+              <a:ext uri="{FF2B5EF4-FFF2-40B4-BE49-F238E27FC236}">
+                <a16:creationId xmlns:a16="http://schemas.microsoft.com/office/drawing/2014/main" id="{A2B80BBE-9A3C-36D0-A4B0-6E923C2646FF}"/>
+              </a:ext>
+            </a:extLst>
+          </p:cNvPr>
+          <p:cNvSpPr>
+            <a:spLocks noGrp="1"/>
+          </p:cNvSpPr>
+          <p:nvPr>
+            <p:ph idx="1"/>
+          </p:nvPr>
+        </p:nvSpPr>
+        <p:spPr>
+          <a:xfrm>
+            <a:off x="752864" y="2007969"/>
+            <a:ext cx="4553654" cy="3238587"/>
+          </a:xfrm>
+        </p:spPr>
+        <p:txBody>
+          <a:bodyPr>
+            <a:noAutofit/>
+          </a:bodyPr>
+          <a:lstStyle/>
+          <a:p>
+            <a:pPr>
+              <a:lnSpc>
+                <a:spcPct val="150000"/>
+              </a:lnSpc>
+            </a:pPr>
+            <a:r>
+              <a:rPr lang="zh-CN" altLang="en-US" sz="2000" dirty="0"/>
+              <a:t>阅读 </a:t>
+            </a:r>
+            <a:r>
+              <a:rPr lang="en-US" altLang="zh-CN" sz="2000" dirty="0" err="1"/>
+              <a:t>qemu</a:t>
+            </a:r>
+            <a:r>
+              <a:rPr lang="en-US" altLang="zh-CN" sz="2000" dirty="0"/>
+              <a:t> </a:t>
+            </a:r>
+            <a:r>
+              <a:rPr lang="en-US" altLang="zh-CN" sz="2000" dirty="0" err="1"/>
+              <a:t>riscv</a:t>
+            </a:r>
+            <a:r>
+              <a:rPr lang="zh-CN" altLang="en-US" sz="2000" dirty="0"/>
+              <a:t> 代码</a:t>
+            </a:r>
+            <a:endParaRPr lang="en-US" altLang="zh-CN" sz="2000" dirty="0"/>
+          </a:p>
+          <a:p>
+            <a:pPr>
+              <a:lnSpc>
+                <a:spcPct val="150000"/>
+              </a:lnSpc>
+            </a:pPr>
+            <a:r>
+              <a:rPr lang="zh-CN" altLang="en-US" sz="2000" dirty="0"/>
+              <a:t>针对提出的问题给出代码分析</a:t>
+            </a:r>
+            <a:endParaRPr lang="en-US" altLang="zh-CN" sz="2000" dirty="0"/>
+          </a:p>
+          <a:p>
+            <a:pPr>
+              <a:lnSpc>
+                <a:spcPct val="150000"/>
+              </a:lnSpc>
+            </a:pPr>
+            <a:r>
+              <a:rPr lang="zh-CN" altLang="en-US" sz="2000" dirty="0"/>
+              <a:t>移植已有的 </a:t>
+            </a:r>
+            <a:r>
+              <a:rPr lang="en-US" altLang="zh-CN" sz="2000" dirty="0"/>
+              <a:t>RISC-V N </a:t>
+            </a:r>
+            <a:r>
+              <a:rPr lang="zh-CN" altLang="en-US" sz="2000" dirty="0"/>
+              <a:t>扩展到 </a:t>
+            </a:r>
+            <a:r>
+              <a:rPr lang="en-US" altLang="zh-CN" sz="2000" dirty="0" err="1"/>
+              <a:t>qemu</a:t>
+            </a:r>
+            <a:r>
+              <a:rPr lang="en-US" altLang="zh-CN" sz="2000" dirty="0"/>
+              <a:t> 7.0 </a:t>
+            </a:r>
+            <a:r>
+              <a:rPr lang="zh-CN" altLang="en-US" sz="2000" dirty="0"/>
+              <a:t>版本</a:t>
+            </a:r>
+            <a:endParaRPr lang="en-US" altLang="zh-CN" sz="2000" dirty="0"/>
+          </a:p>
+          <a:p>
+            <a:pPr>
+              <a:lnSpc>
+                <a:spcPct val="150000"/>
+              </a:lnSpc>
+            </a:pPr>
+            <a:r>
+              <a:rPr lang="zh-CN" altLang="en-US" sz="2000" dirty="0"/>
+              <a:t>在修改后的 </a:t>
+            </a:r>
+            <a:r>
+              <a:rPr lang="en-US" altLang="zh-CN" sz="2000" dirty="0" err="1"/>
+              <a:t>qemu</a:t>
+            </a:r>
+            <a:r>
+              <a:rPr lang="en-US" altLang="zh-CN" sz="2000" dirty="0"/>
+              <a:t> </a:t>
+            </a:r>
+            <a:r>
+              <a:rPr lang="zh-CN" altLang="en-US" sz="2000" dirty="0"/>
+              <a:t>中运行 </a:t>
+            </a:r>
+            <a:r>
+              <a:rPr lang="en-US" altLang="zh-CN" sz="2000" dirty="0" err="1"/>
+              <a:t>tCore</a:t>
+            </a:r>
+            <a:r>
+              <a:rPr lang="en-US" altLang="zh-CN" sz="2000" dirty="0"/>
+              <a:t> </a:t>
+            </a:r>
+            <a:r>
+              <a:rPr lang="en-US" altLang="zh-CN" sz="2000" dirty="0" err="1"/>
+              <a:t>uintr</a:t>
+            </a:r>
+            <a:r>
+              <a:rPr lang="en-US" altLang="zh-CN" sz="2000" dirty="0"/>
+              <a:t> </a:t>
+            </a:r>
+            <a:r>
+              <a:rPr lang="zh-CN" altLang="en-US" sz="2000" dirty="0"/>
+              <a:t>模块的测试</a:t>
+            </a:r>
+          </a:p>
+        </p:txBody>
+      </p:sp>
+      <p:pic>
+        <p:nvPicPr>
+          <p:cNvPr id="6" name="图片 5">
+            <a:extLst>
+              <a:ext uri="{FF2B5EF4-FFF2-40B4-BE49-F238E27FC236}">
+                <a16:creationId xmlns:a16="http://schemas.microsoft.com/office/drawing/2014/main" id="{F4F90C7E-CBB5-D75B-5C6B-76614A91B6E4}"/>
+              </a:ext>
+            </a:extLst>
+          </p:cNvPr>
+          <p:cNvPicPr>
+            <a:picLocks noChangeAspect="1"/>
+          </p:cNvPicPr>
+          <p:nvPr/>
+        </p:nvPicPr>
+        <p:blipFill>
+          <a:blip r:embed="rId2"/>
+          <a:stretch>
+            <a:fillRect/>
+          </a:stretch>
+        </p:blipFill>
+        <p:spPr>
+          <a:xfrm>
+            <a:off x="5895210" y="4394429"/>
+            <a:ext cx="4251550" cy="1517567"/>
+          </a:xfrm>
+          <a:prstGeom prst="rect">
+            <a:avLst/>
+          </a:prstGeom>
+        </p:spPr>
+      </p:pic>
+      <p:pic>
+        <p:nvPicPr>
+          <p:cNvPr id="13" name="图片 12">
+            <a:extLst>
+              <a:ext uri="{FF2B5EF4-FFF2-40B4-BE49-F238E27FC236}">
+                <a16:creationId xmlns:a16="http://schemas.microsoft.com/office/drawing/2014/main" id="{3F042C96-4AED-20F2-AFD8-641F3FD088DF}"/>
+              </a:ext>
+            </a:extLst>
+          </p:cNvPr>
+          <p:cNvPicPr>
+            <a:picLocks noChangeAspect="1"/>
+          </p:cNvPicPr>
+          <p:nvPr/>
+        </p:nvPicPr>
+        <p:blipFill>
+          <a:blip r:embed="rId3"/>
+          <a:stretch>
+            <a:fillRect/>
+          </a:stretch>
+        </p:blipFill>
+        <p:spPr>
+          <a:xfrm>
+            <a:off x="6246306" y="374057"/>
+            <a:ext cx="4734586" cy="3801005"/>
+          </a:xfrm>
+          <a:prstGeom prst="rect">
+            <a:avLst/>
+          </a:prstGeom>
+        </p:spPr>
+      </p:pic>
     </p:spTree>
     <p:extLst>
       <p:ext uri="{BB962C8B-B14F-4D97-AF65-F5344CB8AC3E}">
-        <p14:creationId xmlns:p14="http://schemas.microsoft.com/office/powerpoint/2010/main" val="1192290247"/>
+        <p14:creationId xmlns:p14="http://schemas.microsoft.com/office/powerpoint/2010/main" val="2724342541"/>
       </p:ext>
     </p:extLst>
   </p:cSld>

--- a/doc/开题报告.pptx
+++ b/doc/开题报告.pptx
@@ -13,11 +13,11 @@
     <p:sldId id="287" r:id="rId4"/>
     <p:sldId id="277" r:id="rId5"/>
     <p:sldId id="293" r:id="rId6"/>
-    <p:sldId id="294" r:id="rId7"/>
-    <p:sldId id="289" r:id="rId8"/>
-    <p:sldId id="295" r:id="rId9"/>
-    <p:sldId id="296" r:id="rId10"/>
-    <p:sldId id="297" r:id="rId11"/>
+    <p:sldId id="289" r:id="rId7"/>
+    <p:sldId id="295" r:id="rId8"/>
+    <p:sldId id="296" r:id="rId9"/>
+    <p:sldId id="297" r:id="rId10"/>
+    <p:sldId id="294" r:id="rId11"/>
     <p:sldId id="290" r:id="rId12"/>
     <p:sldId id="292" r:id="rId13"/>
     <p:sldId id="282" r:id="rId14"/>
@@ -209,7 +209,7 @@
           <a:p>
             <a:fld id="{BDA51940-DB52-3B48-AABB-9C7938529E4E}" type="datetimeFigureOut">
               <a:rPr kumimoji="1" lang="zh-CN" altLang="en-US" smtClean="0"/>
-              <a:t>2023/1/5</a:t>
+              <a:t>2023/1/12</a:t>
             </a:fld>
             <a:endParaRPr kumimoji="1" lang="zh-CN" altLang="en-US"/>
           </a:p>
@@ -918,7 +918,7 @@
           <a:p>
             <a:fld id="{E4551058-E5DB-324A-A8E9-6D3BEF243C3B}" type="datetimeFigureOut">
               <a:rPr kumimoji="1" lang="zh-CN" altLang="en-US" smtClean="0"/>
-              <a:t>2023/1/5</a:t>
+              <a:t>2023/1/12</a:t>
             </a:fld>
             <a:endParaRPr kumimoji="1" lang="zh-CN" altLang="en-US"/>
           </a:p>
@@ -1200,7 +1200,7 @@
           <a:p>
             <a:fld id="{E4551058-E5DB-324A-A8E9-6D3BEF243C3B}" type="datetimeFigureOut">
               <a:rPr kumimoji="1" lang="zh-CN" altLang="en-US" smtClean="0"/>
-              <a:t>2023/1/5</a:t>
+              <a:t>2023/1/12</a:t>
             </a:fld>
             <a:endParaRPr kumimoji="1" lang="zh-CN" altLang="en-US"/>
           </a:p>
@@ -1422,7 +1422,7 @@
           <a:p>
             <a:fld id="{E4551058-E5DB-324A-A8E9-6D3BEF243C3B}" type="datetimeFigureOut">
               <a:rPr kumimoji="1" lang="zh-CN" altLang="en-US" smtClean="0"/>
-              <a:t>2023/1/5</a:t>
+              <a:t>2023/1/12</a:t>
             </a:fld>
             <a:endParaRPr kumimoji="1" lang="zh-CN" altLang="en-US"/>
           </a:p>
@@ -1696,7 +1696,7 @@
           <a:p>
             <a:fld id="{E4551058-E5DB-324A-A8E9-6D3BEF243C3B}" type="datetimeFigureOut">
               <a:rPr kumimoji="1" lang="zh-CN" altLang="en-US" smtClean="0"/>
-              <a:t>2023/1/5</a:t>
+              <a:t>2023/1/12</a:t>
             </a:fld>
             <a:endParaRPr kumimoji="1" lang="zh-CN" altLang="en-US"/>
           </a:p>
@@ -1953,7 +1953,7 @@
           <a:p>
             <a:fld id="{E4551058-E5DB-324A-A8E9-6D3BEF243C3B}" type="datetimeFigureOut">
               <a:rPr kumimoji="1" lang="zh-CN" altLang="en-US" smtClean="0"/>
-              <a:t>2023/1/5</a:t>
+              <a:t>2023/1/12</a:t>
             </a:fld>
             <a:endParaRPr kumimoji="1" lang="zh-CN" altLang="en-US"/>
           </a:p>
@@ -2152,7 +2152,7 @@
           <a:p>
             <a:fld id="{E4551058-E5DB-324A-A8E9-6D3BEF243C3B}" type="datetimeFigureOut">
               <a:rPr kumimoji="1" lang="zh-CN" altLang="en-US" smtClean="0"/>
-              <a:t>2023/1/5</a:t>
+              <a:t>2023/1/12</a:t>
             </a:fld>
             <a:endParaRPr kumimoji="1" lang="zh-CN" altLang="en-US"/>
           </a:p>
@@ -2725,7 +2725,7 @@
           <a:p>
             <a:fld id="{E4551058-E5DB-324A-A8E9-6D3BEF243C3B}" type="datetimeFigureOut">
               <a:rPr kumimoji="1" lang="zh-CN" altLang="en-US" smtClean="0"/>
-              <a:t>2023/1/5</a:t>
+              <a:t>2023/1/12</a:t>
             </a:fld>
             <a:endParaRPr kumimoji="1" lang="zh-CN" altLang="en-US"/>
           </a:p>
@@ -3019,7 +3019,7 @@
           <a:p>
             <a:fld id="{E4551058-E5DB-324A-A8E9-6D3BEF243C3B}" type="datetimeFigureOut">
               <a:rPr kumimoji="1" lang="zh-CN" altLang="en-US" smtClean="0"/>
-              <a:t>2023/1/5</a:t>
+              <a:t>2023/1/12</a:t>
             </a:fld>
             <a:endParaRPr kumimoji="1" lang="zh-CN" altLang="en-US"/>
           </a:p>
@@ -3402,7 +3402,7 @@
           <a:p>
             <a:fld id="{E4551058-E5DB-324A-A8E9-6D3BEF243C3B}" type="datetimeFigureOut">
               <a:rPr kumimoji="1" lang="zh-CN" altLang="en-US" smtClean="0"/>
-              <a:t>2023/1/5</a:t>
+              <a:t>2023/1/12</a:t>
             </a:fld>
             <a:endParaRPr kumimoji="1" lang="zh-CN" altLang="en-US"/>
           </a:p>
@@ -3525,7 +3525,7 @@
           <a:p>
             <a:fld id="{E4551058-E5DB-324A-A8E9-6D3BEF243C3B}" type="datetimeFigureOut">
               <a:rPr kumimoji="1" lang="zh-CN" altLang="en-US" smtClean="0"/>
-              <a:t>2023/1/5</a:t>
+              <a:t>2023/1/12</a:t>
             </a:fld>
             <a:endParaRPr kumimoji="1" lang="zh-CN" altLang="en-US"/>
           </a:p>
@@ -3648,7 +3648,7 @@
           <a:p>
             <a:fld id="{E4551058-E5DB-324A-A8E9-6D3BEF243C3B}" type="datetimeFigureOut">
               <a:rPr kumimoji="1" lang="zh-CN" altLang="en-US" smtClean="0"/>
-              <a:t>2023/1/5</a:t>
+              <a:t>2023/1/12</a:t>
             </a:fld>
             <a:endParaRPr kumimoji="1" lang="zh-CN" altLang="en-US"/>
           </a:p>
@@ -4098,7 +4098,7 @@
           <a:p>
             <a:fld id="{E4551058-E5DB-324A-A8E9-6D3BEF243C3B}" type="datetimeFigureOut">
               <a:rPr kumimoji="1" lang="zh-CN" altLang="en-US" smtClean="0"/>
-              <a:t>2023/1/5</a:t>
+              <a:t>2023/1/12</a:t>
             </a:fld>
             <a:endParaRPr kumimoji="1" lang="zh-CN" altLang="en-US"/>
           </a:p>
@@ -4405,7 +4405,7 @@
           <a:p>
             <a:fld id="{E4551058-E5DB-324A-A8E9-6D3BEF243C3B}" type="datetimeFigureOut">
               <a:rPr kumimoji="1" lang="zh-CN" altLang="en-US" smtClean="0"/>
-              <a:t>2023/1/5</a:t>
+              <a:t>2023/1/12</a:t>
             </a:fld>
             <a:endParaRPr kumimoji="1" lang="zh-CN" altLang="en-US"/>
           </a:p>
@@ -5159,6 +5159,163 @@
       </p:grpSpPr>
       <p:sp>
         <p:nvSpPr>
+          <p:cNvPr id="2" name="内容占位符 1">
+            <a:extLst>
+              <a:ext uri="{FF2B5EF4-FFF2-40B4-BE49-F238E27FC236}">
+                <a16:creationId xmlns:a16="http://schemas.microsoft.com/office/drawing/2014/main" id="{120B5E47-FCCD-9843-B9F4-CECF09D03BB6}"/>
+              </a:ext>
+            </a:extLst>
+          </p:cNvPr>
+          <p:cNvSpPr>
+            <a:spLocks noGrp="1"/>
+          </p:cNvSpPr>
+          <p:nvPr>
+            <p:ph idx="1"/>
+          </p:nvPr>
+        </p:nvSpPr>
+        <p:spPr>
+          <a:xfrm>
+            <a:off x="833377" y="1776800"/>
+            <a:ext cx="10337831" cy="3157509"/>
+          </a:xfrm>
+        </p:spPr>
+        <p:txBody>
+          <a:bodyPr/>
+          <a:lstStyle/>
+          <a:p>
+            <a:pPr marL="666892" lvl="1" indent="-342900">
+              <a:lnSpc>
+                <a:spcPct val="150000"/>
+              </a:lnSpc>
+              <a:buFont typeface="+mj-lt"/>
+              <a:buAutoNum type="arabicPeriod"/>
+            </a:pPr>
+            <a:r>
+              <a:rPr kumimoji="1" lang="zh-CN" altLang="en-US" dirty="0"/>
+              <a:t>如何处理接收方进程（或线程）处于不同</a:t>
+            </a:r>
+            <a:r>
+              <a:rPr kumimoji="1" lang="zh-CN" altLang="en-US" b="1" dirty="0"/>
+              <a:t>状态</a:t>
+            </a:r>
+            <a:r>
+              <a:rPr kumimoji="1" lang="zh-CN" altLang="en-US" dirty="0"/>
+              <a:t>的情况（运行，阻塞等）？</a:t>
+            </a:r>
+            <a:endParaRPr kumimoji="1" lang="en-US" altLang="zh-CN" dirty="0"/>
+          </a:p>
+          <a:p>
+            <a:pPr marL="666892" lvl="1" indent="-342900">
+              <a:lnSpc>
+                <a:spcPct val="150000"/>
+              </a:lnSpc>
+              <a:buFont typeface="+mj-lt"/>
+              <a:buAutoNum type="arabicPeriod"/>
+            </a:pPr>
+            <a:r>
+              <a:rPr kumimoji="1" lang="zh-CN" altLang="en-US" dirty="0"/>
+              <a:t>基于内存查询的用户态中断（</a:t>
+            </a:r>
+            <a:r>
+              <a:rPr kumimoji="1" lang="en-US" altLang="zh-CN" dirty="0"/>
+              <a:t>x86</a:t>
+            </a:r>
+            <a:r>
+              <a:rPr kumimoji="1" lang="zh-CN" altLang="en-US" dirty="0"/>
+              <a:t>）中，涉及到内存地址的结构中，如何维护这些状态？</a:t>
+            </a:r>
+            <a:endParaRPr kumimoji="1" lang="en-US" altLang="zh-CN" dirty="0"/>
+          </a:p>
+          <a:p>
+            <a:pPr marL="666892" lvl="1" indent="-342900">
+              <a:lnSpc>
+                <a:spcPct val="150000"/>
+              </a:lnSpc>
+              <a:buFont typeface="+mj-lt"/>
+              <a:buAutoNum type="arabicPeriod"/>
+            </a:pPr>
+            <a:r>
+              <a:rPr kumimoji="1" lang="zh-CN" altLang="en-US" dirty="0"/>
+              <a:t>如何防止发送方随意向其他核发送中断？</a:t>
+            </a:r>
+            <a:endParaRPr kumimoji="1" lang="en-US" altLang="zh-CN" dirty="0"/>
+          </a:p>
+          <a:p>
+            <a:pPr marL="666892" lvl="1" indent="-342900">
+              <a:lnSpc>
+                <a:spcPct val="150000"/>
+              </a:lnSpc>
+              <a:buFont typeface="+mj-lt"/>
+              <a:buAutoNum type="arabicPeriod"/>
+            </a:pPr>
+            <a:r>
+              <a:rPr kumimoji="1" lang="en-US" altLang="zh-CN" b="1" dirty="0"/>
+              <a:t>Intel </a:t>
+            </a:r>
+            <a:r>
+              <a:rPr kumimoji="1" lang="zh-CN" altLang="en-US" b="1" dirty="0"/>
+              <a:t>的内存查询机制</a:t>
+            </a:r>
+            <a:r>
+              <a:rPr kumimoji="1" lang="zh-CN" altLang="en-US" dirty="0"/>
+              <a:t>和 </a:t>
+            </a:r>
+            <a:r>
+              <a:rPr kumimoji="1" lang="en-US" altLang="zh-CN" b="1" dirty="0"/>
+              <a:t>UINTC </a:t>
+            </a:r>
+            <a:r>
+              <a:rPr kumimoji="1" lang="zh-CN" altLang="en-US" b="1" dirty="0"/>
+              <a:t>的外部控制器</a:t>
+            </a:r>
+            <a:r>
+              <a:rPr kumimoji="1" lang="zh-CN" altLang="en-US" dirty="0"/>
+              <a:t>，孰优孰劣？</a:t>
+            </a:r>
+            <a:endParaRPr kumimoji="1" lang="en-US" altLang="zh-CN" dirty="0"/>
+          </a:p>
+          <a:p>
+            <a:pPr marL="666892" lvl="1" indent="-342900">
+              <a:lnSpc>
+                <a:spcPct val="150000"/>
+              </a:lnSpc>
+              <a:buFont typeface="+mj-lt"/>
+              <a:buAutoNum type="arabicPeriod"/>
+            </a:pPr>
+            <a:r>
+              <a:rPr kumimoji="1" lang="zh-CN" altLang="en-US" dirty="0"/>
+              <a:t>用户态中断对比于传统的 </a:t>
+            </a:r>
+            <a:r>
+              <a:rPr kumimoji="1" lang="en-US" altLang="zh-CN" dirty="0"/>
+              <a:t>IPC </a:t>
+            </a:r>
+            <a:r>
+              <a:rPr kumimoji="1" lang="zh-CN" altLang="en-US" dirty="0"/>
+              <a:t>机制，有怎样的</a:t>
+            </a:r>
+            <a:r>
+              <a:rPr kumimoji="1" lang="zh-CN" altLang="en-US" b="1" dirty="0"/>
+              <a:t>性能优势</a:t>
+            </a:r>
+            <a:r>
+              <a:rPr kumimoji="1" lang="zh-CN" altLang="en-US" dirty="0"/>
+              <a:t>和</a:t>
+            </a:r>
+            <a:r>
+              <a:rPr kumimoji="1" lang="zh-CN" altLang="en-US" b="1" dirty="0"/>
+              <a:t>应用前景</a:t>
+            </a:r>
+            <a:r>
+              <a:rPr kumimoji="1" lang="zh-CN" altLang="en-US" dirty="0"/>
+              <a:t>？</a:t>
+            </a:r>
+            <a:endParaRPr kumimoji="1" lang="en-US" altLang="zh-CN" dirty="0"/>
+          </a:p>
+        </p:txBody>
+      </p:sp>
+      <p:sp>
+        <p:nvSpPr>
           <p:cNvPr id="3" name="标题 2">
             <a:extLst>
               <a:ext uri="{FF2B5EF4-FFF2-40B4-BE49-F238E27FC236}">
@@ -5180,45 +5337,15 @@
           <a:p>
             <a:r>
               <a:rPr kumimoji="1" lang="zh-CN" altLang="en-US" dirty="0"/>
-              <a:t>进展情况</a:t>
-            </a:r>
-          </a:p>
-        </p:txBody>
-      </p:sp>
-      <p:pic>
-        <p:nvPicPr>
-          <p:cNvPr id="4" name="图片 3">
-            <a:extLst>
-              <a:ext uri="{FF2B5EF4-FFF2-40B4-BE49-F238E27FC236}">
-                <a16:creationId xmlns:a16="http://schemas.microsoft.com/office/drawing/2014/main" id="{A8A7FBF2-C168-C5AF-A4CF-092A9531DDB9}"/>
-              </a:ext>
-            </a:extLst>
-          </p:cNvPr>
-          <p:cNvPicPr>
-            <a:picLocks noChangeAspect="1"/>
-          </p:cNvPicPr>
-          <p:nvPr/>
-        </p:nvPicPr>
-        <p:blipFill>
-          <a:blip r:embed="rId2"/>
-          <a:stretch>
-            <a:fillRect/>
-          </a:stretch>
-        </p:blipFill>
-        <p:spPr>
-          <a:xfrm>
-            <a:off x="0" y="1608624"/>
-            <a:ext cx="12192000" cy="4535665"/>
-          </a:xfrm>
-          <a:prstGeom prst="rect">
-            <a:avLst/>
-          </a:prstGeom>
-        </p:spPr>
-      </p:pic>
+              <a:t>提出问题</a:t>
+            </a:r>
+          </a:p>
+        </p:txBody>
+      </p:sp>
     </p:spTree>
     <p:extLst>
       <p:ext uri="{BB962C8B-B14F-4D97-AF65-F5344CB8AC3E}">
-        <p14:creationId xmlns:p14="http://schemas.microsoft.com/office/powerpoint/2010/main" val="3833790688"/>
+        <p14:creationId xmlns:p14="http://schemas.microsoft.com/office/powerpoint/2010/main" val="4002148480"/>
       </p:ext>
     </p:extLst>
   </p:cSld>
@@ -5869,11 +5996,18 @@
               <a:t>IPC </a:t>
             </a:r>
             <a:r>
+              <a:rPr lang="zh-CN" altLang="en-US" sz="2000">
+                <a:latin typeface="黑体" panose="02010609060101010101" pitchFamily="49" charset="-122"/>
+                <a:ea typeface="黑体" panose="02010609060101010101" pitchFamily="49" charset="-122"/>
+              </a:rPr>
+              <a:t>进行对比，</a:t>
+            </a:r>
+            <a:r>
               <a:rPr lang="zh-CN" altLang="en-US" sz="2000" dirty="0">
                 <a:latin typeface="黑体" panose="02010609060101010101" pitchFamily="49" charset="-122"/>
                 <a:ea typeface="黑体" panose="02010609060101010101" pitchFamily="49" charset="-122"/>
               </a:rPr>
-              <a:t>进行对比，探索应用场景</a:t>
+              <a:t>争取发表论文</a:t>
             </a:r>
             <a:endParaRPr lang="en-US" altLang="zh-CN" sz="2000" dirty="0">
               <a:latin typeface="黑体" panose="02010609060101010101" pitchFamily="49" charset="-122"/>
@@ -6014,7 +6148,7 @@
                   </a:schemeClr>
                 </a:solidFill>
               </a:rPr>
-              <a:t>6</a:t>
+              <a:t>12</a:t>
             </a:r>
             <a:r>
               <a:rPr lang="zh-CN" altLang="en-US" sz="2000" dirty="0">
@@ -6415,7 +6549,7 @@
         <p:spPr>
           <a:xfrm>
             <a:off x="541548" y="1844894"/>
-            <a:ext cx="6039214" cy="3678303"/>
+            <a:ext cx="5850626" cy="1743695"/>
           </a:xfrm>
         </p:spPr>
         <p:txBody>
@@ -6449,23 +6583,7 @@
             </a:r>
             <a:r>
               <a:rPr kumimoji="1" lang="zh-CN" altLang="en-US" dirty="0"/>
-              <a:t>（</a:t>
-            </a:r>
-            <a:r>
-              <a:rPr kumimoji="1" lang="en-US" altLang="zh-CN" dirty="0"/>
-              <a:t>signal</a:t>
-            </a:r>
-            <a:r>
-              <a:rPr kumimoji="1" lang="zh-CN" altLang="en-US" dirty="0"/>
-              <a:t>，</a:t>
-            </a:r>
-            <a:r>
-              <a:rPr kumimoji="1" lang="en-US" altLang="zh-CN" dirty="0"/>
-              <a:t>pipe</a:t>
-            </a:r>
-            <a:r>
-              <a:rPr kumimoji="1" lang="zh-CN" altLang="en-US" dirty="0"/>
-              <a:t>等）需要切换特权级</a:t>
+              <a:t>需要切换特权级</a:t>
             </a:r>
             <a:endParaRPr kumimoji="1" lang="en-US" altLang="zh-CN" dirty="0"/>
           </a:p>
@@ -6549,7 +6667,7 @@
         </p:blipFill>
         <p:spPr>
           <a:xfrm>
-            <a:off x="1320068" y="3684045"/>
+            <a:off x="224513" y="3701104"/>
             <a:ext cx="5260694" cy="2320279"/>
           </a:xfrm>
           <a:prstGeom prst="rect">
@@ -6579,8 +6697,38 @@
         </p:blipFill>
         <p:spPr>
           <a:xfrm>
-            <a:off x="6443932" y="1039752"/>
-            <a:ext cx="4592484" cy="4964572"/>
+            <a:off x="7561168" y="1473542"/>
+            <a:ext cx="4089284" cy="4420601"/>
+          </a:xfrm>
+          <a:prstGeom prst="rect">
+            <a:avLst/>
+          </a:prstGeom>
+        </p:spPr>
+      </p:pic>
+      <p:pic>
+        <p:nvPicPr>
+          <p:cNvPr id="14" name="图片 13">
+            <a:extLst>
+              <a:ext uri="{FF2B5EF4-FFF2-40B4-BE49-F238E27FC236}">
+                <a16:creationId xmlns:a16="http://schemas.microsoft.com/office/drawing/2014/main" id="{CBDF00E6-CB73-D94B-4390-A0BB75284B36}"/>
+              </a:ext>
+            </a:extLst>
+          </p:cNvPr>
+          <p:cNvPicPr>
+            <a:picLocks noChangeAspect="1"/>
+          </p:cNvPicPr>
+          <p:nvPr/>
+        </p:nvPicPr>
+        <p:blipFill>
+          <a:blip r:embed="rId4"/>
+          <a:stretch>
+            <a:fillRect/>
+          </a:stretch>
+        </p:blipFill>
+        <p:spPr>
+          <a:xfrm>
+            <a:off x="4531139" y="3541121"/>
+            <a:ext cx="2857500" cy="2381250"/>
           </a:xfrm>
           <a:prstGeom prst="rect">
             <a:avLst/>
@@ -6670,7 +6818,7 @@
             <a:pPr lvl="2"/>
             <a:r>
               <a:rPr kumimoji="1" lang="zh-CN" altLang="en-US" sz="1800" dirty="0"/>
-              <a:t>用户态对中断异常进行处理</a:t>
+              <a:t>用户态对中断进行处理</a:t>
             </a:r>
             <a:endParaRPr kumimoji="1" lang="en-US" altLang="zh-CN" sz="1800" dirty="0"/>
           </a:p>
@@ -6768,8 +6916,8 @@
         </p:nvSpPr>
         <p:spPr>
           <a:xfrm>
-            <a:off x="833377" y="1776800"/>
-            <a:ext cx="10521387" cy="3678303"/>
+            <a:off x="405441" y="1776800"/>
+            <a:ext cx="11173609" cy="3678303"/>
           </a:xfrm>
         </p:spPr>
         <p:txBody>
@@ -6829,16 +6977,20 @@
             <a:pPr lvl="1"/>
             <a:r>
               <a:rPr kumimoji="1" lang="en-US" altLang="zh-CN" sz="2000" dirty="0"/>
-              <a:t>UINTR</a:t>
+              <a:t>UINTC </a:t>
             </a:r>
             <a:r>
               <a:rPr kumimoji="1" lang="zh-CN" altLang="en-US" sz="2000" dirty="0"/>
-              <a:t> 设计草案</a:t>
-            </a:r>
-            <a:endParaRPr kumimoji="1" lang="en-US" altLang="zh-CN" sz="2000" dirty="0"/>
-          </a:p>
-          <a:p>
-            <a:pPr lvl="1"/>
+              <a:t>（</a:t>
+            </a:r>
+            <a:r>
+              <a:rPr kumimoji="1" lang="en-US" altLang="zh-CN" sz="2000" dirty="0"/>
+              <a:t>User Interrupt Controller</a:t>
+            </a:r>
+            <a:r>
+              <a:rPr kumimoji="1" lang="zh-CN" altLang="en-US" sz="2000" dirty="0"/>
+              <a:t>）</a:t>
+            </a:r>
             <a:endParaRPr kumimoji="1" lang="en-US" altLang="zh-CN" dirty="0"/>
           </a:p>
           <a:p>
@@ -6901,8 +7053,8 @@
         </p:blipFill>
         <p:spPr>
           <a:xfrm>
-            <a:off x="4721083" y="1402897"/>
-            <a:ext cx="7470917" cy="3601731"/>
+            <a:off x="5236234" y="1776800"/>
+            <a:ext cx="6662468" cy="3601731"/>
           </a:xfrm>
           <a:prstGeom prst="rect">
             <a:avLst/>
@@ -11665,190 +11817,142 @@
           <a:bodyPr/>
           <a:lstStyle/>
           <a:p>
-            <a:pPr lvl="1">
+            <a:pPr>
               <a:lnSpc>
                 <a:spcPct val="150000"/>
               </a:lnSpc>
             </a:pPr>
             <a:r>
               <a:rPr kumimoji="1" lang="zh-CN" altLang="en-US" dirty="0"/>
-              <a:t>问题一：</a:t>
-            </a:r>
-            <a:r>
-              <a:rPr kumimoji="1" lang="en-US" altLang="zh-CN" b="1" dirty="0"/>
-              <a:t>Intel </a:t>
-            </a:r>
-            <a:r>
-              <a:rPr kumimoji="1" lang="zh-CN" altLang="en-US" b="1" dirty="0"/>
-              <a:t>的内存查询机制</a:t>
-            </a:r>
-            <a:r>
-              <a:rPr kumimoji="1" lang="zh-CN" altLang="en-US" dirty="0"/>
-              <a:t>和 </a:t>
-            </a:r>
-            <a:r>
-              <a:rPr kumimoji="1" lang="en-US" altLang="zh-CN" b="1" dirty="0"/>
-              <a:t>UINTR </a:t>
-            </a:r>
-            <a:r>
-              <a:rPr kumimoji="1" lang="zh-CN" altLang="en-US" b="1" dirty="0"/>
-              <a:t>的外部控制器</a:t>
-            </a:r>
-            <a:r>
-              <a:rPr kumimoji="1" lang="zh-CN" altLang="en-US" dirty="0"/>
-              <a:t>，孰优孰劣？</a:t>
+              <a:t>本学期前半段主要在做硬件上实验的准备工作</a:t>
             </a:r>
             <a:endParaRPr kumimoji="1" lang="en-US" altLang="zh-CN" dirty="0"/>
           </a:p>
           <a:p>
-            <a:pPr lvl="1">
+            <a:pPr>
               <a:lnSpc>
                 <a:spcPct val="150000"/>
               </a:lnSpc>
             </a:pPr>
             <a:r>
+              <a:rPr kumimoji="1" lang="en-US" altLang="zh-CN" dirty="0"/>
+              <a:t>Labeled RISC-V </a:t>
+            </a:r>
+            <a:r>
               <a:rPr kumimoji="1" lang="zh-CN" altLang="en-US" dirty="0"/>
-              <a:t>问题二：如何基于 </a:t>
-            </a:r>
-            <a:r>
-              <a:rPr kumimoji="1" lang="en-US" altLang="zh-CN" b="1" dirty="0"/>
-              <a:t>RISC-V N </a:t>
-            </a:r>
-            <a:r>
-              <a:rPr kumimoji="1" lang="zh-CN" altLang="en-US" b="1" dirty="0"/>
-              <a:t>扩展</a:t>
+              <a:t>项目未跟进上游更新，故尝试重新搭建 </a:t>
+            </a:r>
+            <a:r>
+              <a:rPr kumimoji="1" lang="en-US" altLang="zh-CN" dirty="0"/>
+              <a:t>SoC</a:t>
             </a:r>
             <a:r>
               <a:rPr kumimoji="1" lang="zh-CN" altLang="en-US" dirty="0"/>
-              <a:t>和 </a:t>
-            </a:r>
-            <a:r>
-              <a:rPr kumimoji="1" lang="en-US" altLang="zh-CN" b="1" dirty="0"/>
-              <a:t>intel x86 </a:t>
-            </a:r>
-            <a:r>
-              <a:rPr kumimoji="1" lang="zh-CN" altLang="en-US" b="1" dirty="0"/>
-              <a:t>扩展</a:t>
+              <a:t>，移植 </a:t>
+            </a:r>
+            <a:r>
+              <a:rPr kumimoji="1" lang="en-US" altLang="zh-CN" dirty="0"/>
+              <a:t>Rocket </a:t>
             </a:r>
             <a:r>
               <a:rPr kumimoji="1" lang="zh-CN" altLang="en-US" dirty="0"/>
-              <a:t>，在 </a:t>
+              <a:t>到 </a:t>
             </a:r>
             <a:r>
               <a:rPr kumimoji="1" lang="en-US" altLang="zh-CN" dirty="0"/>
-              <a:t>RISC-V </a:t>
+              <a:t>zcu102 </a:t>
             </a:r>
             <a:r>
               <a:rPr kumimoji="1" lang="zh-CN" altLang="en-US" dirty="0"/>
-              <a:t>中增添指令，</a:t>
-            </a:r>
-            <a:r>
-              <a:rPr kumimoji="1" lang="en-US" altLang="zh-CN" dirty="0"/>
-              <a:t>CSR </a:t>
-            </a:r>
-            <a:r>
-              <a:rPr kumimoji="1" lang="zh-CN" altLang="en-US" dirty="0"/>
-              <a:t>寄存器等实现</a:t>
-            </a:r>
-            <a:r>
-              <a:rPr kumimoji="1" lang="zh-CN" altLang="en-US" b="1" dirty="0"/>
-              <a:t>跨核中断</a:t>
-            </a:r>
-            <a:r>
-              <a:rPr kumimoji="1" lang="zh-CN" altLang="en-US" dirty="0"/>
-              <a:t>？</a:t>
+              <a:t>开发板</a:t>
             </a:r>
             <a:endParaRPr kumimoji="1" lang="en-US" altLang="zh-CN" dirty="0"/>
           </a:p>
           <a:p>
-            <a:pPr lvl="1">
+            <a:pPr>
               <a:lnSpc>
                 <a:spcPct val="150000"/>
               </a:lnSpc>
             </a:pPr>
             <a:r>
               <a:rPr kumimoji="1" lang="zh-CN" altLang="en-US" dirty="0"/>
-              <a:t>问题三：用户态中断对比于传统的 </a:t>
+              <a:t>一段艰难的尝试：版本依赖问题、</a:t>
+            </a:r>
+            <a:r>
+              <a:rPr kumimoji="1" lang="en-US" altLang="zh-CN" dirty="0" err="1"/>
+              <a:t>Vivado</a:t>
             </a:r>
             <a:r>
               <a:rPr kumimoji="1" lang="en-US" altLang="zh-CN" dirty="0"/>
-              <a:t>IPC </a:t>
+              <a:t> </a:t>
             </a:r>
             <a:r>
               <a:rPr kumimoji="1" lang="zh-CN" altLang="en-US" dirty="0"/>
-              <a:t>机制，有怎样的</a:t>
-            </a:r>
-            <a:r>
-              <a:rPr kumimoji="1" lang="zh-CN" altLang="en-US" b="1" dirty="0"/>
-              <a:t>性能优势</a:t>
+              <a:t>项目不够清晰、</a:t>
+            </a:r>
+            <a:r>
+              <a:rPr kumimoji="1" lang="en-US" altLang="zh-CN" dirty="0"/>
+              <a:t>Rocket </a:t>
             </a:r>
             <a:r>
               <a:rPr kumimoji="1" lang="zh-CN" altLang="en-US" dirty="0"/>
-              <a:t>和</a:t>
-            </a:r>
-            <a:r>
-              <a:rPr kumimoji="1" lang="zh-CN" altLang="en-US" b="1" dirty="0"/>
-              <a:t>应用前景</a:t>
-            </a:r>
-            <a:r>
-              <a:rPr kumimoji="1" lang="zh-CN" altLang="en-US" dirty="0"/>
-              <a:t>？</a:t>
+              <a:t>缺少文档</a:t>
             </a:r>
             <a:endParaRPr kumimoji="1" lang="en-US" altLang="zh-CN" dirty="0"/>
           </a:p>
           <a:p>
-            <a:pPr lvl="1">
+            <a:pPr>
               <a:lnSpc>
                 <a:spcPct val="150000"/>
               </a:lnSpc>
             </a:pPr>
             <a:r>
               <a:rPr kumimoji="1" lang="zh-CN" altLang="en-US" dirty="0"/>
-              <a:t>问题四：如何处理接收方进程（或线程）处于不同</a:t>
-            </a:r>
-            <a:r>
-              <a:rPr kumimoji="1" lang="zh-CN" altLang="en-US" b="1" dirty="0"/>
-              <a:t>状态</a:t>
+              <a:t>目前进展为成功搭建 </a:t>
+            </a:r>
+            <a:r>
+              <a:rPr kumimoji="1" lang="en-US" altLang="zh-CN" dirty="0"/>
+              <a:t>SoC</a:t>
             </a:r>
             <a:r>
               <a:rPr kumimoji="1" lang="zh-CN" altLang="en-US" dirty="0"/>
-              <a:t>的情况（运行，阻塞等）？</a:t>
+              <a:t>，但是遇到的 </a:t>
+            </a:r>
+            <a:r>
+              <a:rPr kumimoji="1" lang="en-US" altLang="zh-CN" dirty="0"/>
+              <a:t>DDR </a:t>
+            </a:r>
+            <a:r>
+              <a:rPr kumimoji="1" lang="zh-CN" altLang="en-US" dirty="0"/>
+              <a:t>读写问题还没有解决</a:t>
             </a:r>
             <a:endParaRPr kumimoji="1" lang="en-US" altLang="zh-CN" dirty="0"/>
           </a:p>
           <a:p>
-            <a:pPr lvl="1">
+            <a:pPr>
               <a:lnSpc>
                 <a:spcPct val="150000"/>
               </a:lnSpc>
             </a:pPr>
             <a:r>
               <a:rPr kumimoji="1" lang="zh-CN" altLang="en-US" dirty="0"/>
-              <a:t>问题五：基于内存查询的用户态中断（</a:t>
+              <a:t>尚未形成清晰的 </a:t>
             </a:r>
             <a:r>
               <a:rPr kumimoji="1" lang="en-US" altLang="zh-CN" dirty="0"/>
-              <a:t>x86</a:t>
+              <a:t>RISC-V </a:t>
             </a:r>
             <a:r>
               <a:rPr kumimoji="1" lang="zh-CN" altLang="en-US" dirty="0"/>
-              <a:t>）中，涉及到内存地址的结构中，什么情况下保存</a:t>
-            </a:r>
-            <a:r>
-              <a:rPr kumimoji="1" lang="zh-CN" altLang="en-US" b="1" dirty="0"/>
-              <a:t>物理地址</a:t>
+              <a:t>扩展文档，考虑先在 </a:t>
+            </a:r>
+            <a:r>
+              <a:rPr kumimoji="1" lang="en-US" altLang="zh-CN" dirty="0"/>
+              <a:t>QEMU </a:t>
             </a:r>
             <a:r>
               <a:rPr kumimoji="1" lang="zh-CN" altLang="en-US" dirty="0"/>
-              <a:t>，什么情况下保存</a:t>
-            </a:r>
-            <a:r>
-              <a:rPr kumimoji="1" lang="zh-CN" altLang="en-US" b="1" dirty="0"/>
-              <a:t>虚拟地址</a:t>
-            </a:r>
-            <a:r>
-              <a:rPr kumimoji="1" lang="zh-CN" altLang="en-US" dirty="0"/>
-              <a:t>？</a:t>
+              <a:t>模拟器中进行探索</a:t>
             </a:r>
             <a:endParaRPr kumimoji="1" lang="en-US" altLang="zh-CN" dirty="0"/>
           </a:p>
@@ -11877,7 +11981,7 @@
           <a:p>
             <a:r>
               <a:rPr kumimoji="1" lang="zh-CN" altLang="en-US" dirty="0"/>
-              <a:t>提出问题</a:t>
+              <a:t>进展情况</a:t>
             </a:r>
           </a:p>
         </p:txBody>
@@ -11885,7 +11989,7 @@
     </p:spTree>
     <p:extLst>
       <p:ext uri="{BB962C8B-B14F-4D97-AF65-F5344CB8AC3E}">
-        <p14:creationId xmlns:p14="http://schemas.microsoft.com/office/powerpoint/2010/main" val="4002148480"/>
+        <p14:creationId xmlns:p14="http://schemas.microsoft.com/office/powerpoint/2010/main" val="2000320784"/>
       </p:ext>
     </p:extLst>
   </p:cSld>
@@ -11914,231 +12018,6 @@
       </p:grpSpPr>
       <p:sp>
         <p:nvSpPr>
-          <p:cNvPr id="2" name="内容占位符 1">
-            <a:extLst>
-              <a:ext uri="{FF2B5EF4-FFF2-40B4-BE49-F238E27FC236}">
-                <a16:creationId xmlns:a16="http://schemas.microsoft.com/office/drawing/2014/main" id="{120B5E47-FCCD-9843-B9F4-CECF09D03BB6}"/>
-              </a:ext>
-            </a:extLst>
-          </p:cNvPr>
-          <p:cNvSpPr>
-            <a:spLocks noGrp="1"/>
-          </p:cNvSpPr>
-          <p:nvPr>
-            <p:ph idx="1"/>
-          </p:nvPr>
-        </p:nvSpPr>
-        <p:spPr>
-          <a:xfrm>
-            <a:off x="833377" y="1776800"/>
-            <a:ext cx="10521387" cy="3678303"/>
-          </a:xfrm>
-        </p:spPr>
-        <p:txBody>
-          <a:bodyPr/>
-          <a:lstStyle/>
-          <a:p>
-            <a:pPr>
-              <a:lnSpc>
-                <a:spcPct val="150000"/>
-              </a:lnSpc>
-            </a:pPr>
-            <a:r>
-              <a:rPr kumimoji="1" lang="zh-CN" altLang="en-US" dirty="0"/>
-              <a:t>本学期前半段主要在做硬件上实验的准备工作</a:t>
-            </a:r>
-            <a:endParaRPr kumimoji="1" lang="en-US" altLang="zh-CN" dirty="0"/>
-          </a:p>
-          <a:p>
-            <a:pPr>
-              <a:lnSpc>
-                <a:spcPct val="150000"/>
-              </a:lnSpc>
-            </a:pPr>
-            <a:r>
-              <a:rPr kumimoji="1" lang="en-US" altLang="zh-CN" dirty="0"/>
-              <a:t>Labeled RISC-V </a:t>
-            </a:r>
-            <a:r>
-              <a:rPr kumimoji="1" lang="zh-CN" altLang="en-US" dirty="0"/>
-              <a:t>项目未跟进上游更新，故尝试重新搭建 </a:t>
-            </a:r>
-            <a:r>
-              <a:rPr kumimoji="1" lang="en-US" altLang="zh-CN" dirty="0"/>
-              <a:t>SoC</a:t>
-            </a:r>
-            <a:r>
-              <a:rPr kumimoji="1" lang="zh-CN" altLang="en-US" dirty="0"/>
-              <a:t>，移植 </a:t>
-            </a:r>
-            <a:r>
-              <a:rPr kumimoji="1" lang="en-US" altLang="zh-CN" dirty="0"/>
-              <a:t>Rocket </a:t>
-            </a:r>
-            <a:r>
-              <a:rPr kumimoji="1" lang="zh-CN" altLang="en-US" dirty="0"/>
-              <a:t>到 </a:t>
-            </a:r>
-            <a:r>
-              <a:rPr kumimoji="1" lang="en-US" altLang="zh-CN" dirty="0"/>
-              <a:t>zcu102 </a:t>
-            </a:r>
-            <a:r>
-              <a:rPr kumimoji="1" lang="zh-CN" altLang="en-US" dirty="0"/>
-              <a:t>开发板</a:t>
-            </a:r>
-            <a:endParaRPr kumimoji="1" lang="en-US" altLang="zh-CN" dirty="0"/>
-          </a:p>
-          <a:p>
-            <a:pPr>
-              <a:lnSpc>
-                <a:spcPct val="150000"/>
-              </a:lnSpc>
-            </a:pPr>
-            <a:r>
-              <a:rPr kumimoji="1" lang="zh-CN" altLang="en-US" dirty="0"/>
-              <a:t>一段艰难的尝试：版本依赖问题、</a:t>
-            </a:r>
-            <a:r>
-              <a:rPr kumimoji="1" lang="en-US" altLang="zh-CN" dirty="0" err="1"/>
-              <a:t>Vivado</a:t>
-            </a:r>
-            <a:r>
-              <a:rPr kumimoji="1" lang="en-US" altLang="zh-CN" dirty="0"/>
-              <a:t> </a:t>
-            </a:r>
-            <a:r>
-              <a:rPr kumimoji="1" lang="zh-CN" altLang="en-US" dirty="0"/>
-              <a:t>项目不够清晰、</a:t>
-            </a:r>
-            <a:r>
-              <a:rPr kumimoji="1" lang="en-US" altLang="zh-CN" dirty="0"/>
-              <a:t>Rocket </a:t>
-            </a:r>
-            <a:r>
-              <a:rPr kumimoji="1" lang="zh-CN" altLang="en-US" dirty="0"/>
-              <a:t>缺少文档</a:t>
-            </a:r>
-            <a:endParaRPr kumimoji="1" lang="en-US" altLang="zh-CN" dirty="0"/>
-          </a:p>
-          <a:p>
-            <a:pPr>
-              <a:lnSpc>
-                <a:spcPct val="150000"/>
-              </a:lnSpc>
-            </a:pPr>
-            <a:r>
-              <a:rPr kumimoji="1" lang="zh-CN" altLang="en-US" dirty="0"/>
-              <a:t>目前进展为成功搭建 </a:t>
-            </a:r>
-            <a:r>
-              <a:rPr kumimoji="1" lang="en-US" altLang="zh-CN" dirty="0"/>
-              <a:t>SoC</a:t>
-            </a:r>
-            <a:r>
-              <a:rPr kumimoji="1" lang="zh-CN" altLang="en-US" dirty="0"/>
-              <a:t>，但是遇到的 </a:t>
-            </a:r>
-            <a:r>
-              <a:rPr kumimoji="1" lang="en-US" altLang="zh-CN" dirty="0"/>
-              <a:t>DDR </a:t>
-            </a:r>
-            <a:r>
-              <a:rPr kumimoji="1" lang="zh-CN" altLang="en-US" dirty="0"/>
-              <a:t>读写问题还没有解决</a:t>
-            </a:r>
-            <a:endParaRPr kumimoji="1" lang="en-US" altLang="zh-CN" dirty="0"/>
-          </a:p>
-          <a:p>
-            <a:pPr>
-              <a:lnSpc>
-                <a:spcPct val="150000"/>
-              </a:lnSpc>
-            </a:pPr>
-            <a:r>
-              <a:rPr kumimoji="1" lang="zh-CN" altLang="en-US" dirty="0"/>
-              <a:t>尚未形成清晰的 </a:t>
-            </a:r>
-            <a:r>
-              <a:rPr kumimoji="1" lang="en-US" altLang="zh-CN" dirty="0"/>
-              <a:t>RISC-V </a:t>
-            </a:r>
-            <a:r>
-              <a:rPr kumimoji="1" lang="zh-CN" altLang="en-US" dirty="0"/>
-              <a:t>扩展文档，考虑先在 </a:t>
-            </a:r>
-            <a:r>
-              <a:rPr kumimoji="1" lang="en-US" altLang="zh-CN" dirty="0"/>
-              <a:t>QEMU </a:t>
-            </a:r>
-            <a:r>
-              <a:rPr kumimoji="1" lang="zh-CN" altLang="en-US" dirty="0"/>
-              <a:t>模拟器中进行探索</a:t>
-            </a:r>
-            <a:endParaRPr kumimoji="1" lang="en-US" altLang="zh-CN" dirty="0"/>
-          </a:p>
-        </p:txBody>
-      </p:sp>
-      <p:sp>
-        <p:nvSpPr>
-          <p:cNvPr id="3" name="标题 2">
-            <a:extLst>
-              <a:ext uri="{FF2B5EF4-FFF2-40B4-BE49-F238E27FC236}">
-                <a16:creationId xmlns:a16="http://schemas.microsoft.com/office/drawing/2014/main" id="{E5F20C5C-BE5B-F640-B2EF-4F8488015860}"/>
-              </a:ext>
-            </a:extLst>
-          </p:cNvPr>
-          <p:cNvSpPr>
-            <a:spLocks noGrp="1"/>
-          </p:cNvSpPr>
-          <p:nvPr>
-            <p:ph type="title"/>
-          </p:nvPr>
-        </p:nvSpPr>
-        <p:spPr/>
-        <p:txBody>
-          <a:bodyPr/>
-          <a:lstStyle/>
-          <a:p>
-            <a:r>
-              <a:rPr kumimoji="1" lang="zh-CN" altLang="en-US" dirty="0"/>
-              <a:t>进展情况</a:t>
-            </a:r>
-          </a:p>
-        </p:txBody>
-      </p:sp>
-    </p:spTree>
-    <p:extLst>
-      <p:ext uri="{BB962C8B-B14F-4D97-AF65-F5344CB8AC3E}">
-        <p14:creationId xmlns:p14="http://schemas.microsoft.com/office/powerpoint/2010/main" val="2000320784"/>
-      </p:ext>
-    </p:extLst>
-  </p:cSld>
-  <p:clrMapOvr>
-    <a:masterClrMapping/>
-  </p:clrMapOvr>
-</p:sld>
-</file>
-
-<file path=ppt/slides/slide8.xml><?xml version="1.0" encoding="utf-8"?>
-<p:sld xmlns:a="http://schemas.openxmlformats.org/drawingml/2006/main" xmlns:r="http://schemas.openxmlformats.org/officeDocument/2006/relationships" xmlns:p="http://schemas.openxmlformats.org/presentationml/2006/main">
-  <p:cSld>
-    <p:spTree>
-      <p:nvGrpSpPr>
-        <p:cNvPr id="1" name=""/>
-        <p:cNvGrpSpPr/>
-        <p:nvPr/>
-      </p:nvGrpSpPr>
-      <p:grpSpPr>
-        <a:xfrm>
-          <a:off x="0" y="0"/>
-          <a:ext cx="0" cy="0"/>
-          <a:chOff x="0" y="0"/>
-          <a:chExt cx="0" cy="0"/>
-        </a:xfrm>
-      </p:grpSpPr>
-      <p:sp>
-        <p:nvSpPr>
           <p:cNvPr id="3" name="标题 2">
             <a:extLst>
               <a:ext uri="{FF2B5EF4-FFF2-40B4-BE49-F238E27FC236}">
@@ -12254,14 +12133,14 @@
           <a:p>
             <a:r>
               <a:rPr lang="zh-CN" altLang="en-US" dirty="0"/>
-              <a:t>针对提出的问题给出代码分析</a:t>
+              <a:t>给出代码分析文档</a:t>
             </a:r>
             <a:endParaRPr lang="en-US" altLang="zh-CN" dirty="0"/>
           </a:p>
           <a:p>
             <a:r>
               <a:rPr lang="zh-CN" altLang="en-US" dirty="0"/>
-              <a:t>在实现了 </a:t>
+              <a:t>复现已有工作：在实现了 </a:t>
             </a:r>
             <a:r>
               <a:rPr lang="en-US" altLang="zh-CN" dirty="0" err="1"/>
@@ -12295,10 +12174,7 @@
               <a:rPr lang="en-US" altLang="zh-CN" dirty="0"/>
               <a:t> </a:t>
             </a:r>
-            <a:r>
-              <a:rPr lang="zh-CN" altLang="en-US" dirty="0"/>
-              <a:t>并复现已有工作</a:t>
-            </a:r>
+            <a:endParaRPr lang="zh-CN" altLang="en-US" dirty="0"/>
           </a:p>
         </p:txBody>
       </p:sp>
@@ -12345,6 +12221,217 @@
 </p:sld>
 </file>
 
+<file path=ppt/slides/slide8.xml><?xml version="1.0" encoding="utf-8"?>
+<p:sld xmlns:a="http://schemas.openxmlformats.org/drawingml/2006/main" xmlns:r="http://schemas.openxmlformats.org/officeDocument/2006/relationships" xmlns:p="http://schemas.openxmlformats.org/presentationml/2006/main">
+  <p:cSld>
+    <p:spTree>
+      <p:nvGrpSpPr>
+        <p:cNvPr id="1" name=""/>
+        <p:cNvGrpSpPr/>
+        <p:nvPr/>
+      </p:nvGrpSpPr>
+      <p:grpSpPr>
+        <a:xfrm>
+          <a:off x="0" y="0"/>
+          <a:ext cx="0" cy="0"/>
+          <a:chOff x="0" y="0"/>
+          <a:chExt cx="0" cy="0"/>
+        </a:xfrm>
+      </p:grpSpPr>
+      <p:sp>
+        <p:nvSpPr>
+          <p:cNvPr id="3" name="标题 2">
+            <a:extLst>
+              <a:ext uri="{FF2B5EF4-FFF2-40B4-BE49-F238E27FC236}">
+                <a16:creationId xmlns:a16="http://schemas.microsoft.com/office/drawing/2014/main" id="{E5F20C5C-BE5B-F640-B2EF-4F8488015860}"/>
+              </a:ext>
+            </a:extLst>
+          </p:cNvPr>
+          <p:cNvSpPr>
+            <a:spLocks noGrp="1"/>
+          </p:cNvSpPr>
+          <p:nvPr>
+            <p:ph type="title"/>
+          </p:nvPr>
+        </p:nvSpPr>
+        <p:spPr/>
+        <p:txBody>
+          <a:bodyPr/>
+          <a:lstStyle/>
+          <a:p>
+            <a:r>
+              <a:rPr kumimoji="1" lang="zh-CN" altLang="en-US" dirty="0"/>
+              <a:t>进展情况</a:t>
+            </a:r>
+          </a:p>
+        </p:txBody>
+      </p:sp>
+      <p:sp>
+        <p:nvSpPr>
+          <p:cNvPr id="9" name="内容占位符 8">
+            <a:extLst>
+              <a:ext uri="{FF2B5EF4-FFF2-40B4-BE49-F238E27FC236}">
+                <a16:creationId xmlns:a16="http://schemas.microsoft.com/office/drawing/2014/main" id="{A2B80BBE-9A3C-36D0-A4B0-6E923C2646FF}"/>
+              </a:ext>
+            </a:extLst>
+          </p:cNvPr>
+          <p:cNvSpPr>
+            <a:spLocks noGrp="1"/>
+          </p:cNvSpPr>
+          <p:nvPr>
+            <p:ph idx="1"/>
+          </p:nvPr>
+        </p:nvSpPr>
+        <p:spPr>
+          <a:xfrm>
+            <a:off x="651421" y="1964837"/>
+            <a:ext cx="5343136" cy="3238587"/>
+          </a:xfrm>
+        </p:spPr>
+        <p:txBody>
+          <a:bodyPr>
+            <a:noAutofit/>
+          </a:bodyPr>
+          <a:lstStyle/>
+          <a:p>
+            <a:pPr>
+              <a:lnSpc>
+                <a:spcPct val="150000"/>
+              </a:lnSpc>
+            </a:pPr>
+            <a:r>
+              <a:rPr lang="zh-CN" altLang="en-US" sz="2000" dirty="0"/>
+              <a:t>设计思路：</a:t>
+            </a:r>
+            <a:endParaRPr lang="en-US" altLang="zh-CN" sz="2000" dirty="0"/>
+          </a:p>
+          <a:p>
+            <a:pPr lvl="1">
+              <a:lnSpc>
+                <a:spcPct val="150000"/>
+              </a:lnSpc>
+            </a:pPr>
+            <a:r>
+              <a:rPr lang="en-US" altLang="zh-CN" sz="1800" dirty="0"/>
+              <a:t>RISC-V N </a:t>
+            </a:r>
+            <a:r>
+              <a:rPr lang="zh-CN" altLang="en-US" sz="1800" dirty="0"/>
+              <a:t>扩展相关寄存器和指令</a:t>
+            </a:r>
+            <a:endParaRPr lang="en-US" altLang="zh-CN" sz="1800" dirty="0"/>
+          </a:p>
+          <a:p>
+            <a:pPr lvl="1">
+              <a:lnSpc>
+                <a:spcPct val="150000"/>
+              </a:lnSpc>
+            </a:pPr>
+            <a:r>
+              <a:rPr lang="zh-CN" altLang="en-US" sz="1800" dirty="0"/>
+              <a:t>新 </a:t>
+            </a:r>
+            <a:r>
+              <a:rPr lang="en-US" altLang="zh-CN" sz="1800" dirty="0"/>
+              <a:t>CSR </a:t>
+            </a:r>
+            <a:r>
+              <a:rPr lang="zh-CN" altLang="en-US" sz="1800" dirty="0"/>
+              <a:t>寄存器用来维护状态 </a:t>
+            </a:r>
+            <a:r>
+              <a:rPr lang="en-US" altLang="zh-CN" sz="1800" dirty="0" err="1"/>
+              <a:t>uitt</a:t>
+            </a:r>
+            <a:r>
+              <a:rPr lang="en-US" altLang="zh-CN" sz="1800" dirty="0"/>
+              <a:t> </a:t>
+            </a:r>
+            <a:r>
+              <a:rPr lang="zh-CN" altLang="en-US" sz="1800" dirty="0"/>
+              <a:t>和 </a:t>
+            </a:r>
+            <a:r>
+              <a:rPr lang="en-US" altLang="zh-CN" sz="1800" dirty="0" err="1"/>
+              <a:t>upidaddr</a:t>
+            </a:r>
+            <a:endParaRPr lang="en-US" altLang="zh-CN" sz="1800" dirty="0"/>
+          </a:p>
+        </p:txBody>
+      </p:sp>
+      <p:pic>
+        <p:nvPicPr>
+          <p:cNvPr id="6" name="图片 5">
+            <a:extLst>
+              <a:ext uri="{FF2B5EF4-FFF2-40B4-BE49-F238E27FC236}">
+                <a16:creationId xmlns:a16="http://schemas.microsoft.com/office/drawing/2014/main" id="{F4F90C7E-CBB5-D75B-5C6B-76614A91B6E4}"/>
+              </a:ext>
+            </a:extLst>
+          </p:cNvPr>
+          <p:cNvPicPr>
+            <a:picLocks noChangeAspect="1"/>
+          </p:cNvPicPr>
+          <p:nvPr/>
+        </p:nvPicPr>
+        <p:blipFill>
+          <a:blip r:embed="rId2"/>
+          <a:stretch>
+            <a:fillRect/>
+          </a:stretch>
+        </p:blipFill>
+        <p:spPr>
+          <a:xfrm>
+            <a:off x="651421" y="4175186"/>
+            <a:ext cx="5006443" cy="1787022"/>
+          </a:xfrm>
+          <a:prstGeom prst="rect">
+            <a:avLst/>
+          </a:prstGeom>
+        </p:spPr>
+      </p:pic>
+      <p:pic>
+        <p:nvPicPr>
+          <p:cNvPr id="15" name="图片 14">
+            <a:extLst>
+              <a:ext uri="{FF2B5EF4-FFF2-40B4-BE49-F238E27FC236}">
+                <a16:creationId xmlns:a16="http://schemas.microsoft.com/office/drawing/2014/main" id="{BBCD83EC-279B-5B58-53A7-E90BEC71236F}"/>
+              </a:ext>
+            </a:extLst>
+          </p:cNvPr>
+          <p:cNvPicPr>
+            <a:picLocks noChangeAspect="1"/>
+          </p:cNvPicPr>
+          <p:nvPr/>
+        </p:nvPicPr>
+        <p:blipFill>
+          <a:blip r:embed="rId3"/>
+          <a:stretch>
+            <a:fillRect/>
+          </a:stretch>
+        </p:blipFill>
+        <p:spPr>
+          <a:xfrm>
+            <a:off x="5831728" y="1266047"/>
+            <a:ext cx="5601467" cy="4574531"/>
+          </a:xfrm>
+          <a:prstGeom prst="rect">
+            <a:avLst/>
+          </a:prstGeom>
+        </p:spPr>
+      </p:pic>
+    </p:spTree>
+    <p:extLst>
+      <p:ext uri="{BB962C8B-B14F-4D97-AF65-F5344CB8AC3E}">
+        <p14:creationId xmlns:p14="http://schemas.microsoft.com/office/powerpoint/2010/main" val="2724342541"/>
+      </p:ext>
+    </p:extLst>
+  </p:cSld>
+  <p:clrMapOvr>
+    <a:masterClrMapping/>
+  </p:clrMapOvr>
+</p:sld>
+</file>
+
 <file path=ppt/slides/slide9.xml><?xml version="1.0" encoding="utf-8"?>
 <p:sld xmlns:a="http://schemas.openxmlformats.org/drawingml/2006/main" xmlns:r="http://schemas.openxmlformats.org/officeDocument/2006/relationships" xmlns:p="http://schemas.openxmlformats.org/presentationml/2006/main">
   <p:cSld>
@@ -12409,7 +12496,7 @@
         <p:spPr>
           <a:xfrm>
             <a:off x="752864" y="2007969"/>
-            <a:ext cx="4553654" cy="3238587"/>
+            <a:ext cx="4553654" cy="4256607"/>
           </a:xfrm>
         </p:spPr>
         <p:txBody>
@@ -12424,26 +12511,46 @@
               </a:lnSpc>
             </a:pPr>
             <a:r>
-              <a:rPr lang="zh-CN" altLang="en-US" sz="2000" dirty="0"/>
-              <a:t>阅读 </a:t>
-            </a:r>
-            <a:r>
-              <a:rPr lang="en-US" altLang="zh-CN" sz="2000" dirty="0" err="1"/>
-              <a:t>qemu</a:t>
-            </a:r>
-            <a:r>
-              <a:rPr lang="en-US" altLang="zh-CN" sz="2000" dirty="0"/>
+              <a:rPr lang="zh-CN" altLang="en-US" sz="1600" dirty="0"/>
+              <a:t>接收方：</a:t>
+            </a:r>
+            <a:endParaRPr lang="en-US" altLang="zh-CN" sz="1600" dirty="0"/>
+          </a:p>
+          <a:p>
+            <a:pPr lvl="1">
+              <a:lnSpc>
+                <a:spcPct val="150000"/>
+              </a:lnSpc>
+            </a:pPr>
+            <a:r>
+              <a:rPr lang="zh-CN" altLang="en-US" sz="1400" dirty="0"/>
+              <a:t>注册用户态中断处理函数</a:t>
+            </a:r>
+            <a:endParaRPr lang="en-US" altLang="zh-CN" sz="1400" dirty="0"/>
+          </a:p>
+          <a:p>
+            <a:pPr lvl="1">
+              <a:lnSpc>
+                <a:spcPct val="150000"/>
+              </a:lnSpc>
+            </a:pPr>
+            <a:r>
+              <a:rPr lang="zh-CN" altLang="en-US" sz="1400" dirty="0"/>
+              <a:t>将 </a:t>
+            </a:r>
+            <a:r>
+              <a:rPr lang="en-US" altLang="zh-CN" sz="1400" dirty="0" err="1"/>
+              <a:t>fd</a:t>
+            </a:r>
+            <a:r>
+              <a:rPr lang="en-US" altLang="zh-CN" sz="1400" dirty="0"/>
               <a:t> </a:t>
             </a:r>
             <a:r>
-              <a:rPr lang="en-US" altLang="zh-CN" sz="2000" dirty="0" err="1"/>
-              <a:t>riscv</a:t>
-            </a:r>
-            <a:r>
-              <a:rPr lang="zh-CN" altLang="en-US" sz="2000" dirty="0"/>
-              <a:t> 代码</a:t>
-            </a:r>
-            <a:endParaRPr lang="en-US" altLang="zh-CN" sz="2000" dirty="0"/>
+              <a:rPr lang="zh-CN" altLang="en-US" sz="1400" dirty="0"/>
+              <a:t>交给发送方</a:t>
+            </a:r>
+            <a:endParaRPr lang="en-US" altLang="zh-CN" sz="1400" dirty="0"/>
           </a:p>
           <a:p>
             <a:pPr>
@@ -12452,94 +12559,157 @@
               </a:lnSpc>
             </a:pPr>
             <a:r>
-              <a:rPr lang="zh-CN" altLang="en-US" sz="2000" dirty="0"/>
-              <a:t>针对提出的问题给出代码分析</a:t>
-            </a:r>
-            <a:endParaRPr lang="en-US" altLang="zh-CN" sz="2000" dirty="0"/>
-          </a:p>
-          <a:p>
-            <a:pPr>
+              <a:rPr lang="zh-CN" altLang="en-US" sz="1600" dirty="0"/>
+              <a:t>发送方：</a:t>
+            </a:r>
+            <a:endParaRPr lang="en-US" altLang="zh-CN" sz="1600" dirty="0"/>
+          </a:p>
+          <a:p>
+            <a:pPr lvl="1">
               <a:lnSpc>
                 <a:spcPct val="150000"/>
               </a:lnSpc>
             </a:pPr>
             <a:r>
-              <a:rPr lang="zh-CN" altLang="en-US" sz="2000" dirty="0"/>
-              <a:t>移植已有的 </a:t>
-            </a:r>
-            <a:r>
-              <a:rPr lang="en-US" altLang="zh-CN" sz="2000" dirty="0"/>
-              <a:t>RISC-V N </a:t>
-            </a:r>
-            <a:r>
-              <a:rPr lang="zh-CN" altLang="en-US" sz="2000" dirty="0"/>
-              <a:t>扩展到 </a:t>
-            </a:r>
-            <a:r>
-              <a:rPr lang="en-US" altLang="zh-CN" sz="2000" dirty="0" err="1"/>
-              <a:t>qemu</a:t>
-            </a:r>
-            <a:r>
-              <a:rPr lang="en-US" altLang="zh-CN" sz="2000" dirty="0"/>
-              <a:t> 7.0 </a:t>
-            </a:r>
-            <a:r>
-              <a:rPr lang="zh-CN" altLang="en-US" sz="2000" dirty="0"/>
-              <a:t>版本</a:t>
-            </a:r>
-            <a:endParaRPr lang="en-US" altLang="zh-CN" sz="2000" dirty="0"/>
-          </a:p>
-          <a:p>
-            <a:pPr>
+              <a:rPr lang="zh-CN" altLang="en-US" sz="1400" dirty="0"/>
+              <a:t>根据 </a:t>
+            </a:r>
+            <a:r>
+              <a:rPr lang="en-US" altLang="zh-CN" sz="1400" dirty="0" err="1"/>
+              <a:t>fd</a:t>
+            </a:r>
+            <a:r>
+              <a:rPr lang="en-US" altLang="zh-CN" sz="1400" dirty="0"/>
+              <a:t> </a:t>
+            </a:r>
+            <a:r>
+              <a:rPr lang="zh-CN" altLang="en-US" sz="1400" dirty="0"/>
+              <a:t>注册 </a:t>
+            </a:r>
+            <a:r>
+              <a:rPr lang="en-US" altLang="zh-CN" sz="1400" dirty="0"/>
+              <a:t>vector</a:t>
+            </a:r>
+          </a:p>
+          <a:p>
+            <a:pPr lvl="1">
               <a:lnSpc>
                 <a:spcPct val="150000"/>
               </a:lnSpc>
             </a:pPr>
             <a:r>
-              <a:rPr lang="zh-CN" altLang="en-US" sz="2000" dirty="0"/>
-              <a:t>在修改后的 </a:t>
-            </a:r>
-            <a:r>
-              <a:rPr lang="en-US" altLang="zh-CN" sz="2000" dirty="0" err="1"/>
-              <a:t>qemu</a:t>
-            </a:r>
-            <a:r>
-              <a:rPr lang="en-US" altLang="zh-CN" sz="2000" dirty="0"/>
-              <a:t> </a:t>
-            </a:r>
-            <a:r>
-              <a:rPr lang="zh-CN" altLang="en-US" sz="2000" dirty="0"/>
-              <a:t>中运行 </a:t>
-            </a:r>
-            <a:r>
-              <a:rPr lang="en-US" altLang="zh-CN" sz="2000" dirty="0" err="1"/>
-              <a:t>tCore</a:t>
-            </a:r>
-            <a:r>
-              <a:rPr lang="en-US" altLang="zh-CN" sz="2000" dirty="0"/>
-              <a:t> </a:t>
-            </a:r>
-            <a:r>
-              <a:rPr lang="en-US" altLang="zh-CN" sz="2000" dirty="0" err="1"/>
-              <a:t>uintr</a:t>
-            </a:r>
-            <a:r>
-              <a:rPr lang="en-US" altLang="zh-CN" sz="2000" dirty="0"/>
-              <a:t> </a:t>
-            </a:r>
-            <a:r>
-              <a:rPr lang="zh-CN" altLang="en-US" sz="2000" dirty="0"/>
-              <a:t>模块的测试</a:t>
+              <a:rPr lang="en-US" altLang="zh-CN" sz="1400" dirty="0" err="1"/>
+              <a:t>senduipi</a:t>
+            </a:r>
+            <a:r>
+              <a:rPr lang="en-US" altLang="zh-CN" sz="1400" dirty="0"/>
+              <a:t> index</a:t>
+            </a:r>
+            <a:r>
+              <a:rPr lang="zh-CN" altLang="en-US" sz="1400" dirty="0"/>
+              <a:t>：</a:t>
+            </a:r>
+            <a:endParaRPr lang="en-US" altLang="zh-CN" sz="1400" dirty="0"/>
+          </a:p>
+          <a:p>
+            <a:pPr lvl="2">
+              <a:lnSpc>
+                <a:spcPct val="150000"/>
+              </a:lnSpc>
+            </a:pPr>
+            <a:r>
+              <a:rPr lang="zh-CN" altLang="en-US" sz="1200" dirty="0"/>
+              <a:t>读 </a:t>
+            </a:r>
+            <a:r>
+              <a:rPr lang="en-US" altLang="zh-CN" sz="1200" dirty="0"/>
+              <a:t>UITTE </a:t>
+            </a:r>
+            <a:r>
+              <a:rPr lang="zh-CN" altLang="en-US" sz="1200" dirty="0"/>
+              <a:t>获取 </a:t>
+            </a:r>
+            <a:r>
+              <a:rPr lang="en-US" altLang="zh-CN" sz="1200" dirty="0"/>
+              <a:t>UPID </a:t>
+            </a:r>
+            <a:r>
+              <a:rPr lang="zh-CN" altLang="en-US" sz="1200" dirty="0"/>
+              <a:t>物理地址</a:t>
+            </a:r>
+            <a:endParaRPr lang="en-US" altLang="zh-CN" sz="1200" dirty="0"/>
+          </a:p>
+          <a:p>
+            <a:pPr lvl="2">
+              <a:lnSpc>
+                <a:spcPct val="150000"/>
+              </a:lnSpc>
+            </a:pPr>
+            <a:r>
+              <a:rPr lang="zh-CN" altLang="en-US" sz="1200" dirty="0"/>
+              <a:t>读 </a:t>
+            </a:r>
+            <a:r>
+              <a:rPr lang="en-US" altLang="zh-CN" sz="1200" dirty="0"/>
+              <a:t>UPID </a:t>
+            </a:r>
+            <a:r>
+              <a:rPr lang="zh-CN" altLang="en-US" sz="1200" dirty="0"/>
+              <a:t>判断是否接收用户态中断</a:t>
+            </a:r>
+            <a:endParaRPr lang="en-US" altLang="zh-CN" sz="1200" dirty="0"/>
+          </a:p>
+          <a:p>
+            <a:pPr lvl="2">
+              <a:lnSpc>
+                <a:spcPct val="150000"/>
+              </a:lnSpc>
+            </a:pPr>
+            <a:r>
+              <a:rPr lang="zh-CN" altLang="en-US" sz="1200" dirty="0"/>
+              <a:t>写入 </a:t>
+            </a:r>
+            <a:r>
+              <a:rPr lang="en-US" altLang="zh-CN" sz="1200" dirty="0"/>
+              <a:t>UPID pending </a:t>
+            </a:r>
+            <a:r>
+              <a:rPr lang="zh-CN" altLang="en-US" sz="1200" dirty="0"/>
+              <a:t>对应位</a:t>
+            </a:r>
+            <a:endParaRPr lang="en-US" altLang="zh-CN" sz="1200" dirty="0"/>
+          </a:p>
+          <a:p>
+            <a:pPr lvl="2">
+              <a:lnSpc>
+                <a:spcPct val="150000"/>
+              </a:lnSpc>
+            </a:pPr>
+            <a:r>
+              <a:rPr lang="zh-CN" altLang="en-US" sz="1200" dirty="0"/>
+              <a:t>写 </a:t>
+            </a:r>
+            <a:r>
+              <a:rPr lang="en-US" altLang="zh-CN" sz="1200" dirty="0"/>
+              <a:t>CLINT </a:t>
+            </a:r>
+            <a:r>
+              <a:rPr lang="zh-CN" altLang="en-US" sz="1200" dirty="0"/>
+              <a:t>发送 </a:t>
+            </a:r>
+            <a:r>
+              <a:rPr lang="en-US" altLang="zh-CN" sz="1200" dirty="0"/>
+              <a:t>IPI</a:t>
             </a:r>
           </a:p>
         </p:txBody>
       </p:sp>
       <p:pic>
         <p:nvPicPr>
-          <p:cNvPr id="6" name="图片 5">
+          <p:cNvPr id="4" name="图片 3">
             <a:extLst>
               <a:ext uri="{FF2B5EF4-FFF2-40B4-BE49-F238E27FC236}">
-                <a16:creationId xmlns:a16="http://schemas.microsoft.com/office/drawing/2014/main" id="{F4F90C7E-CBB5-D75B-5C6B-76614A91B6E4}"/>
+                <a16:creationId xmlns:a16="http://schemas.microsoft.com/office/drawing/2014/main" id="{CADC4070-AF05-18AE-01AF-148D856FD4D4}"/>
               </a:ext>
             </a:extLst>
           </p:cNvPr>
@@ -12556,38 +12726,8 @@
         </p:blipFill>
         <p:spPr>
           <a:xfrm>
-            <a:off x="5895210" y="4394429"/>
-            <a:ext cx="4251550" cy="1517567"/>
-          </a:xfrm>
-          <a:prstGeom prst="rect">
-            <a:avLst/>
-          </a:prstGeom>
-        </p:spPr>
-      </p:pic>
-      <p:pic>
-        <p:nvPicPr>
-          <p:cNvPr id="13" name="图片 12">
-            <a:extLst>
-              <a:ext uri="{FF2B5EF4-FFF2-40B4-BE49-F238E27FC236}">
-                <a16:creationId xmlns:a16="http://schemas.microsoft.com/office/drawing/2014/main" id="{3F042C96-4AED-20F2-AFD8-641F3FD088DF}"/>
-              </a:ext>
-            </a:extLst>
-          </p:cNvPr>
-          <p:cNvPicPr>
-            <a:picLocks noChangeAspect="1"/>
-          </p:cNvPicPr>
-          <p:nvPr/>
-        </p:nvPicPr>
-        <p:blipFill>
-          <a:blip r:embed="rId3"/>
-          <a:stretch>
-            <a:fillRect/>
-          </a:stretch>
-        </p:blipFill>
-        <p:spPr>
-          <a:xfrm>
-            <a:off x="6246306" y="374057"/>
-            <a:ext cx="4734586" cy="3801005"/>
+            <a:off x="5208917" y="1873042"/>
+            <a:ext cx="5638800" cy="3762375"/>
           </a:xfrm>
           <a:prstGeom prst="rect">
             <a:avLst/>
@@ -12597,7 +12737,7 @@
     </p:spTree>
     <p:extLst>
       <p:ext uri="{BB962C8B-B14F-4D97-AF65-F5344CB8AC3E}">
-        <p14:creationId xmlns:p14="http://schemas.microsoft.com/office/powerpoint/2010/main" val="2724342541"/>
+        <p14:creationId xmlns:p14="http://schemas.microsoft.com/office/powerpoint/2010/main" val="4080340507"/>
       </p:ext>
     </p:extLst>
   </p:cSld>
